--- a/Prototyping Materials.pptx
+++ b/Prototyping Materials.pptx
@@ -6,26 +6,27 @@
   </p:sldMasterIdLst>
   <p:sldIdLst>
     <p:sldId id="319" r:id="rId2"/>
-    <p:sldId id="318" r:id="rId3"/>
-    <p:sldId id="320" r:id="rId4"/>
-    <p:sldId id="321" r:id="rId5"/>
-    <p:sldId id="322" r:id="rId6"/>
-    <p:sldId id="323" r:id="rId7"/>
-    <p:sldId id="324" r:id="rId8"/>
-    <p:sldId id="325" r:id="rId9"/>
-    <p:sldId id="326" r:id="rId10"/>
-    <p:sldId id="327" r:id="rId11"/>
-    <p:sldId id="328" r:id="rId12"/>
-    <p:sldId id="329" r:id="rId13"/>
-    <p:sldId id="307" r:id="rId14"/>
-    <p:sldId id="308" r:id="rId15"/>
-    <p:sldId id="268" r:id="rId16"/>
-    <p:sldId id="315" r:id="rId17"/>
-    <p:sldId id="306" r:id="rId18"/>
-    <p:sldId id="305" r:id="rId19"/>
-    <p:sldId id="270" r:id="rId20"/>
-    <p:sldId id="313" r:id="rId21"/>
-    <p:sldId id="312" r:id="rId22"/>
+    <p:sldId id="330" r:id="rId3"/>
+    <p:sldId id="318" r:id="rId4"/>
+    <p:sldId id="320" r:id="rId5"/>
+    <p:sldId id="321" r:id="rId6"/>
+    <p:sldId id="322" r:id="rId7"/>
+    <p:sldId id="323" r:id="rId8"/>
+    <p:sldId id="324" r:id="rId9"/>
+    <p:sldId id="325" r:id="rId10"/>
+    <p:sldId id="326" r:id="rId11"/>
+    <p:sldId id="327" r:id="rId12"/>
+    <p:sldId id="328" r:id="rId13"/>
+    <p:sldId id="329" r:id="rId14"/>
+    <p:sldId id="307" r:id="rId15"/>
+    <p:sldId id="308" r:id="rId16"/>
+    <p:sldId id="268" r:id="rId17"/>
+    <p:sldId id="315" r:id="rId18"/>
+    <p:sldId id="306" r:id="rId19"/>
+    <p:sldId id="305" r:id="rId20"/>
+    <p:sldId id="270" r:id="rId21"/>
+    <p:sldId id="313" r:id="rId22"/>
+    <p:sldId id="312" r:id="rId23"/>
   </p:sldIdLst>
   <p:sldSz cx="9906000" cy="6858000" type="A4"/>
   <p:notesSz cx="6797675" cy="9928225"/>
@@ -130,6 +131,7 @@
         <p14:section name="Welcome to ScaleIT" id="{7E56C192-0EAF-4A25-A71D-75E239532A4A}">
           <p14:sldIdLst>
             <p14:sldId id="319"/>
+            <p14:sldId id="330"/>
             <p14:sldId id="318"/>
           </p14:sldIdLst>
         </p14:section>
@@ -188,7 +190,7 @@
 <file path=ppt/charts/chart1.xml><?xml version="1.0" encoding="utf-8"?>
 <c:chartSpace xmlns:c="http://schemas.openxmlformats.org/drawingml/2006/chart" xmlns:a="http://schemas.openxmlformats.org/drawingml/2006/main" xmlns:r="http://schemas.openxmlformats.org/officeDocument/2006/relationships" xmlns:c16r2="http://schemas.microsoft.com/office/drawing/2015/06/chart">
   <c:date1904 val="0"/>
-  <c:lang val="de-DE"/>
+  <c:lang val="en-US"/>
   <c:roundedCorners val="0"/>
   <mc:AlternateContent xmlns:mc="http://schemas.openxmlformats.org/markup-compatibility/2006">
     <mc:Choice xmlns:c14="http://schemas.microsoft.com/office/drawing/2007/8/2/chart" Requires="c14">
@@ -506,7 +508,7 @@
 <file path=ppt/charts/chart2.xml><?xml version="1.0" encoding="utf-8"?>
 <c:chartSpace xmlns:c="http://schemas.openxmlformats.org/drawingml/2006/chart" xmlns:a="http://schemas.openxmlformats.org/drawingml/2006/main" xmlns:r="http://schemas.openxmlformats.org/officeDocument/2006/relationships" xmlns:c16r2="http://schemas.microsoft.com/office/drawing/2015/06/chart">
   <c:date1904 val="0"/>
-  <c:lang val="de-DE"/>
+  <c:lang val="en-US"/>
   <c:roundedCorners val="0"/>
   <mc:AlternateContent xmlns:mc="http://schemas.openxmlformats.org/markup-compatibility/2006">
     <mc:Choice xmlns:c14="http://schemas.microsoft.com/office/drawing/2007/8/2/chart" Requires="c14">
@@ -750,7 +752,7 @@
 <file path=ppt/charts/chart3.xml><?xml version="1.0" encoding="utf-8"?>
 <c:chartSpace xmlns:c="http://schemas.openxmlformats.org/drawingml/2006/chart" xmlns:a="http://schemas.openxmlformats.org/drawingml/2006/main" xmlns:r="http://schemas.openxmlformats.org/officeDocument/2006/relationships" xmlns:c16r2="http://schemas.microsoft.com/office/drawing/2015/06/chart">
   <c:date1904 val="0"/>
-  <c:lang val="de-DE"/>
+  <c:lang val="en-US"/>
   <c:roundedCorners val="0"/>
   <mc:AlternateContent xmlns:mc="http://schemas.openxmlformats.org/markup-compatibility/2006">
     <mc:Choice xmlns:c14="http://schemas.microsoft.com/office/drawing/2007/8/2/chart" Requires="c14">
@@ -1114,7 +1116,7 @@
 <file path=ppt/charts/chart4.xml><?xml version="1.0" encoding="utf-8"?>
 <c:chartSpace xmlns:c="http://schemas.openxmlformats.org/drawingml/2006/chart" xmlns:a="http://schemas.openxmlformats.org/drawingml/2006/main" xmlns:r="http://schemas.openxmlformats.org/officeDocument/2006/relationships" xmlns:c16r2="http://schemas.microsoft.com/office/drawing/2015/06/chart">
   <c:date1904 val="0"/>
-  <c:lang val="de-DE"/>
+  <c:lang val="en-US"/>
   <c:roundedCorners val="0"/>
   <mc:AlternateContent xmlns:mc="http://schemas.openxmlformats.org/markup-compatibility/2006">
     <mc:Choice xmlns:c14="http://schemas.microsoft.com/office/drawing/2007/8/2/chart" Requires="c14">
@@ -1524,7 +1526,7 @@
 <file path=ppt/charts/chart5.xml><?xml version="1.0" encoding="utf-8"?>
 <c:chartSpace xmlns:c="http://schemas.openxmlformats.org/drawingml/2006/chart" xmlns:a="http://schemas.openxmlformats.org/drawingml/2006/main" xmlns:r="http://schemas.openxmlformats.org/officeDocument/2006/relationships" xmlns:c16r2="http://schemas.microsoft.com/office/drawing/2015/06/chart">
   <c:date1904 val="0"/>
-  <c:lang val="de-DE"/>
+  <c:lang val="en-US"/>
   <c:roundedCorners val="0"/>
   <mc:AlternateContent xmlns:mc="http://schemas.openxmlformats.org/markup-compatibility/2006">
     <mc:Choice xmlns:c14="http://schemas.microsoft.com/office/drawing/2007/8/2/chart" Requires="c14">
@@ -4783,7 +4785,7 @@
           <a:p>
             <a:fld id="{6CFF613B-2A9F-46DD-9629-249B4C8727B5}" type="datetimeFigureOut">
               <a:rPr lang="de-DE" smtClean="0"/>
-              <a:t>22.01.2018</a:t>
+              <a:t>22.01.18</a:t>
             </a:fld>
             <a:endParaRPr lang="de-DE"/>
           </a:p>
@@ -4825,7 +4827,7 @@
           <a:p>
             <a:fld id="{A6C91B35-01A3-46C0-859F-B4A4203A0F90}" type="slidenum">
               <a:rPr lang="de-DE" smtClean="0"/>
-              <a:t>‹Nr.›</a:t>
+              <a:t>‹#›</a:t>
             </a:fld>
             <a:endParaRPr lang="de-DE"/>
           </a:p>
@@ -4953,7 +4955,7 @@
           <a:p>
             <a:fld id="{6CFF613B-2A9F-46DD-9629-249B4C8727B5}" type="datetimeFigureOut">
               <a:rPr lang="de-DE" smtClean="0"/>
-              <a:t>22.01.2018</a:t>
+              <a:t>22.01.18</a:t>
             </a:fld>
             <a:endParaRPr lang="de-DE"/>
           </a:p>
@@ -4995,7 +4997,7 @@
           <a:p>
             <a:fld id="{A6C91B35-01A3-46C0-859F-B4A4203A0F90}" type="slidenum">
               <a:rPr lang="de-DE" smtClean="0"/>
-              <a:t>‹Nr.›</a:t>
+              <a:t>‹#›</a:t>
             </a:fld>
             <a:endParaRPr lang="de-DE"/>
           </a:p>
@@ -5133,7 +5135,7 @@
           <a:p>
             <a:fld id="{6CFF613B-2A9F-46DD-9629-249B4C8727B5}" type="datetimeFigureOut">
               <a:rPr lang="de-DE" smtClean="0"/>
-              <a:t>22.01.2018</a:t>
+              <a:t>22.01.18</a:t>
             </a:fld>
             <a:endParaRPr lang="de-DE"/>
           </a:p>
@@ -5175,7 +5177,7 @@
           <a:p>
             <a:fld id="{A6C91B35-01A3-46C0-859F-B4A4203A0F90}" type="slidenum">
               <a:rPr lang="de-DE" smtClean="0"/>
-              <a:t>‹Nr.›</a:t>
+              <a:t>‹#›</a:t>
             </a:fld>
             <a:endParaRPr lang="de-DE"/>
           </a:p>
@@ -5680,7 +5682,7 @@
             <a:fld id="{D8D877B3-D348-4611-9BDB-C5374591D951}" type="slidenum">
               <a:rPr lang="en-US" smtClean="0"/>
               <a:pPr/>
-              <a:t>‹Nr.›</a:t>
+              <a:t>‹#›</a:t>
             </a:fld>
             <a:endParaRPr lang="en-US" dirty="0"/>
           </a:p>
@@ -5957,7 +5959,7 @@
           <a:p>
             <a:fld id="{6CFF613B-2A9F-46DD-9629-249B4C8727B5}" type="datetimeFigureOut">
               <a:rPr lang="de-DE" smtClean="0"/>
-              <a:t>22.01.2018</a:t>
+              <a:t>22.01.18</a:t>
             </a:fld>
             <a:endParaRPr lang="de-DE"/>
           </a:p>
@@ -5999,7 +6001,7 @@
           <a:p>
             <a:fld id="{A6C91B35-01A3-46C0-859F-B4A4203A0F90}" type="slidenum">
               <a:rPr lang="de-DE" smtClean="0"/>
-              <a:t>‹Nr.›</a:t>
+              <a:t>‹#›</a:t>
             </a:fld>
             <a:endParaRPr lang="de-DE"/>
           </a:p>
@@ -6201,7 +6203,7 @@
           <a:p>
             <a:fld id="{6CFF613B-2A9F-46DD-9629-249B4C8727B5}" type="datetimeFigureOut">
               <a:rPr lang="de-DE" smtClean="0"/>
-              <a:t>22.01.2018</a:t>
+              <a:t>22.01.18</a:t>
             </a:fld>
             <a:endParaRPr lang="de-DE"/>
           </a:p>
@@ -6243,7 +6245,7 @@
           <a:p>
             <a:fld id="{A6C91B35-01A3-46C0-859F-B4A4203A0F90}" type="slidenum">
               <a:rPr lang="de-DE" smtClean="0"/>
-              <a:t>‹Nr.›</a:t>
+              <a:t>‹#›</a:t>
             </a:fld>
             <a:endParaRPr lang="de-DE"/>
           </a:p>
@@ -6433,7 +6435,7 @@
           <a:p>
             <a:fld id="{6CFF613B-2A9F-46DD-9629-249B4C8727B5}" type="datetimeFigureOut">
               <a:rPr lang="de-DE" smtClean="0"/>
-              <a:t>22.01.2018</a:t>
+              <a:t>22.01.18</a:t>
             </a:fld>
             <a:endParaRPr lang="de-DE"/>
           </a:p>
@@ -6475,7 +6477,7 @@
           <a:p>
             <a:fld id="{A6C91B35-01A3-46C0-859F-B4A4203A0F90}" type="slidenum">
               <a:rPr lang="de-DE" smtClean="0"/>
-              <a:t>‹Nr.›</a:t>
+              <a:t>‹#›</a:t>
             </a:fld>
             <a:endParaRPr lang="de-DE"/>
           </a:p>
@@ -6800,7 +6802,7 @@
           <a:p>
             <a:fld id="{6CFF613B-2A9F-46DD-9629-249B4C8727B5}" type="datetimeFigureOut">
               <a:rPr lang="de-DE" smtClean="0"/>
-              <a:t>22.01.2018</a:t>
+              <a:t>22.01.18</a:t>
             </a:fld>
             <a:endParaRPr lang="de-DE"/>
           </a:p>
@@ -6842,7 +6844,7 @@
           <a:p>
             <a:fld id="{A6C91B35-01A3-46C0-859F-B4A4203A0F90}" type="slidenum">
               <a:rPr lang="de-DE" smtClean="0"/>
-              <a:t>‹Nr.›</a:t>
+              <a:t>‹#›</a:t>
             </a:fld>
             <a:endParaRPr lang="de-DE"/>
           </a:p>
@@ -6918,7 +6920,7 @@
           <a:p>
             <a:fld id="{6CFF613B-2A9F-46DD-9629-249B4C8727B5}" type="datetimeFigureOut">
               <a:rPr lang="de-DE" smtClean="0"/>
-              <a:t>22.01.2018</a:t>
+              <a:t>22.01.18</a:t>
             </a:fld>
             <a:endParaRPr lang="de-DE"/>
           </a:p>
@@ -6960,7 +6962,7 @@
           <a:p>
             <a:fld id="{A6C91B35-01A3-46C0-859F-B4A4203A0F90}" type="slidenum">
               <a:rPr lang="de-DE" smtClean="0"/>
-              <a:t>‹Nr.›</a:t>
+              <a:t>‹#›</a:t>
             </a:fld>
             <a:endParaRPr lang="de-DE"/>
           </a:p>
@@ -7013,7 +7015,7 @@
           <a:p>
             <a:fld id="{6CFF613B-2A9F-46DD-9629-249B4C8727B5}" type="datetimeFigureOut">
               <a:rPr lang="de-DE" smtClean="0"/>
-              <a:t>22.01.2018</a:t>
+              <a:t>22.01.18</a:t>
             </a:fld>
             <a:endParaRPr lang="de-DE"/>
           </a:p>
@@ -7055,7 +7057,7 @@
           <a:p>
             <a:fld id="{A6C91B35-01A3-46C0-859F-B4A4203A0F90}" type="slidenum">
               <a:rPr lang="de-DE" smtClean="0"/>
-              <a:t>‹Nr.›</a:t>
+              <a:t>‹#›</a:t>
             </a:fld>
             <a:endParaRPr lang="de-DE"/>
           </a:p>
@@ -7290,7 +7292,7 @@
           <a:p>
             <a:fld id="{6CFF613B-2A9F-46DD-9629-249B4C8727B5}" type="datetimeFigureOut">
               <a:rPr lang="de-DE" smtClean="0"/>
-              <a:t>22.01.2018</a:t>
+              <a:t>22.01.18</a:t>
             </a:fld>
             <a:endParaRPr lang="de-DE"/>
           </a:p>
@@ -7332,7 +7334,7 @@
           <a:p>
             <a:fld id="{A6C91B35-01A3-46C0-859F-B4A4203A0F90}" type="slidenum">
               <a:rPr lang="de-DE" smtClean="0"/>
-              <a:t>‹Nr.›</a:t>
+              <a:t>‹#›</a:t>
             </a:fld>
             <a:endParaRPr lang="de-DE"/>
           </a:p>
@@ -7547,7 +7549,7 @@
           <a:p>
             <a:fld id="{6CFF613B-2A9F-46DD-9629-249B4C8727B5}" type="datetimeFigureOut">
               <a:rPr lang="de-DE" smtClean="0"/>
-              <a:t>22.01.2018</a:t>
+              <a:t>22.01.18</a:t>
             </a:fld>
             <a:endParaRPr lang="de-DE"/>
           </a:p>
@@ -7589,7 +7591,7 @@
           <a:p>
             <a:fld id="{A6C91B35-01A3-46C0-859F-B4A4203A0F90}" type="slidenum">
               <a:rPr lang="de-DE" smtClean="0"/>
-              <a:t>‹Nr.›</a:t>
+              <a:t>‹#›</a:t>
             </a:fld>
             <a:endParaRPr lang="de-DE"/>
           </a:p>
@@ -7760,7 +7762,7 @@
           <a:p>
             <a:fld id="{6CFF613B-2A9F-46DD-9629-249B4C8727B5}" type="datetimeFigureOut">
               <a:rPr lang="de-DE" smtClean="0"/>
-              <a:t>22.01.2018</a:t>
+              <a:t>22.01.18</a:t>
             </a:fld>
             <a:endParaRPr lang="de-DE"/>
           </a:p>
@@ -7838,7 +7840,7 @@
           <a:p>
             <a:fld id="{A6C91B35-01A3-46C0-859F-B4A4203A0F90}" type="slidenum">
               <a:rPr lang="de-DE" smtClean="0"/>
-              <a:t>‹Nr.›</a:t>
+              <a:t>‹#›</a:t>
             </a:fld>
             <a:endParaRPr lang="de-DE"/>
           </a:p>
@@ -8889,6 +8891,397 @@
     </p:spTree>
     <p:extLst>
       <p:ext uri="{BB962C8B-B14F-4D97-AF65-F5344CB8AC3E}">
+        <p14:creationId xmlns:p14="http://schemas.microsoft.com/office/powerpoint/2010/main" val="3777763640"/>
+      </p:ext>
+    </p:extLst>
+  </p:cSld>
+  <p:clrMapOvr>
+    <a:masterClrMapping/>
+  </p:clrMapOvr>
+</p:sld>
+</file>
+
+<file path=ppt/slides/slide11.xml><?xml version="1.0" encoding="utf-8"?>
+<p:sld xmlns:a="http://schemas.openxmlformats.org/drawingml/2006/main" xmlns:r="http://schemas.openxmlformats.org/officeDocument/2006/relationships" xmlns:p="http://schemas.openxmlformats.org/presentationml/2006/main">
+  <p:cSld>
+    <p:spTree>
+      <p:nvGrpSpPr>
+        <p:cNvPr id="1" name=""/>
+        <p:cNvGrpSpPr/>
+        <p:nvPr/>
+      </p:nvGrpSpPr>
+      <p:grpSpPr>
+        <a:xfrm>
+          <a:off x="0" y="0"/>
+          <a:ext cx="0" cy="0"/>
+          <a:chOff x="0" y="0"/>
+          <a:chExt cx="0" cy="0"/>
+        </a:xfrm>
+      </p:grpSpPr>
+      <p:grpSp>
+        <p:nvGrpSpPr>
+          <p:cNvPr id="3" name="Gruppieren 2">
+            <a:extLst>
+              <a:ext uri="{FF2B5EF4-FFF2-40B4-BE49-F238E27FC236}">
+                <a16:creationId xmlns:a16="http://schemas.microsoft.com/office/drawing/2014/main" id="{FC53B0ED-9C6A-4AC2-981D-6AD57E3B6C8D}"/>
+              </a:ext>
+            </a:extLst>
+          </p:cNvPr>
+          <p:cNvGrpSpPr/>
+          <p:nvPr/>
+        </p:nvGrpSpPr>
+        <p:grpSpPr>
+          <a:xfrm>
+            <a:off x="-298176" y="-1524000"/>
+            <a:ext cx="10707756" cy="9892747"/>
+            <a:chOff x="846936" y="205366"/>
+            <a:chExt cx="5645485" cy="5645485"/>
+          </a:xfrm>
+        </p:grpSpPr>
+        <p:pic>
+          <p:nvPicPr>
+            <p:cNvPr id="8" name="Grafik 7" descr="Tablet">
+              <a:extLst>
+                <a:ext uri="{FF2B5EF4-FFF2-40B4-BE49-F238E27FC236}">
+                  <a16:creationId xmlns:a16="http://schemas.microsoft.com/office/drawing/2014/main" id="{2488CA38-3AC8-4185-B7CF-5C53D516A786}"/>
+                </a:ext>
+              </a:extLst>
+            </p:cNvPr>
+            <p:cNvPicPr>
+              <a:picLocks noChangeAspect="1"/>
+            </p:cNvPicPr>
+            <p:nvPr/>
+          </p:nvPicPr>
+          <p:blipFill>
+            <a:blip r:embed="rId2">
+              <a:extLst>
+                <a:ext uri="{28A0092B-C50C-407E-A947-70E740481C1C}">
+                  <a14:useLocalDpi xmlns:a14="http://schemas.microsoft.com/office/drawing/2010/main" val="0"/>
+                </a:ext>
+                <a:ext uri="{96DAC541-7B7A-43D3-8B79-37D633B846F1}">
+                  <asvg:svgBlip xmlns:asvg="http://schemas.microsoft.com/office/drawing/2016/SVG/main" r:embed="rId3"/>
+                </a:ext>
+              </a:extLst>
+            </a:blip>
+            <a:stretch>
+              <a:fillRect/>
+            </a:stretch>
+          </p:blipFill>
+          <p:spPr>
+            <a:xfrm>
+              <a:off x="846936" y="205366"/>
+              <a:ext cx="5645485" cy="5645485"/>
+            </a:xfrm>
+            <a:prstGeom prst="rect">
+              <a:avLst/>
+            </a:prstGeom>
+          </p:spPr>
+        </p:pic>
+        <p:pic>
+          <p:nvPicPr>
+            <p:cNvPr id="9" name="Inhaltsplatzhalter 3" title="ScaleIT_Logo">
+              <a:extLst>
+                <a:ext uri="{FF2B5EF4-FFF2-40B4-BE49-F238E27FC236}">
+                  <a16:creationId xmlns:a16="http://schemas.microsoft.com/office/drawing/2014/main" id="{55D8DB2A-C0E2-4BD1-AC21-EE1BF356B939}"/>
+                </a:ext>
+              </a:extLst>
+            </p:cNvPr>
+            <p:cNvPicPr>
+              <a:picLocks/>
+            </p:cNvPicPr>
+            <p:nvPr/>
+          </p:nvPicPr>
+          <p:blipFill>
+            <a:blip r:embed="rId4">
+              <a:extLst>
+                <a:ext uri="{28A0092B-C50C-407E-A947-70E740481C1C}">
+                  <a14:useLocalDpi xmlns:a14="http://schemas.microsoft.com/office/drawing/2010/main" val="0"/>
+                </a:ext>
+              </a:extLst>
+            </a:blip>
+            <a:stretch>
+              <a:fillRect/>
+            </a:stretch>
+          </p:blipFill>
+          <p:spPr>
+            <a:xfrm>
+              <a:off x="5377998" y="4491474"/>
+              <a:ext cx="477550" cy="138017"/>
+            </a:xfrm>
+            <a:prstGeom prst="rect">
+              <a:avLst/>
+            </a:prstGeom>
+          </p:spPr>
+        </p:pic>
+      </p:grpSp>
+      <p:sp>
+        <p:nvSpPr>
+          <p:cNvPr id="10" name="Rechteck 9">
+            <a:extLst>
+              <a:ext uri="{FF2B5EF4-FFF2-40B4-BE49-F238E27FC236}">
+                <a16:creationId xmlns:a16="http://schemas.microsoft.com/office/drawing/2014/main" id="{4680C422-D169-4A66-B99B-8E6887C84B4F}"/>
+              </a:ext>
+            </a:extLst>
+          </p:cNvPr>
+          <p:cNvSpPr/>
+          <p:nvPr/>
+        </p:nvSpPr>
+        <p:spPr>
+          <a:xfrm>
+            <a:off x="801756" y="715618"/>
+            <a:ext cx="8479382" cy="5221356"/>
+          </a:xfrm>
+          <a:prstGeom prst="rect">
+            <a:avLst/>
+          </a:prstGeom>
+          <a:ln>
+            <a:solidFill>
+              <a:schemeClr val="tx1"/>
+            </a:solidFill>
+          </a:ln>
+        </p:spPr>
+        <p:style>
+          <a:lnRef idx="2">
+            <a:schemeClr val="accent6"/>
+          </a:lnRef>
+          <a:fillRef idx="1">
+            <a:schemeClr val="lt1"/>
+          </a:fillRef>
+          <a:effectRef idx="0">
+            <a:schemeClr val="accent6"/>
+          </a:effectRef>
+          <a:fontRef idx="minor">
+            <a:schemeClr val="dk1"/>
+          </a:fontRef>
+        </p:style>
+        <p:txBody>
+          <a:bodyPr rtlCol="0" anchor="ctr"/>
+          <a:lstStyle/>
+          <a:p>
+            <a:pPr algn="ctr"/>
+            <a:endParaRPr lang="de-DE"/>
+          </a:p>
+        </p:txBody>
+      </p:sp>
+      <p:sp>
+        <p:nvSpPr>
+          <p:cNvPr id="12" name="Rechteck 11">
+            <a:extLst>
+              <a:ext uri="{FF2B5EF4-FFF2-40B4-BE49-F238E27FC236}">
+                <a16:creationId xmlns:a16="http://schemas.microsoft.com/office/drawing/2014/main" id="{DBD22CEB-E33F-4E4B-9213-AEF84E86B40A}"/>
+              </a:ext>
+            </a:extLst>
+          </p:cNvPr>
+          <p:cNvSpPr/>
+          <p:nvPr/>
+        </p:nvSpPr>
+        <p:spPr>
+          <a:xfrm>
+            <a:off x="3922643" y="5943600"/>
+            <a:ext cx="2199861" cy="218661"/>
+          </a:xfrm>
+          <a:prstGeom prst="rect">
+            <a:avLst/>
+          </a:prstGeom>
+          <a:solidFill>
+            <a:schemeClr val="tx1"/>
+          </a:solidFill>
+          <a:ln>
+            <a:solidFill>
+              <a:schemeClr val="tx1"/>
+            </a:solidFill>
+          </a:ln>
+        </p:spPr>
+        <p:style>
+          <a:lnRef idx="2">
+            <a:schemeClr val="accent1">
+              <a:shade val="50000"/>
+            </a:schemeClr>
+          </a:lnRef>
+          <a:fillRef idx="1">
+            <a:schemeClr val="accent1"/>
+          </a:fillRef>
+          <a:effectRef idx="0">
+            <a:schemeClr val="accent1"/>
+          </a:effectRef>
+          <a:fontRef idx="minor">
+            <a:schemeClr val="lt1"/>
+          </a:fontRef>
+        </p:style>
+        <p:txBody>
+          <a:bodyPr rtlCol="0" anchor="ctr"/>
+          <a:lstStyle/>
+          <a:p>
+            <a:pPr algn="ctr"/>
+            <a:endParaRPr lang="de-DE"/>
+          </a:p>
+        </p:txBody>
+      </p:sp>
+      <p:sp>
+        <p:nvSpPr>
+          <p:cNvPr id="13" name="Ellipse 12">
+            <a:extLst>
+              <a:ext uri="{FF2B5EF4-FFF2-40B4-BE49-F238E27FC236}">
+                <a16:creationId xmlns:a16="http://schemas.microsoft.com/office/drawing/2014/main" id="{23E50D8B-64CE-4B16-A213-5B1B26C52A5F}"/>
+              </a:ext>
+            </a:extLst>
+          </p:cNvPr>
+          <p:cNvSpPr/>
+          <p:nvPr/>
+        </p:nvSpPr>
+        <p:spPr>
+          <a:xfrm>
+            <a:off x="4938742" y="6026425"/>
+            <a:ext cx="205409" cy="205409"/>
+          </a:xfrm>
+          <a:prstGeom prst="ellipse">
+            <a:avLst/>
+          </a:prstGeom>
+          <a:solidFill>
+            <a:schemeClr val="bg1"/>
+          </a:solidFill>
+          <a:ln>
+            <a:solidFill>
+              <a:schemeClr val="tx1"/>
+            </a:solidFill>
+          </a:ln>
+        </p:spPr>
+        <p:style>
+          <a:lnRef idx="2">
+            <a:schemeClr val="accent1">
+              <a:shade val="50000"/>
+            </a:schemeClr>
+          </a:lnRef>
+          <a:fillRef idx="1">
+            <a:schemeClr val="accent1"/>
+          </a:fillRef>
+          <a:effectRef idx="0">
+            <a:schemeClr val="accent1"/>
+          </a:effectRef>
+          <a:fontRef idx="minor">
+            <a:schemeClr val="lt1"/>
+          </a:fontRef>
+        </p:style>
+        <p:txBody>
+          <a:bodyPr rtlCol="0" anchor="ctr"/>
+          <a:lstStyle/>
+          <a:p>
+            <a:pPr algn="ctr"/>
+            <a:endParaRPr lang="de-DE"/>
+          </a:p>
+        </p:txBody>
+      </p:sp>
+      <p:pic>
+        <p:nvPicPr>
+          <p:cNvPr id="14" name="Grafik 13">
+            <a:extLst>
+              <a:ext uri="{FF2B5EF4-FFF2-40B4-BE49-F238E27FC236}">
+                <a16:creationId xmlns:a16="http://schemas.microsoft.com/office/drawing/2014/main" id="{454CF4C6-0464-41E3-90AE-891BF851BFA7}"/>
+              </a:ext>
+            </a:extLst>
+          </p:cNvPr>
+          <p:cNvPicPr>
+            <a:picLocks noChangeAspect="1"/>
+          </p:cNvPicPr>
+          <p:nvPr/>
+        </p:nvPicPr>
+        <p:blipFill>
+          <a:blip r:embed="rId5">
+            <a:extLst>
+              <a:ext uri="{28A0092B-C50C-407E-A947-70E740481C1C}">
+                <a14:useLocalDpi xmlns:a14="http://schemas.microsoft.com/office/drawing/2010/main" val="0"/>
+              </a:ext>
+            </a:extLst>
+          </a:blip>
+          <a:stretch>
+            <a:fillRect/>
+          </a:stretch>
+        </p:blipFill>
+        <p:spPr>
+          <a:xfrm>
+            <a:off x="876939" y="754462"/>
+            <a:ext cx="257628" cy="238019"/>
+          </a:xfrm>
+          <a:prstGeom prst="rect">
+            <a:avLst/>
+          </a:prstGeom>
+        </p:spPr>
+      </p:pic>
+      <p:pic>
+        <p:nvPicPr>
+          <p:cNvPr id="15" name="Grafik 14">
+            <a:extLst>
+              <a:ext uri="{FF2B5EF4-FFF2-40B4-BE49-F238E27FC236}">
+                <a16:creationId xmlns:a16="http://schemas.microsoft.com/office/drawing/2014/main" id="{D0E52042-E5F0-4DC4-B637-EF6E3FF376D2}"/>
+              </a:ext>
+            </a:extLst>
+          </p:cNvPr>
+          <p:cNvPicPr>
+            <a:picLocks noChangeAspect="1"/>
+          </p:cNvPicPr>
+          <p:nvPr/>
+        </p:nvPicPr>
+        <p:blipFill>
+          <a:blip r:embed="rId6">
+            <a:extLst>
+              <a:ext uri="{28A0092B-C50C-407E-A947-70E740481C1C}">
+                <a14:useLocalDpi xmlns:a14="http://schemas.microsoft.com/office/drawing/2010/main" val="0"/>
+              </a:ext>
+            </a:extLst>
+          </a:blip>
+          <a:stretch>
+            <a:fillRect/>
+          </a:stretch>
+        </p:blipFill>
+        <p:spPr>
+          <a:xfrm rot="16200000">
+            <a:off x="1302752" y="701933"/>
+            <a:ext cx="332210" cy="359579"/>
+          </a:xfrm>
+          <a:prstGeom prst="rect">
+            <a:avLst/>
+          </a:prstGeom>
+        </p:spPr>
+      </p:pic>
+      <p:pic>
+        <p:nvPicPr>
+          <p:cNvPr id="16" name="Grafik 15">
+            <a:extLst>
+              <a:ext uri="{FF2B5EF4-FFF2-40B4-BE49-F238E27FC236}">
+                <a16:creationId xmlns:a16="http://schemas.microsoft.com/office/drawing/2014/main" id="{B2E3FD90-BB71-4CD2-BCE6-85F6BFCDB57D}"/>
+              </a:ext>
+            </a:extLst>
+          </p:cNvPr>
+          <p:cNvPicPr>
+            <a:picLocks noChangeAspect="1"/>
+          </p:cNvPicPr>
+          <p:nvPr/>
+        </p:nvPicPr>
+        <p:blipFill>
+          <a:blip r:embed="rId7">
+            <a:extLst>
+              <a:ext uri="{28A0092B-C50C-407E-A947-70E740481C1C}">
+                <a14:useLocalDpi xmlns:a14="http://schemas.microsoft.com/office/drawing/2010/main" val="0"/>
+              </a:ext>
+            </a:extLst>
+          </a:blip>
+          <a:stretch>
+            <a:fillRect/>
+          </a:stretch>
+        </p:blipFill>
+        <p:spPr>
+          <a:xfrm>
+            <a:off x="1827035" y="758212"/>
+            <a:ext cx="253569" cy="234269"/>
+          </a:xfrm>
+          <a:prstGeom prst="rect">
+            <a:avLst/>
+          </a:prstGeom>
+        </p:spPr>
+      </p:pic>
+    </p:spTree>
+    <p:extLst>
+      <p:ext uri="{BB962C8B-B14F-4D97-AF65-F5344CB8AC3E}">
         <p14:creationId xmlns:p14="http://schemas.microsoft.com/office/powerpoint/2010/main" val="2537199465"/>
       </p:ext>
     </p:extLst>
@@ -8899,7 +9292,7 @@
 </p:sld>
 </file>
 
-<file path=ppt/slides/slide11.xml><?xml version="1.0" encoding="utf-8"?>
+<file path=ppt/slides/slide12.xml><?xml version="1.0" encoding="utf-8"?>
 <p:sld xmlns:a="http://schemas.openxmlformats.org/drawingml/2006/main" xmlns:r="http://schemas.openxmlformats.org/officeDocument/2006/relationships" xmlns:p="http://schemas.openxmlformats.org/presentationml/2006/main">
   <p:cSld>
     <p:spTree>
@@ -9095,7 +9488,7 @@
 </p:sld>
 </file>
 
-<file path=ppt/slides/slide12.xml><?xml version="1.0" encoding="utf-8"?>
+<file path=ppt/slides/slide13.xml><?xml version="1.0" encoding="utf-8"?>
 <p:sld xmlns:a="http://schemas.openxmlformats.org/drawingml/2006/main" xmlns:r="http://schemas.openxmlformats.org/officeDocument/2006/relationships" xmlns:p="http://schemas.openxmlformats.org/presentationml/2006/main">
   <p:cSld>
     <p:spTree>
@@ -9291,7 +9684,7 @@
 </p:sld>
 </file>
 
-<file path=ppt/slides/slide13.xml><?xml version="1.0" encoding="utf-8"?>
+<file path=ppt/slides/slide14.xml><?xml version="1.0" encoding="utf-8"?>
 <p:sld xmlns:a="http://schemas.openxmlformats.org/drawingml/2006/main" xmlns:r="http://schemas.openxmlformats.org/officeDocument/2006/relationships" xmlns:p="http://schemas.openxmlformats.org/presentationml/2006/main">
   <p:cSld>
     <p:spTree>
@@ -9967,7 +10360,7 @@
 </p:sld>
 </file>
 
-<file path=ppt/slides/slide14.xml><?xml version="1.0" encoding="utf-8"?>
+<file path=ppt/slides/slide15.xml><?xml version="1.0" encoding="utf-8"?>
 <p:sld xmlns:a="http://schemas.openxmlformats.org/drawingml/2006/main" xmlns:r="http://schemas.openxmlformats.org/officeDocument/2006/relationships" xmlns:p="http://schemas.openxmlformats.org/presentationml/2006/main">
   <p:cSld>
     <p:spTree>
@@ -11003,7 +11396,7 @@
 </p:sld>
 </file>
 
-<file path=ppt/slides/slide15.xml><?xml version="1.0" encoding="utf-8"?>
+<file path=ppt/slides/slide16.xml><?xml version="1.0" encoding="utf-8"?>
 <p:sld xmlns:a="http://schemas.openxmlformats.org/drawingml/2006/main" xmlns:r="http://schemas.openxmlformats.org/officeDocument/2006/relationships" xmlns:p="http://schemas.openxmlformats.org/presentationml/2006/main">
   <p:cSld>
     <p:spTree>
@@ -11268,7 +11661,7 @@
 </p:sld>
 </file>
 
-<file path=ppt/slides/slide16.xml><?xml version="1.0" encoding="utf-8"?>
+<file path=ppt/slides/slide17.xml><?xml version="1.0" encoding="utf-8"?>
 <p:sld xmlns:a="http://schemas.openxmlformats.org/drawingml/2006/main" xmlns:r="http://schemas.openxmlformats.org/officeDocument/2006/relationships" xmlns:p="http://schemas.openxmlformats.org/presentationml/2006/main">
   <p:cSld>
     <p:spTree>
@@ -11533,7 +11926,7 @@
 </p:sld>
 </file>
 
-<file path=ppt/slides/slide17.xml><?xml version="1.0" encoding="utf-8"?>
+<file path=ppt/slides/slide18.xml><?xml version="1.0" encoding="utf-8"?>
 <p:sld xmlns:a="http://schemas.openxmlformats.org/drawingml/2006/main" xmlns:r="http://schemas.openxmlformats.org/officeDocument/2006/relationships" xmlns:p="http://schemas.openxmlformats.org/presentationml/2006/main">
   <p:cSld>
     <p:spTree>
@@ -12593,7 +12986,7 @@
 </p:sld>
 </file>
 
-<file path=ppt/slides/slide18.xml><?xml version="1.0" encoding="utf-8"?>
+<file path=ppt/slides/slide19.xml><?xml version="1.0" encoding="utf-8"?>
 <p:sld xmlns:a="http://schemas.openxmlformats.org/drawingml/2006/main" xmlns:r="http://schemas.openxmlformats.org/officeDocument/2006/relationships" xmlns:p="http://schemas.openxmlformats.org/presentationml/2006/main">
   <p:cSld>
     <p:spTree>
@@ -13299,7 +13692,448 @@
 </p:sld>
 </file>
 
-<file path=ppt/slides/slide19.xml><?xml version="1.0" encoding="utf-8"?>
+<file path=ppt/slides/slide2.xml><?xml version="1.0" encoding="utf-8"?>
+<p:sld xmlns:a="http://schemas.openxmlformats.org/drawingml/2006/main" xmlns:r="http://schemas.openxmlformats.org/officeDocument/2006/relationships" xmlns:p="http://schemas.openxmlformats.org/presentationml/2006/main">
+  <p:cSld>
+    <p:spTree>
+      <p:nvGrpSpPr>
+        <p:cNvPr id="1" name=""/>
+        <p:cNvGrpSpPr/>
+        <p:nvPr/>
+      </p:nvGrpSpPr>
+      <p:grpSpPr>
+        <a:xfrm>
+          <a:off x="0" y="0"/>
+          <a:ext cx="0" cy="0"/>
+          <a:chOff x="0" y="0"/>
+          <a:chExt cx="0" cy="0"/>
+        </a:xfrm>
+      </p:grpSpPr>
+      <p:pic>
+        <p:nvPicPr>
+          <p:cNvPr id="4" name="Picture 3">
+            <a:extLst>
+              <a:ext uri="{FF2B5EF4-FFF2-40B4-BE49-F238E27FC236}">
+                <a16:creationId xmlns:a16="http://schemas.microsoft.com/office/drawing/2014/main" id="{2B1E01DE-77A1-724F-A458-46A20B7BD845}"/>
+              </a:ext>
+            </a:extLst>
+          </p:cNvPr>
+          <p:cNvPicPr>
+            <a:picLocks noChangeAspect="1"/>
+          </p:cNvPicPr>
+          <p:nvPr/>
+        </p:nvPicPr>
+        <p:blipFill rotWithShape="1">
+          <a:blip r:embed="rId2">
+            <a:extLst>
+              <a:ext uri="{28A0092B-C50C-407E-A947-70E740481C1C}">
+                <a14:useLocalDpi xmlns:a14="http://schemas.microsoft.com/office/drawing/2010/main" val="0"/>
+              </a:ext>
+            </a:extLst>
+          </a:blip>
+          <a:srcRect l="27188" t="39946" r="29219" b="40300"/>
+          <a:stretch/>
+        </p:blipFill>
+        <p:spPr>
+          <a:xfrm>
+            <a:off x="2814022" y="1205852"/>
+            <a:ext cx="3008829" cy="746990"/>
+          </a:xfrm>
+          <a:prstGeom prst="rect">
+            <a:avLst/>
+          </a:prstGeom>
+        </p:spPr>
+      </p:pic>
+      <p:pic>
+        <p:nvPicPr>
+          <p:cNvPr id="1026" name="Picture 2" descr="Image result for seal of approval">
+            <a:extLst>
+              <a:ext uri="{FF2B5EF4-FFF2-40B4-BE49-F238E27FC236}">
+                <a16:creationId xmlns:a16="http://schemas.microsoft.com/office/drawing/2014/main" id="{C3F87EAF-E6DA-1C41-B3C3-15044402262D}"/>
+              </a:ext>
+            </a:extLst>
+          </p:cNvPr>
+          <p:cNvPicPr>
+            <a:picLocks noChangeAspect="1" noChangeArrowheads="1"/>
+          </p:cNvPicPr>
+          <p:nvPr/>
+        </p:nvPicPr>
+        <p:blipFill>
+          <a:blip r:embed="rId3">
+            <a:extLst>
+              <a:ext uri="{28A0092B-C50C-407E-A947-70E740481C1C}">
+                <a14:useLocalDpi xmlns:a14="http://schemas.microsoft.com/office/drawing/2010/main" val="0"/>
+              </a:ext>
+            </a:extLst>
+          </a:blip>
+          <a:srcRect/>
+          <a:stretch>
+            <a:fillRect/>
+          </a:stretch>
+        </p:blipFill>
+        <p:spPr bwMode="auto">
+          <a:xfrm>
+            <a:off x="5822851" y="1060122"/>
+            <a:ext cx="1331346" cy="1038451"/>
+          </a:xfrm>
+          <a:prstGeom prst="rect">
+            <a:avLst/>
+          </a:prstGeom>
+          <a:noFill/>
+          <a:extLst>
+            <a:ext uri="{909E8E84-426E-40DD-AFC4-6F175D3DCCD1}">
+              <a14:hiddenFill xmlns:a14="http://schemas.microsoft.com/office/drawing/2010/main">
+                <a:solidFill>
+                  <a:srgbClr val="FFFFFF"/>
+                </a:solidFill>
+              </a14:hiddenFill>
+            </a:ext>
+          </a:extLst>
+        </p:spPr>
+      </p:pic>
+      <p:pic>
+        <p:nvPicPr>
+          <p:cNvPr id="7" name="Picture 6">
+            <a:extLst>
+              <a:ext uri="{FF2B5EF4-FFF2-40B4-BE49-F238E27FC236}">
+                <a16:creationId xmlns:a16="http://schemas.microsoft.com/office/drawing/2014/main" id="{7D6023BC-94EB-E749-A017-D04376385618}"/>
+              </a:ext>
+            </a:extLst>
+          </p:cNvPr>
+          <p:cNvPicPr>
+            <a:picLocks noChangeAspect="1"/>
+          </p:cNvPicPr>
+          <p:nvPr/>
+        </p:nvPicPr>
+        <p:blipFill rotWithShape="1">
+          <a:blip r:embed="rId2">
+            <a:extLst>
+              <a:ext uri="{28A0092B-C50C-407E-A947-70E740481C1C}">
+                <a14:useLocalDpi xmlns:a14="http://schemas.microsoft.com/office/drawing/2010/main" val="0"/>
+              </a:ext>
+            </a:extLst>
+          </a:blip>
+          <a:srcRect l="27188" t="39946" r="29219" b="40300"/>
+          <a:stretch/>
+        </p:blipFill>
+        <p:spPr>
+          <a:xfrm>
+            <a:off x="2814022" y="2449366"/>
+            <a:ext cx="3008829" cy="746990"/>
+          </a:xfrm>
+          <a:prstGeom prst="rect">
+            <a:avLst/>
+          </a:prstGeom>
+        </p:spPr>
+      </p:pic>
+      <p:pic>
+        <p:nvPicPr>
+          <p:cNvPr id="8" name="Picture 7" descr="Image result for seal of approval">
+            <a:extLst>
+              <a:ext uri="{FF2B5EF4-FFF2-40B4-BE49-F238E27FC236}">
+                <a16:creationId xmlns:a16="http://schemas.microsoft.com/office/drawing/2014/main" id="{F178DBBA-F53E-8444-B102-C57616D8190F}"/>
+              </a:ext>
+            </a:extLst>
+          </p:cNvPr>
+          <p:cNvPicPr>
+            <a:picLocks noChangeAspect="1" noChangeArrowheads="1"/>
+          </p:cNvPicPr>
+          <p:nvPr/>
+        </p:nvPicPr>
+        <p:blipFill>
+          <a:blip r:embed="rId3">
+            <a:extLst>
+              <a:ext uri="{28A0092B-C50C-407E-A947-70E740481C1C}">
+                <a14:useLocalDpi xmlns:a14="http://schemas.microsoft.com/office/drawing/2010/main" val="0"/>
+              </a:ext>
+            </a:extLst>
+          </a:blip>
+          <a:srcRect/>
+          <a:stretch>
+            <a:fillRect/>
+          </a:stretch>
+        </p:blipFill>
+        <p:spPr bwMode="auto">
+          <a:xfrm>
+            <a:off x="5822851" y="2303636"/>
+            <a:ext cx="1331346" cy="1038451"/>
+          </a:xfrm>
+          <a:prstGeom prst="rect">
+            <a:avLst/>
+          </a:prstGeom>
+          <a:noFill/>
+          <a:extLst>
+            <a:ext uri="{909E8E84-426E-40DD-AFC4-6F175D3DCCD1}">
+              <a14:hiddenFill xmlns:a14="http://schemas.microsoft.com/office/drawing/2010/main">
+                <a:solidFill>
+                  <a:srgbClr val="FFFFFF"/>
+                </a:solidFill>
+              </a14:hiddenFill>
+            </a:ext>
+          </a:extLst>
+        </p:spPr>
+      </p:pic>
+      <p:pic>
+        <p:nvPicPr>
+          <p:cNvPr id="9" name="Picture 8">
+            <a:extLst>
+              <a:ext uri="{FF2B5EF4-FFF2-40B4-BE49-F238E27FC236}">
+                <a16:creationId xmlns:a16="http://schemas.microsoft.com/office/drawing/2014/main" id="{D8E508ED-E805-2B45-BF28-7DC3BE20649F}"/>
+              </a:ext>
+            </a:extLst>
+          </p:cNvPr>
+          <p:cNvPicPr>
+            <a:picLocks noChangeAspect="1"/>
+          </p:cNvPicPr>
+          <p:nvPr/>
+        </p:nvPicPr>
+        <p:blipFill rotWithShape="1">
+          <a:blip r:embed="rId2">
+            <a:extLst>
+              <a:ext uri="{28A0092B-C50C-407E-A947-70E740481C1C}">
+                <a14:useLocalDpi xmlns:a14="http://schemas.microsoft.com/office/drawing/2010/main" val="0"/>
+              </a:ext>
+            </a:extLst>
+          </a:blip>
+          <a:srcRect l="27188" t="39946" r="29219" b="40300"/>
+          <a:stretch/>
+        </p:blipFill>
+        <p:spPr>
+          <a:xfrm>
+            <a:off x="2814022" y="3692880"/>
+            <a:ext cx="3008829" cy="746990"/>
+          </a:xfrm>
+          <a:prstGeom prst="rect">
+            <a:avLst/>
+          </a:prstGeom>
+        </p:spPr>
+      </p:pic>
+      <p:pic>
+        <p:nvPicPr>
+          <p:cNvPr id="10" name="Picture 9" descr="Image result for seal of approval">
+            <a:extLst>
+              <a:ext uri="{FF2B5EF4-FFF2-40B4-BE49-F238E27FC236}">
+                <a16:creationId xmlns:a16="http://schemas.microsoft.com/office/drawing/2014/main" id="{A5E7C5A7-A7F2-FF4E-BC0B-DA7A70063FB8}"/>
+              </a:ext>
+            </a:extLst>
+          </p:cNvPr>
+          <p:cNvPicPr>
+            <a:picLocks noChangeAspect="1" noChangeArrowheads="1"/>
+          </p:cNvPicPr>
+          <p:nvPr/>
+        </p:nvPicPr>
+        <p:blipFill>
+          <a:blip r:embed="rId3">
+            <a:extLst>
+              <a:ext uri="{28A0092B-C50C-407E-A947-70E740481C1C}">
+                <a14:useLocalDpi xmlns:a14="http://schemas.microsoft.com/office/drawing/2010/main" val="0"/>
+              </a:ext>
+            </a:extLst>
+          </a:blip>
+          <a:srcRect/>
+          <a:stretch>
+            <a:fillRect/>
+          </a:stretch>
+        </p:blipFill>
+        <p:spPr bwMode="auto">
+          <a:xfrm>
+            <a:off x="5822851" y="3547150"/>
+            <a:ext cx="1331346" cy="1038451"/>
+          </a:xfrm>
+          <a:prstGeom prst="rect">
+            <a:avLst/>
+          </a:prstGeom>
+          <a:noFill/>
+          <a:extLst>
+            <a:ext uri="{909E8E84-426E-40DD-AFC4-6F175D3DCCD1}">
+              <a14:hiddenFill xmlns:a14="http://schemas.microsoft.com/office/drawing/2010/main">
+                <a:solidFill>
+                  <a:srgbClr val="FFFFFF"/>
+                </a:solidFill>
+              </a14:hiddenFill>
+            </a:ext>
+          </a:extLst>
+        </p:spPr>
+      </p:pic>
+      <p:pic>
+        <p:nvPicPr>
+          <p:cNvPr id="11" name="Picture 10">
+            <a:extLst>
+              <a:ext uri="{FF2B5EF4-FFF2-40B4-BE49-F238E27FC236}">
+                <a16:creationId xmlns:a16="http://schemas.microsoft.com/office/drawing/2014/main" id="{594B061E-A2F4-1A41-B038-D2A005FC1AE0}"/>
+              </a:ext>
+            </a:extLst>
+          </p:cNvPr>
+          <p:cNvPicPr>
+            <a:picLocks noChangeAspect="1"/>
+          </p:cNvPicPr>
+          <p:nvPr/>
+        </p:nvPicPr>
+        <p:blipFill rotWithShape="1">
+          <a:blip r:embed="rId2">
+            <a:extLst>
+              <a:ext uri="{28A0092B-C50C-407E-A947-70E740481C1C}">
+                <a14:useLocalDpi xmlns:a14="http://schemas.microsoft.com/office/drawing/2010/main" val="0"/>
+              </a:ext>
+            </a:extLst>
+          </a:blip>
+          <a:srcRect l="27188" t="39946" r="29219" b="40300"/>
+          <a:stretch/>
+        </p:blipFill>
+        <p:spPr>
+          <a:xfrm>
+            <a:off x="2814022" y="4936395"/>
+            <a:ext cx="3008829" cy="746990"/>
+          </a:xfrm>
+          <a:prstGeom prst="rect">
+            <a:avLst/>
+          </a:prstGeom>
+        </p:spPr>
+      </p:pic>
+      <p:pic>
+        <p:nvPicPr>
+          <p:cNvPr id="12" name="Picture 11" descr="Image result for seal of approval">
+            <a:extLst>
+              <a:ext uri="{FF2B5EF4-FFF2-40B4-BE49-F238E27FC236}">
+                <a16:creationId xmlns:a16="http://schemas.microsoft.com/office/drawing/2014/main" id="{A1F92115-8716-374A-A23F-5CAE9FD7A9A6}"/>
+              </a:ext>
+            </a:extLst>
+          </p:cNvPr>
+          <p:cNvPicPr>
+            <a:picLocks noChangeAspect="1" noChangeArrowheads="1"/>
+          </p:cNvPicPr>
+          <p:nvPr/>
+        </p:nvPicPr>
+        <p:blipFill>
+          <a:blip r:embed="rId3">
+            <a:extLst>
+              <a:ext uri="{28A0092B-C50C-407E-A947-70E740481C1C}">
+                <a14:useLocalDpi xmlns:a14="http://schemas.microsoft.com/office/drawing/2010/main" val="0"/>
+              </a:ext>
+            </a:extLst>
+          </a:blip>
+          <a:srcRect/>
+          <a:stretch>
+            <a:fillRect/>
+          </a:stretch>
+        </p:blipFill>
+        <p:spPr bwMode="auto">
+          <a:xfrm>
+            <a:off x="5822851" y="4790664"/>
+            <a:ext cx="1331346" cy="1038451"/>
+          </a:xfrm>
+          <a:prstGeom prst="rect">
+            <a:avLst/>
+          </a:prstGeom>
+          <a:noFill/>
+          <a:extLst>
+            <a:ext uri="{909E8E84-426E-40DD-AFC4-6F175D3DCCD1}">
+              <a14:hiddenFill xmlns:a14="http://schemas.microsoft.com/office/drawing/2010/main">
+                <a:solidFill>
+                  <a:srgbClr val="FFFFFF"/>
+                </a:solidFill>
+              </a14:hiddenFill>
+            </a:ext>
+          </a:extLst>
+        </p:spPr>
+      </p:pic>
+      <p:sp>
+        <p:nvSpPr>
+          <p:cNvPr id="2" name="TextBox 1">
+            <a:extLst>
+              <a:ext uri="{FF2B5EF4-FFF2-40B4-BE49-F238E27FC236}">
+                <a16:creationId xmlns:a16="http://schemas.microsoft.com/office/drawing/2014/main" id="{46D510CF-ACC3-9F40-985B-602A6AEF18EC}"/>
+              </a:ext>
+            </a:extLst>
+          </p:cNvPr>
+          <p:cNvSpPr txBox="1"/>
+          <p:nvPr/>
+        </p:nvSpPr>
+        <p:spPr>
+          <a:xfrm>
+            <a:off x="1854200" y="6581001"/>
+            <a:ext cx="5643404" cy="276999"/>
+          </a:xfrm>
+          <a:prstGeom prst="rect">
+            <a:avLst/>
+          </a:prstGeom>
+          <a:noFill/>
+        </p:spPr>
+        <p:txBody>
+          <a:bodyPr wrap="none" rtlCol="0">
+            <a:spAutoFit/>
+          </a:bodyPr>
+          <a:lstStyle/>
+          <a:p>
+            <a:r>
+              <a:rPr lang="de-DE" sz="1200" dirty="0"/>
+              <a:t>https://</a:t>
+            </a:r>
+            <a:r>
+              <a:rPr lang="de-DE" sz="1200" dirty="0" err="1"/>
+              <a:t>www.westfield.in.gov</a:t>
+            </a:r>
+            <a:r>
+              <a:rPr lang="de-DE" sz="1200" dirty="0"/>
+              <a:t>/</a:t>
+            </a:r>
+            <a:r>
+              <a:rPr lang="de-DE" sz="1200" dirty="0" err="1"/>
+              <a:t>egov</a:t>
+            </a:r>
+            <a:r>
+              <a:rPr lang="de-DE" sz="1200" dirty="0"/>
+              <a:t>/</a:t>
+            </a:r>
+            <a:r>
+              <a:rPr lang="de-DE" sz="1200" dirty="0" err="1"/>
+              <a:t>apps</a:t>
+            </a:r>
+            <a:r>
+              <a:rPr lang="de-DE" sz="1200" dirty="0"/>
+              <a:t>/</a:t>
+            </a:r>
+            <a:r>
+              <a:rPr lang="de-DE" sz="1200" dirty="0" err="1"/>
+              <a:t>action</a:t>
+            </a:r>
+            <a:r>
+              <a:rPr lang="de-DE" sz="1200" dirty="0"/>
+              <a:t>/</a:t>
+            </a:r>
+            <a:r>
+              <a:rPr lang="de-DE" sz="1200" dirty="0" err="1"/>
+              <a:t>center.egov?view</a:t>
+            </a:r>
+            <a:r>
+              <a:rPr lang="de-DE" sz="1200" dirty="0"/>
+              <a:t>=</a:t>
+            </a:r>
+            <a:r>
+              <a:rPr lang="de-DE" sz="1200" dirty="0" err="1"/>
+              <a:t>form;page</a:t>
+            </a:r>
+            <a:r>
+              <a:rPr lang="de-DE" sz="1200" dirty="0"/>
+              <a:t>=1;id=404</a:t>
+            </a:r>
+          </a:p>
+        </p:txBody>
+      </p:sp>
+    </p:spTree>
+    <p:extLst>
+      <p:ext uri="{BB962C8B-B14F-4D97-AF65-F5344CB8AC3E}">
+        <p14:creationId xmlns:p14="http://schemas.microsoft.com/office/powerpoint/2010/main" val="2645605"/>
+      </p:ext>
+    </p:extLst>
+  </p:cSld>
+  <p:clrMapOvr>
+    <a:masterClrMapping/>
+  </p:clrMapOvr>
+</p:sld>
+</file>
+
+<file path=ppt/slides/slide20.xml><?xml version="1.0" encoding="utf-8"?>
 <p:sld xmlns:a="http://schemas.openxmlformats.org/drawingml/2006/main" xmlns:r="http://schemas.openxmlformats.org/officeDocument/2006/relationships" xmlns:p="http://schemas.openxmlformats.org/presentationml/2006/main">
   <p:cSld>
     <p:spTree>
@@ -13479,120 +14313,7 @@
 </p:sld>
 </file>
 
-<file path=ppt/slides/slide2.xml><?xml version="1.0" encoding="utf-8"?>
-<p:sld xmlns:a="http://schemas.openxmlformats.org/drawingml/2006/main" xmlns:r="http://schemas.openxmlformats.org/officeDocument/2006/relationships" xmlns:p="http://schemas.openxmlformats.org/presentationml/2006/main">
-  <p:cSld>
-    <p:spTree>
-      <p:nvGrpSpPr>
-        <p:cNvPr id="1" name=""/>
-        <p:cNvGrpSpPr/>
-        <p:nvPr/>
-      </p:nvGrpSpPr>
-      <p:grpSpPr>
-        <a:xfrm>
-          <a:off x="0" y="0"/>
-          <a:ext cx="0" cy="0"/>
-          <a:chOff x="0" y="0"/>
-          <a:chExt cx="0" cy="0"/>
-        </a:xfrm>
-      </p:grpSpPr>
-      <p:pic>
-        <p:nvPicPr>
-          <p:cNvPr id="2" name="Picture 6" descr="StickyJotseverything">
-            <a:extLst>
-              <a:ext uri="{FF2B5EF4-FFF2-40B4-BE49-F238E27FC236}">
-                <a16:creationId xmlns:a16="http://schemas.microsoft.com/office/drawing/2014/main" id="{A1D70F0F-AC3B-4614-A65C-08F48391D5A6}"/>
-              </a:ext>
-            </a:extLst>
-          </p:cNvPr>
-          <p:cNvPicPr>
-            <a:picLocks noChangeAspect="1" noChangeArrowheads="1"/>
-          </p:cNvPicPr>
-          <p:nvPr/>
-        </p:nvPicPr>
-        <p:blipFill rotWithShape="1">
-          <a:blip r:embed="rId2">
-            <a:extLst>
-              <a:ext uri="{28A0092B-C50C-407E-A947-70E740481C1C}">
-                <a14:useLocalDpi xmlns:a14="http://schemas.microsoft.com/office/drawing/2010/main" val="0"/>
-              </a:ext>
-            </a:extLst>
-          </a:blip>
-          <a:srcRect l="3583" r="-1" b="-1"/>
-          <a:stretch/>
-        </p:blipFill>
-        <p:spPr bwMode="auto">
-          <a:xfrm>
-            <a:off x="20" y="0"/>
-            <a:ext cx="9905980" cy="6857990"/>
-          </a:xfrm>
-          <a:prstGeom prst="rect">
-            <a:avLst/>
-          </a:prstGeom>
-          <a:noFill/>
-          <a:extLst>
-            <a:ext uri="{909E8E84-426E-40DD-AFC4-6F175D3DCCD1}">
-              <a14:hiddenFill xmlns:a14="http://schemas.microsoft.com/office/drawing/2010/main">
-                <a:solidFill>
-                  <a:srgbClr val="FFFFFF"/>
-                </a:solidFill>
-              </a14:hiddenFill>
-            </a:ext>
-          </a:extLst>
-        </p:spPr>
-      </p:pic>
-      <p:sp>
-        <p:nvSpPr>
-          <p:cNvPr id="3" name="Textfeld 2">
-            <a:extLst>
-              <a:ext uri="{FF2B5EF4-FFF2-40B4-BE49-F238E27FC236}">
-                <a16:creationId xmlns:a16="http://schemas.microsoft.com/office/drawing/2014/main" id="{F091B76F-A5C4-42DA-80B3-9D62EBB8A537}"/>
-              </a:ext>
-            </a:extLst>
-          </p:cNvPr>
-          <p:cNvSpPr txBox="1"/>
-          <p:nvPr/>
-        </p:nvSpPr>
-        <p:spPr>
-          <a:xfrm rot="5400000">
-            <a:off x="-3608799" y="3377966"/>
-            <a:ext cx="7217597" cy="461665"/>
-          </a:xfrm>
-          <a:prstGeom prst="rect">
-            <a:avLst/>
-          </a:prstGeom>
-          <a:noFill/>
-        </p:spPr>
-        <p:txBody>
-          <a:bodyPr wrap="square" rtlCol="0">
-            <a:spAutoFit/>
-          </a:bodyPr>
-          <a:lstStyle/>
-          <a:p>
-            <a:r>
-              <a:rPr lang="de-DE" sz="1200" dirty="0"/>
-              <a:t>http://juliebestry.com/2013/10/11/tech-planning-on-paper-from-old-fashioned-to-cutting-edge/</a:t>
-            </a:r>
-          </a:p>
-          <a:p>
-            <a:endParaRPr lang="de-DE" sz="1200" dirty="0"/>
-          </a:p>
-        </p:txBody>
-      </p:sp>
-    </p:spTree>
-    <p:extLst>
-      <p:ext uri="{BB962C8B-B14F-4D97-AF65-F5344CB8AC3E}">
-        <p14:creationId xmlns:p14="http://schemas.microsoft.com/office/powerpoint/2010/main" val="3917687404"/>
-      </p:ext>
-    </p:extLst>
-  </p:cSld>
-  <p:clrMapOvr>
-    <a:masterClrMapping/>
-  </p:clrMapOvr>
-</p:sld>
-</file>
-
-<file path=ppt/slides/slide20.xml><?xml version="1.0" encoding="utf-8"?>
+<file path=ppt/slides/slide21.xml><?xml version="1.0" encoding="utf-8"?>
 <p:sld xmlns:a="http://schemas.openxmlformats.org/drawingml/2006/main" xmlns:r="http://schemas.openxmlformats.org/officeDocument/2006/relationships" xmlns:p="http://schemas.openxmlformats.org/presentationml/2006/main">
   <p:cSld>
     <p:spTree>
@@ -13756,7 +14477,7 @@
 </p:sld>
 </file>
 
-<file path=ppt/slides/slide21.xml><?xml version="1.0" encoding="utf-8"?>
+<file path=ppt/slides/slide22.xml><?xml version="1.0" encoding="utf-8"?>
 <p:sld xmlns:a="http://schemas.openxmlformats.org/drawingml/2006/main" xmlns:r="http://schemas.openxmlformats.org/officeDocument/2006/relationships" xmlns:p="http://schemas.openxmlformats.org/presentationml/2006/main">
   <p:cSld>
     <p:spTree>
@@ -13937,104 +14658,93 @@
           <a:chExt cx="0" cy="0"/>
         </a:xfrm>
       </p:grpSpPr>
-      <p:grpSp>
-        <p:nvGrpSpPr>
-          <p:cNvPr id="4" name="Gruppieren 3">
+      <p:pic>
+        <p:nvPicPr>
+          <p:cNvPr id="2" name="Picture 6" descr="StickyJotseverything">
             <a:extLst>
               <a:ext uri="{FF2B5EF4-FFF2-40B4-BE49-F238E27FC236}">
-                <a16:creationId xmlns:a16="http://schemas.microsoft.com/office/drawing/2014/main" id="{D51B3255-5D89-47C0-885D-90DFEA35AF48}"/>
+                <a16:creationId xmlns:a16="http://schemas.microsoft.com/office/drawing/2014/main" id="{A1D70F0F-AC3B-4614-A65C-08F48391D5A6}"/>
               </a:ext>
             </a:extLst>
           </p:cNvPr>
-          <p:cNvGrpSpPr/>
+          <p:cNvPicPr>
+            <a:picLocks noChangeAspect="1" noChangeArrowheads="1"/>
+          </p:cNvPicPr>
           <p:nvPr/>
-        </p:nvGrpSpPr>
-        <p:grpSpPr>
+        </p:nvPicPr>
+        <p:blipFill rotWithShape="1">
+          <a:blip r:embed="rId2">
+            <a:extLst>
+              <a:ext uri="{28A0092B-C50C-407E-A947-70E740481C1C}">
+                <a14:useLocalDpi xmlns:a14="http://schemas.microsoft.com/office/drawing/2010/main" val="0"/>
+              </a:ext>
+            </a:extLst>
+          </a:blip>
+          <a:srcRect l="3583" r="-1" b="-1"/>
+          <a:stretch/>
+        </p:blipFill>
+        <p:spPr bwMode="auto">
           <a:xfrm>
-            <a:off x="276225" y="504825"/>
-            <a:ext cx="9353550" cy="5848350"/>
-            <a:chOff x="919093" y="1352550"/>
-            <a:chExt cx="7105650" cy="4152900"/>
+            <a:off x="20" y="0"/>
+            <a:ext cx="9905980" cy="6857990"/>
           </a:xfrm>
-        </p:grpSpPr>
-        <p:pic>
-          <p:nvPicPr>
-            <p:cNvPr id="5" name="Grafik 4" descr="Ein Bild, das Screenshot enthält.&#10;&#10;Mit sehr hoher Zuverlässigkeit generierte Beschreibung">
-              <a:extLst>
-                <a:ext uri="{FF2B5EF4-FFF2-40B4-BE49-F238E27FC236}">
-                  <a16:creationId xmlns:a16="http://schemas.microsoft.com/office/drawing/2014/main" id="{7471903C-1380-4E06-95AD-1CA5FB8FB425}"/>
-                </a:ext>
-              </a:extLst>
-            </p:cNvPr>
-            <p:cNvPicPr>
-              <a:picLocks noChangeAspect="1"/>
-            </p:cNvPicPr>
-            <p:nvPr/>
-          </p:nvPicPr>
-          <p:blipFill>
-            <a:blip r:embed="rId2">
-              <a:extLst>
-                <a:ext uri="{28A0092B-C50C-407E-A947-70E740481C1C}">
-                  <a14:useLocalDpi xmlns:a14="http://schemas.microsoft.com/office/drawing/2010/main" val="0"/>
-                </a:ext>
-              </a:extLst>
-            </a:blip>
-            <a:stretch>
-              <a:fillRect/>
-            </a:stretch>
-          </p:blipFill>
-          <p:spPr>
-            <a:xfrm>
-              <a:off x="919093" y="1352550"/>
-              <a:ext cx="7105650" cy="4152900"/>
-            </a:xfrm>
-            <a:prstGeom prst="rect">
-              <a:avLst/>
-            </a:prstGeom>
-          </p:spPr>
-        </p:pic>
-        <p:pic>
-          <p:nvPicPr>
-            <p:cNvPr id="6" name="Inhaltsplatzhalter 3" title="ScaleIT_Logo">
-              <a:extLst>
-                <a:ext uri="{FF2B5EF4-FFF2-40B4-BE49-F238E27FC236}">
-                  <a16:creationId xmlns:a16="http://schemas.microsoft.com/office/drawing/2014/main" id="{C41A77B4-E3DE-4C37-B282-5A897ACEF70A}"/>
-                </a:ext>
-              </a:extLst>
-            </p:cNvPr>
-            <p:cNvPicPr>
-              <a:picLocks/>
-            </p:cNvPicPr>
-            <p:nvPr/>
-          </p:nvPicPr>
-          <p:blipFill>
-            <a:blip r:embed="rId3">
-              <a:biLevel thresh="75000"/>
-              <a:extLst>
-                <a:ext uri="{28A0092B-C50C-407E-A947-70E740481C1C}">
-                  <a14:useLocalDpi xmlns:a14="http://schemas.microsoft.com/office/drawing/2010/main" val="0"/>
-                </a:ext>
-              </a:extLst>
-            </a:blip>
-            <a:stretch>
-              <a:fillRect/>
-            </a:stretch>
-          </p:blipFill>
-          <p:spPr>
-            <a:xfrm>
-              <a:off x="4120078" y="1420410"/>
-              <a:ext cx="703679" cy="164764"/>
-            </a:xfrm>
-            <a:prstGeom prst="rect">
-              <a:avLst/>
-            </a:prstGeom>
-          </p:spPr>
-        </p:pic>
-      </p:grpSp>
+          <a:prstGeom prst="rect">
+            <a:avLst/>
+          </a:prstGeom>
+          <a:noFill/>
+          <a:extLst>
+            <a:ext uri="{909E8E84-426E-40DD-AFC4-6F175D3DCCD1}">
+              <a14:hiddenFill xmlns:a14="http://schemas.microsoft.com/office/drawing/2010/main">
+                <a:solidFill>
+                  <a:srgbClr val="FFFFFF"/>
+                </a:solidFill>
+              </a14:hiddenFill>
+            </a:ext>
+          </a:extLst>
+        </p:spPr>
+      </p:pic>
+      <p:sp>
+        <p:nvSpPr>
+          <p:cNvPr id="3" name="Textfeld 2">
+            <a:extLst>
+              <a:ext uri="{FF2B5EF4-FFF2-40B4-BE49-F238E27FC236}">
+                <a16:creationId xmlns:a16="http://schemas.microsoft.com/office/drawing/2014/main" id="{F091B76F-A5C4-42DA-80B3-9D62EBB8A537}"/>
+              </a:ext>
+            </a:extLst>
+          </p:cNvPr>
+          <p:cNvSpPr txBox="1"/>
+          <p:nvPr/>
+        </p:nvSpPr>
+        <p:spPr>
+          <a:xfrm rot="5400000">
+            <a:off x="-3608799" y="3377966"/>
+            <a:ext cx="7217597" cy="461665"/>
+          </a:xfrm>
+          <a:prstGeom prst="rect">
+            <a:avLst/>
+          </a:prstGeom>
+          <a:noFill/>
+        </p:spPr>
+        <p:txBody>
+          <a:bodyPr wrap="square" rtlCol="0">
+            <a:spAutoFit/>
+          </a:bodyPr>
+          <a:lstStyle/>
+          <a:p>
+            <a:r>
+              <a:rPr lang="de-DE" sz="1200" dirty="0"/>
+              <a:t>http://juliebestry.com/2013/10/11/tech-planning-on-paper-from-old-fashioned-to-cutting-edge/</a:t>
+            </a:r>
+          </a:p>
+          <a:p>
+            <a:endParaRPr lang="de-DE" sz="1200" dirty="0"/>
+          </a:p>
+        </p:txBody>
+      </p:sp>
     </p:spTree>
     <p:extLst>
       <p:ext uri="{BB962C8B-B14F-4D97-AF65-F5344CB8AC3E}">
-        <p14:creationId xmlns:p14="http://schemas.microsoft.com/office/powerpoint/2010/main" val="207664725"/>
+        <p14:creationId xmlns:p14="http://schemas.microsoft.com/office/powerpoint/2010/main" val="3917687404"/>
       </p:ext>
     </p:extLst>
   </p:cSld>
@@ -14158,6 +14868,130 @@
     </p:spTree>
     <p:extLst>
       <p:ext uri="{BB962C8B-B14F-4D97-AF65-F5344CB8AC3E}">
+        <p14:creationId xmlns:p14="http://schemas.microsoft.com/office/powerpoint/2010/main" val="207664725"/>
+      </p:ext>
+    </p:extLst>
+  </p:cSld>
+  <p:clrMapOvr>
+    <a:masterClrMapping/>
+  </p:clrMapOvr>
+</p:sld>
+</file>
+
+<file path=ppt/slides/slide5.xml><?xml version="1.0" encoding="utf-8"?>
+<p:sld xmlns:a="http://schemas.openxmlformats.org/drawingml/2006/main" xmlns:r="http://schemas.openxmlformats.org/officeDocument/2006/relationships" xmlns:p="http://schemas.openxmlformats.org/presentationml/2006/main">
+  <p:cSld>
+    <p:spTree>
+      <p:nvGrpSpPr>
+        <p:cNvPr id="1" name=""/>
+        <p:cNvGrpSpPr/>
+        <p:nvPr/>
+      </p:nvGrpSpPr>
+      <p:grpSpPr>
+        <a:xfrm>
+          <a:off x="0" y="0"/>
+          <a:ext cx="0" cy="0"/>
+          <a:chOff x="0" y="0"/>
+          <a:chExt cx="0" cy="0"/>
+        </a:xfrm>
+      </p:grpSpPr>
+      <p:grpSp>
+        <p:nvGrpSpPr>
+          <p:cNvPr id="4" name="Gruppieren 3">
+            <a:extLst>
+              <a:ext uri="{FF2B5EF4-FFF2-40B4-BE49-F238E27FC236}">
+                <a16:creationId xmlns:a16="http://schemas.microsoft.com/office/drawing/2014/main" id="{D51B3255-5D89-47C0-885D-90DFEA35AF48}"/>
+              </a:ext>
+            </a:extLst>
+          </p:cNvPr>
+          <p:cNvGrpSpPr/>
+          <p:nvPr/>
+        </p:nvGrpSpPr>
+        <p:grpSpPr>
+          <a:xfrm>
+            <a:off x="276225" y="504825"/>
+            <a:ext cx="9353550" cy="5848350"/>
+            <a:chOff x="919093" y="1352550"/>
+            <a:chExt cx="7105650" cy="4152900"/>
+          </a:xfrm>
+        </p:grpSpPr>
+        <p:pic>
+          <p:nvPicPr>
+            <p:cNvPr id="5" name="Grafik 4" descr="Ein Bild, das Screenshot enthält.&#10;&#10;Mit sehr hoher Zuverlässigkeit generierte Beschreibung">
+              <a:extLst>
+                <a:ext uri="{FF2B5EF4-FFF2-40B4-BE49-F238E27FC236}">
+                  <a16:creationId xmlns:a16="http://schemas.microsoft.com/office/drawing/2014/main" id="{7471903C-1380-4E06-95AD-1CA5FB8FB425}"/>
+                </a:ext>
+              </a:extLst>
+            </p:cNvPr>
+            <p:cNvPicPr>
+              <a:picLocks noChangeAspect="1"/>
+            </p:cNvPicPr>
+            <p:nvPr/>
+          </p:nvPicPr>
+          <p:blipFill>
+            <a:blip r:embed="rId2">
+              <a:extLst>
+                <a:ext uri="{28A0092B-C50C-407E-A947-70E740481C1C}">
+                  <a14:useLocalDpi xmlns:a14="http://schemas.microsoft.com/office/drawing/2010/main" val="0"/>
+                </a:ext>
+              </a:extLst>
+            </a:blip>
+            <a:stretch>
+              <a:fillRect/>
+            </a:stretch>
+          </p:blipFill>
+          <p:spPr>
+            <a:xfrm>
+              <a:off x="919093" y="1352550"/>
+              <a:ext cx="7105650" cy="4152900"/>
+            </a:xfrm>
+            <a:prstGeom prst="rect">
+              <a:avLst/>
+            </a:prstGeom>
+          </p:spPr>
+        </p:pic>
+        <p:pic>
+          <p:nvPicPr>
+            <p:cNvPr id="6" name="Inhaltsplatzhalter 3" title="ScaleIT_Logo">
+              <a:extLst>
+                <a:ext uri="{FF2B5EF4-FFF2-40B4-BE49-F238E27FC236}">
+                  <a16:creationId xmlns:a16="http://schemas.microsoft.com/office/drawing/2014/main" id="{C41A77B4-E3DE-4C37-B282-5A897ACEF70A}"/>
+                </a:ext>
+              </a:extLst>
+            </p:cNvPr>
+            <p:cNvPicPr>
+              <a:picLocks/>
+            </p:cNvPicPr>
+            <p:nvPr/>
+          </p:nvPicPr>
+          <p:blipFill>
+            <a:blip r:embed="rId3">
+              <a:biLevel thresh="75000"/>
+              <a:extLst>
+                <a:ext uri="{28A0092B-C50C-407E-A947-70E740481C1C}">
+                  <a14:useLocalDpi xmlns:a14="http://schemas.microsoft.com/office/drawing/2010/main" val="0"/>
+                </a:ext>
+              </a:extLst>
+            </a:blip>
+            <a:stretch>
+              <a:fillRect/>
+            </a:stretch>
+          </p:blipFill>
+          <p:spPr>
+            <a:xfrm>
+              <a:off x="4120078" y="1420410"/>
+              <a:ext cx="703679" cy="164764"/>
+            </a:xfrm>
+            <a:prstGeom prst="rect">
+              <a:avLst/>
+            </a:prstGeom>
+          </p:spPr>
+        </p:pic>
+      </p:grpSp>
+    </p:spTree>
+    <p:extLst>
+      <p:ext uri="{BB962C8B-B14F-4D97-AF65-F5344CB8AC3E}">
         <p14:creationId xmlns:p14="http://schemas.microsoft.com/office/powerpoint/2010/main" val="2554900847"/>
       </p:ext>
     </p:extLst>
@@ -14168,7 +15002,7 @@
 </p:sld>
 </file>
 
-<file path=ppt/slides/slide5.xml><?xml version="1.0" encoding="utf-8"?>
+<file path=ppt/slides/slide6.xml><?xml version="1.0" encoding="utf-8"?>
 <p:sld xmlns:a="http://schemas.openxmlformats.org/drawingml/2006/main" xmlns:r="http://schemas.openxmlformats.org/officeDocument/2006/relationships" xmlns:p="http://schemas.openxmlformats.org/presentationml/2006/main">
   <p:cSld>
     <p:spTree>
@@ -16552,7 +17386,7 @@
 </p:sld>
 </file>
 
-<file path=ppt/slides/slide6.xml><?xml version="1.0" encoding="utf-8"?>
+<file path=ppt/slides/slide7.xml><?xml version="1.0" encoding="utf-8"?>
 <p:sld xmlns:a="http://schemas.openxmlformats.org/drawingml/2006/main" xmlns:r="http://schemas.openxmlformats.org/officeDocument/2006/relationships" xmlns:p="http://schemas.openxmlformats.org/presentationml/2006/main">
   <p:cSld>
     <p:spTree>
@@ -18936,7 +19770,7 @@
 </p:sld>
 </file>
 
-<file path=ppt/slides/slide7.xml><?xml version="1.0" encoding="utf-8"?>
+<file path=ppt/slides/slide8.xml><?xml version="1.0" encoding="utf-8"?>
 <p:sld xmlns:a="http://schemas.openxmlformats.org/drawingml/2006/main" xmlns:r="http://schemas.openxmlformats.org/officeDocument/2006/relationships" xmlns:p="http://schemas.openxmlformats.org/presentationml/2006/main">
   <p:cSld>
     <p:spTree>
@@ -19111,7 +19945,7 @@
 </p:sld>
 </file>
 
-<file path=ppt/slides/slide8.xml><?xml version="1.0" encoding="utf-8"?>
+<file path=ppt/slides/slide9.xml><?xml version="1.0" encoding="utf-8"?>
 <p:sld xmlns:a="http://schemas.openxmlformats.org/drawingml/2006/main" xmlns:r="http://schemas.openxmlformats.org/officeDocument/2006/relationships" xmlns:p="http://schemas.openxmlformats.org/presentationml/2006/main">
   <p:cSld>
     <p:spTree>
@@ -19277,397 +20111,6 @@
     <p:extLst>
       <p:ext uri="{BB962C8B-B14F-4D97-AF65-F5344CB8AC3E}">
         <p14:creationId xmlns:p14="http://schemas.microsoft.com/office/powerpoint/2010/main" val="1150310636"/>
-      </p:ext>
-    </p:extLst>
-  </p:cSld>
-  <p:clrMapOvr>
-    <a:masterClrMapping/>
-  </p:clrMapOvr>
-</p:sld>
-</file>
-
-<file path=ppt/slides/slide9.xml><?xml version="1.0" encoding="utf-8"?>
-<p:sld xmlns:a="http://schemas.openxmlformats.org/drawingml/2006/main" xmlns:r="http://schemas.openxmlformats.org/officeDocument/2006/relationships" xmlns:p="http://schemas.openxmlformats.org/presentationml/2006/main">
-  <p:cSld>
-    <p:spTree>
-      <p:nvGrpSpPr>
-        <p:cNvPr id="1" name=""/>
-        <p:cNvGrpSpPr/>
-        <p:nvPr/>
-      </p:nvGrpSpPr>
-      <p:grpSpPr>
-        <a:xfrm>
-          <a:off x="0" y="0"/>
-          <a:ext cx="0" cy="0"/>
-          <a:chOff x="0" y="0"/>
-          <a:chExt cx="0" cy="0"/>
-        </a:xfrm>
-      </p:grpSpPr>
-      <p:grpSp>
-        <p:nvGrpSpPr>
-          <p:cNvPr id="3" name="Gruppieren 2">
-            <a:extLst>
-              <a:ext uri="{FF2B5EF4-FFF2-40B4-BE49-F238E27FC236}">
-                <a16:creationId xmlns:a16="http://schemas.microsoft.com/office/drawing/2014/main" id="{FC53B0ED-9C6A-4AC2-981D-6AD57E3B6C8D}"/>
-              </a:ext>
-            </a:extLst>
-          </p:cNvPr>
-          <p:cNvGrpSpPr/>
-          <p:nvPr/>
-        </p:nvGrpSpPr>
-        <p:grpSpPr>
-          <a:xfrm>
-            <a:off x="-298176" y="-1524000"/>
-            <a:ext cx="10707756" cy="9892747"/>
-            <a:chOff x="846936" y="205366"/>
-            <a:chExt cx="5645485" cy="5645485"/>
-          </a:xfrm>
-        </p:grpSpPr>
-        <p:pic>
-          <p:nvPicPr>
-            <p:cNvPr id="8" name="Grafik 7" descr="Tablet">
-              <a:extLst>
-                <a:ext uri="{FF2B5EF4-FFF2-40B4-BE49-F238E27FC236}">
-                  <a16:creationId xmlns:a16="http://schemas.microsoft.com/office/drawing/2014/main" id="{2488CA38-3AC8-4185-B7CF-5C53D516A786}"/>
-                </a:ext>
-              </a:extLst>
-            </p:cNvPr>
-            <p:cNvPicPr>
-              <a:picLocks noChangeAspect="1"/>
-            </p:cNvPicPr>
-            <p:nvPr/>
-          </p:nvPicPr>
-          <p:blipFill>
-            <a:blip r:embed="rId2">
-              <a:extLst>
-                <a:ext uri="{28A0092B-C50C-407E-A947-70E740481C1C}">
-                  <a14:useLocalDpi xmlns:a14="http://schemas.microsoft.com/office/drawing/2010/main" val="0"/>
-                </a:ext>
-                <a:ext uri="{96DAC541-7B7A-43D3-8B79-37D633B846F1}">
-                  <asvg:svgBlip xmlns:asvg="http://schemas.microsoft.com/office/drawing/2016/SVG/main" r:embed="rId3"/>
-                </a:ext>
-              </a:extLst>
-            </a:blip>
-            <a:stretch>
-              <a:fillRect/>
-            </a:stretch>
-          </p:blipFill>
-          <p:spPr>
-            <a:xfrm>
-              <a:off x="846936" y="205366"/>
-              <a:ext cx="5645485" cy="5645485"/>
-            </a:xfrm>
-            <a:prstGeom prst="rect">
-              <a:avLst/>
-            </a:prstGeom>
-          </p:spPr>
-        </p:pic>
-        <p:pic>
-          <p:nvPicPr>
-            <p:cNvPr id="9" name="Inhaltsplatzhalter 3" title="ScaleIT_Logo">
-              <a:extLst>
-                <a:ext uri="{FF2B5EF4-FFF2-40B4-BE49-F238E27FC236}">
-                  <a16:creationId xmlns:a16="http://schemas.microsoft.com/office/drawing/2014/main" id="{55D8DB2A-C0E2-4BD1-AC21-EE1BF356B939}"/>
-                </a:ext>
-              </a:extLst>
-            </p:cNvPr>
-            <p:cNvPicPr>
-              <a:picLocks/>
-            </p:cNvPicPr>
-            <p:nvPr/>
-          </p:nvPicPr>
-          <p:blipFill>
-            <a:blip r:embed="rId4">
-              <a:extLst>
-                <a:ext uri="{28A0092B-C50C-407E-A947-70E740481C1C}">
-                  <a14:useLocalDpi xmlns:a14="http://schemas.microsoft.com/office/drawing/2010/main" val="0"/>
-                </a:ext>
-              </a:extLst>
-            </a:blip>
-            <a:stretch>
-              <a:fillRect/>
-            </a:stretch>
-          </p:blipFill>
-          <p:spPr>
-            <a:xfrm>
-              <a:off x="5377998" y="4491474"/>
-              <a:ext cx="477550" cy="138017"/>
-            </a:xfrm>
-            <a:prstGeom prst="rect">
-              <a:avLst/>
-            </a:prstGeom>
-          </p:spPr>
-        </p:pic>
-      </p:grpSp>
-      <p:sp>
-        <p:nvSpPr>
-          <p:cNvPr id="10" name="Rechteck 9">
-            <a:extLst>
-              <a:ext uri="{FF2B5EF4-FFF2-40B4-BE49-F238E27FC236}">
-                <a16:creationId xmlns:a16="http://schemas.microsoft.com/office/drawing/2014/main" id="{4680C422-D169-4A66-B99B-8E6887C84B4F}"/>
-              </a:ext>
-            </a:extLst>
-          </p:cNvPr>
-          <p:cNvSpPr/>
-          <p:nvPr/>
-        </p:nvSpPr>
-        <p:spPr>
-          <a:xfrm>
-            <a:off x="801756" y="715618"/>
-            <a:ext cx="8479382" cy="5221356"/>
-          </a:xfrm>
-          <a:prstGeom prst="rect">
-            <a:avLst/>
-          </a:prstGeom>
-          <a:ln>
-            <a:solidFill>
-              <a:schemeClr val="tx1"/>
-            </a:solidFill>
-          </a:ln>
-        </p:spPr>
-        <p:style>
-          <a:lnRef idx="2">
-            <a:schemeClr val="accent6"/>
-          </a:lnRef>
-          <a:fillRef idx="1">
-            <a:schemeClr val="lt1"/>
-          </a:fillRef>
-          <a:effectRef idx="0">
-            <a:schemeClr val="accent6"/>
-          </a:effectRef>
-          <a:fontRef idx="minor">
-            <a:schemeClr val="dk1"/>
-          </a:fontRef>
-        </p:style>
-        <p:txBody>
-          <a:bodyPr rtlCol="0" anchor="ctr"/>
-          <a:lstStyle/>
-          <a:p>
-            <a:pPr algn="ctr"/>
-            <a:endParaRPr lang="de-DE"/>
-          </a:p>
-        </p:txBody>
-      </p:sp>
-      <p:sp>
-        <p:nvSpPr>
-          <p:cNvPr id="12" name="Rechteck 11">
-            <a:extLst>
-              <a:ext uri="{FF2B5EF4-FFF2-40B4-BE49-F238E27FC236}">
-                <a16:creationId xmlns:a16="http://schemas.microsoft.com/office/drawing/2014/main" id="{DBD22CEB-E33F-4E4B-9213-AEF84E86B40A}"/>
-              </a:ext>
-            </a:extLst>
-          </p:cNvPr>
-          <p:cNvSpPr/>
-          <p:nvPr/>
-        </p:nvSpPr>
-        <p:spPr>
-          <a:xfrm>
-            <a:off x="3922643" y="5943600"/>
-            <a:ext cx="2199861" cy="218661"/>
-          </a:xfrm>
-          <a:prstGeom prst="rect">
-            <a:avLst/>
-          </a:prstGeom>
-          <a:solidFill>
-            <a:schemeClr val="tx1"/>
-          </a:solidFill>
-          <a:ln>
-            <a:solidFill>
-              <a:schemeClr val="tx1"/>
-            </a:solidFill>
-          </a:ln>
-        </p:spPr>
-        <p:style>
-          <a:lnRef idx="2">
-            <a:schemeClr val="accent1">
-              <a:shade val="50000"/>
-            </a:schemeClr>
-          </a:lnRef>
-          <a:fillRef idx="1">
-            <a:schemeClr val="accent1"/>
-          </a:fillRef>
-          <a:effectRef idx="0">
-            <a:schemeClr val="accent1"/>
-          </a:effectRef>
-          <a:fontRef idx="minor">
-            <a:schemeClr val="lt1"/>
-          </a:fontRef>
-        </p:style>
-        <p:txBody>
-          <a:bodyPr rtlCol="0" anchor="ctr"/>
-          <a:lstStyle/>
-          <a:p>
-            <a:pPr algn="ctr"/>
-            <a:endParaRPr lang="de-DE"/>
-          </a:p>
-        </p:txBody>
-      </p:sp>
-      <p:sp>
-        <p:nvSpPr>
-          <p:cNvPr id="13" name="Ellipse 12">
-            <a:extLst>
-              <a:ext uri="{FF2B5EF4-FFF2-40B4-BE49-F238E27FC236}">
-                <a16:creationId xmlns:a16="http://schemas.microsoft.com/office/drawing/2014/main" id="{23E50D8B-64CE-4B16-A213-5B1B26C52A5F}"/>
-              </a:ext>
-            </a:extLst>
-          </p:cNvPr>
-          <p:cNvSpPr/>
-          <p:nvPr/>
-        </p:nvSpPr>
-        <p:spPr>
-          <a:xfrm>
-            <a:off x="4938742" y="6026425"/>
-            <a:ext cx="205409" cy="205409"/>
-          </a:xfrm>
-          <a:prstGeom prst="ellipse">
-            <a:avLst/>
-          </a:prstGeom>
-          <a:solidFill>
-            <a:schemeClr val="bg1"/>
-          </a:solidFill>
-          <a:ln>
-            <a:solidFill>
-              <a:schemeClr val="tx1"/>
-            </a:solidFill>
-          </a:ln>
-        </p:spPr>
-        <p:style>
-          <a:lnRef idx="2">
-            <a:schemeClr val="accent1">
-              <a:shade val="50000"/>
-            </a:schemeClr>
-          </a:lnRef>
-          <a:fillRef idx="1">
-            <a:schemeClr val="accent1"/>
-          </a:fillRef>
-          <a:effectRef idx="0">
-            <a:schemeClr val="accent1"/>
-          </a:effectRef>
-          <a:fontRef idx="minor">
-            <a:schemeClr val="lt1"/>
-          </a:fontRef>
-        </p:style>
-        <p:txBody>
-          <a:bodyPr rtlCol="0" anchor="ctr"/>
-          <a:lstStyle/>
-          <a:p>
-            <a:pPr algn="ctr"/>
-            <a:endParaRPr lang="de-DE"/>
-          </a:p>
-        </p:txBody>
-      </p:sp>
-      <p:pic>
-        <p:nvPicPr>
-          <p:cNvPr id="14" name="Grafik 13">
-            <a:extLst>
-              <a:ext uri="{FF2B5EF4-FFF2-40B4-BE49-F238E27FC236}">
-                <a16:creationId xmlns:a16="http://schemas.microsoft.com/office/drawing/2014/main" id="{454CF4C6-0464-41E3-90AE-891BF851BFA7}"/>
-              </a:ext>
-            </a:extLst>
-          </p:cNvPr>
-          <p:cNvPicPr>
-            <a:picLocks noChangeAspect="1"/>
-          </p:cNvPicPr>
-          <p:nvPr/>
-        </p:nvPicPr>
-        <p:blipFill>
-          <a:blip r:embed="rId5">
-            <a:extLst>
-              <a:ext uri="{28A0092B-C50C-407E-A947-70E740481C1C}">
-                <a14:useLocalDpi xmlns:a14="http://schemas.microsoft.com/office/drawing/2010/main" val="0"/>
-              </a:ext>
-            </a:extLst>
-          </a:blip>
-          <a:stretch>
-            <a:fillRect/>
-          </a:stretch>
-        </p:blipFill>
-        <p:spPr>
-          <a:xfrm>
-            <a:off x="876939" y="754462"/>
-            <a:ext cx="257628" cy="238019"/>
-          </a:xfrm>
-          <a:prstGeom prst="rect">
-            <a:avLst/>
-          </a:prstGeom>
-        </p:spPr>
-      </p:pic>
-      <p:pic>
-        <p:nvPicPr>
-          <p:cNvPr id="15" name="Grafik 14">
-            <a:extLst>
-              <a:ext uri="{FF2B5EF4-FFF2-40B4-BE49-F238E27FC236}">
-                <a16:creationId xmlns:a16="http://schemas.microsoft.com/office/drawing/2014/main" id="{D0E52042-E5F0-4DC4-B637-EF6E3FF376D2}"/>
-              </a:ext>
-            </a:extLst>
-          </p:cNvPr>
-          <p:cNvPicPr>
-            <a:picLocks noChangeAspect="1"/>
-          </p:cNvPicPr>
-          <p:nvPr/>
-        </p:nvPicPr>
-        <p:blipFill>
-          <a:blip r:embed="rId6">
-            <a:extLst>
-              <a:ext uri="{28A0092B-C50C-407E-A947-70E740481C1C}">
-                <a14:useLocalDpi xmlns:a14="http://schemas.microsoft.com/office/drawing/2010/main" val="0"/>
-              </a:ext>
-            </a:extLst>
-          </a:blip>
-          <a:stretch>
-            <a:fillRect/>
-          </a:stretch>
-        </p:blipFill>
-        <p:spPr>
-          <a:xfrm rot="16200000">
-            <a:off x="1302752" y="701933"/>
-            <a:ext cx="332210" cy="359579"/>
-          </a:xfrm>
-          <a:prstGeom prst="rect">
-            <a:avLst/>
-          </a:prstGeom>
-        </p:spPr>
-      </p:pic>
-      <p:pic>
-        <p:nvPicPr>
-          <p:cNvPr id="16" name="Grafik 15">
-            <a:extLst>
-              <a:ext uri="{FF2B5EF4-FFF2-40B4-BE49-F238E27FC236}">
-                <a16:creationId xmlns:a16="http://schemas.microsoft.com/office/drawing/2014/main" id="{B2E3FD90-BB71-4CD2-BCE6-85F6BFCDB57D}"/>
-              </a:ext>
-            </a:extLst>
-          </p:cNvPr>
-          <p:cNvPicPr>
-            <a:picLocks noChangeAspect="1"/>
-          </p:cNvPicPr>
-          <p:nvPr/>
-        </p:nvPicPr>
-        <p:blipFill>
-          <a:blip r:embed="rId7">
-            <a:extLst>
-              <a:ext uri="{28A0092B-C50C-407E-A947-70E740481C1C}">
-                <a14:useLocalDpi xmlns:a14="http://schemas.microsoft.com/office/drawing/2010/main" val="0"/>
-              </a:ext>
-            </a:extLst>
-          </a:blip>
-          <a:stretch>
-            <a:fillRect/>
-          </a:stretch>
-        </p:blipFill>
-        <p:spPr>
-          <a:xfrm>
-            <a:off x="1827035" y="758212"/>
-            <a:ext cx="253569" cy="234269"/>
-          </a:xfrm>
-          <a:prstGeom prst="rect">
-            <a:avLst/>
-          </a:prstGeom>
-        </p:spPr>
-      </p:pic>
-    </p:spTree>
-    <p:extLst>
-      <p:ext uri="{BB962C8B-B14F-4D97-AF65-F5344CB8AC3E}">
-        <p14:creationId xmlns:p14="http://schemas.microsoft.com/office/powerpoint/2010/main" val="3777763640"/>
       </p:ext>
     </p:extLst>
   </p:cSld>

--- a/Prototyping Materials.pptx
+++ b/Prototyping Materials.pptx
@@ -8,8 +8,8 @@
     <p:sldId id="319" r:id="rId2"/>
     <p:sldId id="330" r:id="rId3"/>
     <p:sldId id="318" r:id="rId4"/>
-    <p:sldId id="320" r:id="rId5"/>
-    <p:sldId id="321" r:id="rId6"/>
+    <p:sldId id="332" r:id="rId5"/>
+    <p:sldId id="333" r:id="rId6"/>
     <p:sldId id="322" r:id="rId7"/>
     <p:sldId id="323" r:id="rId8"/>
     <p:sldId id="324" r:id="rId9"/>
@@ -137,8 +137,8 @@
         </p14:section>
         <p14:section name="Benutzeroberflächen" id="{971D82AC-BFA5-4A86-AFE9-EC6A0C73D966}">
           <p14:sldIdLst>
-            <p14:sldId id="320"/>
-            <p14:sldId id="321"/>
+            <p14:sldId id="332"/>
+            <p14:sldId id="333"/>
             <p14:sldId id="322"/>
             <p14:sldId id="323"/>
             <p14:sldId id="324"/>
@@ -4785,7 +4785,7 @@
           <a:p>
             <a:fld id="{6CFF613B-2A9F-46DD-9629-249B4C8727B5}" type="datetimeFigureOut">
               <a:rPr lang="de-DE" smtClean="0"/>
-              <a:t>22.01.18</a:t>
+              <a:t>01.02.18</a:t>
             </a:fld>
             <a:endParaRPr lang="de-DE"/>
           </a:p>
@@ -4955,7 +4955,7 @@
           <a:p>
             <a:fld id="{6CFF613B-2A9F-46DD-9629-249B4C8727B5}" type="datetimeFigureOut">
               <a:rPr lang="de-DE" smtClean="0"/>
-              <a:t>22.01.18</a:t>
+              <a:t>01.02.18</a:t>
             </a:fld>
             <a:endParaRPr lang="de-DE"/>
           </a:p>
@@ -5135,7 +5135,7 @@
           <a:p>
             <a:fld id="{6CFF613B-2A9F-46DD-9629-249B4C8727B5}" type="datetimeFigureOut">
               <a:rPr lang="de-DE" smtClean="0"/>
-              <a:t>22.01.18</a:t>
+              <a:t>01.02.18</a:t>
             </a:fld>
             <a:endParaRPr lang="de-DE"/>
           </a:p>
@@ -5959,7 +5959,7 @@
           <a:p>
             <a:fld id="{6CFF613B-2A9F-46DD-9629-249B4C8727B5}" type="datetimeFigureOut">
               <a:rPr lang="de-DE" smtClean="0"/>
-              <a:t>22.01.18</a:t>
+              <a:t>01.02.18</a:t>
             </a:fld>
             <a:endParaRPr lang="de-DE"/>
           </a:p>
@@ -6203,7 +6203,7 @@
           <a:p>
             <a:fld id="{6CFF613B-2A9F-46DD-9629-249B4C8727B5}" type="datetimeFigureOut">
               <a:rPr lang="de-DE" smtClean="0"/>
-              <a:t>22.01.18</a:t>
+              <a:t>01.02.18</a:t>
             </a:fld>
             <a:endParaRPr lang="de-DE"/>
           </a:p>
@@ -6435,7 +6435,7 @@
           <a:p>
             <a:fld id="{6CFF613B-2A9F-46DD-9629-249B4C8727B5}" type="datetimeFigureOut">
               <a:rPr lang="de-DE" smtClean="0"/>
-              <a:t>22.01.18</a:t>
+              <a:t>01.02.18</a:t>
             </a:fld>
             <a:endParaRPr lang="de-DE"/>
           </a:p>
@@ -6802,7 +6802,7 @@
           <a:p>
             <a:fld id="{6CFF613B-2A9F-46DD-9629-249B4C8727B5}" type="datetimeFigureOut">
               <a:rPr lang="de-DE" smtClean="0"/>
-              <a:t>22.01.18</a:t>
+              <a:t>01.02.18</a:t>
             </a:fld>
             <a:endParaRPr lang="de-DE"/>
           </a:p>
@@ -6920,7 +6920,7 @@
           <a:p>
             <a:fld id="{6CFF613B-2A9F-46DD-9629-249B4C8727B5}" type="datetimeFigureOut">
               <a:rPr lang="de-DE" smtClean="0"/>
-              <a:t>22.01.18</a:t>
+              <a:t>01.02.18</a:t>
             </a:fld>
             <a:endParaRPr lang="de-DE"/>
           </a:p>
@@ -7015,7 +7015,7 @@
           <a:p>
             <a:fld id="{6CFF613B-2A9F-46DD-9629-249B4C8727B5}" type="datetimeFigureOut">
               <a:rPr lang="de-DE" smtClean="0"/>
-              <a:t>22.01.18</a:t>
+              <a:t>01.02.18</a:t>
             </a:fld>
             <a:endParaRPr lang="de-DE"/>
           </a:p>
@@ -7292,7 +7292,7 @@
           <a:p>
             <a:fld id="{6CFF613B-2A9F-46DD-9629-249B4C8727B5}" type="datetimeFigureOut">
               <a:rPr lang="de-DE" smtClean="0"/>
-              <a:t>22.01.18</a:t>
+              <a:t>01.02.18</a:t>
             </a:fld>
             <a:endParaRPr lang="de-DE"/>
           </a:p>
@@ -7549,7 +7549,7 @@
           <a:p>
             <a:fld id="{6CFF613B-2A9F-46DD-9629-249B4C8727B5}" type="datetimeFigureOut">
               <a:rPr lang="de-DE" smtClean="0"/>
-              <a:t>22.01.18</a:t>
+              <a:t>01.02.18</a:t>
             </a:fld>
             <a:endParaRPr lang="de-DE"/>
           </a:p>
@@ -7762,7 +7762,7 @@
           <a:p>
             <a:fld id="{6CFF613B-2A9F-46DD-9629-249B4C8727B5}" type="datetimeFigureOut">
               <a:rPr lang="de-DE" smtClean="0"/>
-              <a:t>22.01.18</a:t>
+              <a:t>01.02.18</a:t>
             </a:fld>
             <a:endParaRPr lang="de-DE"/>
           </a:p>
@@ -8168,335 +8168,337 @@
           <a:chExt cx="0" cy="0"/>
         </a:xfrm>
       </p:grpSpPr>
-      <p:grpSp>
-        <p:nvGrpSpPr>
-          <p:cNvPr id="15" name="Group 14"/>
-          <p:cNvGrpSpPr/>
+      <p:pic>
+        <p:nvPicPr>
+          <p:cNvPr id="6" name="Picture 5"/>
+          <p:cNvPicPr>
+            <a:picLocks noChangeAspect="1"/>
+          </p:cNvPicPr>
           <p:nvPr/>
-        </p:nvGrpSpPr>
-        <p:grpSpPr>
-          <a:xfrm>
-            <a:off x="2019299" y="2215253"/>
-            <a:ext cx="6247997" cy="2876541"/>
-            <a:chOff x="1366714" y="1320506"/>
-            <a:chExt cx="10348502" cy="4764389"/>
-          </a:xfrm>
-        </p:grpSpPr>
-        <p:pic>
-          <p:nvPicPr>
-            <p:cNvPr id="6" name="Picture 5"/>
-            <p:cNvPicPr>
-              <a:picLocks noChangeAspect="1"/>
-            </p:cNvPicPr>
-            <p:nvPr/>
-          </p:nvPicPr>
-          <p:blipFill rotWithShape="1">
-            <a:blip r:embed="rId2">
-              <a:extLst>
-                <a:ext uri="{28A0092B-C50C-407E-A947-70E740481C1C}">
-                  <a14:useLocalDpi xmlns:a14="http://schemas.microsoft.com/office/drawing/2010/main" val="0"/>
-                </a:ext>
-              </a:extLst>
-            </a:blip>
-            <a:srcRect l="27188" t="39946" r="29219" b="40300"/>
-            <a:stretch/>
-          </p:blipFill>
-          <p:spPr>
-            <a:xfrm>
-              <a:off x="4538902" y="1320506"/>
-              <a:ext cx="4228166" cy="1049709"/>
-            </a:xfrm>
-            <a:prstGeom prst="rect">
-              <a:avLst/>
-            </a:prstGeom>
-          </p:spPr>
-        </p:pic>
-        <p:sp>
-          <p:nvSpPr>
-            <p:cNvPr id="7" name="TextBox 6"/>
-            <p:cNvSpPr txBox="1"/>
-            <p:nvPr/>
-          </p:nvSpPr>
-          <p:spPr>
-            <a:xfrm>
-              <a:off x="4863543" y="2278188"/>
-              <a:ext cx="3291932" cy="484280"/>
-            </a:xfrm>
-            <a:prstGeom prst="rect">
-              <a:avLst/>
-            </a:prstGeom>
-            <a:noFill/>
-          </p:spPr>
-          <p:txBody>
-            <a:bodyPr wrap="none" rtlCol="0">
-              <a:spAutoFit/>
-            </a:bodyPr>
-            <a:lstStyle/>
-            <a:p>
-              <a:r>
-                <a:rPr lang="en-US" sz="1300" b="1" dirty="0"/>
-                <a:t>App Paper Prototyping Kit</a:t>
-              </a:r>
-            </a:p>
-          </p:txBody>
-        </p:sp>
-        <p:pic>
-          <p:nvPicPr>
-            <p:cNvPr id="2050" name="Picture 2" descr="ithub Logotype"/>
-            <p:cNvPicPr>
-              <a:picLocks noChangeAspect="1" noChangeArrowheads="1"/>
-            </p:cNvPicPr>
-            <p:nvPr/>
-          </p:nvPicPr>
-          <p:blipFill>
-            <a:blip r:embed="rId3">
-              <a:extLst>
-                <a:ext uri="{28A0092B-C50C-407E-A947-70E740481C1C}">
-                  <a14:useLocalDpi xmlns:a14="http://schemas.microsoft.com/office/drawing/2010/main" val="0"/>
-                </a:ext>
-              </a:extLst>
-            </a:blip>
-            <a:srcRect/>
-            <a:stretch>
-              <a:fillRect/>
-            </a:stretch>
-          </p:blipFill>
-          <p:spPr bwMode="auto">
-            <a:xfrm>
-              <a:off x="4648200" y="3221077"/>
-              <a:ext cx="1595032" cy="414707"/>
-            </a:xfrm>
-            <a:prstGeom prst="rect">
-              <a:avLst/>
-            </a:prstGeom>
-            <a:noFill/>
+        </p:nvPicPr>
+        <p:blipFill rotWithShape="1">
+          <a:blip r:embed="rId2">
             <a:extLst>
-              <a:ext uri="{909E8E84-426E-40DD-AFC4-6F175D3DCCD1}">
-                <a14:hiddenFill xmlns:a14="http://schemas.microsoft.com/office/drawing/2010/main">
-                  <a:solidFill>
-                    <a:srgbClr val="FFFFFF"/>
-                  </a:solidFill>
-                </a14:hiddenFill>
+              <a:ext uri="{28A0092B-C50C-407E-A947-70E740481C1C}">
+                <a14:useLocalDpi xmlns:a14="http://schemas.microsoft.com/office/drawing/2010/main" val="0"/>
               </a:ext>
             </a:extLst>
-          </p:spPr>
-        </p:pic>
-        <p:pic>
-          <p:nvPicPr>
-            <p:cNvPr id="2052" name="Picture 4" descr="ithub Octocat"/>
-            <p:cNvPicPr>
-              <a:picLocks noChangeAspect="1" noChangeArrowheads="1"/>
-            </p:cNvPicPr>
-            <p:nvPr/>
-          </p:nvPicPr>
-          <p:blipFill>
-            <a:blip r:embed="rId4">
-              <a:extLst>
-                <a:ext uri="{28A0092B-C50C-407E-A947-70E740481C1C}">
-                  <a14:useLocalDpi xmlns:a14="http://schemas.microsoft.com/office/drawing/2010/main" val="0"/>
-                </a:ext>
-              </a:extLst>
-            </a:blip>
-            <a:srcRect/>
-            <a:stretch>
-              <a:fillRect/>
-            </a:stretch>
-          </p:blipFill>
-          <p:spPr bwMode="auto">
-            <a:xfrm>
-              <a:off x="6243231" y="2996548"/>
-              <a:ext cx="1043051" cy="862887"/>
-            </a:xfrm>
-            <a:prstGeom prst="rect">
-              <a:avLst/>
-            </a:prstGeom>
-            <a:noFill/>
-            <a:extLst>
-              <a:ext uri="{909E8E84-426E-40DD-AFC4-6F175D3DCCD1}">
-                <a14:hiddenFill xmlns:a14="http://schemas.microsoft.com/office/drawing/2010/main">
-                  <a:solidFill>
-                    <a:srgbClr val="FFFFFF"/>
-                  </a:solidFill>
-                </a14:hiddenFill>
-              </a:ext>
-            </a:extLst>
-          </p:spPr>
-        </p:pic>
-        <p:pic>
-          <p:nvPicPr>
-            <p:cNvPr id="11" name="Picture 10"/>
-            <p:cNvPicPr>
-              <a:picLocks noChangeAspect="1"/>
-            </p:cNvPicPr>
-            <p:nvPr/>
-          </p:nvPicPr>
-          <p:blipFill>
-            <a:blip r:embed="rId5">
-              <a:extLst>
-                <a:ext uri="{28A0092B-C50C-407E-A947-70E740481C1C}">
-                  <a14:useLocalDpi xmlns:a14="http://schemas.microsoft.com/office/drawing/2010/main" val="0"/>
-                </a:ext>
-              </a:extLst>
-            </a:blip>
-            <a:stretch>
-              <a:fillRect/>
-            </a:stretch>
-          </p:blipFill>
-          <p:spPr>
-            <a:xfrm>
-              <a:off x="1366714" y="2857499"/>
-              <a:ext cx="3227396" cy="3227396"/>
-            </a:xfrm>
-            <a:prstGeom prst="rect">
-              <a:avLst/>
-            </a:prstGeom>
-          </p:spPr>
-        </p:pic>
-        <p:sp>
-          <p:nvSpPr>
-            <p:cNvPr id="13" name="TextBox 12"/>
-            <p:cNvSpPr txBox="1"/>
-            <p:nvPr/>
-          </p:nvSpPr>
-          <p:spPr>
-            <a:xfrm>
-              <a:off x="4538901" y="3970364"/>
-              <a:ext cx="7176315" cy="1146976"/>
-            </a:xfrm>
-            <a:prstGeom prst="rect">
-              <a:avLst/>
-            </a:prstGeom>
-            <a:noFill/>
-          </p:spPr>
-          <p:txBody>
-            <a:bodyPr wrap="square" rtlCol="0">
-              <a:spAutoFit/>
-            </a:bodyPr>
-            <a:lstStyle/>
-            <a:p>
-              <a:r>
-                <a:rPr lang="en-US" sz="1300" dirty="0"/>
-                <a:t>Dieses Kit </a:t>
-              </a:r>
-              <a:r>
-                <a:rPr lang="en-US" sz="1300" dirty="0" err="1"/>
-                <a:t>ist</a:t>
-              </a:r>
-              <a:r>
-                <a:rPr lang="en-US" sz="1300" dirty="0"/>
-                <a:t> Open-Source. </a:t>
-              </a:r>
-              <a:r>
-                <a:rPr lang="en-US" sz="1300" dirty="0" err="1"/>
-                <a:t>Informationen</a:t>
-              </a:r>
-              <a:r>
-                <a:rPr lang="en-US" sz="1300" dirty="0"/>
-                <a:t> </a:t>
-              </a:r>
-              <a:r>
-                <a:rPr lang="en-US" sz="1300" dirty="0" err="1"/>
-                <a:t>unter</a:t>
-              </a:r>
-              <a:r>
-                <a:rPr lang="en-US" sz="1300" dirty="0"/>
-                <a:t>: </a:t>
-              </a:r>
-            </a:p>
-            <a:p>
-              <a:r>
-                <a:rPr lang="en-US" sz="1300" dirty="0">
-                  <a:solidFill>
-                    <a:srgbClr val="0171C0"/>
-                  </a:solidFill>
-                </a:rPr>
-                <a:t>https://</a:t>
-              </a:r>
-              <a:r>
-                <a:rPr lang="en-US" sz="1300" dirty="0" err="1">
-                  <a:solidFill>
-                    <a:srgbClr val="0171C0"/>
-                  </a:solidFill>
-                </a:rPr>
-                <a:t>github.com</a:t>
-              </a:r>
-              <a:r>
-                <a:rPr lang="en-US" sz="1300" dirty="0">
-                  <a:solidFill>
-                    <a:srgbClr val="0171C0"/>
-                  </a:solidFill>
-                </a:rPr>
-                <a:t>/ScaleIT-Org/workshop-app-prototyping</a:t>
-              </a:r>
-            </a:p>
-            <a:p>
-              <a:endParaRPr lang="en-US" sz="1300" dirty="0"/>
-            </a:p>
-          </p:txBody>
-        </p:sp>
-        <p:sp>
-          <p:nvSpPr>
-            <p:cNvPr id="14" name="TextBox 13"/>
-            <p:cNvSpPr txBox="1"/>
-            <p:nvPr/>
-          </p:nvSpPr>
-          <p:spPr>
-            <a:xfrm>
-              <a:off x="4538901" y="4928047"/>
-              <a:ext cx="4783002" cy="1146977"/>
-            </a:xfrm>
-            <a:prstGeom prst="rect">
-              <a:avLst/>
-            </a:prstGeom>
-            <a:noFill/>
-          </p:spPr>
-          <p:txBody>
-            <a:bodyPr wrap="none" rtlCol="0">
-              <a:spAutoFit/>
-            </a:bodyPr>
-            <a:lstStyle/>
-            <a:p>
-              <a:r>
-                <a:rPr lang="de-DE" sz="1300" dirty="0"/>
-                <a:t>© KIT 2017, MIT Lizenz</a:t>
-              </a:r>
-            </a:p>
-            <a:p>
-              <a:r>
-                <a:rPr lang="de-DE" sz="1300" dirty="0"/>
-                <a:t>Andrei Miclaus, </a:t>
-              </a:r>
-              <a:r>
-                <a:rPr lang="de-DE" sz="1300" dirty="0">
-                  <a:solidFill>
-                    <a:srgbClr val="0171C0"/>
-                  </a:solidFill>
-                  <a:hlinkClick r:id="rId6"/>
-                </a:rPr>
-                <a:t>andrei.miclaus@kit.edu</a:t>
-              </a:r>
-              <a:endParaRPr lang="de-DE" sz="1300" dirty="0">
+          </a:blip>
+          <a:srcRect l="27188" t="39946" r="29219" b="40300"/>
+          <a:stretch/>
+        </p:blipFill>
+        <p:spPr>
+          <a:xfrm>
+            <a:off x="4436558" y="2215253"/>
+            <a:ext cx="2552792" cy="633771"/>
+          </a:xfrm>
+          <a:prstGeom prst="rect">
+            <a:avLst/>
+          </a:prstGeom>
+        </p:spPr>
+      </p:pic>
+      <p:sp>
+        <p:nvSpPr>
+          <p:cNvPr id="7" name="TextBox 6"/>
+          <p:cNvSpPr txBox="1"/>
+          <p:nvPr/>
+        </p:nvSpPr>
+        <p:spPr>
+          <a:xfrm>
+            <a:off x="4632563" y="2793462"/>
+            <a:ext cx="1987532" cy="292388"/>
+          </a:xfrm>
+          <a:prstGeom prst="rect">
+            <a:avLst/>
+          </a:prstGeom>
+          <a:noFill/>
+        </p:spPr>
+        <p:txBody>
+          <a:bodyPr wrap="none" rtlCol="0">
+            <a:spAutoFit/>
+          </a:bodyPr>
+          <a:lstStyle/>
+          <a:p>
+            <a:r>
+              <a:rPr lang="en-US" sz="1300" b="1" dirty="0"/>
+              <a:t>App Paper Prototyping Kit</a:t>
+            </a:r>
+          </a:p>
+        </p:txBody>
+      </p:sp>
+      <p:sp>
+        <p:nvSpPr>
+          <p:cNvPr id="13" name="TextBox 12"/>
+          <p:cNvSpPr txBox="1"/>
+          <p:nvPr/>
+        </p:nvSpPr>
+        <p:spPr>
+          <a:xfrm>
+            <a:off x="4436556" y="3815128"/>
+            <a:ext cx="4455195" cy="692497"/>
+          </a:xfrm>
+          <a:prstGeom prst="rect">
+            <a:avLst/>
+          </a:prstGeom>
+          <a:noFill/>
+        </p:spPr>
+        <p:txBody>
+          <a:bodyPr wrap="square" rtlCol="0">
+            <a:spAutoFit/>
+          </a:bodyPr>
+          <a:lstStyle/>
+          <a:p>
+            <a:r>
+              <a:rPr lang="en-US" sz="1300" dirty="0"/>
+              <a:t>Dieses Kit </a:t>
+            </a:r>
+            <a:r>
+              <a:rPr lang="en-US" sz="1300" dirty="0" err="1"/>
+              <a:t>ist</a:t>
+            </a:r>
+            <a:r>
+              <a:rPr lang="en-US" sz="1300" dirty="0"/>
+              <a:t> Open-Source. </a:t>
+            </a:r>
+            <a:r>
+              <a:rPr lang="en-US" sz="1300" dirty="0" err="1"/>
+              <a:t>Informationen</a:t>
+            </a:r>
+            <a:r>
+              <a:rPr lang="en-US" sz="1300" dirty="0"/>
+              <a:t> </a:t>
+            </a:r>
+            <a:r>
+              <a:rPr lang="en-US" sz="1300" dirty="0" err="1"/>
+              <a:t>unter</a:t>
+            </a:r>
+            <a:r>
+              <a:rPr lang="en-US" sz="1300" dirty="0"/>
+              <a:t>: </a:t>
+            </a:r>
+          </a:p>
+          <a:p>
+            <a:r>
+              <a:rPr lang="en-US" sz="1300" dirty="0">
                 <a:solidFill>
                   <a:srgbClr val="0171C0"/>
                 </a:solidFill>
-              </a:endParaRPr>
-            </a:p>
-            <a:p>
-              <a:r>
-                <a:rPr lang="de-DE" sz="1300" dirty="0"/>
-                <a:t>Laura Halbmann, </a:t>
-              </a:r>
-              <a:r>
-                <a:rPr lang="de-DE" sz="1300" dirty="0">
-                  <a:hlinkClick r:id="rId7"/>
-                </a:rPr>
-                <a:t>halbmann@teco.edu</a:t>
-              </a:r>
-              <a:endParaRPr lang="de-DE" sz="1300" dirty="0"/>
-            </a:p>
-          </p:txBody>
-        </p:sp>
-      </p:grpSp>
+              </a:rPr>
+              <a:t>https://</a:t>
+            </a:r>
+            <a:r>
+              <a:rPr lang="en-US" sz="1300" dirty="0" err="1">
+                <a:solidFill>
+                  <a:srgbClr val="0171C0"/>
+                </a:solidFill>
+              </a:rPr>
+              <a:t>github.com</a:t>
+            </a:r>
+            <a:r>
+              <a:rPr lang="en-US" sz="1300" dirty="0">
+                <a:solidFill>
+                  <a:srgbClr val="0171C0"/>
+                </a:solidFill>
+              </a:rPr>
+              <a:t>/ScaleIT-Org/workshop-app-prototyping</a:t>
+            </a:r>
+          </a:p>
+          <a:p>
+            <a:endParaRPr lang="en-US" sz="1300" dirty="0"/>
+          </a:p>
+        </p:txBody>
+      </p:sp>
+      <p:sp>
+        <p:nvSpPr>
+          <p:cNvPr id="14" name="TextBox 13"/>
+          <p:cNvSpPr txBox="1"/>
+          <p:nvPr/>
+        </p:nvSpPr>
+        <p:spPr>
+          <a:xfrm>
+            <a:off x="4436557" y="4393337"/>
+            <a:ext cx="2887779" cy="692497"/>
+          </a:xfrm>
+          <a:prstGeom prst="rect">
+            <a:avLst/>
+          </a:prstGeom>
+          <a:noFill/>
+        </p:spPr>
+        <p:txBody>
+          <a:bodyPr wrap="none" rtlCol="0">
+            <a:spAutoFit/>
+          </a:bodyPr>
+          <a:lstStyle/>
+          <a:p>
+            <a:r>
+              <a:rPr lang="de-DE" sz="1300" dirty="0"/>
+              <a:t>© KIT 2017, MIT Lizenz</a:t>
+            </a:r>
+          </a:p>
+          <a:p>
+            <a:r>
+              <a:rPr lang="de-DE" sz="1300" dirty="0"/>
+              <a:t>Andrei Miclaus, </a:t>
+            </a:r>
+            <a:r>
+              <a:rPr lang="de-DE" sz="1300" dirty="0">
+                <a:solidFill>
+                  <a:srgbClr val="0171C0"/>
+                </a:solidFill>
+                <a:hlinkClick r:id="rId3"/>
+              </a:rPr>
+              <a:t>andrei.miclaus@kit.edu</a:t>
+            </a:r>
+            <a:endParaRPr lang="de-DE" sz="1300" dirty="0">
+              <a:solidFill>
+                <a:srgbClr val="0171C0"/>
+              </a:solidFill>
+            </a:endParaRPr>
+          </a:p>
+          <a:p>
+            <a:r>
+              <a:rPr lang="de-DE" sz="1300" dirty="0"/>
+              <a:t>Laura Halbmann, </a:t>
+            </a:r>
+            <a:r>
+              <a:rPr lang="de-DE" sz="1300" dirty="0">
+                <a:hlinkClick r:id="rId4"/>
+              </a:rPr>
+              <a:t>halbmann@teco.edu</a:t>
+            </a:r>
+            <a:endParaRPr lang="de-DE" sz="1300" dirty="0"/>
+          </a:p>
+        </p:txBody>
+      </p:sp>
+      <p:pic>
+        <p:nvPicPr>
+          <p:cNvPr id="4" name="Picture 3">
+            <a:extLst>
+              <a:ext uri="{FF2B5EF4-FFF2-40B4-BE49-F238E27FC236}">
+                <a16:creationId xmlns:a16="http://schemas.microsoft.com/office/drawing/2014/main" id="{2836AAC7-1BD0-BA4E-95D2-E7F945325E4D}"/>
+              </a:ext>
+            </a:extLst>
+          </p:cNvPr>
+          <p:cNvPicPr>
+            <a:picLocks noChangeAspect="1"/>
+          </p:cNvPicPr>
+          <p:nvPr/>
+        </p:nvPicPr>
+        <p:blipFill rotWithShape="1">
+          <a:blip r:embed="rId5">
+            <a:extLst>
+              <a:ext uri="{28A0092B-C50C-407E-A947-70E740481C1C}">
+                <a14:useLocalDpi xmlns:a14="http://schemas.microsoft.com/office/drawing/2010/main" val="0"/>
+              </a:ext>
+            </a:extLst>
+          </a:blip>
+          <a:srcRect l="3042" t="3856" r="2118" b="2946"/>
+          <a:stretch/>
+        </p:blipFill>
+        <p:spPr>
+          <a:xfrm>
+            <a:off x="2469359" y="3183422"/>
+            <a:ext cx="1896728" cy="1863909"/>
+          </a:xfrm>
+          <a:prstGeom prst="rect">
+            <a:avLst/>
+          </a:prstGeom>
+        </p:spPr>
+      </p:pic>
+      <p:pic>
+        <p:nvPicPr>
+          <p:cNvPr id="1026" name="Picture 2" descr="Github Logotype">
+            <a:extLst>
+              <a:ext uri="{FF2B5EF4-FFF2-40B4-BE49-F238E27FC236}">
+                <a16:creationId xmlns:a16="http://schemas.microsoft.com/office/drawing/2014/main" id="{8567E197-7721-BA46-8576-B5D5B5B22921}"/>
+              </a:ext>
+            </a:extLst>
+          </p:cNvPr>
+          <p:cNvPicPr>
+            <a:picLocks noChangeAspect="1" noChangeArrowheads="1"/>
+          </p:cNvPicPr>
+          <p:nvPr/>
+        </p:nvPicPr>
+        <p:blipFill>
+          <a:blip r:embed="rId6">
+            <a:extLst>
+              <a:ext uri="{28A0092B-C50C-407E-A947-70E740481C1C}">
+                <a14:useLocalDpi xmlns:a14="http://schemas.microsoft.com/office/drawing/2010/main" val="0"/>
+              </a:ext>
+            </a:extLst>
+          </a:blip>
+          <a:srcRect/>
+          <a:stretch>
+            <a:fillRect/>
+          </a:stretch>
+        </p:blipFill>
+        <p:spPr bwMode="auto">
+          <a:xfrm>
+            <a:off x="4498682" y="3302837"/>
+            <a:ext cx="1059480" cy="275465"/>
+          </a:xfrm>
+          <a:prstGeom prst="rect">
+            <a:avLst/>
+          </a:prstGeom>
+          <a:noFill/>
+          <a:extLst>
+            <a:ext uri="{909E8E84-426E-40DD-AFC4-6F175D3DCCD1}">
+              <a14:hiddenFill xmlns:a14="http://schemas.microsoft.com/office/drawing/2010/main">
+                <a:solidFill>
+                  <a:srgbClr val="FFFFFF"/>
+                </a:solidFill>
+              </a14:hiddenFill>
+            </a:ext>
+          </a:extLst>
+        </p:spPr>
+      </p:pic>
+      <p:pic>
+        <p:nvPicPr>
+          <p:cNvPr id="1028" name="Picture 4" descr="Github Octocat">
+            <a:extLst>
+              <a:ext uri="{FF2B5EF4-FFF2-40B4-BE49-F238E27FC236}">
+                <a16:creationId xmlns:a16="http://schemas.microsoft.com/office/drawing/2014/main" id="{E731D7CF-D2EE-6942-BDDD-7F2A6BD0B101}"/>
+              </a:ext>
+            </a:extLst>
+          </p:cNvPr>
+          <p:cNvPicPr>
+            <a:picLocks noChangeAspect="1" noChangeArrowheads="1"/>
+          </p:cNvPicPr>
+          <p:nvPr/>
+        </p:nvPicPr>
+        <p:blipFill>
+          <a:blip r:embed="rId7">
+            <a:extLst>
+              <a:ext uri="{28A0092B-C50C-407E-A947-70E740481C1C}">
+                <a14:useLocalDpi xmlns:a14="http://schemas.microsoft.com/office/drawing/2010/main" val="0"/>
+              </a:ext>
+            </a:extLst>
+          </a:blip>
+          <a:srcRect/>
+          <a:stretch>
+            <a:fillRect/>
+          </a:stretch>
+        </p:blipFill>
+        <p:spPr bwMode="auto">
+          <a:xfrm>
+            <a:off x="5558162" y="3183422"/>
+            <a:ext cx="589432" cy="487621"/>
+          </a:xfrm>
+          <a:prstGeom prst="rect">
+            <a:avLst/>
+          </a:prstGeom>
+          <a:noFill/>
+          <a:extLst>
+            <a:ext uri="{909E8E84-426E-40DD-AFC4-6F175D3DCCD1}">
+              <a14:hiddenFill xmlns:a14="http://schemas.microsoft.com/office/drawing/2010/main">
+                <a:solidFill>
+                  <a:srgbClr val="FFFFFF"/>
+                </a:solidFill>
+              </a14:hiddenFill>
+            </a:ext>
+          </a:extLst>
+        </p:spPr>
+      </p:pic>
     </p:spTree>
     <p:extLst>
       <p:ext uri="{BB962C8B-B14F-4D97-AF65-F5344CB8AC3E}">
@@ -14771,104 +14773,52 @@
           <a:chExt cx="0" cy="0"/>
         </a:xfrm>
       </p:grpSpPr>
-      <p:grpSp>
-        <p:nvGrpSpPr>
-          <p:cNvPr id="4" name="Gruppieren 3">
+      <p:pic>
+        <p:nvPicPr>
+          <p:cNvPr id="2" name="Picture 1">
             <a:extLst>
               <a:ext uri="{FF2B5EF4-FFF2-40B4-BE49-F238E27FC236}">
-                <a16:creationId xmlns:a16="http://schemas.microsoft.com/office/drawing/2014/main" id="{D51B3255-5D89-47C0-885D-90DFEA35AF48}"/>
+                <a16:creationId xmlns:a16="http://schemas.microsoft.com/office/drawing/2014/main" id="{6D59C319-6AF3-D241-8AD7-ED34C87245C1}"/>
               </a:ext>
             </a:extLst>
           </p:cNvPr>
-          <p:cNvGrpSpPr/>
+          <p:cNvPicPr>
+            <a:picLocks noChangeAspect="1"/>
+          </p:cNvPicPr>
           <p:nvPr/>
-        </p:nvGrpSpPr>
-        <p:grpSpPr>
-          <a:xfrm>
-            <a:off x="276225" y="504825"/>
-            <a:ext cx="9353550" cy="5848350"/>
-            <a:chOff x="919093" y="1352550"/>
-            <a:chExt cx="7105650" cy="4152900"/>
+        </p:nvPicPr>
+        <p:blipFill>
+          <a:blip r:embed="rId2">
+            <a:extLst>
+              <a:ext uri="{BEBA8EAE-BF5A-486C-A8C5-ECC9F3942E4B}">
+                <a14:imgProps xmlns:a14="http://schemas.microsoft.com/office/drawing/2010/main">
+                  <a14:imgLayer r:embed="rId3">
+                    <a14:imgEffect>
+                      <a14:sharpenSoften amount="50000"/>
+                    </a14:imgEffect>
+                  </a14:imgLayer>
+                </a14:imgProps>
+              </a:ext>
+            </a:extLst>
+          </a:blip>
+          <a:stretch>
+            <a:fillRect/>
+          </a:stretch>
+        </p:blipFill>
+        <p:spPr>
+          <a:xfrm rot="16200000">
+            <a:off x="2034587" y="-997804"/>
+            <a:ext cx="5876636" cy="8994462"/>
           </a:xfrm>
-        </p:grpSpPr>
-        <p:pic>
-          <p:nvPicPr>
-            <p:cNvPr id="5" name="Grafik 4" descr="Ein Bild, das Screenshot enthält.&#10;&#10;Mit sehr hoher Zuverlässigkeit generierte Beschreibung">
-              <a:extLst>
-                <a:ext uri="{FF2B5EF4-FFF2-40B4-BE49-F238E27FC236}">
-                  <a16:creationId xmlns:a16="http://schemas.microsoft.com/office/drawing/2014/main" id="{7471903C-1380-4E06-95AD-1CA5FB8FB425}"/>
-                </a:ext>
-              </a:extLst>
-            </p:cNvPr>
-            <p:cNvPicPr>
-              <a:picLocks noChangeAspect="1"/>
-            </p:cNvPicPr>
-            <p:nvPr/>
-          </p:nvPicPr>
-          <p:blipFill>
-            <a:blip r:embed="rId2">
-              <a:extLst>
-                <a:ext uri="{28A0092B-C50C-407E-A947-70E740481C1C}">
-                  <a14:useLocalDpi xmlns:a14="http://schemas.microsoft.com/office/drawing/2010/main" val="0"/>
-                </a:ext>
-              </a:extLst>
-            </a:blip>
-            <a:stretch>
-              <a:fillRect/>
-            </a:stretch>
-          </p:blipFill>
-          <p:spPr>
-            <a:xfrm>
-              <a:off x="919093" y="1352550"/>
-              <a:ext cx="7105650" cy="4152900"/>
-            </a:xfrm>
-            <a:prstGeom prst="rect">
-              <a:avLst/>
-            </a:prstGeom>
-          </p:spPr>
-        </p:pic>
-        <p:pic>
-          <p:nvPicPr>
-            <p:cNvPr id="6" name="Inhaltsplatzhalter 3" title="ScaleIT_Logo">
-              <a:extLst>
-                <a:ext uri="{FF2B5EF4-FFF2-40B4-BE49-F238E27FC236}">
-                  <a16:creationId xmlns:a16="http://schemas.microsoft.com/office/drawing/2014/main" id="{C41A77B4-E3DE-4C37-B282-5A897ACEF70A}"/>
-                </a:ext>
-              </a:extLst>
-            </p:cNvPr>
-            <p:cNvPicPr>
-              <a:picLocks/>
-            </p:cNvPicPr>
-            <p:nvPr/>
-          </p:nvPicPr>
-          <p:blipFill>
-            <a:blip r:embed="rId3">
-              <a:biLevel thresh="75000"/>
-              <a:extLst>
-                <a:ext uri="{28A0092B-C50C-407E-A947-70E740481C1C}">
-                  <a14:useLocalDpi xmlns:a14="http://schemas.microsoft.com/office/drawing/2010/main" val="0"/>
-                </a:ext>
-              </a:extLst>
-            </a:blip>
-            <a:stretch>
-              <a:fillRect/>
-            </a:stretch>
-          </p:blipFill>
-          <p:spPr>
-            <a:xfrm>
-              <a:off x="4120078" y="1420410"/>
-              <a:ext cx="703679" cy="164764"/>
-            </a:xfrm>
-            <a:prstGeom prst="rect">
-              <a:avLst/>
-            </a:prstGeom>
-          </p:spPr>
-        </p:pic>
-      </p:grpSp>
+          <a:prstGeom prst="rect">
+            <a:avLst/>
+          </a:prstGeom>
+        </p:spPr>
+      </p:pic>
     </p:spTree>
     <p:extLst>
       <p:ext uri="{BB962C8B-B14F-4D97-AF65-F5344CB8AC3E}">
-        <p14:creationId xmlns:p14="http://schemas.microsoft.com/office/powerpoint/2010/main" val="207664725"/>
+        <p14:creationId xmlns:p14="http://schemas.microsoft.com/office/powerpoint/2010/main" val="79354714"/>
       </p:ext>
     </p:extLst>
   </p:cSld>
@@ -14895,104 +14845,52 @@
           <a:chExt cx="0" cy="0"/>
         </a:xfrm>
       </p:grpSpPr>
-      <p:grpSp>
-        <p:nvGrpSpPr>
-          <p:cNvPr id="4" name="Gruppieren 3">
+      <p:pic>
+        <p:nvPicPr>
+          <p:cNvPr id="2" name="Picture 1">
             <a:extLst>
               <a:ext uri="{FF2B5EF4-FFF2-40B4-BE49-F238E27FC236}">
-                <a16:creationId xmlns:a16="http://schemas.microsoft.com/office/drawing/2014/main" id="{D51B3255-5D89-47C0-885D-90DFEA35AF48}"/>
+                <a16:creationId xmlns:a16="http://schemas.microsoft.com/office/drawing/2014/main" id="{6D59C319-6AF3-D241-8AD7-ED34C87245C1}"/>
               </a:ext>
             </a:extLst>
           </p:cNvPr>
-          <p:cNvGrpSpPr/>
+          <p:cNvPicPr>
+            <a:picLocks noChangeAspect="1"/>
+          </p:cNvPicPr>
           <p:nvPr/>
-        </p:nvGrpSpPr>
-        <p:grpSpPr>
-          <a:xfrm>
-            <a:off x="276225" y="504825"/>
-            <a:ext cx="9353550" cy="5848350"/>
-            <a:chOff x="919093" y="1352550"/>
-            <a:chExt cx="7105650" cy="4152900"/>
+        </p:nvPicPr>
+        <p:blipFill>
+          <a:blip r:embed="rId2">
+            <a:extLst>
+              <a:ext uri="{BEBA8EAE-BF5A-486C-A8C5-ECC9F3942E4B}">
+                <a14:imgProps xmlns:a14="http://schemas.microsoft.com/office/drawing/2010/main">
+                  <a14:imgLayer r:embed="rId3">
+                    <a14:imgEffect>
+                      <a14:sharpenSoften amount="50000"/>
+                    </a14:imgEffect>
+                  </a14:imgLayer>
+                </a14:imgProps>
+              </a:ext>
+            </a:extLst>
+          </a:blip>
+          <a:stretch>
+            <a:fillRect/>
+          </a:stretch>
+        </p:blipFill>
+        <p:spPr>
+          <a:xfrm rot="16200000">
+            <a:off x="2034587" y="-997804"/>
+            <a:ext cx="5876636" cy="8994462"/>
           </a:xfrm>
-        </p:grpSpPr>
-        <p:pic>
-          <p:nvPicPr>
-            <p:cNvPr id="5" name="Grafik 4" descr="Ein Bild, das Screenshot enthält.&#10;&#10;Mit sehr hoher Zuverlässigkeit generierte Beschreibung">
-              <a:extLst>
-                <a:ext uri="{FF2B5EF4-FFF2-40B4-BE49-F238E27FC236}">
-                  <a16:creationId xmlns:a16="http://schemas.microsoft.com/office/drawing/2014/main" id="{7471903C-1380-4E06-95AD-1CA5FB8FB425}"/>
-                </a:ext>
-              </a:extLst>
-            </p:cNvPr>
-            <p:cNvPicPr>
-              <a:picLocks noChangeAspect="1"/>
-            </p:cNvPicPr>
-            <p:nvPr/>
-          </p:nvPicPr>
-          <p:blipFill>
-            <a:blip r:embed="rId2">
-              <a:extLst>
-                <a:ext uri="{28A0092B-C50C-407E-A947-70E740481C1C}">
-                  <a14:useLocalDpi xmlns:a14="http://schemas.microsoft.com/office/drawing/2010/main" val="0"/>
-                </a:ext>
-              </a:extLst>
-            </a:blip>
-            <a:stretch>
-              <a:fillRect/>
-            </a:stretch>
-          </p:blipFill>
-          <p:spPr>
-            <a:xfrm>
-              <a:off x="919093" y="1352550"/>
-              <a:ext cx="7105650" cy="4152900"/>
-            </a:xfrm>
-            <a:prstGeom prst="rect">
-              <a:avLst/>
-            </a:prstGeom>
-          </p:spPr>
-        </p:pic>
-        <p:pic>
-          <p:nvPicPr>
-            <p:cNvPr id="6" name="Inhaltsplatzhalter 3" title="ScaleIT_Logo">
-              <a:extLst>
-                <a:ext uri="{FF2B5EF4-FFF2-40B4-BE49-F238E27FC236}">
-                  <a16:creationId xmlns:a16="http://schemas.microsoft.com/office/drawing/2014/main" id="{C41A77B4-E3DE-4C37-B282-5A897ACEF70A}"/>
-                </a:ext>
-              </a:extLst>
-            </p:cNvPr>
-            <p:cNvPicPr>
-              <a:picLocks/>
-            </p:cNvPicPr>
-            <p:nvPr/>
-          </p:nvPicPr>
-          <p:blipFill>
-            <a:blip r:embed="rId3">
-              <a:biLevel thresh="75000"/>
-              <a:extLst>
-                <a:ext uri="{28A0092B-C50C-407E-A947-70E740481C1C}">
-                  <a14:useLocalDpi xmlns:a14="http://schemas.microsoft.com/office/drawing/2010/main" val="0"/>
-                </a:ext>
-              </a:extLst>
-            </a:blip>
-            <a:stretch>
-              <a:fillRect/>
-            </a:stretch>
-          </p:blipFill>
-          <p:spPr>
-            <a:xfrm>
-              <a:off x="4120078" y="1420410"/>
-              <a:ext cx="703679" cy="164764"/>
-            </a:xfrm>
-            <a:prstGeom prst="rect">
-              <a:avLst/>
-            </a:prstGeom>
-          </p:spPr>
-        </p:pic>
-      </p:grpSp>
+          <a:prstGeom prst="rect">
+            <a:avLst/>
+          </a:prstGeom>
+        </p:spPr>
+      </p:pic>
     </p:spTree>
     <p:extLst>
       <p:ext uri="{BB962C8B-B14F-4D97-AF65-F5344CB8AC3E}">
-        <p14:creationId xmlns:p14="http://schemas.microsoft.com/office/powerpoint/2010/main" val="2554900847"/>
+        <p14:creationId xmlns:p14="http://schemas.microsoft.com/office/powerpoint/2010/main" val="2698930361"/>
       </p:ext>
     </p:extLst>
   </p:cSld>

--- a/Prototyping Materials.pptx
+++ b/Prototyping Materials.pptx
@@ -6,27 +6,26 @@
   </p:sldMasterIdLst>
   <p:sldIdLst>
     <p:sldId id="319" r:id="rId2"/>
-    <p:sldId id="330" r:id="rId3"/>
-    <p:sldId id="318" r:id="rId4"/>
-    <p:sldId id="332" r:id="rId5"/>
-    <p:sldId id="333" r:id="rId6"/>
-    <p:sldId id="322" r:id="rId7"/>
-    <p:sldId id="323" r:id="rId8"/>
-    <p:sldId id="324" r:id="rId9"/>
-    <p:sldId id="325" r:id="rId10"/>
-    <p:sldId id="326" r:id="rId11"/>
-    <p:sldId id="327" r:id="rId12"/>
-    <p:sldId id="328" r:id="rId13"/>
-    <p:sldId id="329" r:id="rId14"/>
-    <p:sldId id="307" r:id="rId15"/>
-    <p:sldId id="308" r:id="rId16"/>
-    <p:sldId id="268" r:id="rId17"/>
-    <p:sldId id="315" r:id="rId18"/>
-    <p:sldId id="306" r:id="rId19"/>
-    <p:sldId id="305" r:id="rId20"/>
-    <p:sldId id="270" r:id="rId21"/>
-    <p:sldId id="313" r:id="rId22"/>
-    <p:sldId id="312" r:id="rId23"/>
+    <p:sldId id="318" r:id="rId3"/>
+    <p:sldId id="320" r:id="rId4"/>
+    <p:sldId id="330" r:id="rId5"/>
+    <p:sldId id="322" r:id="rId6"/>
+    <p:sldId id="323" r:id="rId7"/>
+    <p:sldId id="324" r:id="rId8"/>
+    <p:sldId id="325" r:id="rId9"/>
+    <p:sldId id="326" r:id="rId10"/>
+    <p:sldId id="327" r:id="rId11"/>
+    <p:sldId id="328" r:id="rId12"/>
+    <p:sldId id="329" r:id="rId13"/>
+    <p:sldId id="307" r:id="rId14"/>
+    <p:sldId id="308" r:id="rId15"/>
+    <p:sldId id="268" r:id="rId16"/>
+    <p:sldId id="315" r:id="rId17"/>
+    <p:sldId id="306" r:id="rId18"/>
+    <p:sldId id="305" r:id="rId19"/>
+    <p:sldId id="270" r:id="rId20"/>
+    <p:sldId id="313" r:id="rId21"/>
+    <p:sldId id="312" r:id="rId22"/>
   </p:sldIdLst>
   <p:sldSz cx="9906000" cy="6858000" type="A4"/>
   <p:notesSz cx="6797675" cy="9928225"/>
@@ -131,14 +130,13 @@
         <p14:section name="Welcome to ScaleIT" id="{7E56C192-0EAF-4A25-A71D-75E239532A4A}">
           <p14:sldIdLst>
             <p14:sldId id="319"/>
-            <p14:sldId id="330"/>
             <p14:sldId id="318"/>
           </p14:sldIdLst>
         </p14:section>
-        <p14:section name="Benutzeroberflächen" id="{971D82AC-BFA5-4A86-AFE9-EC6A0C73D966}">
+        <p14:section name="User Interfaces" id="{971D82AC-BFA5-4A86-AFE9-EC6A0C73D966}">
           <p14:sldIdLst>
-            <p14:sldId id="332"/>
-            <p14:sldId id="333"/>
+            <p14:sldId id="320"/>
+            <p14:sldId id="330"/>
             <p14:sldId id="322"/>
             <p14:sldId id="323"/>
             <p14:sldId id="324"/>
@@ -149,29 +147,29 @@
             <p14:sldId id="329"/>
           </p14:sldIdLst>
         </p14:section>
-        <p14:section name="Benutzer &amp; Rollen" id="{47BFA3BC-AA88-4778-9B8A-6F3432243F59}">
+        <p14:section name="Users &amp; Roles" id="{47BFA3BC-AA88-4778-9B8A-6F3432243F59}">
           <p14:sldIdLst>
             <p14:sldId id="307"/>
             <p14:sldId id="308"/>
           </p14:sldIdLst>
         </p14:section>
-        <p14:section name="Menü &amp; Navigation" id="{05C87FC6-7636-4EE2-8D32-B10D2959D4B1}">
+        <p14:section name="Menu &amp; Navigation" id="{05C87FC6-7636-4EE2-8D32-B10D2959D4B1}">
           <p14:sldIdLst>
             <p14:sldId id="268"/>
             <p14:sldId id="315"/>
           </p14:sldIdLst>
         </p14:section>
-        <p14:section name="Medizinische Icons" id="{E79352BA-3616-4251-B267-E0C1EB20D91E}">
+        <p14:section name="Medical Icons" id="{E79352BA-3616-4251-B267-E0C1EB20D91E}">
           <p14:sldIdLst>
             <p14:sldId id="306"/>
           </p14:sldIdLst>
         </p14:section>
-        <p14:section name="Weitere Icons" id="{D4583493-C632-459B-A5A9-8DDC266B98E6}">
+        <p14:section name="Further Icons" id="{D4583493-C632-459B-A5A9-8DDC266B98E6}">
           <p14:sldIdLst>
             <p14:sldId id="305"/>
           </p14:sldIdLst>
         </p14:section>
-        <p14:section name="Grafiken" id="{F0565792-965C-4EC6-BCE6-4A4CC2933974}">
+        <p14:section name="Graphics" id="{F0565792-965C-4EC6-BCE6-4A4CC2933974}">
           <p14:sldIdLst>
             <p14:sldId id="270"/>
             <p14:sldId id="313"/>
@@ -190,7 +188,7 @@
 <file path=ppt/charts/chart1.xml><?xml version="1.0" encoding="utf-8"?>
 <c:chartSpace xmlns:c="http://schemas.openxmlformats.org/drawingml/2006/chart" xmlns:a="http://schemas.openxmlformats.org/drawingml/2006/main" xmlns:r="http://schemas.openxmlformats.org/officeDocument/2006/relationships" xmlns:c16r2="http://schemas.microsoft.com/office/drawing/2015/06/chart">
   <c:date1904 val="0"/>
-  <c:lang val="en-US"/>
+  <c:lang val="de-DE"/>
   <c:roundedCorners val="0"/>
   <mc:AlternateContent xmlns:mc="http://schemas.openxmlformats.org/markup-compatibility/2006">
     <mc:Choice xmlns:c14="http://schemas.microsoft.com/office/drawing/2007/8/2/chart" Requires="c14">
@@ -508,7 +506,7 @@
 <file path=ppt/charts/chart2.xml><?xml version="1.0" encoding="utf-8"?>
 <c:chartSpace xmlns:c="http://schemas.openxmlformats.org/drawingml/2006/chart" xmlns:a="http://schemas.openxmlformats.org/drawingml/2006/main" xmlns:r="http://schemas.openxmlformats.org/officeDocument/2006/relationships" xmlns:c16r2="http://schemas.microsoft.com/office/drawing/2015/06/chart">
   <c:date1904 val="0"/>
-  <c:lang val="en-US"/>
+  <c:lang val="de-DE"/>
   <c:roundedCorners val="0"/>
   <mc:AlternateContent xmlns:mc="http://schemas.openxmlformats.org/markup-compatibility/2006">
     <mc:Choice xmlns:c14="http://schemas.microsoft.com/office/drawing/2007/8/2/chart" Requires="c14">
@@ -752,7 +750,7 @@
 <file path=ppt/charts/chart3.xml><?xml version="1.0" encoding="utf-8"?>
 <c:chartSpace xmlns:c="http://schemas.openxmlformats.org/drawingml/2006/chart" xmlns:a="http://schemas.openxmlformats.org/drawingml/2006/main" xmlns:r="http://schemas.openxmlformats.org/officeDocument/2006/relationships" xmlns:c16r2="http://schemas.microsoft.com/office/drawing/2015/06/chart">
   <c:date1904 val="0"/>
-  <c:lang val="en-US"/>
+  <c:lang val="de-DE"/>
   <c:roundedCorners val="0"/>
   <mc:AlternateContent xmlns:mc="http://schemas.openxmlformats.org/markup-compatibility/2006">
     <mc:Choice xmlns:c14="http://schemas.microsoft.com/office/drawing/2007/8/2/chart" Requires="c14">
@@ -1116,7 +1114,7 @@
 <file path=ppt/charts/chart4.xml><?xml version="1.0" encoding="utf-8"?>
 <c:chartSpace xmlns:c="http://schemas.openxmlformats.org/drawingml/2006/chart" xmlns:a="http://schemas.openxmlformats.org/drawingml/2006/main" xmlns:r="http://schemas.openxmlformats.org/officeDocument/2006/relationships" xmlns:c16r2="http://schemas.microsoft.com/office/drawing/2015/06/chart">
   <c:date1904 val="0"/>
-  <c:lang val="en-US"/>
+  <c:lang val="de-DE"/>
   <c:roundedCorners val="0"/>
   <mc:AlternateContent xmlns:mc="http://schemas.openxmlformats.org/markup-compatibility/2006">
     <mc:Choice xmlns:c14="http://schemas.microsoft.com/office/drawing/2007/8/2/chart" Requires="c14">
@@ -1526,7 +1524,7 @@
 <file path=ppt/charts/chart5.xml><?xml version="1.0" encoding="utf-8"?>
 <c:chartSpace xmlns:c="http://schemas.openxmlformats.org/drawingml/2006/chart" xmlns:a="http://schemas.openxmlformats.org/drawingml/2006/main" xmlns:r="http://schemas.openxmlformats.org/officeDocument/2006/relationships" xmlns:c16r2="http://schemas.microsoft.com/office/drawing/2015/06/chart">
   <c:date1904 val="0"/>
-  <c:lang val="en-US"/>
+  <c:lang val="de-DE"/>
   <c:roundedCorners val="0"/>
   <mc:AlternateContent xmlns:mc="http://schemas.openxmlformats.org/markup-compatibility/2006">
     <mc:Choice xmlns:c14="http://schemas.microsoft.com/office/drawing/2007/8/2/chart" Requires="c14">
@@ -4785,7 +4783,7 @@
           <a:p>
             <a:fld id="{6CFF613B-2A9F-46DD-9629-249B4C8727B5}" type="datetimeFigureOut">
               <a:rPr lang="de-DE" smtClean="0"/>
-              <a:t>01.02.18</a:t>
+              <a:t>23.02.2018</a:t>
             </a:fld>
             <a:endParaRPr lang="de-DE"/>
           </a:p>
@@ -4827,7 +4825,7 @@
           <a:p>
             <a:fld id="{A6C91B35-01A3-46C0-859F-B4A4203A0F90}" type="slidenum">
               <a:rPr lang="de-DE" smtClean="0"/>
-              <a:t>‹#›</a:t>
+              <a:t>‹Nr.›</a:t>
             </a:fld>
             <a:endParaRPr lang="de-DE"/>
           </a:p>
@@ -4955,7 +4953,7 @@
           <a:p>
             <a:fld id="{6CFF613B-2A9F-46DD-9629-249B4C8727B5}" type="datetimeFigureOut">
               <a:rPr lang="de-DE" smtClean="0"/>
-              <a:t>01.02.18</a:t>
+              <a:t>23.02.2018</a:t>
             </a:fld>
             <a:endParaRPr lang="de-DE"/>
           </a:p>
@@ -4997,7 +4995,7 @@
           <a:p>
             <a:fld id="{A6C91B35-01A3-46C0-859F-B4A4203A0F90}" type="slidenum">
               <a:rPr lang="de-DE" smtClean="0"/>
-              <a:t>‹#›</a:t>
+              <a:t>‹Nr.›</a:t>
             </a:fld>
             <a:endParaRPr lang="de-DE"/>
           </a:p>
@@ -5135,7 +5133,7 @@
           <a:p>
             <a:fld id="{6CFF613B-2A9F-46DD-9629-249B4C8727B5}" type="datetimeFigureOut">
               <a:rPr lang="de-DE" smtClean="0"/>
-              <a:t>01.02.18</a:t>
+              <a:t>23.02.2018</a:t>
             </a:fld>
             <a:endParaRPr lang="de-DE"/>
           </a:p>
@@ -5177,7 +5175,7 @@
           <a:p>
             <a:fld id="{A6C91B35-01A3-46C0-859F-B4A4203A0F90}" type="slidenum">
               <a:rPr lang="de-DE" smtClean="0"/>
-              <a:t>‹#›</a:t>
+              <a:t>‹Nr.›</a:t>
             </a:fld>
             <a:endParaRPr lang="de-DE"/>
           </a:p>
@@ -5682,7 +5680,7 @@
             <a:fld id="{D8D877B3-D348-4611-9BDB-C5374591D951}" type="slidenum">
               <a:rPr lang="en-US" smtClean="0"/>
               <a:pPr/>
-              <a:t>‹#›</a:t>
+              <a:t>‹Nr.›</a:t>
             </a:fld>
             <a:endParaRPr lang="en-US" dirty="0"/>
           </a:p>
@@ -5959,7 +5957,7 @@
           <a:p>
             <a:fld id="{6CFF613B-2A9F-46DD-9629-249B4C8727B5}" type="datetimeFigureOut">
               <a:rPr lang="de-DE" smtClean="0"/>
-              <a:t>01.02.18</a:t>
+              <a:t>23.02.2018</a:t>
             </a:fld>
             <a:endParaRPr lang="de-DE"/>
           </a:p>
@@ -6001,7 +5999,7 @@
           <a:p>
             <a:fld id="{A6C91B35-01A3-46C0-859F-B4A4203A0F90}" type="slidenum">
               <a:rPr lang="de-DE" smtClean="0"/>
-              <a:t>‹#›</a:t>
+              <a:t>‹Nr.›</a:t>
             </a:fld>
             <a:endParaRPr lang="de-DE"/>
           </a:p>
@@ -6203,7 +6201,7 @@
           <a:p>
             <a:fld id="{6CFF613B-2A9F-46DD-9629-249B4C8727B5}" type="datetimeFigureOut">
               <a:rPr lang="de-DE" smtClean="0"/>
-              <a:t>01.02.18</a:t>
+              <a:t>23.02.2018</a:t>
             </a:fld>
             <a:endParaRPr lang="de-DE"/>
           </a:p>
@@ -6245,7 +6243,7 @@
           <a:p>
             <a:fld id="{A6C91B35-01A3-46C0-859F-B4A4203A0F90}" type="slidenum">
               <a:rPr lang="de-DE" smtClean="0"/>
-              <a:t>‹#›</a:t>
+              <a:t>‹Nr.›</a:t>
             </a:fld>
             <a:endParaRPr lang="de-DE"/>
           </a:p>
@@ -6435,7 +6433,7 @@
           <a:p>
             <a:fld id="{6CFF613B-2A9F-46DD-9629-249B4C8727B5}" type="datetimeFigureOut">
               <a:rPr lang="de-DE" smtClean="0"/>
-              <a:t>01.02.18</a:t>
+              <a:t>23.02.2018</a:t>
             </a:fld>
             <a:endParaRPr lang="de-DE"/>
           </a:p>
@@ -6477,7 +6475,7 @@
           <a:p>
             <a:fld id="{A6C91B35-01A3-46C0-859F-B4A4203A0F90}" type="slidenum">
               <a:rPr lang="de-DE" smtClean="0"/>
-              <a:t>‹#›</a:t>
+              <a:t>‹Nr.›</a:t>
             </a:fld>
             <a:endParaRPr lang="de-DE"/>
           </a:p>
@@ -6802,7 +6800,7 @@
           <a:p>
             <a:fld id="{6CFF613B-2A9F-46DD-9629-249B4C8727B5}" type="datetimeFigureOut">
               <a:rPr lang="de-DE" smtClean="0"/>
-              <a:t>01.02.18</a:t>
+              <a:t>23.02.2018</a:t>
             </a:fld>
             <a:endParaRPr lang="de-DE"/>
           </a:p>
@@ -6844,7 +6842,7 @@
           <a:p>
             <a:fld id="{A6C91B35-01A3-46C0-859F-B4A4203A0F90}" type="slidenum">
               <a:rPr lang="de-DE" smtClean="0"/>
-              <a:t>‹#›</a:t>
+              <a:t>‹Nr.›</a:t>
             </a:fld>
             <a:endParaRPr lang="de-DE"/>
           </a:p>
@@ -6920,7 +6918,7 @@
           <a:p>
             <a:fld id="{6CFF613B-2A9F-46DD-9629-249B4C8727B5}" type="datetimeFigureOut">
               <a:rPr lang="de-DE" smtClean="0"/>
-              <a:t>01.02.18</a:t>
+              <a:t>23.02.2018</a:t>
             </a:fld>
             <a:endParaRPr lang="de-DE"/>
           </a:p>
@@ -6962,7 +6960,7 @@
           <a:p>
             <a:fld id="{A6C91B35-01A3-46C0-859F-B4A4203A0F90}" type="slidenum">
               <a:rPr lang="de-DE" smtClean="0"/>
-              <a:t>‹#›</a:t>
+              <a:t>‹Nr.›</a:t>
             </a:fld>
             <a:endParaRPr lang="de-DE"/>
           </a:p>
@@ -7015,7 +7013,7 @@
           <a:p>
             <a:fld id="{6CFF613B-2A9F-46DD-9629-249B4C8727B5}" type="datetimeFigureOut">
               <a:rPr lang="de-DE" smtClean="0"/>
-              <a:t>01.02.18</a:t>
+              <a:t>23.02.2018</a:t>
             </a:fld>
             <a:endParaRPr lang="de-DE"/>
           </a:p>
@@ -7057,7 +7055,7 @@
           <a:p>
             <a:fld id="{A6C91B35-01A3-46C0-859F-B4A4203A0F90}" type="slidenum">
               <a:rPr lang="de-DE" smtClean="0"/>
-              <a:t>‹#›</a:t>
+              <a:t>‹Nr.›</a:t>
             </a:fld>
             <a:endParaRPr lang="de-DE"/>
           </a:p>
@@ -7292,7 +7290,7 @@
           <a:p>
             <a:fld id="{6CFF613B-2A9F-46DD-9629-249B4C8727B5}" type="datetimeFigureOut">
               <a:rPr lang="de-DE" smtClean="0"/>
-              <a:t>01.02.18</a:t>
+              <a:t>23.02.2018</a:t>
             </a:fld>
             <a:endParaRPr lang="de-DE"/>
           </a:p>
@@ -7334,7 +7332,7 @@
           <a:p>
             <a:fld id="{A6C91B35-01A3-46C0-859F-B4A4203A0F90}" type="slidenum">
               <a:rPr lang="de-DE" smtClean="0"/>
-              <a:t>‹#›</a:t>
+              <a:t>‹Nr.›</a:t>
             </a:fld>
             <a:endParaRPr lang="de-DE"/>
           </a:p>
@@ -7549,7 +7547,7 @@
           <a:p>
             <a:fld id="{6CFF613B-2A9F-46DD-9629-249B4C8727B5}" type="datetimeFigureOut">
               <a:rPr lang="de-DE" smtClean="0"/>
-              <a:t>01.02.18</a:t>
+              <a:t>23.02.2018</a:t>
             </a:fld>
             <a:endParaRPr lang="de-DE"/>
           </a:p>
@@ -7591,7 +7589,7 @@
           <a:p>
             <a:fld id="{A6C91B35-01A3-46C0-859F-B4A4203A0F90}" type="slidenum">
               <a:rPr lang="de-DE" smtClean="0"/>
-              <a:t>‹#›</a:t>
+              <a:t>‹Nr.›</a:t>
             </a:fld>
             <a:endParaRPr lang="de-DE"/>
           </a:p>
@@ -7762,7 +7760,7 @@
           <a:p>
             <a:fld id="{6CFF613B-2A9F-46DD-9629-249B4C8727B5}" type="datetimeFigureOut">
               <a:rPr lang="de-DE" smtClean="0"/>
-              <a:t>01.02.18</a:t>
+              <a:t>23.02.2018</a:t>
             </a:fld>
             <a:endParaRPr lang="de-DE"/>
           </a:p>
@@ -7840,7 +7838,7 @@
           <a:p>
             <a:fld id="{A6C91B35-01A3-46C0-859F-B4A4203A0F90}" type="slidenum">
               <a:rPr lang="de-DE" smtClean="0"/>
-              <a:t>‹#›</a:t>
+              <a:t>‹Nr.›</a:t>
             </a:fld>
             <a:endParaRPr lang="de-DE"/>
           </a:p>
@@ -8168,337 +8166,335 @@
           <a:chExt cx="0" cy="0"/>
         </a:xfrm>
       </p:grpSpPr>
-      <p:pic>
-        <p:nvPicPr>
-          <p:cNvPr id="6" name="Picture 5"/>
-          <p:cNvPicPr>
-            <a:picLocks noChangeAspect="1"/>
-          </p:cNvPicPr>
+      <p:grpSp>
+        <p:nvGrpSpPr>
+          <p:cNvPr id="15" name="Group 14"/>
+          <p:cNvGrpSpPr/>
           <p:nvPr/>
-        </p:nvPicPr>
-        <p:blipFill rotWithShape="1">
-          <a:blip r:embed="rId2">
+        </p:nvGrpSpPr>
+        <p:grpSpPr>
+          <a:xfrm>
+            <a:off x="2019299" y="2215253"/>
+            <a:ext cx="6247997" cy="2876541"/>
+            <a:chOff x="1366714" y="1320506"/>
+            <a:chExt cx="10348502" cy="4764389"/>
+          </a:xfrm>
+        </p:grpSpPr>
+        <p:pic>
+          <p:nvPicPr>
+            <p:cNvPr id="6" name="Picture 5"/>
+            <p:cNvPicPr>
+              <a:picLocks noChangeAspect="1"/>
+            </p:cNvPicPr>
+            <p:nvPr/>
+          </p:nvPicPr>
+          <p:blipFill rotWithShape="1">
+            <a:blip r:embed="rId2">
+              <a:extLst>
+                <a:ext uri="{28A0092B-C50C-407E-A947-70E740481C1C}">
+                  <a14:useLocalDpi xmlns:a14="http://schemas.microsoft.com/office/drawing/2010/main" val="0"/>
+                </a:ext>
+              </a:extLst>
+            </a:blip>
+            <a:srcRect l="27188" t="39946" r="29219" b="40300"/>
+            <a:stretch/>
+          </p:blipFill>
+          <p:spPr>
+            <a:xfrm>
+              <a:off x="4538902" y="1320506"/>
+              <a:ext cx="4228166" cy="1049709"/>
+            </a:xfrm>
+            <a:prstGeom prst="rect">
+              <a:avLst/>
+            </a:prstGeom>
+          </p:spPr>
+        </p:pic>
+        <p:sp>
+          <p:nvSpPr>
+            <p:cNvPr id="7" name="TextBox 6"/>
+            <p:cNvSpPr txBox="1"/>
+            <p:nvPr/>
+          </p:nvSpPr>
+          <p:spPr>
+            <a:xfrm>
+              <a:off x="4863543" y="2278188"/>
+              <a:ext cx="3291932" cy="484280"/>
+            </a:xfrm>
+            <a:prstGeom prst="rect">
+              <a:avLst/>
+            </a:prstGeom>
+            <a:noFill/>
+          </p:spPr>
+          <p:txBody>
+            <a:bodyPr wrap="none" rtlCol="0">
+              <a:spAutoFit/>
+            </a:bodyPr>
+            <a:lstStyle/>
+            <a:p>
+              <a:r>
+                <a:rPr lang="en-US" sz="1300" b="1" dirty="0"/>
+                <a:t>App Paper Prototyping Kit</a:t>
+              </a:r>
+            </a:p>
+          </p:txBody>
+        </p:sp>
+        <p:pic>
+          <p:nvPicPr>
+            <p:cNvPr id="2050" name="Picture 2" descr="ithub Logotype"/>
+            <p:cNvPicPr>
+              <a:picLocks noChangeAspect="1" noChangeArrowheads="1"/>
+            </p:cNvPicPr>
+            <p:nvPr/>
+          </p:nvPicPr>
+          <p:blipFill>
+            <a:blip r:embed="rId3">
+              <a:extLst>
+                <a:ext uri="{28A0092B-C50C-407E-A947-70E740481C1C}">
+                  <a14:useLocalDpi xmlns:a14="http://schemas.microsoft.com/office/drawing/2010/main" val="0"/>
+                </a:ext>
+              </a:extLst>
+            </a:blip>
+            <a:srcRect/>
+            <a:stretch>
+              <a:fillRect/>
+            </a:stretch>
+          </p:blipFill>
+          <p:spPr bwMode="auto">
+            <a:xfrm>
+              <a:off x="4648200" y="3221077"/>
+              <a:ext cx="1595032" cy="414707"/>
+            </a:xfrm>
+            <a:prstGeom prst="rect">
+              <a:avLst/>
+            </a:prstGeom>
+            <a:noFill/>
             <a:extLst>
-              <a:ext uri="{28A0092B-C50C-407E-A947-70E740481C1C}">
-                <a14:useLocalDpi xmlns:a14="http://schemas.microsoft.com/office/drawing/2010/main" val="0"/>
+              <a:ext uri="{909E8E84-426E-40DD-AFC4-6F175D3DCCD1}">
+                <a14:hiddenFill xmlns:a14="http://schemas.microsoft.com/office/drawing/2010/main">
+                  <a:solidFill>
+                    <a:srgbClr val="FFFFFF"/>
+                  </a:solidFill>
+                </a14:hiddenFill>
               </a:ext>
             </a:extLst>
-          </a:blip>
-          <a:srcRect l="27188" t="39946" r="29219" b="40300"/>
-          <a:stretch/>
-        </p:blipFill>
-        <p:spPr>
-          <a:xfrm>
-            <a:off x="4436558" y="2215253"/>
-            <a:ext cx="2552792" cy="633771"/>
-          </a:xfrm>
-          <a:prstGeom prst="rect">
-            <a:avLst/>
-          </a:prstGeom>
-        </p:spPr>
-      </p:pic>
-      <p:sp>
-        <p:nvSpPr>
-          <p:cNvPr id="7" name="TextBox 6"/>
-          <p:cNvSpPr txBox="1"/>
-          <p:nvPr/>
-        </p:nvSpPr>
-        <p:spPr>
-          <a:xfrm>
-            <a:off x="4632563" y="2793462"/>
-            <a:ext cx="1987532" cy="292388"/>
-          </a:xfrm>
-          <a:prstGeom prst="rect">
-            <a:avLst/>
-          </a:prstGeom>
-          <a:noFill/>
-        </p:spPr>
-        <p:txBody>
-          <a:bodyPr wrap="none" rtlCol="0">
-            <a:spAutoFit/>
-          </a:bodyPr>
-          <a:lstStyle/>
-          <a:p>
-            <a:r>
-              <a:rPr lang="en-US" sz="1300" b="1" dirty="0"/>
-              <a:t>App Paper Prototyping Kit</a:t>
-            </a:r>
-          </a:p>
-        </p:txBody>
-      </p:sp>
-      <p:sp>
-        <p:nvSpPr>
-          <p:cNvPr id="13" name="TextBox 12"/>
-          <p:cNvSpPr txBox="1"/>
-          <p:nvPr/>
-        </p:nvSpPr>
-        <p:spPr>
-          <a:xfrm>
-            <a:off x="4436556" y="3815128"/>
-            <a:ext cx="4455195" cy="692497"/>
-          </a:xfrm>
-          <a:prstGeom prst="rect">
-            <a:avLst/>
-          </a:prstGeom>
-          <a:noFill/>
-        </p:spPr>
-        <p:txBody>
-          <a:bodyPr wrap="square" rtlCol="0">
-            <a:spAutoFit/>
-          </a:bodyPr>
-          <a:lstStyle/>
-          <a:p>
-            <a:r>
-              <a:rPr lang="en-US" sz="1300" dirty="0"/>
-              <a:t>Dieses Kit </a:t>
-            </a:r>
-            <a:r>
-              <a:rPr lang="en-US" sz="1300" dirty="0" err="1"/>
-              <a:t>ist</a:t>
-            </a:r>
-            <a:r>
-              <a:rPr lang="en-US" sz="1300" dirty="0"/>
-              <a:t> Open-Source. </a:t>
-            </a:r>
-            <a:r>
-              <a:rPr lang="en-US" sz="1300" dirty="0" err="1"/>
-              <a:t>Informationen</a:t>
-            </a:r>
-            <a:r>
-              <a:rPr lang="en-US" sz="1300" dirty="0"/>
-              <a:t> </a:t>
-            </a:r>
-            <a:r>
-              <a:rPr lang="en-US" sz="1300" dirty="0" err="1"/>
-              <a:t>unter</a:t>
-            </a:r>
-            <a:r>
-              <a:rPr lang="en-US" sz="1300" dirty="0"/>
-              <a:t>: </a:t>
-            </a:r>
-          </a:p>
-          <a:p>
-            <a:r>
-              <a:rPr lang="en-US" sz="1300" dirty="0">
+          </p:spPr>
+        </p:pic>
+        <p:pic>
+          <p:nvPicPr>
+            <p:cNvPr id="2052" name="Picture 4" descr="ithub Octocat"/>
+            <p:cNvPicPr>
+              <a:picLocks noChangeAspect="1" noChangeArrowheads="1"/>
+            </p:cNvPicPr>
+            <p:nvPr/>
+          </p:nvPicPr>
+          <p:blipFill>
+            <a:blip r:embed="rId4">
+              <a:extLst>
+                <a:ext uri="{28A0092B-C50C-407E-A947-70E740481C1C}">
+                  <a14:useLocalDpi xmlns:a14="http://schemas.microsoft.com/office/drawing/2010/main" val="0"/>
+                </a:ext>
+              </a:extLst>
+            </a:blip>
+            <a:srcRect/>
+            <a:stretch>
+              <a:fillRect/>
+            </a:stretch>
+          </p:blipFill>
+          <p:spPr bwMode="auto">
+            <a:xfrm>
+              <a:off x="6243231" y="2996548"/>
+              <a:ext cx="1043051" cy="862887"/>
+            </a:xfrm>
+            <a:prstGeom prst="rect">
+              <a:avLst/>
+            </a:prstGeom>
+            <a:noFill/>
+            <a:extLst>
+              <a:ext uri="{909E8E84-426E-40DD-AFC4-6F175D3DCCD1}">
+                <a14:hiddenFill xmlns:a14="http://schemas.microsoft.com/office/drawing/2010/main">
+                  <a:solidFill>
+                    <a:srgbClr val="FFFFFF"/>
+                  </a:solidFill>
+                </a14:hiddenFill>
+              </a:ext>
+            </a:extLst>
+          </p:spPr>
+        </p:pic>
+        <p:pic>
+          <p:nvPicPr>
+            <p:cNvPr id="11" name="Picture 10"/>
+            <p:cNvPicPr>
+              <a:picLocks noChangeAspect="1"/>
+            </p:cNvPicPr>
+            <p:nvPr/>
+          </p:nvPicPr>
+          <p:blipFill>
+            <a:blip r:embed="rId5">
+              <a:extLst>
+                <a:ext uri="{28A0092B-C50C-407E-A947-70E740481C1C}">
+                  <a14:useLocalDpi xmlns:a14="http://schemas.microsoft.com/office/drawing/2010/main" val="0"/>
+                </a:ext>
+              </a:extLst>
+            </a:blip>
+            <a:stretch>
+              <a:fillRect/>
+            </a:stretch>
+          </p:blipFill>
+          <p:spPr>
+            <a:xfrm>
+              <a:off x="1366714" y="2857499"/>
+              <a:ext cx="3227396" cy="3227396"/>
+            </a:xfrm>
+            <a:prstGeom prst="rect">
+              <a:avLst/>
+            </a:prstGeom>
+          </p:spPr>
+        </p:pic>
+        <p:sp>
+          <p:nvSpPr>
+            <p:cNvPr id="13" name="TextBox 12"/>
+            <p:cNvSpPr txBox="1"/>
+            <p:nvPr/>
+          </p:nvSpPr>
+          <p:spPr>
+            <a:xfrm>
+              <a:off x="4538901" y="3970364"/>
+              <a:ext cx="7176315" cy="1146976"/>
+            </a:xfrm>
+            <a:prstGeom prst="rect">
+              <a:avLst/>
+            </a:prstGeom>
+            <a:noFill/>
+          </p:spPr>
+          <p:txBody>
+            <a:bodyPr wrap="square" rtlCol="0">
+              <a:spAutoFit/>
+            </a:bodyPr>
+            <a:lstStyle/>
+            <a:p>
+              <a:r>
+                <a:rPr lang="en-US" sz="1300" dirty="0"/>
+                <a:t>Dieses Kit </a:t>
+              </a:r>
+              <a:r>
+                <a:rPr lang="en-US" sz="1300" dirty="0" err="1"/>
+                <a:t>ist</a:t>
+              </a:r>
+              <a:r>
+                <a:rPr lang="en-US" sz="1300" dirty="0"/>
+                <a:t> Open-Source. </a:t>
+              </a:r>
+              <a:r>
+                <a:rPr lang="en-US" sz="1300" dirty="0" err="1"/>
+                <a:t>Informationen</a:t>
+              </a:r>
+              <a:r>
+                <a:rPr lang="en-US" sz="1300" dirty="0"/>
+                <a:t> </a:t>
+              </a:r>
+              <a:r>
+                <a:rPr lang="en-US" sz="1300" dirty="0" err="1"/>
+                <a:t>unter</a:t>
+              </a:r>
+              <a:r>
+                <a:rPr lang="en-US" sz="1300" dirty="0"/>
+                <a:t>: </a:t>
+              </a:r>
+            </a:p>
+            <a:p>
+              <a:r>
+                <a:rPr lang="en-US" sz="1300" dirty="0">
+                  <a:solidFill>
+                    <a:srgbClr val="0171C0"/>
+                  </a:solidFill>
+                </a:rPr>
+                <a:t>https://</a:t>
+              </a:r>
+              <a:r>
+                <a:rPr lang="en-US" sz="1300" dirty="0" err="1">
+                  <a:solidFill>
+                    <a:srgbClr val="0171C0"/>
+                  </a:solidFill>
+                </a:rPr>
+                <a:t>github.com</a:t>
+              </a:r>
+              <a:r>
+                <a:rPr lang="en-US" sz="1300" dirty="0">
+                  <a:solidFill>
+                    <a:srgbClr val="0171C0"/>
+                  </a:solidFill>
+                </a:rPr>
+                <a:t>/ScaleIT-Org/workshop-app-prototyping</a:t>
+              </a:r>
+            </a:p>
+            <a:p>
+              <a:endParaRPr lang="en-US" sz="1300" dirty="0"/>
+            </a:p>
+          </p:txBody>
+        </p:sp>
+        <p:sp>
+          <p:nvSpPr>
+            <p:cNvPr id="14" name="TextBox 13"/>
+            <p:cNvSpPr txBox="1"/>
+            <p:nvPr/>
+          </p:nvSpPr>
+          <p:spPr>
+            <a:xfrm>
+              <a:off x="4538901" y="4928047"/>
+              <a:ext cx="4783002" cy="1146977"/>
+            </a:xfrm>
+            <a:prstGeom prst="rect">
+              <a:avLst/>
+            </a:prstGeom>
+            <a:noFill/>
+          </p:spPr>
+          <p:txBody>
+            <a:bodyPr wrap="none" rtlCol="0">
+              <a:spAutoFit/>
+            </a:bodyPr>
+            <a:lstStyle/>
+            <a:p>
+              <a:r>
+                <a:rPr lang="de-DE" sz="1300" dirty="0"/>
+                <a:t>© KIT 2017, MIT Lizenz</a:t>
+              </a:r>
+            </a:p>
+            <a:p>
+              <a:r>
+                <a:rPr lang="de-DE" sz="1300" dirty="0"/>
+                <a:t>Andrei Miclaus, </a:t>
+              </a:r>
+              <a:r>
+                <a:rPr lang="de-DE" sz="1300" dirty="0">
+                  <a:solidFill>
+                    <a:srgbClr val="0171C0"/>
+                  </a:solidFill>
+                  <a:hlinkClick r:id="rId6"/>
+                </a:rPr>
+                <a:t>andrei.miclaus@kit.edu</a:t>
+              </a:r>
+              <a:endParaRPr lang="de-DE" sz="1300" dirty="0">
                 <a:solidFill>
                   <a:srgbClr val="0171C0"/>
                 </a:solidFill>
-              </a:rPr>
-              <a:t>https://</a:t>
-            </a:r>
-            <a:r>
-              <a:rPr lang="en-US" sz="1300" dirty="0" err="1">
-                <a:solidFill>
-                  <a:srgbClr val="0171C0"/>
-                </a:solidFill>
-              </a:rPr>
-              <a:t>github.com</a:t>
-            </a:r>
-            <a:r>
-              <a:rPr lang="en-US" sz="1300" dirty="0">
-                <a:solidFill>
-                  <a:srgbClr val="0171C0"/>
-                </a:solidFill>
-              </a:rPr>
-              <a:t>/ScaleIT-Org/workshop-app-prototyping</a:t>
-            </a:r>
-          </a:p>
-          <a:p>
-            <a:endParaRPr lang="en-US" sz="1300" dirty="0"/>
-          </a:p>
-        </p:txBody>
-      </p:sp>
-      <p:sp>
-        <p:nvSpPr>
-          <p:cNvPr id="14" name="TextBox 13"/>
-          <p:cNvSpPr txBox="1"/>
-          <p:nvPr/>
-        </p:nvSpPr>
-        <p:spPr>
-          <a:xfrm>
-            <a:off x="4436557" y="4393337"/>
-            <a:ext cx="2887779" cy="692497"/>
-          </a:xfrm>
-          <a:prstGeom prst="rect">
-            <a:avLst/>
-          </a:prstGeom>
-          <a:noFill/>
-        </p:spPr>
-        <p:txBody>
-          <a:bodyPr wrap="none" rtlCol="0">
-            <a:spAutoFit/>
-          </a:bodyPr>
-          <a:lstStyle/>
-          <a:p>
-            <a:r>
-              <a:rPr lang="de-DE" sz="1300" dirty="0"/>
-              <a:t>© KIT 2017, MIT Lizenz</a:t>
-            </a:r>
-          </a:p>
-          <a:p>
-            <a:r>
-              <a:rPr lang="de-DE" sz="1300" dirty="0"/>
-              <a:t>Andrei Miclaus, </a:t>
-            </a:r>
-            <a:r>
-              <a:rPr lang="de-DE" sz="1300" dirty="0">
-                <a:solidFill>
-                  <a:srgbClr val="0171C0"/>
-                </a:solidFill>
-                <a:hlinkClick r:id="rId3"/>
-              </a:rPr>
-              <a:t>andrei.miclaus@kit.edu</a:t>
-            </a:r>
-            <a:endParaRPr lang="de-DE" sz="1300" dirty="0">
-              <a:solidFill>
-                <a:srgbClr val="0171C0"/>
-              </a:solidFill>
-            </a:endParaRPr>
-          </a:p>
-          <a:p>
-            <a:r>
-              <a:rPr lang="de-DE" sz="1300" dirty="0"/>
-              <a:t>Laura Halbmann, </a:t>
-            </a:r>
-            <a:r>
-              <a:rPr lang="de-DE" sz="1300" dirty="0">
-                <a:hlinkClick r:id="rId4"/>
-              </a:rPr>
-              <a:t>halbmann@teco.edu</a:t>
-            </a:r>
-            <a:endParaRPr lang="de-DE" sz="1300" dirty="0"/>
-          </a:p>
-        </p:txBody>
-      </p:sp>
-      <p:pic>
-        <p:nvPicPr>
-          <p:cNvPr id="4" name="Picture 3">
-            <a:extLst>
-              <a:ext uri="{FF2B5EF4-FFF2-40B4-BE49-F238E27FC236}">
-                <a16:creationId xmlns:a16="http://schemas.microsoft.com/office/drawing/2014/main" id="{2836AAC7-1BD0-BA4E-95D2-E7F945325E4D}"/>
-              </a:ext>
-            </a:extLst>
-          </p:cNvPr>
-          <p:cNvPicPr>
-            <a:picLocks noChangeAspect="1"/>
-          </p:cNvPicPr>
-          <p:nvPr/>
-        </p:nvPicPr>
-        <p:blipFill rotWithShape="1">
-          <a:blip r:embed="rId5">
-            <a:extLst>
-              <a:ext uri="{28A0092B-C50C-407E-A947-70E740481C1C}">
-                <a14:useLocalDpi xmlns:a14="http://schemas.microsoft.com/office/drawing/2010/main" val="0"/>
-              </a:ext>
-            </a:extLst>
-          </a:blip>
-          <a:srcRect l="3042" t="3856" r="2118" b="2946"/>
-          <a:stretch/>
-        </p:blipFill>
-        <p:spPr>
-          <a:xfrm>
-            <a:off x="2469359" y="3183422"/>
-            <a:ext cx="1896728" cy="1863909"/>
-          </a:xfrm>
-          <a:prstGeom prst="rect">
-            <a:avLst/>
-          </a:prstGeom>
-        </p:spPr>
-      </p:pic>
-      <p:pic>
-        <p:nvPicPr>
-          <p:cNvPr id="1026" name="Picture 2" descr="Github Logotype">
-            <a:extLst>
-              <a:ext uri="{FF2B5EF4-FFF2-40B4-BE49-F238E27FC236}">
-                <a16:creationId xmlns:a16="http://schemas.microsoft.com/office/drawing/2014/main" id="{8567E197-7721-BA46-8576-B5D5B5B22921}"/>
-              </a:ext>
-            </a:extLst>
-          </p:cNvPr>
-          <p:cNvPicPr>
-            <a:picLocks noChangeAspect="1" noChangeArrowheads="1"/>
-          </p:cNvPicPr>
-          <p:nvPr/>
-        </p:nvPicPr>
-        <p:blipFill>
-          <a:blip r:embed="rId6">
-            <a:extLst>
-              <a:ext uri="{28A0092B-C50C-407E-A947-70E740481C1C}">
-                <a14:useLocalDpi xmlns:a14="http://schemas.microsoft.com/office/drawing/2010/main" val="0"/>
-              </a:ext>
-            </a:extLst>
-          </a:blip>
-          <a:srcRect/>
-          <a:stretch>
-            <a:fillRect/>
-          </a:stretch>
-        </p:blipFill>
-        <p:spPr bwMode="auto">
-          <a:xfrm>
-            <a:off x="4498682" y="3302837"/>
-            <a:ext cx="1059480" cy="275465"/>
-          </a:xfrm>
-          <a:prstGeom prst="rect">
-            <a:avLst/>
-          </a:prstGeom>
-          <a:noFill/>
-          <a:extLst>
-            <a:ext uri="{909E8E84-426E-40DD-AFC4-6F175D3DCCD1}">
-              <a14:hiddenFill xmlns:a14="http://schemas.microsoft.com/office/drawing/2010/main">
-                <a:solidFill>
-                  <a:srgbClr val="FFFFFF"/>
-                </a:solidFill>
-              </a14:hiddenFill>
-            </a:ext>
-          </a:extLst>
-        </p:spPr>
-      </p:pic>
-      <p:pic>
-        <p:nvPicPr>
-          <p:cNvPr id="1028" name="Picture 4" descr="Github Octocat">
-            <a:extLst>
-              <a:ext uri="{FF2B5EF4-FFF2-40B4-BE49-F238E27FC236}">
-                <a16:creationId xmlns:a16="http://schemas.microsoft.com/office/drawing/2014/main" id="{E731D7CF-D2EE-6942-BDDD-7F2A6BD0B101}"/>
-              </a:ext>
-            </a:extLst>
-          </p:cNvPr>
-          <p:cNvPicPr>
-            <a:picLocks noChangeAspect="1" noChangeArrowheads="1"/>
-          </p:cNvPicPr>
-          <p:nvPr/>
-        </p:nvPicPr>
-        <p:blipFill>
-          <a:blip r:embed="rId7">
-            <a:extLst>
-              <a:ext uri="{28A0092B-C50C-407E-A947-70E740481C1C}">
-                <a14:useLocalDpi xmlns:a14="http://schemas.microsoft.com/office/drawing/2010/main" val="0"/>
-              </a:ext>
-            </a:extLst>
-          </a:blip>
-          <a:srcRect/>
-          <a:stretch>
-            <a:fillRect/>
-          </a:stretch>
-        </p:blipFill>
-        <p:spPr bwMode="auto">
-          <a:xfrm>
-            <a:off x="5558162" y="3183422"/>
-            <a:ext cx="589432" cy="487621"/>
-          </a:xfrm>
-          <a:prstGeom prst="rect">
-            <a:avLst/>
-          </a:prstGeom>
-          <a:noFill/>
-          <a:extLst>
-            <a:ext uri="{909E8E84-426E-40DD-AFC4-6F175D3DCCD1}">
-              <a14:hiddenFill xmlns:a14="http://schemas.microsoft.com/office/drawing/2010/main">
-                <a:solidFill>
-                  <a:srgbClr val="FFFFFF"/>
-                </a:solidFill>
-              </a14:hiddenFill>
-            </a:ext>
-          </a:extLst>
-        </p:spPr>
-      </p:pic>
+              </a:endParaRPr>
+            </a:p>
+            <a:p>
+              <a:r>
+                <a:rPr lang="de-DE" sz="1300" dirty="0"/>
+                <a:t>Laura Halbmann, </a:t>
+              </a:r>
+              <a:r>
+                <a:rPr lang="de-DE" sz="1300" dirty="0">
+                  <a:hlinkClick r:id="rId7"/>
+                </a:rPr>
+                <a:t>halbmann@teco.edu</a:t>
+              </a:r>
+              <a:endParaRPr lang="de-DE" sz="1300" dirty="0"/>
+            </a:p>
+          </p:txBody>
+        </p:sp>
+      </p:grpSp>
     </p:spTree>
     <p:extLst>
       <p:ext uri="{BB962C8B-B14F-4D97-AF65-F5344CB8AC3E}">
@@ -8893,7 +8889,7 @@
     </p:spTree>
     <p:extLst>
       <p:ext uri="{BB962C8B-B14F-4D97-AF65-F5344CB8AC3E}">
-        <p14:creationId xmlns:p14="http://schemas.microsoft.com/office/powerpoint/2010/main" val="3777763640"/>
+        <p14:creationId xmlns:p14="http://schemas.microsoft.com/office/powerpoint/2010/main" val="2537199465"/>
       </p:ext>
     </p:extLst>
   </p:cSld>
@@ -8922,10 +8918,10 @@
       </p:grpSpPr>
       <p:grpSp>
         <p:nvGrpSpPr>
-          <p:cNvPr id="3" name="Gruppieren 2">
+          <p:cNvPr id="6" name="Gruppieren 5">
             <a:extLst>
               <a:ext uri="{FF2B5EF4-FFF2-40B4-BE49-F238E27FC236}">
-                <a16:creationId xmlns:a16="http://schemas.microsoft.com/office/drawing/2014/main" id="{FC53B0ED-9C6A-4AC2-981D-6AD57E3B6C8D}"/>
+                <a16:creationId xmlns:a16="http://schemas.microsoft.com/office/drawing/2014/main" id="{AE845362-6DBF-4F81-BF24-891CB1A820AB}"/>
               </a:ext>
             </a:extLst>
           </p:cNvPr>
@@ -8934,357 +8930,162 @@
         </p:nvGrpSpPr>
         <p:grpSpPr>
           <a:xfrm>
-            <a:off x="-298176" y="-1524000"/>
-            <a:ext cx="10707756" cy="9892747"/>
-            <a:chOff x="846936" y="205366"/>
-            <a:chExt cx="5645485" cy="5645485"/>
+            <a:off x="526774" y="-997226"/>
+            <a:ext cx="8852452" cy="8852452"/>
+            <a:chOff x="526774" y="-997226"/>
+            <a:chExt cx="8852452" cy="8852452"/>
           </a:xfrm>
         </p:grpSpPr>
-        <p:pic>
-          <p:nvPicPr>
-            <p:cNvPr id="8" name="Grafik 7" descr="Tablet">
+        <p:grpSp>
+          <p:nvGrpSpPr>
+            <p:cNvPr id="5" name="Gruppieren 4">
               <a:extLst>
                 <a:ext uri="{FF2B5EF4-FFF2-40B4-BE49-F238E27FC236}">
-                  <a16:creationId xmlns:a16="http://schemas.microsoft.com/office/drawing/2014/main" id="{2488CA38-3AC8-4185-B7CF-5C53D516A786}"/>
+                  <a16:creationId xmlns:a16="http://schemas.microsoft.com/office/drawing/2014/main" id="{1356644F-D25D-49A6-ABB5-FAB9ADF8F087}"/>
                 </a:ext>
               </a:extLst>
             </p:cNvPr>
-            <p:cNvPicPr>
-              <a:picLocks noChangeAspect="1"/>
-            </p:cNvPicPr>
+            <p:cNvGrpSpPr/>
             <p:nvPr/>
-          </p:nvPicPr>
-          <p:blipFill>
-            <a:blip r:embed="rId2">
+          </p:nvGrpSpPr>
+          <p:grpSpPr>
+            <a:xfrm>
+              <a:off x="526774" y="-997226"/>
+              <a:ext cx="8852452" cy="8852452"/>
+              <a:chOff x="526774" y="-997226"/>
+              <a:chExt cx="8852452" cy="8852452"/>
+            </a:xfrm>
+          </p:grpSpPr>
+          <p:pic>
+            <p:nvPicPr>
+              <p:cNvPr id="2" name="Grafik 1" descr="Laptop">
+                <a:extLst>
+                  <a:ext uri="{FF2B5EF4-FFF2-40B4-BE49-F238E27FC236}">
+                    <a16:creationId xmlns:a16="http://schemas.microsoft.com/office/drawing/2014/main" id="{B555CE19-F5E2-48BE-9B28-0B7F4AC14C98}"/>
+                  </a:ext>
+                </a:extLst>
+              </p:cNvPr>
+              <p:cNvPicPr>
+                <a:picLocks noChangeAspect="1"/>
+              </p:cNvPicPr>
+              <p:nvPr/>
+            </p:nvPicPr>
+            <p:blipFill>
+              <a:blip r:embed="rId2">
+                <a:extLst>
+                  <a:ext uri="{28A0092B-C50C-407E-A947-70E740481C1C}">
+                    <a14:useLocalDpi xmlns:a14="http://schemas.microsoft.com/office/drawing/2010/main" val="0"/>
+                  </a:ext>
+                  <a:ext uri="{96DAC541-7B7A-43D3-8B79-37D633B846F1}">
+                    <asvg:svgBlip xmlns:asvg="http://schemas.microsoft.com/office/drawing/2016/SVG/main" r:embed="rId3"/>
+                  </a:ext>
+                </a:extLst>
+              </a:blip>
+              <a:stretch>
+                <a:fillRect/>
+              </a:stretch>
+            </p:blipFill>
+            <p:spPr>
+              <a:xfrm>
+                <a:off x="526774" y="-997226"/>
+                <a:ext cx="8852452" cy="8852452"/>
+              </a:xfrm>
+              <a:prstGeom prst="rect">
+                <a:avLst/>
+              </a:prstGeom>
+            </p:spPr>
+          </p:pic>
+          <p:pic>
+            <p:nvPicPr>
+              <p:cNvPr id="4" name="Inhaltsplatzhalter 3" title="ScaleIT_Logo">
+                <a:extLst>
+                  <a:ext uri="{FF2B5EF4-FFF2-40B4-BE49-F238E27FC236}">
+                    <a16:creationId xmlns:a16="http://schemas.microsoft.com/office/drawing/2014/main" id="{1B717DC3-8DFF-4C8E-A116-9BF62063B03A}"/>
+                  </a:ext>
+                </a:extLst>
+              </p:cNvPr>
+              <p:cNvPicPr>
+                <a:picLocks/>
+              </p:cNvPicPr>
+              <p:nvPr/>
+            </p:nvPicPr>
+            <p:blipFill>
+              <a:blip r:embed="rId4">
+                <a:extLst>
+                  <a:ext uri="{28A0092B-C50C-407E-A947-70E740481C1C}">
+                    <a14:useLocalDpi xmlns:a14="http://schemas.microsoft.com/office/drawing/2010/main" val="0"/>
+                  </a:ext>
+                </a:extLst>
+              </a:blip>
+              <a:stretch>
+                <a:fillRect/>
+              </a:stretch>
+            </p:blipFill>
+            <p:spPr>
+              <a:xfrm>
+                <a:off x="7865164" y="5585790"/>
+                <a:ext cx="1127119" cy="293773"/>
+              </a:xfrm>
+              <a:prstGeom prst="rect">
+                <a:avLst/>
+              </a:prstGeom>
+            </p:spPr>
+          </p:pic>
+        </p:grpSp>
+        <p:sp>
+          <p:nvSpPr>
+            <p:cNvPr id="3" name="Rechteck 2">
               <a:extLst>
-                <a:ext uri="{28A0092B-C50C-407E-A947-70E740481C1C}">
-                  <a14:useLocalDpi xmlns:a14="http://schemas.microsoft.com/office/drawing/2010/main" val="0"/>
-                </a:ext>
-                <a:ext uri="{96DAC541-7B7A-43D3-8B79-37D633B846F1}">
-                  <asvg:svgBlip xmlns:asvg="http://schemas.microsoft.com/office/drawing/2016/SVG/main" r:embed="rId3"/>
+                <a:ext uri="{FF2B5EF4-FFF2-40B4-BE49-F238E27FC236}">
+                  <a16:creationId xmlns:a16="http://schemas.microsoft.com/office/drawing/2014/main" id="{CC3A27D1-9E15-42C4-A512-7F6EF44C38B4}"/>
                 </a:ext>
               </a:extLst>
-            </a:blip>
-            <a:stretch>
-              <a:fillRect/>
-            </a:stretch>
-          </p:blipFill>
+            </p:cNvPr>
+            <p:cNvSpPr/>
+            <p:nvPr/>
+          </p:nvSpPr>
           <p:spPr>
             <a:xfrm>
-              <a:off x="846936" y="205366"/>
-              <a:ext cx="5645485" cy="5645485"/>
+              <a:off x="2087217" y="1036749"/>
+              <a:ext cx="5731565" cy="3866929"/>
             </a:xfrm>
             <a:prstGeom prst="rect">
               <a:avLst/>
             </a:prstGeom>
+            <a:ln>
+              <a:solidFill>
+                <a:schemeClr val="tx1"/>
+              </a:solidFill>
+            </a:ln>
           </p:spPr>
-        </p:pic>
-        <p:pic>
-          <p:nvPicPr>
-            <p:cNvPr id="9" name="Inhaltsplatzhalter 3" title="ScaleIT_Logo">
-              <a:extLst>
-                <a:ext uri="{FF2B5EF4-FFF2-40B4-BE49-F238E27FC236}">
-                  <a16:creationId xmlns:a16="http://schemas.microsoft.com/office/drawing/2014/main" id="{55D8DB2A-C0E2-4BD1-AC21-EE1BF356B939}"/>
-                </a:ext>
-              </a:extLst>
-            </p:cNvPr>
-            <p:cNvPicPr>
-              <a:picLocks/>
-            </p:cNvPicPr>
-            <p:nvPr/>
-          </p:nvPicPr>
-          <p:blipFill>
-            <a:blip r:embed="rId4">
-              <a:extLst>
-                <a:ext uri="{28A0092B-C50C-407E-A947-70E740481C1C}">
-                  <a14:useLocalDpi xmlns:a14="http://schemas.microsoft.com/office/drawing/2010/main" val="0"/>
-                </a:ext>
-              </a:extLst>
-            </a:blip>
-            <a:stretch>
-              <a:fillRect/>
-            </a:stretch>
-          </p:blipFill>
-          <p:spPr>
-            <a:xfrm>
-              <a:off x="5377998" y="4491474"/>
-              <a:ext cx="477550" cy="138017"/>
-            </a:xfrm>
-            <a:prstGeom prst="rect">
-              <a:avLst/>
-            </a:prstGeom>
-          </p:spPr>
-        </p:pic>
+          <p:style>
+            <a:lnRef idx="2">
+              <a:schemeClr val="accent6"/>
+            </a:lnRef>
+            <a:fillRef idx="1">
+              <a:schemeClr val="lt1"/>
+            </a:fillRef>
+            <a:effectRef idx="0">
+              <a:schemeClr val="accent6"/>
+            </a:effectRef>
+            <a:fontRef idx="minor">
+              <a:schemeClr val="dk1"/>
+            </a:fontRef>
+          </p:style>
+          <p:txBody>
+            <a:bodyPr rtlCol="0" anchor="ctr"/>
+            <a:lstStyle/>
+            <a:p>
+              <a:pPr algn="ctr"/>
+              <a:endParaRPr lang="de-DE" dirty="0"/>
+            </a:p>
+          </p:txBody>
+        </p:sp>
       </p:grpSp>
-      <p:sp>
-        <p:nvSpPr>
-          <p:cNvPr id="10" name="Rechteck 9">
-            <a:extLst>
-              <a:ext uri="{FF2B5EF4-FFF2-40B4-BE49-F238E27FC236}">
-                <a16:creationId xmlns:a16="http://schemas.microsoft.com/office/drawing/2014/main" id="{4680C422-D169-4A66-B99B-8E6887C84B4F}"/>
-              </a:ext>
-            </a:extLst>
-          </p:cNvPr>
-          <p:cNvSpPr/>
-          <p:nvPr/>
-        </p:nvSpPr>
-        <p:spPr>
-          <a:xfrm>
-            <a:off x="801756" y="715618"/>
-            <a:ext cx="8479382" cy="5221356"/>
-          </a:xfrm>
-          <a:prstGeom prst="rect">
-            <a:avLst/>
-          </a:prstGeom>
-          <a:ln>
-            <a:solidFill>
-              <a:schemeClr val="tx1"/>
-            </a:solidFill>
-          </a:ln>
-        </p:spPr>
-        <p:style>
-          <a:lnRef idx="2">
-            <a:schemeClr val="accent6"/>
-          </a:lnRef>
-          <a:fillRef idx="1">
-            <a:schemeClr val="lt1"/>
-          </a:fillRef>
-          <a:effectRef idx="0">
-            <a:schemeClr val="accent6"/>
-          </a:effectRef>
-          <a:fontRef idx="minor">
-            <a:schemeClr val="dk1"/>
-          </a:fontRef>
-        </p:style>
-        <p:txBody>
-          <a:bodyPr rtlCol="0" anchor="ctr"/>
-          <a:lstStyle/>
-          <a:p>
-            <a:pPr algn="ctr"/>
-            <a:endParaRPr lang="de-DE"/>
-          </a:p>
-        </p:txBody>
-      </p:sp>
-      <p:sp>
-        <p:nvSpPr>
-          <p:cNvPr id="12" name="Rechteck 11">
-            <a:extLst>
-              <a:ext uri="{FF2B5EF4-FFF2-40B4-BE49-F238E27FC236}">
-                <a16:creationId xmlns:a16="http://schemas.microsoft.com/office/drawing/2014/main" id="{DBD22CEB-E33F-4E4B-9213-AEF84E86B40A}"/>
-              </a:ext>
-            </a:extLst>
-          </p:cNvPr>
-          <p:cNvSpPr/>
-          <p:nvPr/>
-        </p:nvSpPr>
-        <p:spPr>
-          <a:xfrm>
-            <a:off x="3922643" y="5943600"/>
-            <a:ext cx="2199861" cy="218661"/>
-          </a:xfrm>
-          <a:prstGeom prst="rect">
-            <a:avLst/>
-          </a:prstGeom>
-          <a:solidFill>
-            <a:schemeClr val="tx1"/>
-          </a:solidFill>
-          <a:ln>
-            <a:solidFill>
-              <a:schemeClr val="tx1"/>
-            </a:solidFill>
-          </a:ln>
-        </p:spPr>
-        <p:style>
-          <a:lnRef idx="2">
-            <a:schemeClr val="accent1">
-              <a:shade val="50000"/>
-            </a:schemeClr>
-          </a:lnRef>
-          <a:fillRef idx="1">
-            <a:schemeClr val="accent1"/>
-          </a:fillRef>
-          <a:effectRef idx="0">
-            <a:schemeClr val="accent1"/>
-          </a:effectRef>
-          <a:fontRef idx="minor">
-            <a:schemeClr val="lt1"/>
-          </a:fontRef>
-        </p:style>
-        <p:txBody>
-          <a:bodyPr rtlCol="0" anchor="ctr"/>
-          <a:lstStyle/>
-          <a:p>
-            <a:pPr algn="ctr"/>
-            <a:endParaRPr lang="de-DE"/>
-          </a:p>
-        </p:txBody>
-      </p:sp>
-      <p:sp>
-        <p:nvSpPr>
-          <p:cNvPr id="13" name="Ellipse 12">
-            <a:extLst>
-              <a:ext uri="{FF2B5EF4-FFF2-40B4-BE49-F238E27FC236}">
-                <a16:creationId xmlns:a16="http://schemas.microsoft.com/office/drawing/2014/main" id="{23E50D8B-64CE-4B16-A213-5B1B26C52A5F}"/>
-              </a:ext>
-            </a:extLst>
-          </p:cNvPr>
-          <p:cNvSpPr/>
-          <p:nvPr/>
-        </p:nvSpPr>
-        <p:spPr>
-          <a:xfrm>
-            <a:off x="4938742" y="6026425"/>
-            <a:ext cx="205409" cy="205409"/>
-          </a:xfrm>
-          <a:prstGeom prst="ellipse">
-            <a:avLst/>
-          </a:prstGeom>
-          <a:solidFill>
-            <a:schemeClr val="bg1"/>
-          </a:solidFill>
-          <a:ln>
-            <a:solidFill>
-              <a:schemeClr val="tx1"/>
-            </a:solidFill>
-          </a:ln>
-        </p:spPr>
-        <p:style>
-          <a:lnRef idx="2">
-            <a:schemeClr val="accent1">
-              <a:shade val="50000"/>
-            </a:schemeClr>
-          </a:lnRef>
-          <a:fillRef idx="1">
-            <a:schemeClr val="accent1"/>
-          </a:fillRef>
-          <a:effectRef idx="0">
-            <a:schemeClr val="accent1"/>
-          </a:effectRef>
-          <a:fontRef idx="minor">
-            <a:schemeClr val="lt1"/>
-          </a:fontRef>
-        </p:style>
-        <p:txBody>
-          <a:bodyPr rtlCol="0" anchor="ctr"/>
-          <a:lstStyle/>
-          <a:p>
-            <a:pPr algn="ctr"/>
-            <a:endParaRPr lang="de-DE"/>
-          </a:p>
-        </p:txBody>
-      </p:sp>
-      <p:pic>
-        <p:nvPicPr>
-          <p:cNvPr id="14" name="Grafik 13">
-            <a:extLst>
-              <a:ext uri="{FF2B5EF4-FFF2-40B4-BE49-F238E27FC236}">
-                <a16:creationId xmlns:a16="http://schemas.microsoft.com/office/drawing/2014/main" id="{454CF4C6-0464-41E3-90AE-891BF851BFA7}"/>
-              </a:ext>
-            </a:extLst>
-          </p:cNvPr>
-          <p:cNvPicPr>
-            <a:picLocks noChangeAspect="1"/>
-          </p:cNvPicPr>
-          <p:nvPr/>
-        </p:nvPicPr>
-        <p:blipFill>
-          <a:blip r:embed="rId5">
-            <a:extLst>
-              <a:ext uri="{28A0092B-C50C-407E-A947-70E740481C1C}">
-                <a14:useLocalDpi xmlns:a14="http://schemas.microsoft.com/office/drawing/2010/main" val="0"/>
-              </a:ext>
-            </a:extLst>
-          </a:blip>
-          <a:stretch>
-            <a:fillRect/>
-          </a:stretch>
-        </p:blipFill>
-        <p:spPr>
-          <a:xfrm>
-            <a:off x="876939" y="754462"/>
-            <a:ext cx="257628" cy="238019"/>
-          </a:xfrm>
-          <a:prstGeom prst="rect">
-            <a:avLst/>
-          </a:prstGeom>
-        </p:spPr>
-      </p:pic>
-      <p:pic>
-        <p:nvPicPr>
-          <p:cNvPr id="15" name="Grafik 14">
-            <a:extLst>
-              <a:ext uri="{FF2B5EF4-FFF2-40B4-BE49-F238E27FC236}">
-                <a16:creationId xmlns:a16="http://schemas.microsoft.com/office/drawing/2014/main" id="{D0E52042-E5F0-4DC4-B637-EF6E3FF376D2}"/>
-              </a:ext>
-            </a:extLst>
-          </p:cNvPr>
-          <p:cNvPicPr>
-            <a:picLocks noChangeAspect="1"/>
-          </p:cNvPicPr>
-          <p:nvPr/>
-        </p:nvPicPr>
-        <p:blipFill>
-          <a:blip r:embed="rId6">
-            <a:extLst>
-              <a:ext uri="{28A0092B-C50C-407E-A947-70E740481C1C}">
-                <a14:useLocalDpi xmlns:a14="http://schemas.microsoft.com/office/drawing/2010/main" val="0"/>
-              </a:ext>
-            </a:extLst>
-          </a:blip>
-          <a:stretch>
-            <a:fillRect/>
-          </a:stretch>
-        </p:blipFill>
-        <p:spPr>
-          <a:xfrm rot="16200000">
-            <a:off x="1302752" y="701933"/>
-            <a:ext cx="332210" cy="359579"/>
-          </a:xfrm>
-          <a:prstGeom prst="rect">
-            <a:avLst/>
-          </a:prstGeom>
-        </p:spPr>
-      </p:pic>
-      <p:pic>
-        <p:nvPicPr>
-          <p:cNvPr id="16" name="Grafik 15">
-            <a:extLst>
-              <a:ext uri="{FF2B5EF4-FFF2-40B4-BE49-F238E27FC236}">
-                <a16:creationId xmlns:a16="http://schemas.microsoft.com/office/drawing/2014/main" id="{B2E3FD90-BB71-4CD2-BCE6-85F6BFCDB57D}"/>
-              </a:ext>
-            </a:extLst>
-          </p:cNvPr>
-          <p:cNvPicPr>
-            <a:picLocks noChangeAspect="1"/>
-          </p:cNvPicPr>
-          <p:nvPr/>
-        </p:nvPicPr>
-        <p:blipFill>
-          <a:blip r:embed="rId7">
-            <a:extLst>
-              <a:ext uri="{28A0092B-C50C-407E-A947-70E740481C1C}">
-                <a14:useLocalDpi xmlns:a14="http://schemas.microsoft.com/office/drawing/2010/main" val="0"/>
-              </a:ext>
-            </a:extLst>
-          </a:blip>
-          <a:stretch>
-            <a:fillRect/>
-          </a:stretch>
-        </p:blipFill>
-        <p:spPr>
-          <a:xfrm>
-            <a:off x="1827035" y="758212"/>
-            <a:ext cx="253569" cy="234269"/>
-          </a:xfrm>
-          <a:prstGeom prst="rect">
-            <a:avLst/>
-          </a:prstGeom>
-        </p:spPr>
-      </p:pic>
     </p:spTree>
     <p:extLst>
       <p:ext uri="{BB962C8B-B14F-4D97-AF65-F5344CB8AC3E}">
-        <p14:creationId xmlns:p14="http://schemas.microsoft.com/office/powerpoint/2010/main" val="2537199465"/>
+        <p14:creationId xmlns:p14="http://schemas.microsoft.com/office/powerpoint/2010/main" val="3949145950"/>
       </p:ext>
     </p:extLst>
   </p:cSld>
@@ -9480,7 +9281,7 @@
     </p:spTree>
     <p:extLst>
       <p:ext uri="{BB962C8B-B14F-4D97-AF65-F5344CB8AC3E}">
-        <p14:creationId xmlns:p14="http://schemas.microsoft.com/office/powerpoint/2010/main" val="3949145950"/>
+        <p14:creationId xmlns:p14="http://schemas.microsoft.com/office/powerpoint/2010/main" val="814275501"/>
       </p:ext>
     </p:extLst>
   </p:cSld>
@@ -9491,202 +9292,6 @@
 </file>
 
 <file path=ppt/slides/slide13.xml><?xml version="1.0" encoding="utf-8"?>
-<p:sld xmlns:a="http://schemas.openxmlformats.org/drawingml/2006/main" xmlns:r="http://schemas.openxmlformats.org/officeDocument/2006/relationships" xmlns:p="http://schemas.openxmlformats.org/presentationml/2006/main">
-  <p:cSld>
-    <p:spTree>
-      <p:nvGrpSpPr>
-        <p:cNvPr id="1" name=""/>
-        <p:cNvGrpSpPr/>
-        <p:nvPr/>
-      </p:nvGrpSpPr>
-      <p:grpSpPr>
-        <a:xfrm>
-          <a:off x="0" y="0"/>
-          <a:ext cx="0" cy="0"/>
-          <a:chOff x="0" y="0"/>
-          <a:chExt cx="0" cy="0"/>
-        </a:xfrm>
-      </p:grpSpPr>
-      <p:grpSp>
-        <p:nvGrpSpPr>
-          <p:cNvPr id="6" name="Gruppieren 5">
-            <a:extLst>
-              <a:ext uri="{FF2B5EF4-FFF2-40B4-BE49-F238E27FC236}">
-                <a16:creationId xmlns:a16="http://schemas.microsoft.com/office/drawing/2014/main" id="{AE845362-6DBF-4F81-BF24-891CB1A820AB}"/>
-              </a:ext>
-            </a:extLst>
-          </p:cNvPr>
-          <p:cNvGrpSpPr/>
-          <p:nvPr/>
-        </p:nvGrpSpPr>
-        <p:grpSpPr>
-          <a:xfrm>
-            <a:off x="526774" y="-997226"/>
-            <a:ext cx="8852452" cy="8852452"/>
-            <a:chOff x="526774" y="-997226"/>
-            <a:chExt cx="8852452" cy="8852452"/>
-          </a:xfrm>
-        </p:grpSpPr>
-        <p:grpSp>
-          <p:nvGrpSpPr>
-            <p:cNvPr id="5" name="Gruppieren 4">
-              <a:extLst>
-                <a:ext uri="{FF2B5EF4-FFF2-40B4-BE49-F238E27FC236}">
-                  <a16:creationId xmlns:a16="http://schemas.microsoft.com/office/drawing/2014/main" id="{1356644F-D25D-49A6-ABB5-FAB9ADF8F087}"/>
-                </a:ext>
-              </a:extLst>
-            </p:cNvPr>
-            <p:cNvGrpSpPr/>
-            <p:nvPr/>
-          </p:nvGrpSpPr>
-          <p:grpSpPr>
-            <a:xfrm>
-              <a:off x="526774" y="-997226"/>
-              <a:ext cx="8852452" cy="8852452"/>
-              <a:chOff x="526774" y="-997226"/>
-              <a:chExt cx="8852452" cy="8852452"/>
-            </a:xfrm>
-          </p:grpSpPr>
-          <p:pic>
-            <p:nvPicPr>
-              <p:cNvPr id="2" name="Grafik 1" descr="Laptop">
-                <a:extLst>
-                  <a:ext uri="{FF2B5EF4-FFF2-40B4-BE49-F238E27FC236}">
-                    <a16:creationId xmlns:a16="http://schemas.microsoft.com/office/drawing/2014/main" id="{B555CE19-F5E2-48BE-9B28-0B7F4AC14C98}"/>
-                  </a:ext>
-                </a:extLst>
-              </p:cNvPr>
-              <p:cNvPicPr>
-                <a:picLocks noChangeAspect="1"/>
-              </p:cNvPicPr>
-              <p:nvPr/>
-            </p:nvPicPr>
-            <p:blipFill>
-              <a:blip r:embed="rId2">
-                <a:extLst>
-                  <a:ext uri="{28A0092B-C50C-407E-A947-70E740481C1C}">
-                    <a14:useLocalDpi xmlns:a14="http://schemas.microsoft.com/office/drawing/2010/main" val="0"/>
-                  </a:ext>
-                  <a:ext uri="{96DAC541-7B7A-43D3-8B79-37D633B846F1}">
-                    <asvg:svgBlip xmlns:asvg="http://schemas.microsoft.com/office/drawing/2016/SVG/main" r:embed="rId3"/>
-                  </a:ext>
-                </a:extLst>
-              </a:blip>
-              <a:stretch>
-                <a:fillRect/>
-              </a:stretch>
-            </p:blipFill>
-            <p:spPr>
-              <a:xfrm>
-                <a:off x="526774" y="-997226"/>
-                <a:ext cx="8852452" cy="8852452"/>
-              </a:xfrm>
-              <a:prstGeom prst="rect">
-                <a:avLst/>
-              </a:prstGeom>
-            </p:spPr>
-          </p:pic>
-          <p:pic>
-            <p:nvPicPr>
-              <p:cNvPr id="4" name="Inhaltsplatzhalter 3" title="ScaleIT_Logo">
-                <a:extLst>
-                  <a:ext uri="{FF2B5EF4-FFF2-40B4-BE49-F238E27FC236}">
-                    <a16:creationId xmlns:a16="http://schemas.microsoft.com/office/drawing/2014/main" id="{1B717DC3-8DFF-4C8E-A116-9BF62063B03A}"/>
-                  </a:ext>
-                </a:extLst>
-              </p:cNvPr>
-              <p:cNvPicPr>
-                <a:picLocks/>
-              </p:cNvPicPr>
-              <p:nvPr/>
-            </p:nvPicPr>
-            <p:blipFill>
-              <a:blip r:embed="rId4">
-                <a:extLst>
-                  <a:ext uri="{28A0092B-C50C-407E-A947-70E740481C1C}">
-                    <a14:useLocalDpi xmlns:a14="http://schemas.microsoft.com/office/drawing/2010/main" val="0"/>
-                  </a:ext>
-                </a:extLst>
-              </a:blip>
-              <a:stretch>
-                <a:fillRect/>
-              </a:stretch>
-            </p:blipFill>
-            <p:spPr>
-              <a:xfrm>
-                <a:off x="7865164" y="5585790"/>
-                <a:ext cx="1127119" cy="293773"/>
-              </a:xfrm>
-              <a:prstGeom prst="rect">
-                <a:avLst/>
-              </a:prstGeom>
-            </p:spPr>
-          </p:pic>
-        </p:grpSp>
-        <p:sp>
-          <p:nvSpPr>
-            <p:cNvPr id="3" name="Rechteck 2">
-              <a:extLst>
-                <a:ext uri="{FF2B5EF4-FFF2-40B4-BE49-F238E27FC236}">
-                  <a16:creationId xmlns:a16="http://schemas.microsoft.com/office/drawing/2014/main" id="{CC3A27D1-9E15-42C4-A512-7F6EF44C38B4}"/>
-                </a:ext>
-              </a:extLst>
-            </p:cNvPr>
-            <p:cNvSpPr/>
-            <p:nvPr/>
-          </p:nvSpPr>
-          <p:spPr>
-            <a:xfrm>
-              <a:off x="2087217" y="1036749"/>
-              <a:ext cx="5731565" cy="3866929"/>
-            </a:xfrm>
-            <a:prstGeom prst="rect">
-              <a:avLst/>
-            </a:prstGeom>
-            <a:ln>
-              <a:solidFill>
-                <a:schemeClr val="tx1"/>
-              </a:solidFill>
-            </a:ln>
-          </p:spPr>
-          <p:style>
-            <a:lnRef idx="2">
-              <a:schemeClr val="accent6"/>
-            </a:lnRef>
-            <a:fillRef idx="1">
-              <a:schemeClr val="lt1"/>
-            </a:fillRef>
-            <a:effectRef idx="0">
-              <a:schemeClr val="accent6"/>
-            </a:effectRef>
-            <a:fontRef idx="minor">
-              <a:schemeClr val="dk1"/>
-            </a:fontRef>
-          </p:style>
-          <p:txBody>
-            <a:bodyPr rtlCol="0" anchor="ctr"/>
-            <a:lstStyle/>
-            <a:p>
-              <a:pPr algn="ctr"/>
-              <a:endParaRPr lang="de-DE" dirty="0"/>
-            </a:p>
-          </p:txBody>
-        </p:sp>
-      </p:grpSp>
-    </p:spTree>
-    <p:extLst>
-      <p:ext uri="{BB962C8B-B14F-4D97-AF65-F5344CB8AC3E}">
-        <p14:creationId xmlns:p14="http://schemas.microsoft.com/office/powerpoint/2010/main" val="814275501"/>
-      </p:ext>
-    </p:extLst>
-  </p:cSld>
-  <p:clrMapOvr>
-    <a:masterClrMapping/>
-  </p:clrMapOvr>
-</p:sld>
-</file>
-
-<file path=ppt/slides/slide14.xml><?xml version="1.0" encoding="utf-8"?>
 <p:sld xmlns:a="http://schemas.openxmlformats.org/drawingml/2006/main" xmlns:r="http://schemas.openxmlformats.org/officeDocument/2006/relationships" xmlns:p="http://schemas.openxmlformats.org/presentationml/2006/main">
   <p:cSld>
     <p:spTree>
@@ -10362,7 +9967,7 @@
 </p:sld>
 </file>
 
-<file path=ppt/slides/slide15.xml><?xml version="1.0" encoding="utf-8"?>
+<file path=ppt/slides/slide14.xml><?xml version="1.0" encoding="utf-8"?>
 <p:sld xmlns:a="http://schemas.openxmlformats.org/drawingml/2006/main" xmlns:r="http://schemas.openxmlformats.org/officeDocument/2006/relationships" xmlns:p="http://schemas.openxmlformats.org/presentationml/2006/main">
   <p:cSld>
     <p:spTree>
@@ -11398,7 +11003,7 @@
 </p:sld>
 </file>
 
-<file path=ppt/slides/slide16.xml><?xml version="1.0" encoding="utf-8"?>
+<file path=ppt/slides/slide15.xml><?xml version="1.0" encoding="utf-8"?>
 <p:sld xmlns:a="http://schemas.openxmlformats.org/drawingml/2006/main" xmlns:r="http://schemas.openxmlformats.org/officeDocument/2006/relationships" xmlns:p="http://schemas.openxmlformats.org/presentationml/2006/main">
   <p:cSld>
     <p:spTree>
@@ -11663,7 +11268,7 @@
 </p:sld>
 </file>
 
-<file path=ppt/slides/slide17.xml><?xml version="1.0" encoding="utf-8"?>
+<file path=ppt/slides/slide16.xml><?xml version="1.0" encoding="utf-8"?>
 <p:sld xmlns:a="http://schemas.openxmlformats.org/drawingml/2006/main" xmlns:r="http://schemas.openxmlformats.org/officeDocument/2006/relationships" xmlns:p="http://schemas.openxmlformats.org/presentationml/2006/main">
   <p:cSld>
     <p:spTree>
@@ -11928,7 +11533,7 @@
 </p:sld>
 </file>
 
-<file path=ppt/slides/slide18.xml><?xml version="1.0" encoding="utf-8"?>
+<file path=ppt/slides/slide17.xml><?xml version="1.0" encoding="utf-8"?>
 <p:sld xmlns:a="http://schemas.openxmlformats.org/drawingml/2006/main" xmlns:r="http://schemas.openxmlformats.org/officeDocument/2006/relationships" xmlns:p="http://schemas.openxmlformats.org/presentationml/2006/main">
   <p:cSld>
     <p:spTree>
@@ -12988,7 +12593,7 @@
 </p:sld>
 </file>
 
-<file path=ppt/slides/slide19.xml><?xml version="1.0" encoding="utf-8"?>
+<file path=ppt/slides/slide18.xml><?xml version="1.0" encoding="utf-8"?>
 <p:sld xmlns:a="http://schemas.openxmlformats.org/drawingml/2006/main" xmlns:r="http://schemas.openxmlformats.org/officeDocument/2006/relationships" xmlns:p="http://schemas.openxmlformats.org/presentationml/2006/main">
   <p:cSld>
     <p:spTree>
@@ -13694,448 +13299,7 @@
 </p:sld>
 </file>
 
-<file path=ppt/slides/slide2.xml><?xml version="1.0" encoding="utf-8"?>
-<p:sld xmlns:a="http://schemas.openxmlformats.org/drawingml/2006/main" xmlns:r="http://schemas.openxmlformats.org/officeDocument/2006/relationships" xmlns:p="http://schemas.openxmlformats.org/presentationml/2006/main">
-  <p:cSld>
-    <p:spTree>
-      <p:nvGrpSpPr>
-        <p:cNvPr id="1" name=""/>
-        <p:cNvGrpSpPr/>
-        <p:nvPr/>
-      </p:nvGrpSpPr>
-      <p:grpSpPr>
-        <a:xfrm>
-          <a:off x="0" y="0"/>
-          <a:ext cx="0" cy="0"/>
-          <a:chOff x="0" y="0"/>
-          <a:chExt cx="0" cy="0"/>
-        </a:xfrm>
-      </p:grpSpPr>
-      <p:pic>
-        <p:nvPicPr>
-          <p:cNvPr id="4" name="Picture 3">
-            <a:extLst>
-              <a:ext uri="{FF2B5EF4-FFF2-40B4-BE49-F238E27FC236}">
-                <a16:creationId xmlns:a16="http://schemas.microsoft.com/office/drawing/2014/main" id="{2B1E01DE-77A1-724F-A458-46A20B7BD845}"/>
-              </a:ext>
-            </a:extLst>
-          </p:cNvPr>
-          <p:cNvPicPr>
-            <a:picLocks noChangeAspect="1"/>
-          </p:cNvPicPr>
-          <p:nvPr/>
-        </p:nvPicPr>
-        <p:blipFill rotWithShape="1">
-          <a:blip r:embed="rId2">
-            <a:extLst>
-              <a:ext uri="{28A0092B-C50C-407E-A947-70E740481C1C}">
-                <a14:useLocalDpi xmlns:a14="http://schemas.microsoft.com/office/drawing/2010/main" val="0"/>
-              </a:ext>
-            </a:extLst>
-          </a:blip>
-          <a:srcRect l="27188" t="39946" r="29219" b="40300"/>
-          <a:stretch/>
-        </p:blipFill>
-        <p:spPr>
-          <a:xfrm>
-            <a:off x="2814022" y="1205852"/>
-            <a:ext cx="3008829" cy="746990"/>
-          </a:xfrm>
-          <a:prstGeom prst="rect">
-            <a:avLst/>
-          </a:prstGeom>
-        </p:spPr>
-      </p:pic>
-      <p:pic>
-        <p:nvPicPr>
-          <p:cNvPr id="1026" name="Picture 2" descr="Image result for seal of approval">
-            <a:extLst>
-              <a:ext uri="{FF2B5EF4-FFF2-40B4-BE49-F238E27FC236}">
-                <a16:creationId xmlns:a16="http://schemas.microsoft.com/office/drawing/2014/main" id="{C3F87EAF-E6DA-1C41-B3C3-15044402262D}"/>
-              </a:ext>
-            </a:extLst>
-          </p:cNvPr>
-          <p:cNvPicPr>
-            <a:picLocks noChangeAspect="1" noChangeArrowheads="1"/>
-          </p:cNvPicPr>
-          <p:nvPr/>
-        </p:nvPicPr>
-        <p:blipFill>
-          <a:blip r:embed="rId3">
-            <a:extLst>
-              <a:ext uri="{28A0092B-C50C-407E-A947-70E740481C1C}">
-                <a14:useLocalDpi xmlns:a14="http://schemas.microsoft.com/office/drawing/2010/main" val="0"/>
-              </a:ext>
-            </a:extLst>
-          </a:blip>
-          <a:srcRect/>
-          <a:stretch>
-            <a:fillRect/>
-          </a:stretch>
-        </p:blipFill>
-        <p:spPr bwMode="auto">
-          <a:xfrm>
-            <a:off x="5822851" y="1060122"/>
-            <a:ext cx="1331346" cy="1038451"/>
-          </a:xfrm>
-          <a:prstGeom prst="rect">
-            <a:avLst/>
-          </a:prstGeom>
-          <a:noFill/>
-          <a:extLst>
-            <a:ext uri="{909E8E84-426E-40DD-AFC4-6F175D3DCCD1}">
-              <a14:hiddenFill xmlns:a14="http://schemas.microsoft.com/office/drawing/2010/main">
-                <a:solidFill>
-                  <a:srgbClr val="FFFFFF"/>
-                </a:solidFill>
-              </a14:hiddenFill>
-            </a:ext>
-          </a:extLst>
-        </p:spPr>
-      </p:pic>
-      <p:pic>
-        <p:nvPicPr>
-          <p:cNvPr id="7" name="Picture 6">
-            <a:extLst>
-              <a:ext uri="{FF2B5EF4-FFF2-40B4-BE49-F238E27FC236}">
-                <a16:creationId xmlns:a16="http://schemas.microsoft.com/office/drawing/2014/main" id="{7D6023BC-94EB-E749-A017-D04376385618}"/>
-              </a:ext>
-            </a:extLst>
-          </p:cNvPr>
-          <p:cNvPicPr>
-            <a:picLocks noChangeAspect="1"/>
-          </p:cNvPicPr>
-          <p:nvPr/>
-        </p:nvPicPr>
-        <p:blipFill rotWithShape="1">
-          <a:blip r:embed="rId2">
-            <a:extLst>
-              <a:ext uri="{28A0092B-C50C-407E-A947-70E740481C1C}">
-                <a14:useLocalDpi xmlns:a14="http://schemas.microsoft.com/office/drawing/2010/main" val="0"/>
-              </a:ext>
-            </a:extLst>
-          </a:blip>
-          <a:srcRect l="27188" t="39946" r="29219" b="40300"/>
-          <a:stretch/>
-        </p:blipFill>
-        <p:spPr>
-          <a:xfrm>
-            <a:off x="2814022" y="2449366"/>
-            <a:ext cx="3008829" cy="746990"/>
-          </a:xfrm>
-          <a:prstGeom prst="rect">
-            <a:avLst/>
-          </a:prstGeom>
-        </p:spPr>
-      </p:pic>
-      <p:pic>
-        <p:nvPicPr>
-          <p:cNvPr id="8" name="Picture 7" descr="Image result for seal of approval">
-            <a:extLst>
-              <a:ext uri="{FF2B5EF4-FFF2-40B4-BE49-F238E27FC236}">
-                <a16:creationId xmlns:a16="http://schemas.microsoft.com/office/drawing/2014/main" id="{F178DBBA-F53E-8444-B102-C57616D8190F}"/>
-              </a:ext>
-            </a:extLst>
-          </p:cNvPr>
-          <p:cNvPicPr>
-            <a:picLocks noChangeAspect="1" noChangeArrowheads="1"/>
-          </p:cNvPicPr>
-          <p:nvPr/>
-        </p:nvPicPr>
-        <p:blipFill>
-          <a:blip r:embed="rId3">
-            <a:extLst>
-              <a:ext uri="{28A0092B-C50C-407E-A947-70E740481C1C}">
-                <a14:useLocalDpi xmlns:a14="http://schemas.microsoft.com/office/drawing/2010/main" val="0"/>
-              </a:ext>
-            </a:extLst>
-          </a:blip>
-          <a:srcRect/>
-          <a:stretch>
-            <a:fillRect/>
-          </a:stretch>
-        </p:blipFill>
-        <p:spPr bwMode="auto">
-          <a:xfrm>
-            <a:off x="5822851" y="2303636"/>
-            <a:ext cx="1331346" cy="1038451"/>
-          </a:xfrm>
-          <a:prstGeom prst="rect">
-            <a:avLst/>
-          </a:prstGeom>
-          <a:noFill/>
-          <a:extLst>
-            <a:ext uri="{909E8E84-426E-40DD-AFC4-6F175D3DCCD1}">
-              <a14:hiddenFill xmlns:a14="http://schemas.microsoft.com/office/drawing/2010/main">
-                <a:solidFill>
-                  <a:srgbClr val="FFFFFF"/>
-                </a:solidFill>
-              </a14:hiddenFill>
-            </a:ext>
-          </a:extLst>
-        </p:spPr>
-      </p:pic>
-      <p:pic>
-        <p:nvPicPr>
-          <p:cNvPr id="9" name="Picture 8">
-            <a:extLst>
-              <a:ext uri="{FF2B5EF4-FFF2-40B4-BE49-F238E27FC236}">
-                <a16:creationId xmlns:a16="http://schemas.microsoft.com/office/drawing/2014/main" id="{D8E508ED-E805-2B45-BF28-7DC3BE20649F}"/>
-              </a:ext>
-            </a:extLst>
-          </p:cNvPr>
-          <p:cNvPicPr>
-            <a:picLocks noChangeAspect="1"/>
-          </p:cNvPicPr>
-          <p:nvPr/>
-        </p:nvPicPr>
-        <p:blipFill rotWithShape="1">
-          <a:blip r:embed="rId2">
-            <a:extLst>
-              <a:ext uri="{28A0092B-C50C-407E-A947-70E740481C1C}">
-                <a14:useLocalDpi xmlns:a14="http://schemas.microsoft.com/office/drawing/2010/main" val="0"/>
-              </a:ext>
-            </a:extLst>
-          </a:blip>
-          <a:srcRect l="27188" t="39946" r="29219" b="40300"/>
-          <a:stretch/>
-        </p:blipFill>
-        <p:spPr>
-          <a:xfrm>
-            <a:off x="2814022" y="3692880"/>
-            <a:ext cx="3008829" cy="746990"/>
-          </a:xfrm>
-          <a:prstGeom prst="rect">
-            <a:avLst/>
-          </a:prstGeom>
-        </p:spPr>
-      </p:pic>
-      <p:pic>
-        <p:nvPicPr>
-          <p:cNvPr id="10" name="Picture 9" descr="Image result for seal of approval">
-            <a:extLst>
-              <a:ext uri="{FF2B5EF4-FFF2-40B4-BE49-F238E27FC236}">
-                <a16:creationId xmlns:a16="http://schemas.microsoft.com/office/drawing/2014/main" id="{A5E7C5A7-A7F2-FF4E-BC0B-DA7A70063FB8}"/>
-              </a:ext>
-            </a:extLst>
-          </p:cNvPr>
-          <p:cNvPicPr>
-            <a:picLocks noChangeAspect="1" noChangeArrowheads="1"/>
-          </p:cNvPicPr>
-          <p:nvPr/>
-        </p:nvPicPr>
-        <p:blipFill>
-          <a:blip r:embed="rId3">
-            <a:extLst>
-              <a:ext uri="{28A0092B-C50C-407E-A947-70E740481C1C}">
-                <a14:useLocalDpi xmlns:a14="http://schemas.microsoft.com/office/drawing/2010/main" val="0"/>
-              </a:ext>
-            </a:extLst>
-          </a:blip>
-          <a:srcRect/>
-          <a:stretch>
-            <a:fillRect/>
-          </a:stretch>
-        </p:blipFill>
-        <p:spPr bwMode="auto">
-          <a:xfrm>
-            <a:off x="5822851" y="3547150"/>
-            <a:ext cx="1331346" cy="1038451"/>
-          </a:xfrm>
-          <a:prstGeom prst="rect">
-            <a:avLst/>
-          </a:prstGeom>
-          <a:noFill/>
-          <a:extLst>
-            <a:ext uri="{909E8E84-426E-40DD-AFC4-6F175D3DCCD1}">
-              <a14:hiddenFill xmlns:a14="http://schemas.microsoft.com/office/drawing/2010/main">
-                <a:solidFill>
-                  <a:srgbClr val="FFFFFF"/>
-                </a:solidFill>
-              </a14:hiddenFill>
-            </a:ext>
-          </a:extLst>
-        </p:spPr>
-      </p:pic>
-      <p:pic>
-        <p:nvPicPr>
-          <p:cNvPr id="11" name="Picture 10">
-            <a:extLst>
-              <a:ext uri="{FF2B5EF4-FFF2-40B4-BE49-F238E27FC236}">
-                <a16:creationId xmlns:a16="http://schemas.microsoft.com/office/drawing/2014/main" id="{594B061E-A2F4-1A41-B038-D2A005FC1AE0}"/>
-              </a:ext>
-            </a:extLst>
-          </p:cNvPr>
-          <p:cNvPicPr>
-            <a:picLocks noChangeAspect="1"/>
-          </p:cNvPicPr>
-          <p:nvPr/>
-        </p:nvPicPr>
-        <p:blipFill rotWithShape="1">
-          <a:blip r:embed="rId2">
-            <a:extLst>
-              <a:ext uri="{28A0092B-C50C-407E-A947-70E740481C1C}">
-                <a14:useLocalDpi xmlns:a14="http://schemas.microsoft.com/office/drawing/2010/main" val="0"/>
-              </a:ext>
-            </a:extLst>
-          </a:blip>
-          <a:srcRect l="27188" t="39946" r="29219" b="40300"/>
-          <a:stretch/>
-        </p:blipFill>
-        <p:spPr>
-          <a:xfrm>
-            <a:off x="2814022" y="4936395"/>
-            <a:ext cx="3008829" cy="746990"/>
-          </a:xfrm>
-          <a:prstGeom prst="rect">
-            <a:avLst/>
-          </a:prstGeom>
-        </p:spPr>
-      </p:pic>
-      <p:pic>
-        <p:nvPicPr>
-          <p:cNvPr id="12" name="Picture 11" descr="Image result for seal of approval">
-            <a:extLst>
-              <a:ext uri="{FF2B5EF4-FFF2-40B4-BE49-F238E27FC236}">
-                <a16:creationId xmlns:a16="http://schemas.microsoft.com/office/drawing/2014/main" id="{A1F92115-8716-374A-A23F-5CAE9FD7A9A6}"/>
-              </a:ext>
-            </a:extLst>
-          </p:cNvPr>
-          <p:cNvPicPr>
-            <a:picLocks noChangeAspect="1" noChangeArrowheads="1"/>
-          </p:cNvPicPr>
-          <p:nvPr/>
-        </p:nvPicPr>
-        <p:blipFill>
-          <a:blip r:embed="rId3">
-            <a:extLst>
-              <a:ext uri="{28A0092B-C50C-407E-A947-70E740481C1C}">
-                <a14:useLocalDpi xmlns:a14="http://schemas.microsoft.com/office/drawing/2010/main" val="0"/>
-              </a:ext>
-            </a:extLst>
-          </a:blip>
-          <a:srcRect/>
-          <a:stretch>
-            <a:fillRect/>
-          </a:stretch>
-        </p:blipFill>
-        <p:spPr bwMode="auto">
-          <a:xfrm>
-            <a:off x="5822851" y="4790664"/>
-            <a:ext cx="1331346" cy="1038451"/>
-          </a:xfrm>
-          <a:prstGeom prst="rect">
-            <a:avLst/>
-          </a:prstGeom>
-          <a:noFill/>
-          <a:extLst>
-            <a:ext uri="{909E8E84-426E-40DD-AFC4-6F175D3DCCD1}">
-              <a14:hiddenFill xmlns:a14="http://schemas.microsoft.com/office/drawing/2010/main">
-                <a:solidFill>
-                  <a:srgbClr val="FFFFFF"/>
-                </a:solidFill>
-              </a14:hiddenFill>
-            </a:ext>
-          </a:extLst>
-        </p:spPr>
-      </p:pic>
-      <p:sp>
-        <p:nvSpPr>
-          <p:cNvPr id="2" name="TextBox 1">
-            <a:extLst>
-              <a:ext uri="{FF2B5EF4-FFF2-40B4-BE49-F238E27FC236}">
-                <a16:creationId xmlns:a16="http://schemas.microsoft.com/office/drawing/2014/main" id="{46D510CF-ACC3-9F40-985B-602A6AEF18EC}"/>
-              </a:ext>
-            </a:extLst>
-          </p:cNvPr>
-          <p:cNvSpPr txBox="1"/>
-          <p:nvPr/>
-        </p:nvSpPr>
-        <p:spPr>
-          <a:xfrm>
-            <a:off x="1854200" y="6581001"/>
-            <a:ext cx="5643404" cy="276999"/>
-          </a:xfrm>
-          <a:prstGeom prst="rect">
-            <a:avLst/>
-          </a:prstGeom>
-          <a:noFill/>
-        </p:spPr>
-        <p:txBody>
-          <a:bodyPr wrap="none" rtlCol="0">
-            <a:spAutoFit/>
-          </a:bodyPr>
-          <a:lstStyle/>
-          <a:p>
-            <a:r>
-              <a:rPr lang="de-DE" sz="1200" dirty="0"/>
-              <a:t>https://</a:t>
-            </a:r>
-            <a:r>
-              <a:rPr lang="de-DE" sz="1200" dirty="0" err="1"/>
-              <a:t>www.westfield.in.gov</a:t>
-            </a:r>
-            <a:r>
-              <a:rPr lang="de-DE" sz="1200" dirty="0"/>
-              <a:t>/</a:t>
-            </a:r>
-            <a:r>
-              <a:rPr lang="de-DE" sz="1200" dirty="0" err="1"/>
-              <a:t>egov</a:t>
-            </a:r>
-            <a:r>
-              <a:rPr lang="de-DE" sz="1200" dirty="0"/>
-              <a:t>/</a:t>
-            </a:r>
-            <a:r>
-              <a:rPr lang="de-DE" sz="1200" dirty="0" err="1"/>
-              <a:t>apps</a:t>
-            </a:r>
-            <a:r>
-              <a:rPr lang="de-DE" sz="1200" dirty="0"/>
-              <a:t>/</a:t>
-            </a:r>
-            <a:r>
-              <a:rPr lang="de-DE" sz="1200" dirty="0" err="1"/>
-              <a:t>action</a:t>
-            </a:r>
-            <a:r>
-              <a:rPr lang="de-DE" sz="1200" dirty="0"/>
-              <a:t>/</a:t>
-            </a:r>
-            <a:r>
-              <a:rPr lang="de-DE" sz="1200" dirty="0" err="1"/>
-              <a:t>center.egov?view</a:t>
-            </a:r>
-            <a:r>
-              <a:rPr lang="de-DE" sz="1200" dirty="0"/>
-              <a:t>=</a:t>
-            </a:r>
-            <a:r>
-              <a:rPr lang="de-DE" sz="1200" dirty="0" err="1"/>
-              <a:t>form;page</a:t>
-            </a:r>
-            <a:r>
-              <a:rPr lang="de-DE" sz="1200" dirty="0"/>
-              <a:t>=1;id=404</a:t>
-            </a:r>
-          </a:p>
-        </p:txBody>
-      </p:sp>
-    </p:spTree>
-    <p:extLst>
-      <p:ext uri="{BB962C8B-B14F-4D97-AF65-F5344CB8AC3E}">
-        <p14:creationId xmlns:p14="http://schemas.microsoft.com/office/powerpoint/2010/main" val="2645605"/>
-      </p:ext>
-    </p:extLst>
-  </p:cSld>
-  <p:clrMapOvr>
-    <a:masterClrMapping/>
-  </p:clrMapOvr>
-</p:sld>
-</file>
-
-<file path=ppt/slides/slide20.xml><?xml version="1.0" encoding="utf-8"?>
+<file path=ppt/slides/slide19.xml><?xml version="1.0" encoding="utf-8"?>
 <p:sld xmlns:a="http://schemas.openxmlformats.org/drawingml/2006/main" xmlns:r="http://schemas.openxmlformats.org/officeDocument/2006/relationships" xmlns:p="http://schemas.openxmlformats.org/presentationml/2006/main">
   <p:cSld>
     <p:spTree>
@@ -14315,7 +13479,120 @@
 </p:sld>
 </file>
 
-<file path=ppt/slides/slide21.xml><?xml version="1.0" encoding="utf-8"?>
+<file path=ppt/slides/slide2.xml><?xml version="1.0" encoding="utf-8"?>
+<p:sld xmlns:a="http://schemas.openxmlformats.org/drawingml/2006/main" xmlns:r="http://schemas.openxmlformats.org/officeDocument/2006/relationships" xmlns:p="http://schemas.openxmlformats.org/presentationml/2006/main">
+  <p:cSld>
+    <p:spTree>
+      <p:nvGrpSpPr>
+        <p:cNvPr id="1" name=""/>
+        <p:cNvGrpSpPr/>
+        <p:nvPr/>
+      </p:nvGrpSpPr>
+      <p:grpSpPr>
+        <a:xfrm>
+          <a:off x="0" y="0"/>
+          <a:ext cx="0" cy="0"/>
+          <a:chOff x="0" y="0"/>
+          <a:chExt cx="0" cy="0"/>
+        </a:xfrm>
+      </p:grpSpPr>
+      <p:pic>
+        <p:nvPicPr>
+          <p:cNvPr id="2" name="Picture 6" descr="StickyJotseverything">
+            <a:extLst>
+              <a:ext uri="{FF2B5EF4-FFF2-40B4-BE49-F238E27FC236}">
+                <a16:creationId xmlns:a16="http://schemas.microsoft.com/office/drawing/2014/main" id="{A1D70F0F-AC3B-4614-A65C-08F48391D5A6}"/>
+              </a:ext>
+            </a:extLst>
+          </p:cNvPr>
+          <p:cNvPicPr>
+            <a:picLocks noChangeAspect="1" noChangeArrowheads="1"/>
+          </p:cNvPicPr>
+          <p:nvPr/>
+        </p:nvPicPr>
+        <p:blipFill rotWithShape="1">
+          <a:blip r:embed="rId2">
+            <a:extLst>
+              <a:ext uri="{28A0092B-C50C-407E-A947-70E740481C1C}">
+                <a14:useLocalDpi xmlns:a14="http://schemas.microsoft.com/office/drawing/2010/main" val="0"/>
+              </a:ext>
+            </a:extLst>
+          </a:blip>
+          <a:srcRect l="3583" r="-1" b="-1"/>
+          <a:stretch/>
+        </p:blipFill>
+        <p:spPr bwMode="auto">
+          <a:xfrm>
+            <a:off x="20" y="0"/>
+            <a:ext cx="9905980" cy="6857990"/>
+          </a:xfrm>
+          <a:prstGeom prst="rect">
+            <a:avLst/>
+          </a:prstGeom>
+          <a:noFill/>
+          <a:extLst>
+            <a:ext uri="{909E8E84-426E-40DD-AFC4-6F175D3DCCD1}">
+              <a14:hiddenFill xmlns:a14="http://schemas.microsoft.com/office/drawing/2010/main">
+                <a:solidFill>
+                  <a:srgbClr val="FFFFFF"/>
+                </a:solidFill>
+              </a14:hiddenFill>
+            </a:ext>
+          </a:extLst>
+        </p:spPr>
+      </p:pic>
+      <p:sp>
+        <p:nvSpPr>
+          <p:cNvPr id="3" name="Textfeld 2">
+            <a:extLst>
+              <a:ext uri="{FF2B5EF4-FFF2-40B4-BE49-F238E27FC236}">
+                <a16:creationId xmlns:a16="http://schemas.microsoft.com/office/drawing/2014/main" id="{F091B76F-A5C4-42DA-80B3-9D62EBB8A537}"/>
+              </a:ext>
+            </a:extLst>
+          </p:cNvPr>
+          <p:cNvSpPr txBox="1"/>
+          <p:nvPr/>
+        </p:nvSpPr>
+        <p:spPr>
+          <a:xfrm rot="5400000">
+            <a:off x="-3608799" y="3377966"/>
+            <a:ext cx="7217597" cy="461665"/>
+          </a:xfrm>
+          <a:prstGeom prst="rect">
+            <a:avLst/>
+          </a:prstGeom>
+          <a:noFill/>
+        </p:spPr>
+        <p:txBody>
+          <a:bodyPr wrap="square" rtlCol="0">
+            <a:spAutoFit/>
+          </a:bodyPr>
+          <a:lstStyle/>
+          <a:p>
+            <a:r>
+              <a:rPr lang="de-DE" sz="1200" dirty="0"/>
+              <a:t>http://juliebestry.com/2013/10/11/tech-planning-on-paper-from-old-fashioned-to-cutting-edge/</a:t>
+            </a:r>
+          </a:p>
+          <a:p>
+            <a:endParaRPr lang="de-DE" sz="1200" dirty="0"/>
+          </a:p>
+        </p:txBody>
+      </p:sp>
+    </p:spTree>
+    <p:extLst>
+      <p:ext uri="{BB962C8B-B14F-4D97-AF65-F5344CB8AC3E}">
+        <p14:creationId xmlns:p14="http://schemas.microsoft.com/office/powerpoint/2010/main" val="3917687404"/>
+      </p:ext>
+    </p:extLst>
+  </p:cSld>
+  <p:clrMapOvr>
+    <a:masterClrMapping/>
+  </p:clrMapOvr>
+</p:sld>
+</file>
+
+<file path=ppt/slides/slide20.xml><?xml version="1.0" encoding="utf-8"?>
 <p:sld xmlns:a="http://schemas.openxmlformats.org/drawingml/2006/main" xmlns:r="http://schemas.openxmlformats.org/officeDocument/2006/relationships" xmlns:p="http://schemas.openxmlformats.org/presentationml/2006/main">
   <p:cSld>
     <p:spTree>
@@ -14479,7 +13756,7 @@
 </p:sld>
 </file>
 
-<file path=ppt/slides/slide22.xml><?xml version="1.0" encoding="utf-8"?>
+<file path=ppt/slides/slide21.xml><?xml version="1.0" encoding="utf-8"?>
 <p:sld xmlns:a="http://schemas.openxmlformats.org/drawingml/2006/main" xmlns:r="http://schemas.openxmlformats.org/officeDocument/2006/relationships" xmlns:p="http://schemas.openxmlformats.org/presentationml/2006/main">
   <p:cSld>
     <p:spTree>
@@ -14646,6 +13923,14 @@
 <file path=ppt/slides/slide3.xml><?xml version="1.0" encoding="utf-8"?>
 <p:sld xmlns:a="http://schemas.openxmlformats.org/drawingml/2006/main" xmlns:r="http://schemas.openxmlformats.org/officeDocument/2006/relationships" xmlns:p="http://schemas.openxmlformats.org/presentationml/2006/main">
   <p:cSld>
+    <p:bg>
+      <p:bgPr>
+        <a:solidFill>
+          <a:schemeClr val="bg1"/>
+        </a:solidFill>
+        <a:effectLst/>
+      </p:bgPr>
+    </p:bg>
     <p:spTree>
       <p:nvGrpSpPr>
         <p:cNvPr id="1" name=""/>
@@ -14660,93 +13945,110 @@
           <a:chExt cx="0" cy="0"/>
         </a:xfrm>
       </p:grpSpPr>
-      <p:pic>
-        <p:nvPicPr>
-          <p:cNvPr id="2" name="Picture 6" descr="StickyJotseverything">
+      <p:grpSp>
+        <p:nvGrpSpPr>
+          <p:cNvPr id="3" name="Gruppieren 2">
             <a:extLst>
               <a:ext uri="{FF2B5EF4-FFF2-40B4-BE49-F238E27FC236}">
-                <a16:creationId xmlns:a16="http://schemas.microsoft.com/office/drawing/2014/main" id="{A1D70F0F-AC3B-4614-A65C-08F48391D5A6}"/>
+                <a16:creationId xmlns:a16="http://schemas.microsoft.com/office/drawing/2014/main" id="{8C5BBA35-D4A9-4839-B1A9-C8FA937528A4}"/>
               </a:ext>
             </a:extLst>
           </p:cNvPr>
-          <p:cNvPicPr>
-            <a:picLocks noChangeAspect="1" noChangeArrowheads="1"/>
-          </p:cNvPicPr>
+          <p:cNvGrpSpPr/>
           <p:nvPr/>
-        </p:nvPicPr>
-        <p:blipFill rotWithShape="1">
-          <a:blip r:embed="rId2">
-            <a:extLst>
-              <a:ext uri="{28A0092B-C50C-407E-A947-70E740481C1C}">
-                <a14:useLocalDpi xmlns:a14="http://schemas.microsoft.com/office/drawing/2010/main" val="0"/>
-              </a:ext>
-            </a:extLst>
-          </a:blip>
-          <a:srcRect l="3583" r="-1" b="-1"/>
-          <a:stretch/>
-        </p:blipFill>
-        <p:spPr bwMode="auto">
+        </p:nvGrpSpPr>
+        <p:grpSpPr>
           <a:xfrm>
-            <a:off x="20" y="0"/>
-            <a:ext cx="9905980" cy="6857990"/>
+            <a:off x="700276" y="643466"/>
+            <a:ext cx="8505447" cy="5571067"/>
+            <a:chOff x="700276" y="643466"/>
+            <a:chExt cx="8505447" cy="5571067"/>
           </a:xfrm>
-          <a:prstGeom prst="rect">
-            <a:avLst/>
-          </a:prstGeom>
-          <a:noFill/>
-          <a:extLst>
-            <a:ext uri="{909E8E84-426E-40DD-AFC4-6F175D3DCCD1}">
-              <a14:hiddenFill xmlns:a14="http://schemas.microsoft.com/office/drawing/2010/main">
-                <a:solidFill>
-                  <a:srgbClr val="FFFFFF"/>
-                </a:solidFill>
-              </a14:hiddenFill>
-            </a:ext>
-          </a:extLst>
-        </p:spPr>
-      </p:pic>
-      <p:sp>
-        <p:nvSpPr>
-          <p:cNvPr id="3" name="Textfeld 2">
-            <a:extLst>
-              <a:ext uri="{FF2B5EF4-FFF2-40B4-BE49-F238E27FC236}">
-                <a16:creationId xmlns:a16="http://schemas.microsoft.com/office/drawing/2014/main" id="{F091B76F-A5C4-42DA-80B3-9D62EBB8A537}"/>
-              </a:ext>
-            </a:extLst>
-          </p:cNvPr>
-          <p:cNvSpPr txBox="1"/>
-          <p:nvPr/>
-        </p:nvSpPr>
-        <p:spPr>
-          <a:xfrm rot="5400000">
-            <a:off x="-3608799" y="3377966"/>
-            <a:ext cx="7217597" cy="461665"/>
-          </a:xfrm>
-          <a:prstGeom prst="rect">
-            <a:avLst/>
-          </a:prstGeom>
-          <a:noFill/>
-        </p:spPr>
-        <p:txBody>
-          <a:bodyPr wrap="square" rtlCol="0">
-            <a:spAutoFit/>
-          </a:bodyPr>
-          <a:lstStyle/>
-          <a:p>
-            <a:r>
-              <a:rPr lang="de-DE" sz="1200" dirty="0"/>
-              <a:t>http://juliebestry.com/2013/10/11/tech-planning-on-paper-from-old-fashioned-to-cutting-edge/</a:t>
-            </a:r>
-          </a:p>
-          <a:p>
-            <a:endParaRPr lang="de-DE" sz="1200" dirty="0"/>
-          </a:p>
-        </p:txBody>
-      </p:sp>
+        </p:grpSpPr>
+        <p:pic>
+          <p:nvPicPr>
+            <p:cNvPr id="2" name="Grafik 1">
+              <a:extLst>
+                <a:ext uri="{FF2B5EF4-FFF2-40B4-BE49-F238E27FC236}">
+                  <a16:creationId xmlns:a16="http://schemas.microsoft.com/office/drawing/2014/main" id="{A3D1BB6D-B6CE-4D4A-B6BE-42406E31643D}"/>
+                </a:ext>
+              </a:extLst>
+            </p:cNvPr>
+            <p:cNvPicPr>
+              <a:picLocks noChangeAspect="1"/>
+            </p:cNvPicPr>
+            <p:nvPr/>
+          </p:nvPicPr>
+          <p:blipFill>
+            <a:blip r:embed="rId2">
+              <a:extLst>
+                <a:ext uri="{BEBA8EAE-BF5A-486C-A8C5-ECC9F3942E4B}">
+                  <a14:imgProps xmlns:a14="http://schemas.microsoft.com/office/drawing/2010/main">
+                    <a14:imgLayer r:embed="rId3">
+                      <a14:imgEffect>
+                        <a14:artisticPhotocopy/>
+                      </a14:imgEffect>
+                    </a14:imgLayer>
+                  </a14:imgProps>
+                </a:ext>
+              </a:extLst>
+            </a:blip>
+            <a:stretch>
+              <a:fillRect/>
+            </a:stretch>
+          </p:blipFill>
+          <p:spPr>
+            <a:xfrm>
+              <a:off x="700276" y="643466"/>
+              <a:ext cx="8505447" cy="5571067"/>
+            </a:xfrm>
+            <a:prstGeom prst="rect">
+              <a:avLst/>
+            </a:prstGeom>
+          </p:spPr>
+        </p:pic>
+        <p:pic>
+          <p:nvPicPr>
+            <p:cNvPr id="7" name="Inhaltsplatzhalter 3" title="ScaleIT_Logo">
+              <a:extLst>
+                <a:ext uri="{FF2B5EF4-FFF2-40B4-BE49-F238E27FC236}">
+                  <a16:creationId xmlns:a16="http://schemas.microsoft.com/office/drawing/2014/main" id="{714329C4-5CB4-42E6-9B31-933C9ECBE385}"/>
+                </a:ext>
+              </a:extLst>
+            </p:cNvPr>
+            <p:cNvPicPr>
+              <a:picLocks/>
+            </p:cNvPicPr>
+            <p:nvPr/>
+          </p:nvPicPr>
+          <p:blipFill>
+            <a:blip r:embed="rId4">
+              <a:biLevel thresh="75000"/>
+              <a:extLst>
+                <a:ext uri="{28A0092B-C50C-407E-A947-70E740481C1C}">
+                  <a14:useLocalDpi xmlns:a14="http://schemas.microsoft.com/office/drawing/2010/main" val="0"/>
+                </a:ext>
+              </a:extLst>
+            </a:blip>
+            <a:stretch>
+              <a:fillRect/>
+            </a:stretch>
+          </p:blipFill>
+          <p:spPr>
+            <a:xfrm>
+              <a:off x="4484914" y="1355784"/>
+              <a:ext cx="778830" cy="195092"/>
+            </a:xfrm>
+            <a:prstGeom prst="rect">
+              <a:avLst/>
+            </a:prstGeom>
+          </p:spPr>
+        </p:pic>
+      </p:grpSp>
     </p:spTree>
     <p:extLst>
       <p:ext uri="{BB962C8B-B14F-4D97-AF65-F5344CB8AC3E}">
-        <p14:creationId xmlns:p14="http://schemas.microsoft.com/office/powerpoint/2010/main" val="3917687404"/>
+        <p14:creationId xmlns:p14="http://schemas.microsoft.com/office/powerpoint/2010/main" val="207664725"/>
       </p:ext>
     </p:extLst>
   </p:cSld>
@@ -14759,6 +14061,14 @@
 <file path=ppt/slides/slide4.xml><?xml version="1.0" encoding="utf-8"?>
 <p:sld xmlns:a="http://schemas.openxmlformats.org/drawingml/2006/main" xmlns:r="http://schemas.openxmlformats.org/officeDocument/2006/relationships" xmlns:p="http://schemas.openxmlformats.org/presentationml/2006/main">
   <p:cSld>
+    <p:bg>
+      <p:bgPr>
+        <a:solidFill>
+          <a:schemeClr val="bg1"/>
+        </a:solidFill>
+        <a:effectLst/>
+      </p:bgPr>
+    </p:bg>
     <p:spTree>
       <p:nvGrpSpPr>
         <p:cNvPr id="1" name=""/>
@@ -14773,52 +14083,110 @@
           <a:chExt cx="0" cy="0"/>
         </a:xfrm>
       </p:grpSpPr>
-      <p:pic>
-        <p:nvPicPr>
-          <p:cNvPr id="2" name="Picture 1">
+      <p:grpSp>
+        <p:nvGrpSpPr>
+          <p:cNvPr id="3" name="Gruppieren 2">
             <a:extLst>
               <a:ext uri="{FF2B5EF4-FFF2-40B4-BE49-F238E27FC236}">
-                <a16:creationId xmlns:a16="http://schemas.microsoft.com/office/drawing/2014/main" id="{6D59C319-6AF3-D241-8AD7-ED34C87245C1}"/>
+                <a16:creationId xmlns:a16="http://schemas.microsoft.com/office/drawing/2014/main" id="{8DD23206-840E-42A1-92A1-885EA9B25168}"/>
               </a:ext>
             </a:extLst>
           </p:cNvPr>
-          <p:cNvPicPr>
-            <a:picLocks noChangeAspect="1"/>
-          </p:cNvPicPr>
+          <p:cNvGrpSpPr/>
           <p:nvPr/>
-        </p:nvPicPr>
-        <p:blipFill>
-          <a:blip r:embed="rId2">
-            <a:extLst>
-              <a:ext uri="{BEBA8EAE-BF5A-486C-A8C5-ECC9F3942E4B}">
-                <a14:imgProps xmlns:a14="http://schemas.microsoft.com/office/drawing/2010/main">
-                  <a14:imgLayer r:embed="rId3">
-                    <a14:imgEffect>
-                      <a14:sharpenSoften amount="50000"/>
-                    </a14:imgEffect>
-                  </a14:imgLayer>
-                </a14:imgProps>
-              </a:ext>
-            </a:extLst>
-          </a:blip>
-          <a:stretch>
-            <a:fillRect/>
-          </a:stretch>
-        </p:blipFill>
-        <p:spPr>
-          <a:xfrm rot="16200000">
-            <a:off x="2034587" y="-997804"/>
-            <a:ext cx="5876636" cy="8994462"/>
+        </p:nvGrpSpPr>
+        <p:grpSpPr>
+          <a:xfrm>
+            <a:off x="700276" y="643466"/>
+            <a:ext cx="8505447" cy="5571067"/>
+            <a:chOff x="700276" y="643466"/>
+            <a:chExt cx="8505447" cy="5571067"/>
           </a:xfrm>
-          <a:prstGeom prst="rect">
-            <a:avLst/>
-          </a:prstGeom>
-        </p:spPr>
-      </p:pic>
+        </p:grpSpPr>
+        <p:pic>
+          <p:nvPicPr>
+            <p:cNvPr id="2" name="Grafik 1">
+              <a:extLst>
+                <a:ext uri="{FF2B5EF4-FFF2-40B4-BE49-F238E27FC236}">
+                  <a16:creationId xmlns:a16="http://schemas.microsoft.com/office/drawing/2014/main" id="{A3D1BB6D-B6CE-4D4A-B6BE-42406E31643D}"/>
+                </a:ext>
+              </a:extLst>
+            </p:cNvPr>
+            <p:cNvPicPr>
+              <a:picLocks noChangeAspect="1"/>
+            </p:cNvPicPr>
+            <p:nvPr/>
+          </p:nvPicPr>
+          <p:blipFill>
+            <a:blip r:embed="rId2">
+              <a:extLst>
+                <a:ext uri="{BEBA8EAE-BF5A-486C-A8C5-ECC9F3942E4B}">
+                  <a14:imgProps xmlns:a14="http://schemas.microsoft.com/office/drawing/2010/main">
+                    <a14:imgLayer r:embed="rId3">
+                      <a14:imgEffect>
+                        <a14:artisticPhotocopy/>
+                      </a14:imgEffect>
+                    </a14:imgLayer>
+                  </a14:imgProps>
+                </a:ext>
+              </a:extLst>
+            </a:blip>
+            <a:stretch>
+              <a:fillRect/>
+            </a:stretch>
+          </p:blipFill>
+          <p:spPr>
+            <a:xfrm>
+              <a:off x="700276" y="643466"/>
+              <a:ext cx="8505447" cy="5571067"/>
+            </a:xfrm>
+            <a:prstGeom prst="rect">
+              <a:avLst/>
+            </a:prstGeom>
+          </p:spPr>
+        </p:pic>
+        <p:pic>
+          <p:nvPicPr>
+            <p:cNvPr id="7" name="Inhaltsplatzhalter 3" title="ScaleIT_Logo">
+              <a:extLst>
+                <a:ext uri="{FF2B5EF4-FFF2-40B4-BE49-F238E27FC236}">
+                  <a16:creationId xmlns:a16="http://schemas.microsoft.com/office/drawing/2014/main" id="{714329C4-5CB4-42E6-9B31-933C9ECBE385}"/>
+                </a:ext>
+              </a:extLst>
+            </p:cNvPr>
+            <p:cNvPicPr>
+              <a:picLocks/>
+            </p:cNvPicPr>
+            <p:nvPr/>
+          </p:nvPicPr>
+          <p:blipFill>
+            <a:blip r:embed="rId4">
+              <a:biLevel thresh="75000"/>
+              <a:extLst>
+                <a:ext uri="{28A0092B-C50C-407E-A947-70E740481C1C}">
+                  <a14:useLocalDpi xmlns:a14="http://schemas.microsoft.com/office/drawing/2010/main" val="0"/>
+                </a:ext>
+              </a:extLst>
+            </a:blip>
+            <a:stretch>
+              <a:fillRect/>
+            </a:stretch>
+          </p:blipFill>
+          <p:spPr>
+            <a:xfrm>
+              <a:off x="4484914" y="1355784"/>
+              <a:ext cx="778830" cy="195092"/>
+            </a:xfrm>
+            <a:prstGeom prst="rect">
+              <a:avLst/>
+            </a:prstGeom>
+          </p:spPr>
+        </p:pic>
+      </p:grpSp>
     </p:spTree>
     <p:extLst>
       <p:ext uri="{BB962C8B-B14F-4D97-AF65-F5344CB8AC3E}">
-        <p14:creationId xmlns:p14="http://schemas.microsoft.com/office/powerpoint/2010/main" val="79354714"/>
+        <p14:creationId xmlns:p14="http://schemas.microsoft.com/office/powerpoint/2010/main" val="796316989"/>
       </p:ext>
     </p:extLst>
   </p:cSld>
@@ -14845,52 +14213,2364 @@
           <a:chExt cx="0" cy="0"/>
         </a:xfrm>
       </p:grpSpPr>
-      <p:pic>
-        <p:nvPicPr>
-          <p:cNvPr id="2" name="Picture 1">
+      <p:grpSp>
+        <p:nvGrpSpPr>
+          <p:cNvPr id="64" name="Gruppieren 63">
             <a:extLst>
               <a:ext uri="{FF2B5EF4-FFF2-40B4-BE49-F238E27FC236}">
-                <a16:creationId xmlns:a16="http://schemas.microsoft.com/office/drawing/2014/main" id="{6D59C319-6AF3-D241-8AD7-ED34C87245C1}"/>
+                <a16:creationId xmlns:a16="http://schemas.microsoft.com/office/drawing/2014/main" id="{9ACEA60C-C413-4650-A176-686A3614B586}"/>
               </a:ext>
             </a:extLst>
           </p:cNvPr>
-          <p:cNvPicPr>
-            <a:picLocks noChangeAspect="1"/>
-          </p:cNvPicPr>
+          <p:cNvGrpSpPr/>
           <p:nvPr/>
-        </p:nvPicPr>
-        <p:blipFill>
-          <a:blip r:embed="rId2">
+        </p:nvGrpSpPr>
+        <p:grpSpPr>
+          <a:xfrm rot="16200000">
+            <a:off x="-10581" y="-730155"/>
+            <a:ext cx="4989443" cy="5042452"/>
+            <a:chOff x="1185553" y="-214312"/>
+            <a:chExt cx="7534893" cy="7286624"/>
+          </a:xfrm>
+        </p:grpSpPr>
+        <p:grpSp>
+          <p:nvGrpSpPr>
+            <p:cNvPr id="38" name="Gruppieren 37">
+              <a:extLst>
+                <a:ext uri="{FF2B5EF4-FFF2-40B4-BE49-F238E27FC236}">
+                  <a16:creationId xmlns:a16="http://schemas.microsoft.com/office/drawing/2014/main" id="{7A933B2E-5647-4749-8516-46AE945BFDC8}"/>
+                </a:ext>
+              </a:extLst>
+            </p:cNvPr>
+            <p:cNvGrpSpPr/>
+            <p:nvPr/>
+          </p:nvGrpSpPr>
+          <p:grpSpPr>
+            <a:xfrm>
+              <a:off x="1185553" y="-214312"/>
+              <a:ext cx="7534893" cy="7286624"/>
+              <a:chOff x="1185553" y="-214312"/>
+              <a:chExt cx="7534893" cy="7286624"/>
+            </a:xfrm>
+          </p:grpSpPr>
+          <p:grpSp>
+            <p:nvGrpSpPr>
+              <p:cNvPr id="34" name="Gruppieren 33">
+                <a:extLst>
+                  <a:ext uri="{FF2B5EF4-FFF2-40B4-BE49-F238E27FC236}">
+                    <a16:creationId xmlns:a16="http://schemas.microsoft.com/office/drawing/2014/main" id="{03D99885-C322-447F-910D-292623E059A4}"/>
+                  </a:ext>
+                </a:extLst>
+              </p:cNvPr>
+              <p:cNvGrpSpPr/>
+              <p:nvPr/>
+            </p:nvGrpSpPr>
+            <p:grpSpPr>
+              <a:xfrm>
+                <a:off x="1185553" y="-214312"/>
+                <a:ext cx="7534893" cy="7286624"/>
+                <a:chOff x="1185553" y="-214312"/>
+                <a:chExt cx="7534893" cy="7286624"/>
+              </a:xfrm>
+            </p:grpSpPr>
+            <p:grpSp>
+              <p:nvGrpSpPr>
+                <p:cNvPr id="32" name="Gruppieren 31">
+                  <a:extLst>
+                    <a:ext uri="{FF2B5EF4-FFF2-40B4-BE49-F238E27FC236}">
+                      <a16:creationId xmlns:a16="http://schemas.microsoft.com/office/drawing/2014/main" id="{07323AA7-21BB-4700-9FFE-735D29694572}"/>
+                    </a:ext>
+                  </a:extLst>
+                </p:cNvPr>
+                <p:cNvGrpSpPr/>
+                <p:nvPr/>
+              </p:nvGrpSpPr>
+              <p:grpSpPr>
+                <a:xfrm>
+                  <a:off x="1185553" y="-214312"/>
+                  <a:ext cx="7534893" cy="7286624"/>
+                  <a:chOff x="1185553" y="-214312"/>
+                  <a:chExt cx="7534893" cy="7286624"/>
+                </a:xfrm>
+              </p:grpSpPr>
+              <p:grpSp>
+                <p:nvGrpSpPr>
+                  <p:cNvPr id="31" name="Gruppieren 30">
+                    <a:extLst>
+                      <a:ext uri="{FF2B5EF4-FFF2-40B4-BE49-F238E27FC236}">
+                        <a16:creationId xmlns:a16="http://schemas.microsoft.com/office/drawing/2014/main" id="{C87AB168-F936-41BF-850B-9CE07FCC6DB7}"/>
+                      </a:ext>
+                    </a:extLst>
+                  </p:cNvPr>
+                  <p:cNvGrpSpPr/>
+                  <p:nvPr/>
+                </p:nvGrpSpPr>
+                <p:grpSpPr>
+                  <a:xfrm>
+                    <a:off x="1185553" y="-214312"/>
+                    <a:ext cx="7534893" cy="7286624"/>
+                    <a:chOff x="1185553" y="-214312"/>
+                    <a:chExt cx="7534893" cy="7286624"/>
+                  </a:xfrm>
+                </p:grpSpPr>
+                <p:pic>
+                  <p:nvPicPr>
+                    <p:cNvPr id="24" name="Grafik 23" descr="Smartphone">
+                      <a:extLst>
+                        <a:ext uri="{FF2B5EF4-FFF2-40B4-BE49-F238E27FC236}">
+                          <a16:creationId xmlns:a16="http://schemas.microsoft.com/office/drawing/2014/main" id="{77BDD322-B2CC-4564-A71A-3A7D2B3DF334}"/>
+                        </a:ext>
+                      </a:extLst>
+                    </p:cNvPr>
+                    <p:cNvPicPr>
+                      <a:picLocks noChangeAspect="1"/>
+                    </p:cNvPicPr>
+                    <p:nvPr/>
+                  </p:nvPicPr>
+                  <p:blipFill>
+                    <a:blip r:embed="rId2">
+                      <a:extLst>
+                        <a:ext uri="{28A0092B-C50C-407E-A947-70E740481C1C}">
+                          <a14:useLocalDpi xmlns:a14="http://schemas.microsoft.com/office/drawing/2010/main" val="0"/>
+                        </a:ext>
+                        <a:ext uri="{96DAC541-7B7A-43D3-8B79-37D633B846F1}">
+                          <asvg:svgBlip xmlns:asvg="http://schemas.microsoft.com/office/drawing/2016/SVG/main" r:embed="rId3"/>
+                        </a:ext>
+                      </a:extLst>
+                    </a:blip>
+                    <a:stretch>
+                      <a:fillRect/>
+                    </a:stretch>
+                  </p:blipFill>
+                  <p:spPr>
+                    <a:xfrm>
+                      <a:off x="1185553" y="-214312"/>
+                      <a:ext cx="7534893" cy="7286624"/>
+                    </a:xfrm>
+                    <a:prstGeom prst="rect">
+                      <a:avLst/>
+                    </a:prstGeom>
+                  </p:spPr>
+                </p:pic>
+                <p:sp>
+                  <p:nvSpPr>
+                    <p:cNvPr id="30" name="Rechteck 29">
+                      <a:extLst>
+                        <a:ext uri="{FF2B5EF4-FFF2-40B4-BE49-F238E27FC236}">
+                          <a16:creationId xmlns:a16="http://schemas.microsoft.com/office/drawing/2014/main" id="{EF06374D-4F5A-44DC-A91D-086A4DBFA025}"/>
+                        </a:ext>
+                      </a:extLst>
+                    </p:cNvPr>
+                    <p:cNvSpPr/>
+                    <p:nvPr/>
+                  </p:nvSpPr>
+                  <p:spPr>
+                    <a:xfrm>
+                      <a:off x="3238499" y="266700"/>
+                      <a:ext cx="3429000" cy="6057900"/>
+                    </a:xfrm>
+                    <a:prstGeom prst="rect">
+                      <a:avLst/>
+                    </a:prstGeom>
+                    <a:ln>
+                      <a:solidFill>
+                        <a:schemeClr val="tx1"/>
+                      </a:solidFill>
+                    </a:ln>
+                  </p:spPr>
+                  <p:style>
+                    <a:lnRef idx="2">
+                      <a:schemeClr val="accent6"/>
+                    </a:lnRef>
+                    <a:fillRef idx="1">
+                      <a:schemeClr val="lt1"/>
+                    </a:fillRef>
+                    <a:effectRef idx="0">
+                      <a:schemeClr val="accent6"/>
+                    </a:effectRef>
+                    <a:fontRef idx="minor">
+                      <a:schemeClr val="dk1"/>
+                    </a:fontRef>
+                  </p:style>
+                  <p:txBody>
+                    <a:bodyPr rtlCol="0" anchor="ctr"/>
+                    <a:lstStyle/>
+                    <a:p>
+                      <a:pPr algn="ctr"/>
+                      <a:endParaRPr lang="de-DE" sz="900"/>
+                    </a:p>
+                  </p:txBody>
+                </p:sp>
+              </p:grpSp>
+              <p:pic>
+                <p:nvPicPr>
+                  <p:cNvPr id="23" name="Inhaltsplatzhalter 3" title="ScaleIT_Logo">
+                    <a:extLst>
+                      <a:ext uri="{FF2B5EF4-FFF2-40B4-BE49-F238E27FC236}">
+                        <a16:creationId xmlns:a16="http://schemas.microsoft.com/office/drawing/2014/main" id="{406FA979-9870-4312-B5DF-9BC0D500F01D}"/>
+                      </a:ext>
+                    </a:extLst>
+                  </p:cNvPr>
+                  <p:cNvPicPr>
+                    <a:picLocks/>
+                  </p:cNvPicPr>
+                  <p:nvPr/>
+                </p:nvPicPr>
+                <p:blipFill>
+                  <a:blip r:embed="rId4">
+                    <a:extLst>
+                      <a:ext uri="{28A0092B-C50C-407E-A947-70E740481C1C}">
+                        <a14:useLocalDpi xmlns:a14="http://schemas.microsoft.com/office/drawing/2010/main" val="0"/>
+                      </a:ext>
+                    </a:extLst>
+                  </a:blip>
+                  <a:stretch>
+                    <a:fillRect/>
+                  </a:stretch>
+                </p:blipFill>
+                <p:spPr>
+                  <a:xfrm>
+                    <a:off x="5581649" y="6446536"/>
+                    <a:ext cx="1162655" cy="251920"/>
+                  </a:xfrm>
+                  <a:prstGeom prst="rect">
+                    <a:avLst/>
+                  </a:prstGeom>
+                </p:spPr>
+              </p:pic>
+            </p:grpSp>
+            <p:sp>
+              <p:nvSpPr>
+                <p:cNvPr id="33" name="Ellipse 32">
+                  <a:extLst>
+                    <a:ext uri="{FF2B5EF4-FFF2-40B4-BE49-F238E27FC236}">
+                      <a16:creationId xmlns:a16="http://schemas.microsoft.com/office/drawing/2014/main" id="{72862D50-2C0F-4AE8-B591-6B6B5E6B9DF5}"/>
+                    </a:ext>
+                  </a:extLst>
+                </p:cNvPr>
+                <p:cNvSpPr/>
+                <p:nvPr/>
+              </p:nvSpPr>
+              <p:spPr>
+                <a:xfrm>
+                  <a:off x="4824411" y="6398911"/>
+                  <a:ext cx="257175" cy="247650"/>
+                </a:xfrm>
+                <a:prstGeom prst="ellipse">
+                  <a:avLst/>
+                </a:prstGeom>
+                <a:ln>
+                  <a:solidFill>
+                    <a:schemeClr val="tx1"/>
+                  </a:solidFill>
+                </a:ln>
+              </p:spPr>
+              <p:style>
+                <a:lnRef idx="2">
+                  <a:schemeClr val="accent6"/>
+                </a:lnRef>
+                <a:fillRef idx="1">
+                  <a:schemeClr val="lt1"/>
+                </a:fillRef>
+                <a:effectRef idx="0">
+                  <a:schemeClr val="accent6"/>
+                </a:effectRef>
+                <a:fontRef idx="minor">
+                  <a:schemeClr val="dk1"/>
+                </a:fontRef>
+              </p:style>
+              <p:txBody>
+                <a:bodyPr rtlCol="0" anchor="ctr"/>
+                <a:lstStyle/>
+                <a:p>
+                  <a:pPr algn="ctr"/>
+                  <a:endParaRPr lang="de-DE" sz="900"/>
+                </a:p>
+              </p:txBody>
+            </p:sp>
+          </p:grpSp>
+          <p:pic>
+            <p:nvPicPr>
+              <p:cNvPr id="35" name="Grafik 34">
+                <a:extLst>
+                  <a:ext uri="{FF2B5EF4-FFF2-40B4-BE49-F238E27FC236}">
+                    <a16:creationId xmlns:a16="http://schemas.microsoft.com/office/drawing/2014/main" id="{4A82BE55-DB9F-4952-96EC-2D33C2252C8A}"/>
+                  </a:ext>
+                </a:extLst>
+              </p:cNvPr>
+              <p:cNvPicPr>
+                <a:picLocks noChangeAspect="1"/>
+              </p:cNvPicPr>
+              <p:nvPr/>
+            </p:nvPicPr>
+            <p:blipFill>
+              <a:blip r:embed="rId5">
+                <a:extLst>
+                  <a:ext uri="{28A0092B-C50C-407E-A947-70E740481C1C}">
+                    <a14:useLocalDpi xmlns:a14="http://schemas.microsoft.com/office/drawing/2010/main" val="0"/>
+                  </a:ext>
+                </a:extLst>
+              </a:blip>
+              <a:stretch>
+                <a:fillRect/>
+              </a:stretch>
+            </p:blipFill>
+            <p:spPr>
+              <a:xfrm>
+                <a:off x="5869337" y="285153"/>
+                <a:ext cx="192327" cy="190760"/>
+              </a:xfrm>
+              <a:prstGeom prst="rect">
+                <a:avLst/>
+              </a:prstGeom>
+            </p:spPr>
+          </p:pic>
+          <p:pic>
+            <p:nvPicPr>
+              <p:cNvPr id="36" name="Grafik 35">
+                <a:extLst>
+                  <a:ext uri="{FF2B5EF4-FFF2-40B4-BE49-F238E27FC236}">
+                    <a16:creationId xmlns:a16="http://schemas.microsoft.com/office/drawing/2014/main" id="{D92A1C01-4D3A-46C9-AC96-C179DF15E559}"/>
+                  </a:ext>
+                </a:extLst>
+              </p:cNvPr>
+              <p:cNvPicPr>
+                <a:picLocks noChangeAspect="1"/>
+              </p:cNvPicPr>
+              <p:nvPr/>
+            </p:nvPicPr>
+            <p:blipFill>
+              <a:blip r:embed="rId6">
+                <a:extLst>
+                  <a:ext uri="{28A0092B-C50C-407E-A947-70E740481C1C}">
+                    <a14:useLocalDpi xmlns:a14="http://schemas.microsoft.com/office/drawing/2010/main" val="0"/>
+                  </a:ext>
+                </a:extLst>
+              </a:blip>
+              <a:stretch>
+                <a:fillRect/>
+              </a:stretch>
+            </p:blipFill>
+            <p:spPr>
+              <a:xfrm>
+                <a:off x="6082061" y="290410"/>
+                <a:ext cx="187362" cy="185835"/>
+              </a:xfrm>
+              <a:prstGeom prst="rect">
+                <a:avLst/>
+              </a:prstGeom>
+            </p:spPr>
+          </p:pic>
+          <p:sp>
+            <p:nvSpPr>
+              <p:cNvPr id="37" name="Textfeld 36">
+                <a:extLst>
+                  <a:ext uri="{FF2B5EF4-FFF2-40B4-BE49-F238E27FC236}">
+                    <a16:creationId xmlns:a16="http://schemas.microsoft.com/office/drawing/2014/main" id="{3D4A4925-EEF8-4574-99FB-3BED27175852}"/>
+                  </a:ext>
+                </a:extLst>
+              </p:cNvPr>
+              <p:cNvSpPr txBox="1"/>
+              <p:nvPr/>
+            </p:nvSpPr>
+            <p:spPr>
+              <a:xfrm>
+                <a:off x="6131818" y="254354"/>
+                <a:ext cx="613072" cy="289091"/>
+              </a:xfrm>
+              <a:prstGeom prst="rect">
+                <a:avLst/>
+              </a:prstGeom>
+              <a:noFill/>
+            </p:spPr>
+            <p:txBody>
+              <a:bodyPr wrap="square" rtlCol="0">
+                <a:spAutoFit/>
+              </a:bodyPr>
+              <a:lstStyle/>
+              <a:p>
+                <a:r>
+                  <a:rPr lang="de-DE" sz="700" dirty="0"/>
+                  <a:t>16:00</a:t>
+                </a:r>
+                <a:endParaRPr lang="de-DE" sz="1000" dirty="0"/>
+              </a:p>
+            </p:txBody>
+          </p:sp>
+        </p:grpSp>
+        <p:grpSp>
+          <p:nvGrpSpPr>
+            <p:cNvPr id="54" name="Gruppieren 53">
+              <a:extLst>
+                <a:ext uri="{FF2B5EF4-FFF2-40B4-BE49-F238E27FC236}">
+                  <a16:creationId xmlns:a16="http://schemas.microsoft.com/office/drawing/2014/main" id="{BF00D8EA-AEAA-4164-9083-A75A67AFE79E}"/>
+                </a:ext>
+              </a:extLst>
+            </p:cNvPr>
+            <p:cNvGrpSpPr/>
+            <p:nvPr/>
+          </p:nvGrpSpPr>
+          <p:grpSpPr>
+            <a:xfrm>
+              <a:off x="5656183" y="310106"/>
+              <a:ext cx="147144" cy="136633"/>
+              <a:chOff x="-515006" y="977461"/>
+              <a:chExt cx="1045778" cy="893379"/>
+            </a:xfrm>
+          </p:grpSpPr>
+          <p:sp>
+            <p:nvSpPr>
+              <p:cNvPr id="39" name="Rechtwinkliges Dreieck 38">
+                <a:extLst>
+                  <a:ext uri="{FF2B5EF4-FFF2-40B4-BE49-F238E27FC236}">
+                    <a16:creationId xmlns:a16="http://schemas.microsoft.com/office/drawing/2014/main" id="{9601912B-D732-4401-93E8-1EBDA8673B38}"/>
+                  </a:ext>
+                </a:extLst>
+              </p:cNvPr>
+              <p:cNvSpPr/>
+              <p:nvPr/>
+            </p:nvSpPr>
+            <p:spPr>
+              <a:xfrm flipH="1">
+                <a:off x="-515006" y="977461"/>
+                <a:ext cx="1045778" cy="893379"/>
+              </a:xfrm>
+              <a:prstGeom prst="rtTriangle">
+                <a:avLst/>
+              </a:prstGeom>
+              <a:ln/>
+            </p:spPr>
+            <p:style>
+              <a:lnRef idx="2">
+                <a:schemeClr val="dk1"/>
+              </a:lnRef>
+              <a:fillRef idx="1">
+                <a:schemeClr val="lt1"/>
+              </a:fillRef>
+              <a:effectRef idx="0">
+                <a:schemeClr val="dk1"/>
+              </a:effectRef>
+              <a:fontRef idx="minor">
+                <a:schemeClr val="dk1"/>
+              </a:fontRef>
+            </p:style>
+            <p:txBody>
+              <a:bodyPr rtlCol="0" anchor="ctr"/>
+              <a:lstStyle/>
+              <a:p>
+                <a:pPr algn="ctr"/>
+                <a:endParaRPr lang="de-DE" sz="900"/>
+              </a:p>
+            </p:txBody>
+          </p:sp>
+          <p:cxnSp>
+            <p:nvCxnSpPr>
+              <p:cNvPr id="41" name="Gerader Verbinder 40">
+                <a:extLst>
+                  <a:ext uri="{FF2B5EF4-FFF2-40B4-BE49-F238E27FC236}">
+                    <a16:creationId xmlns:a16="http://schemas.microsoft.com/office/drawing/2014/main" id="{88103F12-E948-4A11-8D80-8167265B3550}"/>
+                  </a:ext>
+                </a:extLst>
+              </p:cNvPr>
+              <p:cNvCxnSpPr>
+                <a:cxnSpLocks/>
+              </p:cNvCxnSpPr>
+              <p:nvPr/>
+            </p:nvCxnSpPr>
+            <p:spPr>
+              <a:xfrm>
+                <a:off x="294290" y="1161393"/>
+                <a:ext cx="0" cy="698938"/>
+              </a:xfrm>
+              <a:prstGeom prst="line">
+                <a:avLst/>
+              </a:prstGeom>
+              <a:ln w="9525"/>
+            </p:spPr>
+            <p:style>
+              <a:lnRef idx="1">
+                <a:schemeClr val="dk1"/>
+              </a:lnRef>
+              <a:fillRef idx="0">
+                <a:schemeClr val="dk1"/>
+              </a:fillRef>
+              <a:effectRef idx="0">
+                <a:schemeClr val="dk1"/>
+              </a:effectRef>
+              <a:fontRef idx="minor">
+                <a:schemeClr val="tx1"/>
+              </a:fontRef>
+            </p:style>
+          </p:cxnSp>
+          <p:cxnSp>
+            <p:nvCxnSpPr>
+              <p:cNvPr id="42" name="Gerader Verbinder 41">
+                <a:extLst>
+                  <a:ext uri="{FF2B5EF4-FFF2-40B4-BE49-F238E27FC236}">
+                    <a16:creationId xmlns:a16="http://schemas.microsoft.com/office/drawing/2014/main" id="{3DF1FE10-1FAE-4B5E-B84B-F35DE51D5AFA}"/>
+                  </a:ext>
+                </a:extLst>
+              </p:cNvPr>
+              <p:cNvCxnSpPr>
+                <a:cxnSpLocks/>
+              </p:cNvCxnSpPr>
+              <p:nvPr/>
+            </p:nvCxnSpPr>
+            <p:spPr>
+              <a:xfrm>
+                <a:off x="23648" y="1424151"/>
+                <a:ext cx="0" cy="446689"/>
+              </a:xfrm>
+              <a:prstGeom prst="line">
+                <a:avLst/>
+              </a:prstGeom>
+              <a:ln w="9525"/>
+            </p:spPr>
+            <p:style>
+              <a:lnRef idx="1">
+                <a:schemeClr val="dk1"/>
+              </a:lnRef>
+              <a:fillRef idx="0">
+                <a:schemeClr val="dk1"/>
+              </a:fillRef>
+              <a:effectRef idx="0">
+                <a:schemeClr val="dk1"/>
+              </a:effectRef>
+              <a:fontRef idx="minor">
+                <a:schemeClr val="tx1"/>
+              </a:fontRef>
+            </p:style>
+          </p:cxnSp>
+          <p:cxnSp>
+            <p:nvCxnSpPr>
+              <p:cNvPr id="44" name="Gerader Verbinder 43">
+                <a:extLst>
+                  <a:ext uri="{FF2B5EF4-FFF2-40B4-BE49-F238E27FC236}">
+                    <a16:creationId xmlns:a16="http://schemas.microsoft.com/office/drawing/2014/main" id="{C6FCC65A-210C-4F74-9536-7D1AC8005E18}"/>
+                  </a:ext>
+                </a:extLst>
+              </p:cNvPr>
+              <p:cNvCxnSpPr>
+                <a:cxnSpLocks/>
+              </p:cNvCxnSpPr>
+              <p:nvPr/>
+            </p:nvCxnSpPr>
+            <p:spPr>
+              <a:xfrm>
+                <a:off x="-223342" y="1602828"/>
+                <a:ext cx="0" cy="257503"/>
+              </a:xfrm>
+              <a:prstGeom prst="line">
+                <a:avLst/>
+              </a:prstGeom>
+              <a:ln w="9525"/>
+            </p:spPr>
+            <p:style>
+              <a:lnRef idx="1">
+                <a:schemeClr val="dk1"/>
+              </a:lnRef>
+              <a:fillRef idx="0">
+                <a:schemeClr val="dk1"/>
+              </a:fillRef>
+              <a:effectRef idx="0">
+                <a:schemeClr val="dk1"/>
+              </a:effectRef>
+              <a:fontRef idx="minor">
+                <a:schemeClr val="tx1"/>
+              </a:fontRef>
+            </p:style>
+          </p:cxnSp>
+        </p:grpSp>
+      </p:grpSp>
+      <p:cxnSp>
+        <p:nvCxnSpPr>
+          <p:cNvPr id="5" name="Gerader Verbinder 4">
             <a:extLst>
-              <a:ext uri="{BEBA8EAE-BF5A-486C-A8C5-ECC9F3942E4B}">
-                <a14:imgProps xmlns:a14="http://schemas.microsoft.com/office/drawing/2010/main">
-                  <a14:imgLayer r:embed="rId3">
-                    <a14:imgEffect>
-                      <a14:sharpenSoften amount="50000"/>
-                    </a14:imgEffect>
-                  </a14:imgLayer>
-                </a14:imgProps>
+              <a:ext uri="{FF2B5EF4-FFF2-40B4-BE49-F238E27FC236}">
+                <a16:creationId xmlns:a16="http://schemas.microsoft.com/office/drawing/2014/main" id="{DD2FE4E9-A902-429D-9AD7-B1A890DED43E}"/>
               </a:ext>
             </a:extLst>
-          </a:blip>
-          <a:stretch>
-            <a:fillRect/>
-          </a:stretch>
-        </p:blipFill>
+          </p:cNvPr>
+          <p:cNvCxnSpPr/>
+          <p:nvPr/>
+        </p:nvCxnSpPr>
         <p:spPr>
-          <a:xfrm rot="16200000">
-            <a:off x="2034587" y="-997804"/>
-            <a:ext cx="5876636" cy="8994462"/>
+          <a:xfrm>
+            <a:off x="4953000" y="0"/>
+            <a:ext cx="0" cy="6858000"/>
           </a:xfrm>
-          <a:prstGeom prst="rect">
+          <a:prstGeom prst="line">
             <a:avLst/>
           </a:prstGeom>
         </p:spPr>
-      </p:pic>
+        <p:style>
+          <a:lnRef idx="1">
+            <a:schemeClr val="dk1"/>
+          </a:lnRef>
+          <a:fillRef idx="0">
+            <a:schemeClr val="dk1"/>
+          </a:fillRef>
+          <a:effectRef idx="0">
+            <a:schemeClr val="dk1"/>
+          </a:effectRef>
+          <a:fontRef idx="minor">
+            <a:schemeClr val="tx1"/>
+          </a:fontRef>
+        </p:style>
+      </p:cxnSp>
+      <p:cxnSp>
+        <p:nvCxnSpPr>
+          <p:cNvPr id="7" name="Gerader Verbinder 6">
+            <a:extLst>
+              <a:ext uri="{FF2B5EF4-FFF2-40B4-BE49-F238E27FC236}">
+                <a16:creationId xmlns:a16="http://schemas.microsoft.com/office/drawing/2014/main" id="{36719A06-93DE-41A9-A3EF-042C360BFAA8}"/>
+              </a:ext>
+            </a:extLst>
+          </p:cNvPr>
+          <p:cNvCxnSpPr/>
+          <p:nvPr/>
+        </p:nvCxnSpPr>
+        <p:spPr>
+          <a:xfrm>
+            <a:off x="0" y="3429000"/>
+            <a:ext cx="9906000" cy="0"/>
+          </a:xfrm>
+          <a:prstGeom prst="line">
+            <a:avLst/>
+          </a:prstGeom>
+          <a:ln>
+            <a:solidFill>
+              <a:schemeClr val="tx1"/>
+            </a:solidFill>
+            <a:prstDash val="sysDash"/>
+          </a:ln>
+        </p:spPr>
+        <p:style>
+          <a:lnRef idx="1">
+            <a:schemeClr val="accent1"/>
+          </a:lnRef>
+          <a:fillRef idx="0">
+            <a:schemeClr val="accent1"/>
+          </a:fillRef>
+          <a:effectRef idx="0">
+            <a:schemeClr val="accent1"/>
+          </a:effectRef>
+          <a:fontRef idx="minor">
+            <a:schemeClr val="tx1"/>
+          </a:fontRef>
+        </p:style>
+      </p:cxnSp>
+      <p:grpSp>
+        <p:nvGrpSpPr>
+          <p:cNvPr id="25" name="Gruppieren 24">
+            <a:extLst>
+              <a:ext uri="{FF2B5EF4-FFF2-40B4-BE49-F238E27FC236}">
+                <a16:creationId xmlns:a16="http://schemas.microsoft.com/office/drawing/2014/main" id="{A4AB144E-7C1A-4EA4-B582-0F2479D10555}"/>
+              </a:ext>
+            </a:extLst>
+          </p:cNvPr>
+          <p:cNvGrpSpPr/>
+          <p:nvPr/>
+        </p:nvGrpSpPr>
+        <p:grpSpPr>
+          <a:xfrm rot="16200000">
+            <a:off x="4939064" y="-711601"/>
+            <a:ext cx="4989443" cy="5042452"/>
+            <a:chOff x="1185553" y="-214312"/>
+            <a:chExt cx="7534893" cy="7286624"/>
+          </a:xfrm>
+        </p:grpSpPr>
+        <p:grpSp>
+          <p:nvGrpSpPr>
+            <p:cNvPr id="26" name="Gruppieren 25">
+              <a:extLst>
+                <a:ext uri="{FF2B5EF4-FFF2-40B4-BE49-F238E27FC236}">
+                  <a16:creationId xmlns:a16="http://schemas.microsoft.com/office/drawing/2014/main" id="{DF96541C-4516-4DAC-805D-E14EFE561B7A}"/>
+                </a:ext>
+              </a:extLst>
+            </p:cNvPr>
+            <p:cNvGrpSpPr/>
+            <p:nvPr/>
+          </p:nvGrpSpPr>
+          <p:grpSpPr>
+            <a:xfrm>
+              <a:off x="1185553" y="-214312"/>
+              <a:ext cx="7534893" cy="7286624"/>
+              <a:chOff x="1185553" y="-214312"/>
+              <a:chExt cx="7534893" cy="7286624"/>
+            </a:xfrm>
+          </p:grpSpPr>
+          <p:grpSp>
+            <p:nvGrpSpPr>
+              <p:cNvPr id="45" name="Gruppieren 44">
+                <a:extLst>
+                  <a:ext uri="{FF2B5EF4-FFF2-40B4-BE49-F238E27FC236}">
+                    <a16:creationId xmlns:a16="http://schemas.microsoft.com/office/drawing/2014/main" id="{AF0C799E-BF54-4134-A2DB-AC4886251CC9}"/>
+                  </a:ext>
+                </a:extLst>
+              </p:cNvPr>
+              <p:cNvGrpSpPr/>
+              <p:nvPr/>
+            </p:nvGrpSpPr>
+            <p:grpSpPr>
+              <a:xfrm>
+                <a:off x="1185553" y="-214312"/>
+                <a:ext cx="7534893" cy="7286624"/>
+                <a:chOff x="1185553" y="-214312"/>
+                <a:chExt cx="7534893" cy="7286624"/>
+              </a:xfrm>
+            </p:grpSpPr>
+            <p:grpSp>
+              <p:nvGrpSpPr>
+                <p:cNvPr id="49" name="Gruppieren 48">
+                  <a:extLst>
+                    <a:ext uri="{FF2B5EF4-FFF2-40B4-BE49-F238E27FC236}">
+                      <a16:creationId xmlns:a16="http://schemas.microsoft.com/office/drawing/2014/main" id="{EC8386A8-DE71-4AF4-B3E9-64D816192DAB}"/>
+                    </a:ext>
+                  </a:extLst>
+                </p:cNvPr>
+                <p:cNvGrpSpPr/>
+                <p:nvPr/>
+              </p:nvGrpSpPr>
+              <p:grpSpPr>
+                <a:xfrm>
+                  <a:off x="1185553" y="-214312"/>
+                  <a:ext cx="7534893" cy="7286624"/>
+                  <a:chOff x="1185553" y="-214312"/>
+                  <a:chExt cx="7534893" cy="7286624"/>
+                </a:xfrm>
+              </p:grpSpPr>
+              <p:grpSp>
+                <p:nvGrpSpPr>
+                  <p:cNvPr id="51" name="Gruppieren 50">
+                    <a:extLst>
+                      <a:ext uri="{FF2B5EF4-FFF2-40B4-BE49-F238E27FC236}">
+                        <a16:creationId xmlns:a16="http://schemas.microsoft.com/office/drawing/2014/main" id="{0C802737-0829-4082-B270-54815E92D138}"/>
+                      </a:ext>
+                    </a:extLst>
+                  </p:cNvPr>
+                  <p:cNvGrpSpPr/>
+                  <p:nvPr/>
+                </p:nvGrpSpPr>
+                <p:grpSpPr>
+                  <a:xfrm>
+                    <a:off x="1185553" y="-214312"/>
+                    <a:ext cx="7534893" cy="7286624"/>
+                    <a:chOff x="1185553" y="-214312"/>
+                    <a:chExt cx="7534893" cy="7286624"/>
+                  </a:xfrm>
+                </p:grpSpPr>
+                <p:pic>
+                  <p:nvPicPr>
+                    <p:cNvPr id="53" name="Grafik 52" descr="Smartphone">
+                      <a:extLst>
+                        <a:ext uri="{FF2B5EF4-FFF2-40B4-BE49-F238E27FC236}">
+                          <a16:creationId xmlns:a16="http://schemas.microsoft.com/office/drawing/2014/main" id="{491DFA59-9EFD-41FD-8F80-9F070E33E40E}"/>
+                        </a:ext>
+                      </a:extLst>
+                    </p:cNvPr>
+                    <p:cNvPicPr>
+                      <a:picLocks noChangeAspect="1"/>
+                    </p:cNvPicPr>
+                    <p:nvPr/>
+                  </p:nvPicPr>
+                  <p:blipFill>
+                    <a:blip r:embed="rId2">
+                      <a:extLst>
+                        <a:ext uri="{28A0092B-C50C-407E-A947-70E740481C1C}">
+                          <a14:useLocalDpi xmlns:a14="http://schemas.microsoft.com/office/drawing/2010/main" val="0"/>
+                        </a:ext>
+                        <a:ext uri="{96DAC541-7B7A-43D3-8B79-37D633B846F1}">
+                          <asvg:svgBlip xmlns:asvg="http://schemas.microsoft.com/office/drawing/2016/SVG/main" r:embed="rId3"/>
+                        </a:ext>
+                      </a:extLst>
+                    </a:blip>
+                    <a:stretch>
+                      <a:fillRect/>
+                    </a:stretch>
+                  </p:blipFill>
+                  <p:spPr>
+                    <a:xfrm>
+                      <a:off x="1185553" y="-214312"/>
+                      <a:ext cx="7534893" cy="7286624"/>
+                    </a:xfrm>
+                    <a:prstGeom prst="rect">
+                      <a:avLst/>
+                    </a:prstGeom>
+                  </p:spPr>
+                </p:pic>
+                <p:sp>
+                  <p:nvSpPr>
+                    <p:cNvPr id="55" name="Rechteck 54">
+                      <a:extLst>
+                        <a:ext uri="{FF2B5EF4-FFF2-40B4-BE49-F238E27FC236}">
+                          <a16:creationId xmlns:a16="http://schemas.microsoft.com/office/drawing/2014/main" id="{00B935C2-7DF3-4C1F-8D62-FE6D5E53509B}"/>
+                        </a:ext>
+                      </a:extLst>
+                    </p:cNvPr>
+                    <p:cNvSpPr/>
+                    <p:nvPr/>
+                  </p:nvSpPr>
+                  <p:spPr>
+                    <a:xfrm>
+                      <a:off x="3238499" y="266700"/>
+                      <a:ext cx="3429000" cy="6057900"/>
+                    </a:xfrm>
+                    <a:prstGeom prst="rect">
+                      <a:avLst/>
+                    </a:prstGeom>
+                    <a:ln>
+                      <a:solidFill>
+                        <a:schemeClr val="tx1"/>
+                      </a:solidFill>
+                    </a:ln>
+                  </p:spPr>
+                  <p:style>
+                    <a:lnRef idx="2">
+                      <a:schemeClr val="accent6"/>
+                    </a:lnRef>
+                    <a:fillRef idx="1">
+                      <a:schemeClr val="lt1"/>
+                    </a:fillRef>
+                    <a:effectRef idx="0">
+                      <a:schemeClr val="accent6"/>
+                    </a:effectRef>
+                    <a:fontRef idx="minor">
+                      <a:schemeClr val="dk1"/>
+                    </a:fontRef>
+                  </p:style>
+                  <p:txBody>
+                    <a:bodyPr rtlCol="0" anchor="ctr"/>
+                    <a:lstStyle/>
+                    <a:p>
+                      <a:pPr algn="ctr"/>
+                      <a:endParaRPr lang="de-DE" sz="900"/>
+                    </a:p>
+                  </p:txBody>
+                </p:sp>
+              </p:grpSp>
+              <p:pic>
+                <p:nvPicPr>
+                  <p:cNvPr id="52" name="Inhaltsplatzhalter 3" title="ScaleIT_Logo">
+                    <a:extLst>
+                      <a:ext uri="{FF2B5EF4-FFF2-40B4-BE49-F238E27FC236}">
+                        <a16:creationId xmlns:a16="http://schemas.microsoft.com/office/drawing/2014/main" id="{5AD1024E-DD1B-4E39-B179-F3977FCD447B}"/>
+                      </a:ext>
+                    </a:extLst>
+                  </p:cNvPr>
+                  <p:cNvPicPr>
+                    <a:picLocks/>
+                  </p:cNvPicPr>
+                  <p:nvPr/>
+                </p:nvPicPr>
+                <p:blipFill>
+                  <a:blip r:embed="rId4">
+                    <a:extLst>
+                      <a:ext uri="{28A0092B-C50C-407E-A947-70E740481C1C}">
+                        <a14:useLocalDpi xmlns:a14="http://schemas.microsoft.com/office/drawing/2010/main" val="0"/>
+                      </a:ext>
+                    </a:extLst>
+                  </a:blip>
+                  <a:stretch>
+                    <a:fillRect/>
+                  </a:stretch>
+                </p:blipFill>
+                <p:spPr>
+                  <a:xfrm>
+                    <a:off x="5581649" y="6446536"/>
+                    <a:ext cx="1162655" cy="251920"/>
+                  </a:xfrm>
+                  <a:prstGeom prst="rect">
+                    <a:avLst/>
+                  </a:prstGeom>
+                </p:spPr>
+              </p:pic>
+            </p:grpSp>
+            <p:sp>
+              <p:nvSpPr>
+                <p:cNvPr id="50" name="Ellipse 49">
+                  <a:extLst>
+                    <a:ext uri="{FF2B5EF4-FFF2-40B4-BE49-F238E27FC236}">
+                      <a16:creationId xmlns:a16="http://schemas.microsoft.com/office/drawing/2014/main" id="{A1F6D8C4-3A21-401B-8511-A89F3B2A0C93}"/>
+                    </a:ext>
+                  </a:extLst>
+                </p:cNvPr>
+                <p:cNvSpPr/>
+                <p:nvPr/>
+              </p:nvSpPr>
+              <p:spPr>
+                <a:xfrm>
+                  <a:off x="4824411" y="6398911"/>
+                  <a:ext cx="257175" cy="247650"/>
+                </a:xfrm>
+                <a:prstGeom prst="ellipse">
+                  <a:avLst/>
+                </a:prstGeom>
+                <a:ln>
+                  <a:solidFill>
+                    <a:schemeClr val="tx1"/>
+                  </a:solidFill>
+                </a:ln>
+              </p:spPr>
+              <p:style>
+                <a:lnRef idx="2">
+                  <a:schemeClr val="accent6"/>
+                </a:lnRef>
+                <a:fillRef idx="1">
+                  <a:schemeClr val="lt1"/>
+                </a:fillRef>
+                <a:effectRef idx="0">
+                  <a:schemeClr val="accent6"/>
+                </a:effectRef>
+                <a:fontRef idx="minor">
+                  <a:schemeClr val="dk1"/>
+                </a:fontRef>
+              </p:style>
+              <p:txBody>
+                <a:bodyPr rtlCol="0" anchor="ctr"/>
+                <a:lstStyle/>
+                <a:p>
+                  <a:pPr algn="ctr"/>
+                  <a:endParaRPr lang="de-DE" sz="900"/>
+                </a:p>
+              </p:txBody>
+            </p:sp>
+          </p:grpSp>
+          <p:pic>
+            <p:nvPicPr>
+              <p:cNvPr id="46" name="Grafik 45">
+                <a:extLst>
+                  <a:ext uri="{FF2B5EF4-FFF2-40B4-BE49-F238E27FC236}">
+                    <a16:creationId xmlns:a16="http://schemas.microsoft.com/office/drawing/2014/main" id="{22C99CAF-129F-4AF8-A4B3-3BB2EAB6816F}"/>
+                  </a:ext>
+                </a:extLst>
+              </p:cNvPr>
+              <p:cNvPicPr>
+                <a:picLocks noChangeAspect="1"/>
+              </p:cNvPicPr>
+              <p:nvPr/>
+            </p:nvPicPr>
+            <p:blipFill>
+              <a:blip r:embed="rId5">
+                <a:extLst>
+                  <a:ext uri="{28A0092B-C50C-407E-A947-70E740481C1C}">
+                    <a14:useLocalDpi xmlns:a14="http://schemas.microsoft.com/office/drawing/2010/main" val="0"/>
+                  </a:ext>
+                </a:extLst>
+              </a:blip>
+              <a:stretch>
+                <a:fillRect/>
+              </a:stretch>
+            </p:blipFill>
+            <p:spPr>
+              <a:xfrm>
+                <a:off x="5869337" y="285153"/>
+                <a:ext cx="192327" cy="190760"/>
+              </a:xfrm>
+              <a:prstGeom prst="rect">
+                <a:avLst/>
+              </a:prstGeom>
+            </p:spPr>
+          </p:pic>
+          <p:pic>
+            <p:nvPicPr>
+              <p:cNvPr id="47" name="Grafik 46">
+                <a:extLst>
+                  <a:ext uri="{FF2B5EF4-FFF2-40B4-BE49-F238E27FC236}">
+                    <a16:creationId xmlns:a16="http://schemas.microsoft.com/office/drawing/2014/main" id="{AF0823C2-B35B-4F3C-B196-5F9CC7F4C54E}"/>
+                  </a:ext>
+                </a:extLst>
+              </p:cNvPr>
+              <p:cNvPicPr>
+                <a:picLocks noChangeAspect="1"/>
+              </p:cNvPicPr>
+              <p:nvPr/>
+            </p:nvPicPr>
+            <p:blipFill>
+              <a:blip r:embed="rId6">
+                <a:extLst>
+                  <a:ext uri="{28A0092B-C50C-407E-A947-70E740481C1C}">
+                    <a14:useLocalDpi xmlns:a14="http://schemas.microsoft.com/office/drawing/2010/main" val="0"/>
+                  </a:ext>
+                </a:extLst>
+              </a:blip>
+              <a:stretch>
+                <a:fillRect/>
+              </a:stretch>
+            </p:blipFill>
+            <p:spPr>
+              <a:xfrm>
+                <a:off x="6082061" y="290410"/>
+                <a:ext cx="187362" cy="185835"/>
+              </a:xfrm>
+              <a:prstGeom prst="rect">
+                <a:avLst/>
+              </a:prstGeom>
+            </p:spPr>
+          </p:pic>
+          <p:sp>
+            <p:nvSpPr>
+              <p:cNvPr id="48" name="Textfeld 47">
+                <a:extLst>
+                  <a:ext uri="{FF2B5EF4-FFF2-40B4-BE49-F238E27FC236}">
+                    <a16:creationId xmlns:a16="http://schemas.microsoft.com/office/drawing/2014/main" id="{0880047B-A71A-49D8-90CB-8058589BF11D}"/>
+                  </a:ext>
+                </a:extLst>
+              </p:cNvPr>
+              <p:cNvSpPr txBox="1"/>
+              <p:nvPr/>
+            </p:nvSpPr>
+            <p:spPr>
+              <a:xfrm>
+                <a:off x="6131818" y="254354"/>
+                <a:ext cx="613072" cy="289091"/>
+              </a:xfrm>
+              <a:prstGeom prst="rect">
+                <a:avLst/>
+              </a:prstGeom>
+              <a:noFill/>
+            </p:spPr>
+            <p:txBody>
+              <a:bodyPr wrap="square" rtlCol="0">
+                <a:spAutoFit/>
+              </a:bodyPr>
+              <a:lstStyle/>
+              <a:p>
+                <a:r>
+                  <a:rPr lang="de-DE" sz="700" dirty="0"/>
+                  <a:t>16:00</a:t>
+                </a:r>
+                <a:endParaRPr lang="de-DE" sz="1000" dirty="0"/>
+              </a:p>
+            </p:txBody>
+          </p:sp>
+        </p:grpSp>
+        <p:grpSp>
+          <p:nvGrpSpPr>
+            <p:cNvPr id="27" name="Gruppieren 26">
+              <a:extLst>
+                <a:ext uri="{FF2B5EF4-FFF2-40B4-BE49-F238E27FC236}">
+                  <a16:creationId xmlns:a16="http://schemas.microsoft.com/office/drawing/2014/main" id="{C339BE07-1FA8-49D2-809B-A2F8B2D71933}"/>
+                </a:ext>
+              </a:extLst>
+            </p:cNvPr>
+            <p:cNvGrpSpPr/>
+            <p:nvPr/>
+          </p:nvGrpSpPr>
+          <p:grpSpPr>
+            <a:xfrm>
+              <a:off x="5656183" y="310106"/>
+              <a:ext cx="147144" cy="136633"/>
+              <a:chOff x="-515006" y="977461"/>
+              <a:chExt cx="1045778" cy="893379"/>
+            </a:xfrm>
+          </p:grpSpPr>
+          <p:sp>
+            <p:nvSpPr>
+              <p:cNvPr id="28" name="Rechtwinkliges Dreieck 27">
+                <a:extLst>
+                  <a:ext uri="{FF2B5EF4-FFF2-40B4-BE49-F238E27FC236}">
+                    <a16:creationId xmlns:a16="http://schemas.microsoft.com/office/drawing/2014/main" id="{40892C98-70D9-48F9-9A6F-D3AB57A3B2A9}"/>
+                  </a:ext>
+                </a:extLst>
+              </p:cNvPr>
+              <p:cNvSpPr/>
+              <p:nvPr/>
+            </p:nvSpPr>
+            <p:spPr>
+              <a:xfrm flipH="1">
+                <a:off x="-515006" y="977461"/>
+                <a:ext cx="1045778" cy="893379"/>
+              </a:xfrm>
+              <a:prstGeom prst="rtTriangle">
+                <a:avLst/>
+              </a:prstGeom>
+              <a:ln/>
+            </p:spPr>
+            <p:style>
+              <a:lnRef idx="2">
+                <a:schemeClr val="dk1"/>
+              </a:lnRef>
+              <a:fillRef idx="1">
+                <a:schemeClr val="lt1"/>
+              </a:fillRef>
+              <a:effectRef idx="0">
+                <a:schemeClr val="dk1"/>
+              </a:effectRef>
+              <a:fontRef idx="minor">
+                <a:schemeClr val="dk1"/>
+              </a:fontRef>
+            </p:style>
+            <p:txBody>
+              <a:bodyPr rtlCol="0" anchor="ctr"/>
+              <a:lstStyle/>
+              <a:p>
+                <a:pPr algn="ctr"/>
+                <a:endParaRPr lang="de-DE" sz="900"/>
+              </a:p>
+            </p:txBody>
+          </p:sp>
+          <p:cxnSp>
+            <p:nvCxnSpPr>
+              <p:cNvPr id="29" name="Gerader Verbinder 28">
+                <a:extLst>
+                  <a:ext uri="{FF2B5EF4-FFF2-40B4-BE49-F238E27FC236}">
+                    <a16:creationId xmlns:a16="http://schemas.microsoft.com/office/drawing/2014/main" id="{85608CAD-69C2-465E-88BA-1DC9082CA020}"/>
+                  </a:ext>
+                </a:extLst>
+              </p:cNvPr>
+              <p:cNvCxnSpPr>
+                <a:cxnSpLocks/>
+              </p:cNvCxnSpPr>
+              <p:nvPr/>
+            </p:nvCxnSpPr>
+            <p:spPr>
+              <a:xfrm>
+                <a:off x="294290" y="1161393"/>
+                <a:ext cx="0" cy="698938"/>
+              </a:xfrm>
+              <a:prstGeom prst="line">
+                <a:avLst/>
+              </a:prstGeom>
+              <a:ln w="9525"/>
+            </p:spPr>
+            <p:style>
+              <a:lnRef idx="1">
+                <a:schemeClr val="dk1"/>
+              </a:lnRef>
+              <a:fillRef idx="0">
+                <a:schemeClr val="dk1"/>
+              </a:fillRef>
+              <a:effectRef idx="0">
+                <a:schemeClr val="dk1"/>
+              </a:effectRef>
+              <a:fontRef idx="minor">
+                <a:schemeClr val="tx1"/>
+              </a:fontRef>
+            </p:style>
+          </p:cxnSp>
+          <p:cxnSp>
+            <p:nvCxnSpPr>
+              <p:cNvPr id="40" name="Gerader Verbinder 39">
+                <a:extLst>
+                  <a:ext uri="{FF2B5EF4-FFF2-40B4-BE49-F238E27FC236}">
+                    <a16:creationId xmlns:a16="http://schemas.microsoft.com/office/drawing/2014/main" id="{EDB464B2-C9EF-4154-B7C8-433E1A87D663}"/>
+                  </a:ext>
+                </a:extLst>
+              </p:cNvPr>
+              <p:cNvCxnSpPr>
+                <a:cxnSpLocks/>
+              </p:cNvCxnSpPr>
+              <p:nvPr/>
+            </p:nvCxnSpPr>
+            <p:spPr>
+              <a:xfrm>
+                <a:off x="23648" y="1424151"/>
+                <a:ext cx="0" cy="446689"/>
+              </a:xfrm>
+              <a:prstGeom prst="line">
+                <a:avLst/>
+              </a:prstGeom>
+              <a:ln w="9525"/>
+            </p:spPr>
+            <p:style>
+              <a:lnRef idx="1">
+                <a:schemeClr val="dk1"/>
+              </a:lnRef>
+              <a:fillRef idx="0">
+                <a:schemeClr val="dk1"/>
+              </a:fillRef>
+              <a:effectRef idx="0">
+                <a:schemeClr val="dk1"/>
+              </a:effectRef>
+              <a:fontRef idx="minor">
+                <a:schemeClr val="tx1"/>
+              </a:fontRef>
+            </p:style>
+          </p:cxnSp>
+          <p:cxnSp>
+            <p:nvCxnSpPr>
+              <p:cNvPr id="43" name="Gerader Verbinder 42">
+                <a:extLst>
+                  <a:ext uri="{FF2B5EF4-FFF2-40B4-BE49-F238E27FC236}">
+                    <a16:creationId xmlns:a16="http://schemas.microsoft.com/office/drawing/2014/main" id="{66D36372-9077-40DC-B4B6-0241046F350C}"/>
+                  </a:ext>
+                </a:extLst>
+              </p:cNvPr>
+              <p:cNvCxnSpPr>
+                <a:cxnSpLocks/>
+              </p:cNvCxnSpPr>
+              <p:nvPr/>
+            </p:nvCxnSpPr>
+            <p:spPr>
+              <a:xfrm>
+                <a:off x="-223342" y="1602828"/>
+                <a:ext cx="0" cy="257503"/>
+              </a:xfrm>
+              <a:prstGeom prst="line">
+                <a:avLst/>
+              </a:prstGeom>
+              <a:ln w="9525"/>
+            </p:spPr>
+            <p:style>
+              <a:lnRef idx="1">
+                <a:schemeClr val="dk1"/>
+              </a:lnRef>
+              <a:fillRef idx="0">
+                <a:schemeClr val="dk1"/>
+              </a:fillRef>
+              <a:effectRef idx="0">
+                <a:schemeClr val="dk1"/>
+              </a:effectRef>
+              <a:fontRef idx="minor">
+                <a:schemeClr val="tx1"/>
+              </a:fontRef>
+            </p:style>
+          </p:cxnSp>
+        </p:grpSp>
+      </p:grpSp>
+      <p:grpSp>
+        <p:nvGrpSpPr>
+          <p:cNvPr id="56" name="Gruppieren 55">
+            <a:extLst>
+              <a:ext uri="{FF2B5EF4-FFF2-40B4-BE49-F238E27FC236}">
+                <a16:creationId xmlns:a16="http://schemas.microsoft.com/office/drawing/2014/main" id="{A0B48E3F-95AD-43ED-AF16-D8778E171E88}"/>
+              </a:ext>
+            </a:extLst>
+          </p:cNvPr>
+          <p:cNvGrpSpPr/>
+          <p:nvPr/>
+        </p:nvGrpSpPr>
+        <p:grpSpPr>
+          <a:xfrm rot="16200000">
+            <a:off x="4939065" y="2536308"/>
+            <a:ext cx="4989443" cy="5042452"/>
+            <a:chOff x="1185553" y="-214312"/>
+            <a:chExt cx="7534893" cy="7286624"/>
+          </a:xfrm>
+        </p:grpSpPr>
+        <p:grpSp>
+          <p:nvGrpSpPr>
+            <p:cNvPr id="57" name="Gruppieren 56">
+              <a:extLst>
+                <a:ext uri="{FF2B5EF4-FFF2-40B4-BE49-F238E27FC236}">
+                  <a16:creationId xmlns:a16="http://schemas.microsoft.com/office/drawing/2014/main" id="{12415F00-7BC4-4B64-9D81-C50C17F3C044}"/>
+                </a:ext>
+              </a:extLst>
+            </p:cNvPr>
+            <p:cNvGrpSpPr/>
+            <p:nvPr/>
+          </p:nvGrpSpPr>
+          <p:grpSpPr>
+            <a:xfrm>
+              <a:off x="1185553" y="-214312"/>
+              <a:ext cx="7534893" cy="7286624"/>
+              <a:chOff x="1185553" y="-214312"/>
+              <a:chExt cx="7534893" cy="7286624"/>
+            </a:xfrm>
+          </p:grpSpPr>
+          <p:grpSp>
+            <p:nvGrpSpPr>
+              <p:cNvPr id="63" name="Gruppieren 62">
+                <a:extLst>
+                  <a:ext uri="{FF2B5EF4-FFF2-40B4-BE49-F238E27FC236}">
+                    <a16:creationId xmlns:a16="http://schemas.microsoft.com/office/drawing/2014/main" id="{92100282-5383-4D4C-B8AA-E2689624C307}"/>
+                  </a:ext>
+                </a:extLst>
+              </p:cNvPr>
+              <p:cNvGrpSpPr/>
+              <p:nvPr/>
+            </p:nvGrpSpPr>
+            <p:grpSpPr>
+              <a:xfrm>
+                <a:off x="1185553" y="-214312"/>
+                <a:ext cx="7534893" cy="7286624"/>
+                <a:chOff x="1185553" y="-214312"/>
+                <a:chExt cx="7534893" cy="7286624"/>
+              </a:xfrm>
+            </p:grpSpPr>
+            <p:grpSp>
+              <p:nvGrpSpPr>
+                <p:cNvPr id="68" name="Gruppieren 67">
+                  <a:extLst>
+                    <a:ext uri="{FF2B5EF4-FFF2-40B4-BE49-F238E27FC236}">
+                      <a16:creationId xmlns:a16="http://schemas.microsoft.com/office/drawing/2014/main" id="{90C650C6-ED51-4042-90FE-648A1B6026E7}"/>
+                    </a:ext>
+                  </a:extLst>
+                </p:cNvPr>
+                <p:cNvGrpSpPr/>
+                <p:nvPr/>
+              </p:nvGrpSpPr>
+              <p:grpSpPr>
+                <a:xfrm>
+                  <a:off x="1185553" y="-214312"/>
+                  <a:ext cx="7534893" cy="7286624"/>
+                  <a:chOff x="1185553" y="-214312"/>
+                  <a:chExt cx="7534893" cy="7286624"/>
+                </a:xfrm>
+              </p:grpSpPr>
+              <p:grpSp>
+                <p:nvGrpSpPr>
+                  <p:cNvPr id="70" name="Gruppieren 69">
+                    <a:extLst>
+                      <a:ext uri="{FF2B5EF4-FFF2-40B4-BE49-F238E27FC236}">
+                        <a16:creationId xmlns:a16="http://schemas.microsoft.com/office/drawing/2014/main" id="{84E2AC8E-33BC-4C38-82C6-D58444F0E749}"/>
+                      </a:ext>
+                    </a:extLst>
+                  </p:cNvPr>
+                  <p:cNvGrpSpPr/>
+                  <p:nvPr/>
+                </p:nvGrpSpPr>
+                <p:grpSpPr>
+                  <a:xfrm>
+                    <a:off x="1185553" y="-214312"/>
+                    <a:ext cx="7534893" cy="7286624"/>
+                    <a:chOff x="1185553" y="-214312"/>
+                    <a:chExt cx="7534893" cy="7286624"/>
+                  </a:xfrm>
+                </p:grpSpPr>
+                <p:pic>
+                  <p:nvPicPr>
+                    <p:cNvPr id="72" name="Grafik 71" descr="Smartphone">
+                      <a:extLst>
+                        <a:ext uri="{FF2B5EF4-FFF2-40B4-BE49-F238E27FC236}">
+                          <a16:creationId xmlns:a16="http://schemas.microsoft.com/office/drawing/2014/main" id="{18EE7581-FAA5-4FD9-92C5-8D93A0B8BFAF}"/>
+                        </a:ext>
+                      </a:extLst>
+                    </p:cNvPr>
+                    <p:cNvPicPr>
+                      <a:picLocks noChangeAspect="1"/>
+                    </p:cNvPicPr>
+                    <p:nvPr/>
+                  </p:nvPicPr>
+                  <p:blipFill>
+                    <a:blip r:embed="rId2">
+                      <a:extLst>
+                        <a:ext uri="{28A0092B-C50C-407E-A947-70E740481C1C}">
+                          <a14:useLocalDpi xmlns:a14="http://schemas.microsoft.com/office/drawing/2010/main" val="0"/>
+                        </a:ext>
+                        <a:ext uri="{96DAC541-7B7A-43D3-8B79-37D633B846F1}">
+                          <asvg:svgBlip xmlns:asvg="http://schemas.microsoft.com/office/drawing/2016/SVG/main" r:embed="rId3"/>
+                        </a:ext>
+                      </a:extLst>
+                    </a:blip>
+                    <a:stretch>
+                      <a:fillRect/>
+                    </a:stretch>
+                  </p:blipFill>
+                  <p:spPr>
+                    <a:xfrm>
+                      <a:off x="1185553" y="-214312"/>
+                      <a:ext cx="7534893" cy="7286624"/>
+                    </a:xfrm>
+                    <a:prstGeom prst="rect">
+                      <a:avLst/>
+                    </a:prstGeom>
+                  </p:spPr>
+                </p:pic>
+                <p:sp>
+                  <p:nvSpPr>
+                    <p:cNvPr id="73" name="Rechteck 72">
+                      <a:extLst>
+                        <a:ext uri="{FF2B5EF4-FFF2-40B4-BE49-F238E27FC236}">
+                          <a16:creationId xmlns:a16="http://schemas.microsoft.com/office/drawing/2014/main" id="{F557CD74-8C9C-416E-AEB9-80CF80E8481D}"/>
+                        </a:ext>
+                      </a:extLst>
+                    </p:cNvPr>
+                    <p:cNvSpPr/>
+                    <p:nvPr/>
+                  </p:nvSpPr>
+                  <p:spPr>
+                    <a:xfrm>
+                      <a:off x="3238499" y="266700"/>
+                      <a:ext cx="3429000" cy="6057900"/>
+                    </a:xfrm>
+                    <a:prstGeom prst="rect">
+                      <a:avLst/>
+                    </a:prstGeom>
+                    <a:ln>
+                      <a:solidFill>
+                        <a:schemeClr val="tx1"/>
+                      </a:solidFill>
+                    </a:ln>
+                  </p:spPr>
+                  <p:style>
+                    <a:lnRef idx="2">
+                      <a:schemeClr val="accent6"/>
+                    </a:lnRef>
+                    <a:fillRef idx="1">
+                      <a:schemeClr val="lt1"/>
+                    </a:fillRef>
+                    <a:effectRef idx="0">
+                      <a:schemeClr val="accent6"/>
+                    </a:effectRef>
+                    <a:fontRef idx="minor">
+                      <a:schemeClr val="dk1"/>
+                    </a:fontRef>
+                  </p:style>
+                  <p:txBody>
+                    <a:bodyPr rtlCol="0" anchor="ctr"/>
+                    <a:lstStyle/>
+                    <a:p>
+                      <a:pPr algn="ctr"/>
+                      <a:endParaRPr lang="de-DE" sz="900"/>
+                    </a:p>
+                  </p:txBody>
+                </p:sp>
+              </p:grpSp>
+              <p:pic>
+                <p:nvPicPr>
+                  <p:cNvPr id="71" name="Inhaltsplatzhalter 3" title="ScaleIT_Logo">
+                    <a:extLst>
+                      <a:ext uri="{FF2B5EF4-FFF2-40B4-BE49-F238E27FC236}">
+                        <a16:creationId xmlns:a16="http://schemas.microsoft.com/office/drawing/2014/main" id="{B4B98DD8-9236-4C46-BC63-BB051919CB99}"/>
+                      </a:ext>
+                    </a:extLst>
+                  </p:cNvPr>
+                  <p:cNvPicPr>
+                    <a:picLocks/>
+                  </p:cNvPicPr>
+                  <p:nvPr/>
+                </p:nvPicPr>
+                <p:blipFill>
+                  <a:blip r:embed="rId4">
+                    <a:extLst>
+                      <a:ext uri="{28A0092B-C50C-407E-A947-70E740481C1C}">
+                        <a14:useLocalDpi xmlns:a14="http://schemas.microsoft.com/office/drawing/2010/main" val="0"/>
+                      </a:ext>
+                    </a:extLst>
+                  </a:blip>
+                  <a:stretch>
+                    <a:fillRect/>
+                  </a:stretch>
+                </p:blipFill>
+                <p:spPr>
+                  <a:xfrm>
+                    <a:off x="5581649" y="6446536"/>
+                    <a:ext cx="1162655" cy="251920"/>
+                  </a:xfrm>
+                  <a:prstGeom prst="rect">
+                    <a:avLst/>
+                  </a:prstGeom>
+                </p:spPr>
+              </p:pic>
+            </p:grpSp>
+            <p:sp>
+              <p:nvSpPr>
+                <p:cNvPr id="69" name="Ellipse 68">
+                  <a:extLst>
+                    <a:ext uri="{FF2B5EF4-FFF2-40B4-BE49-F238E27FC236}">
+                      <a16:creationId xmlns:a16="http://schemas.microsoft.com/office/drawing/2014/main" id="{E9E70E33-E438-435F-9CDB-78CC8E074A28}"/>
+                    </a:ext>
+                  </a:extLst>
+                </p:cNvPr>
+                <p:cNvSpPr/>
+                <p:nvPr/>
+              </p:nvSpPr>
+              <p:spPr>
+                <a:xfrm>
+                  <a:off x="4824411" y="6398911"/>
+                  <a:ext cx="257175" cy="247650"/>
+                </a:xfrm>
+                <a:prstGeom prst="ellipse">
+                  <a:avLst/>
+                </a:prstGeom>
+                <a:ln>
+                  <a:solidFill>
+                    <a:schemeClr val="tx1"/>
+                  </a:solidFill>
+                </a:ln>
+              </p:spPr>
+              <p:style>
+                <a:lnRef idx="2">
+                  <a:schemeClr val="accent6"/>
+                </a:lnRef>
+                <a:fillRef idx="1">
+                  <a:schemeClr val="lt1"/>
+                </a:fillRef>
+                <a:effectRef idx="0">
+                  <a:schemeClr val="accent6"/>
+                </a:effectRef>
+                <a:fontRef idx="minor">
+                  <a:schemeClr val="dk1"/>
+                </a:fontRef>
+              </p:style>
+              <p:txBody>
+                <a:bodyPr rtlCol="0" anchor="ctr"/>
+                <a:lstStyle/>
+                <a:p>
+                  <a:pPr algn="ctr"/>
+                  <a:endParaRPr lang="de-DE" sz="900"/>
+                </a:p>
+              </p:txBody>
+            </p:sp>
+          </p:grpSp>
+          <p:pic>
+            <p:nvPicPr>
+              <p:cNvPr id="65" name="Grafik 64">
+                <a:extLst>
+                  <a:ext uri="{FF2B5EF4-FFF2-40B4-BE49-F238E27FC236}">
+                    <a16:creationId xmlns:a16="http://schemas.microsoft.com/office/drawing/2014/main" id="{671B1D6F-EF4B-4AAC-B45B-7832AA3358B0}"/>
+                  </a:ext>
+                </a:extLst>
+              </p:cNvPr>
+              <p:cNvPicPr>
+                <a:picLocks noChangeAspect="1"/>
+              </p:cNvPicPr>
+              <p:nvPr/>
+            </p:nvPicPr>
+            <p:blipFill>
+              <a:blip r:embed="rId5">
+                <a:extLst>
+                  <a:ext uri="{28A0092B-C50C-407E-A947-70E740481C1C}">
+                    <a14:useLocalDpi xmlns:a14="http://schemas.microsoft.com/office/drawing/2010/main" val="0"/>
+                  </a:ext>
+                </a:extLst>
+              </a:blip>
+              <a:stretch>
+                <a:fillRect/>
+              </a:stretch>
+            </p:blipFill>
+            <p:spPr>
+              <a:xfrm>
+                <a:off x="5869337" y="285153"/>
+                <a:ext cx="192327" cy="190760"/>
+              </a:xfrm>
+              <a:prstGeom prst="rect">
+                <a:avLst/>
+              </a:prstGeom>
+            </p:spPr>
+          </p:pic>
+          <p:pic>
+            <p:nvPicPr>
+              <p:cNvPr id="66" name="Grafik 65">
+                <a:extLst>
+                  <a:ext uri="{FF2B5EF4-FFF2-40B4-BE49-F238E27FC236}">
+                    <a16:creationId xmlns:a16="http://schemas.microsoft.com/office/drawing/2014/main" id="{09266838-35E3-43D3-88C2-309B341DD233}"/>
+                  </a:ext>
+                </a:extLst>
+              </p:cNvPr>
+              <p:cNvPicPr>
+                <a:picLocks noChangeAspect="1"/>
+              </p:cNvPicPr>
+              <p:nvPr/>
+            </p:nvPicPr>
+            <p:blipFill>
+              <a:blip r:embed="rId6">
+                <a:extLst>
+                  <a:ext uri="{28A0092B-C50C-407E-A947-70E740481C1C}">
+                    <a14:useLocalDpi xmlns:a14="http://schemas.microsoft.com/office/drawing/2010/main" val="0"/>
+                  </a:ext>
+                </a:extLst>
+              </a:blip>
+              <a:stretch>
+                <a:fillRect/>
+              </a:stretch>
+            </p:blipFill>
+            <p:spPr>
+              <a:xfrm>
+                <a:off x="6082061" y="290410"/>
+                <a:ext cx="187362" cy="185835"/>
+              </a:xfrm>
+              <a:prstGeom prst="rect">
+                <a:avLst/>
+              </a:prstGeom>
+            </p:spPr>
+          </p:pic>
+          <p:sp>
+            <p:nvSpPr>
+              <p:cNvPr id="67" name="Textfeld 66">
+                <a:extLst>
+                  <a:ext uri="{FF2B5EF4-FFF2-40B4-BE49-F238E27FC236}">
+                    <a16:creationId xmlns:a16="http://schemas.microsoft.com/office/drawing/2014/main" id="{30F7406C-C3A1-41EA-8069-91717D27D6C4}"/>
+                  </a:ext>
+                </a:extLst>
+              </p:cNvPr>
+              <p:cNvSpPr txBox="1"/>
+              <p:nvPr/>
+            </p:nvSpPr>
+            <p:spPr>
+              <a:xfrm>
+                <a:off x="6131818" y="254354"/>
+                <a:ext cx="613072" cy="289091"/>
+              </a:xfrm>
+              <a:prstGeom prst="rect">
+                <a:avLst/>
+              </a:prstGeom>
+              <a:noFill/>
+            </p:spPr>
+            <p:txBody>
+              <a:bodyPr wrap="square" rtlCol="0">
+                <a:spAutoFit/>
+              </a:bodyPr>
+              <a:lstStyle/>
+              <a:p>
+                <a:r>
+                  <a:rPr lang="de-DE" sz="700" dirty="0"/>
+                  <a:t>16:00</a:t>
+                </a:r>
+                <a:endParaRPr lang="de-DE" sz="1000" dirty="0"/>
+              </a:p>
+            </p:txBody>
+          </p:sp>
+        </p:grpSp>
+        <p:grpSp>
+          <p:nvGrpSpPr>
+            <p:cNvPr id="58" name="Gruppieren 57">
+              <a:extLst>
+                <a:ext uri="{FF2B5EF4-FFF2-40B4-BE49-F238E27FC236}">
+                  <a16:creationId xmlns:a16="http://schemas.microsoft.com/office/drawing/2014/main" id="{ACDFED1E-7594-4F35-890B-93870C29FFA8}"/>
+                </a:ext>
+              </a:extLst>
+            </p:cNvPr>
+            <p:cNvGrpSpPr/>
+            <p:nvPr/>
+          </p:nvGrpSpPr>
+          <p:grpSpPr>
+            <a:xfrm>
+              <a:off x="5656183" y="310106"/>
+              <a:ext cx="147144" cy="136633"/>
+              <a:chOff x="-515006" y="977461"/>
+              <a:chExt cx="1045778" cy="893379"/>
+            </a:xfrm>
+          </p:grpSpPr>
+          <p:sp>
+            <p:nvSpPr>
+              <p:cNvPr id="59" name="Rechtwinkliges Dreieck 58">
+                <a:extLst>
+                  <a:ext uri="{FF2B5EF4-FFF2-40B4-BE49-F238E27FC236}">
+                    <a16:creationId xmlns:a16="http://schemas.microsoft.com/office/drawing/2014/main" id="{94C3B261-4971-47DD-BD38-CCDF3F3D5C6A}"/>
+                  </a:ext>
+                </a:extLst>
+              </p:cNvPr>
+              <p:cNvSpPr/>
+              <p:nvPr/>
+            </p:nvSpPr>
+            <p:spPr>
+              <a:xfrm flipH="1">
+                <a:off x="-515006" y="977461"/>
+                <a:ext cx="1045778" cy="893379"/>
+              </a:xfrm>
+              <a:prstGeom prst="rtTriangle">
+                <a:avLst/>
+              </a:prstGeom>
+              <a:ln/>
+            </p:spPr>
+            <p:style>
+              <a:lnRef idx="2">
+                <a:schemeClr val="dk1"/>
+              </a:lnRef>
+              <a:fillRef idx="1">
+                <a:schemeClr val="lt1"/>
+              </a:fillRef>
+              <a:effectRef idx="0">
+                <a:schemeClr val="dk1"/>
+              </a:effectRef>
+              <a:fontRef idx="minor">
+                <a:schemeClr val="dk1"/>
+              </a:fontRef>
+            </p:style>
+            <p:txBody>
+              <a:bodyPr rtlCol="0" anchor="ctr"/>
+              <a:lstStyle/>
+              <a:p>
+                <a:pPr algn="ctr"/>
+                <a:endParaRPr lang="de-DE" sz="900"/>
+              </a:p>
+            </p:txBody>
+          </p:sp>
+          <p:cxnSp>
+            <p:nvCxnSpPr>
+              <p:cNvPr id="60" name="Gerader Verbinder 59">
+                <a:extLst>
+                  <a:ext uri="{FF2B5EF4-FFF2-40B4-BE49-F238E27FC236}">
+                    <a16:creationId xmlns:a16="http://schemas.microsoft.com/office/drawing/2014/main" id="{E279ED4E-4D59-4D0B-A67C-650EED253BC1}"/>
+                  </a:ext>
+                </a:extLst>
+              </p:cNvPr>
+              <p:cNvCxnSpPr>
+                <a:cxnSpLocks/>
+              </p:cNvCxnSpPr>
+              <p:nvPr/>
+            </p:nvCxnSpPr>
+            <p:spPr>
+              <a:xfrm>
+                <a:off x="294290" y="1161393"/>
+                <a:ext cx="0" cy="698938"/>
+              </a:xfrm>
+              <a:prstGeom prst="line">
+                <a:avLst/>
+              </a:prstGeom>
+              <a:ln w="9525"/>
+            </p:spPr>
+            <p:style>
+              <a:lnRef idx="1">
+                <a:schemeClr val="dk1"/>
+              </a:lnRef>
+              <a:fillRef idx="0">
+                <a:schemeClr val="dk1"/>
+              </a:fillRef>
+              <a:effectRef idx="0">
+                <a:schemeClr val="dk1"/>
+              </a:effectRef>
+              <a:fontRef idx="minor">
+                <a:schemeClr val="tx1"/>
+              </a:fontRef>
+            </p:style>
+          </p:cxnSp>
+          <p:cxnSp>
+            <p:nvCxnSpPr>
+              <p:cNvPr id="61" name="Gerader Verbinder 60">
+                <a:extLst>
+                  <a:ext uri="{FF2B5EF4-FFF2-40B4-BE49-F238E27FC236}">
+                    <a16:creationId xmlns:a16="http://schemas.microsoft.com/office/drawing/2014/main" id="{978FBFBF-D409-41A5-873D-708306629FA8}"/>
+                  </a:ext>
+                </a:extLst>
+              </p:cNvPr>
+              <p:cNvCxnSpPr>
+                <a:cxnSpLocks/>
+              </p:cNvCxnSpPr>
+              <p:nvPr/>
+            </p:nvCxnSpPr>
+            <p:spPr>
+              <a:xfrm>
+                <a:off x="23648" y="1424151"/>
+                <a:ext cx="0" cy="446689"/>
+              </a:xfrm>
+              <a:prstGeom prst="line">
+                <a:avLst/>
+              </a:prstGeom>
+              <a:ln w="9525"/>
+            </p:spPr>
+            <p:style>
+              <a:lnRef idx="1">
+                <a:schemeClr val="dk1"/>
+              </a:lnRef>
+              <a:fillRef idx="0">
+                <a:schemeClr val="dk1"/>
+              </a:fillRef>
+              <a:effectRef idx="0">
+                <a:schemeClr val="dk1"/>
+              </a:effectRef>
+              <a:fontRef idx="minor">
+                <a:schemeClr val="tx1"/>
+              </a:fontRef>
+            </p:style>
+          </p:cxnSp>
+          <p:cxnSp>
+            <p:nvCxnSpPr>
+              <p:cNvPr id="62" name="Gerader Verbinder 61">
+                <a:extLst>
+                  <a:ext uri="{FF2B5EF4-FFF2-40B4-BE49-F238E27FC236}">
+                    <a16:creationId xmlns:a16="http://schemas.microsoft.com/office/drawing/2014/main" id="{E2B9A883-896C-4572-9325-E847CFF9AD3F}"/>
+                  </a:ext>
+                </a:extLst>
+              </p:cNvPr>
+              <p:cNvCxnSpPr>
+                <a:cxnSpLocks/>
+              </p:cNvCxnSpPr>
+              <p:nvPr/>
+            </p:nvCxnSpPr>
+            <p:spPr>
+              <a:xfrm>
+                <a:off x="-223342" y="1602828"/>
+                <a:ext cx="0" cy="257503"/>
+              </a:xfrm>
+              <a:prstGeom prst="line">
+                <a:avLst/>
+              </a:prstGeom>
+              <a:ln w="9525"/>
+            </p:spPr>
+            <p:style>
+              <a:lnRef idx="1">
+                <a:schemeClr val="dk1"/>
+              </a:lnRef>
+              <a:fillRef idx="0">
+                <a:schemeClr val="dk1"/>
+              </a:fillRef>
+              <a:effectRef idx="0">
+                <a:schemeClr val="dk1"/>
+              </a:effectRef>
+              <a:fontRef idx="minor">
+                <a:schemeClr val="tx1"/>
+              </a:fontRef>
+            </p:style>
+          </p:cxnSp>
+        </p:grpSp>
+      </p:grpSp>
+      <p:grpSp>
+        <p:nvGrpSpPr>
+          <p:cNvPr id="74" name="Gruppieren 73">
+            <a:extLst>
+              <a:ext uri="{FF2B5EF4-FFF2-40B4-BE49-F238E27FC236}">
+                <a16:creationId xmlns:a16="http://schemas.microsoft.com/office/drawing/2014/main" id="{645CD295-6201-4343-8B6E-B70AE797782A}"/>
+              </a:ext>
+            </a:extLst>
+          </p:cNvPr>
+          <p:cNvGrpSpPr/>
+          <p:nvPr/>
+        </p:nvGrpSpPr>
+        <p:grpSpPr>
+          <a:xfrm rot="16200000">
+            <a:off x="-13287" y="2517754"/>
+            <a:ext cx="4989443" cy="5042452"/>
+            <a:chOff x="1185553" y="-214312"/>
+            <a:chExt cx="7534893" cy="7286624"/>
+          </a:xfrm>
+        </p:grpSpPr>
+        <p:grpSp>
+          <p:nvGrpSpPr>
+            <p:cNvPr id="75" name="Gruppieren 74">
+              <a:extLst>
+                <a:ext uri="{FF2B5EF4-FFF2-40B4-BE49-F238E27FC236}">
+                  <a16:creationId xmlns:a16="http://schemas.microsoft.com/office/drawing/2014/main" id="{DB20AD0E-D59F-4F1F-83A5-7C6C22A0A4C9}"/>
+                </a:ext>
+              </a:extLst>
+            </p:cNvPr>
+            <p:cNvGrpSpPr/>
+            <p:nvPr/>
+          </p:nvGrpSpPr>
+          <p:grpSpPr>
+            <a:xfrm>
+              <a:off x="1185553" y="-214312"/>
+              <a:ext cx="7534893" cy="7286624"/>
+              <a:chOff x="1185553" y="-214312"/>
+              <a:chExt cx="7534893" cy="7286624"/>
+            </a:xfrm>
+          </p:grpSpPr>
+          <p:grpSp>
+            <p:nvGrpSpPr>
+              <p:cNvPr id="81" name="Gruppieren 80">
+                <a:extLst>
+                  <a:ext uri="{FF2B5EF4-FFF2-40B4-BE49-F238E27FC236}">
+                    <a16:creationId xmlns:a16="http://schemas.microsoft.com/office/drawing/2014/main" id="{3233DAE4-10CE-48A9-8AA9-8E816F6512C9}"/>
+                  </a:ext>
+                </a:extLst>
+              </p:cNvPr>
+              <p:cNvGrpSpPr/>
+              <p:nvPr/>
+            </p:nvGrpSpPr>
+            <p:grpSpPr>
+              <a:xfrm>
+                <a:off x="1185553" y="-214312"/>
+                <a:ext cx="7534893" cy="7286624"/>
+                <a:chOff x="1185553" y="-214312"/>
+                <a:chExt cx="7534893" cy="7286624"/>
+              </a:xfrm>
+            </p:grpSpPr>
+            <p:grpSp>
+              <p:nvGrpSpPr>
+                <p:cNvPr id="85" name="Gruppieren 84">
+                  <a:extLst>
+                    <a:ext uri="{FF2B5EF4-FFF2-40B4-BE49-F238E27FC236}">
+                      <a16:creationId xmlns:a16="http://schemas.microsoft.com/office/drawing/2014/main" id="{1CA80CC6-DA8F-468A-AE52-8222D1EDAF1F}"/>
+                    </a:ext>
+                  </a:extLst>
+                </p:cNvPr>
+                <p:cNvGrpSpPr/>
+                <p:nvPr/>
+              </p:nvGrpSpPr>
+              <p:grpSpPr>
+                <a:xfrm>
+                  <a:off x="1185553" y="-214312"/>
+                  <a:ext cx="7534893" cy="7286624"/>
+                  <a:chOff x="1185553" y="-214312"/>
+                  <a:chExt cx="7534893" cy="7286624"/>
+                </a:xfrm>
+              </p:grpSpPr>
+              <p:grpSp>
+                <p:nvGrpSpPr>
+                  <p:cNvPr id="87" name="Gruppieren 86">
+                    <a:extLst>
+                      <a:ext uri="{FF2B5EF4-FFF2-40B4-BE49-F238E27FC236}">
+                        <a16:creationId xmlns:a16="http://schemas.microsoft.com/office/drawing/2014/main" id="{E631414A-D32C-43D4-8CB5-69D79FE0928F}"/>
+                      </a:ext>
+                    </a:extLst>
+                  </p:cNvPr>
+                  <p:cNvGrpSpPr/>
+                  <p:nvPr/>
+                </p:nvGrpSpPr>
+                <p:grpSpPr>
+                  <a:xfrm>
+                    <a:off x="1185553" y="-214312"/>
+                    <a:ext cx="7534893" cy="7286624"/>
+                    <a:chOff x="1185553" y="-214312"/>
+                    <a:chExt cx="7534893" cy="7286624"/>
+                  </a:xfrm>
+                </p:grpSpPr>
+                <p:pic>
+                  <p:nvPicPr>
+                    <p:cNvPr id="89" name="Grafik 88" descr="Smartphone">
+                      <a:extLst>
+                        <a:ext uri="{FF2B5EF4-FFF2-40B4-BE49-F238E27FC236}">
+                          <a16:creationId xmlns:a16="http://schemas.microsoft.com/office/drawing/2014/main" id="{6E41D45E-5689-48A7-BFE8-4AA1D2CE973E}"/>
+                        </a:ext>
+                      </a:extLst>
+                    </p:cNvPr>
+                    <p:cNvPicPr>
+                      <a:picLocks noChangeAspect="1"/>
+                    </p:cNvPicPr>
+                    <p:nvPr/>
+                  </p:nvPicPr>
+                  <p:blipFill>
+                    <a:blip r:embed="rId2">
+                      <a:extLst>
+                        <a:ext uri="{28A0092B-C50C-407E-A947-70E740481C1C}">
+                          <a14:useLocalDpi xmlns:a14="http://schemas.microsoft.com/office/drawing/2010/main" val="0"/>
+                        </a:ext>
+                        <a:ext uri="{96DAC541-7B7A-43D3-8B79-37D633B846F1}">
+                          <asvg:svgBlip xmlns:asvg="http://schemas.microsoft.com/office/drawing/2016/SVG/main" r:embed="rId3"/>
+                        </a:ext>
+                      </a:extLst>
+                    </a:blip>
+                    <a:stretch>
+                      <a:fillRect/>
+                    </a:stretch>
+                  </p:blipFill>
+                  <p:spPr>
+                    <a:xfrm>
+                      <a:off x="1185553" y="-214312"/>
+                      <a:ext cx="7534893" cy="7286624"/>
+                    </a:xfrm>
+                    <a:prstGeom prst="rect">
+                      <a:avLst/>
+                    </a:prstGeom>
+                  </p:spPr>
+                </p:pic>
+                <p:sp>
+                  <p:nvSpPr>
+                    <p:cNvPr id="90" name="Rechteck 89">
+                      <a:extLst>
+                        <a:ext uri="{FF2B5EF4-FFF2-40B4-BE49-F238E27FC236}">
+                          <a16:creationId xmlns:a16="http://schemas.microsoft.com/office/drawing/2014/main" id="{CF4AB6E4-4AB1-4106-AE6D-EE731D2A3717}"/>
+                        </a:ext>
+                      </a:extLst>
+                    </p:cNvPr>
+                    <p:cNvSpPr/>
+                    <p:nvPr/>
+                  </p:nvSpPr>
+                  <p:spPr>
+                    <a:xfrm>
+                      <a:off x="3238499" y="266700"/>
+                      <a:ext cx="3429000" cy="6057900"/>
+                    </a:xfrm>
+                    <a:prstGeom prst="rect">
+                      <a:avLst/>
+                    </a:prstGeom>
+                    <a:ln>
+                      <a:solidFill>
+                        <a:schemeClr val="tx1"/>
+                      </a:solidFill>
+                    </a:ln>
+                  </p:spPr>
+                  <p:style>
+                    <a:lnRef idx="2">
+                      <a:schemeClr val="accent6"/>
+                    </a:lnRef>
+                    <a:fillRef idx="1">
+                      <a:schemeClr val="lt1"/>
+                    </a:fillRef>
+                    <a:effectRef idx="0">
+                      <a:schemeClr val="accent6"/>
+                    </a:effectRef>
+                    <a:fontRef idx="minor">
+                      <a:schemeClr val="dk1"/>
+                    </a:fontRef>
+                  </p:style>
+                  <p:txBody>
+                    <a:bodyPr rtlCol="0" anchor="ctr"/>
+                    <a:lstStyle/>
+                    <a:p>
+                      <a:pPr algn="ctr"/>
+                      <a:endParaRPr lang="de-DE" sz="900"/>
+                    </a:p>
+                  </p:txBody>
+                </p:sp>
+              </p:grpSp>
+              <p:pic>
+                <p:nvPicPr>
+                  <p:cNvPr id="88" name="Inhaltsplatzhalter 3" title="ScaleIT_Logo">
+                    <a:extLst>
+                      <a:ext uri="{FF2B5EF4-FFF2-40B4-BE49-F238E27FC236}">
+                        <a16:creationId xmlns:a16="http://schemas.microsoft.com/office/drawing/2014/main" id="{F8B7992E-BEB4-477D-95EF-BBBD279F811E}"/>
+                      </a:ext>
+                    </a:extLst>
+                  </p:cNvPr>
+                  <p:cNvPicPr>
+                    <a:picLocks/>
+                  </p:cNvPicPr>
+                  <p:nvPr/>
+                </p:nvPicPr>
+                <p:blipFill>
+                  <a:blip r:embed="rId4">
+                    <a:extLst>
+                      <a:ext uri="{28A0092B-C50C-407E-A947-70E740481C1C}">
+                        <a14:useLocalDpi xmlns:a14="http://schemas.microsoft.com/office/drawing/2010/main" val="0"/>
+                      </a:ext>
+                    </a:extLst>
+                  </a:blip>
+                  <a:stretch>
+                    <a:fillRect/>
+                  </a:stretch>
+                </p:blipFill>
+                <p:spPr>
+                  <a:xfrm>
+                    <a:off x="5581649" y="6446536"/>
+                    <a:ext cx="1162655" cy="251920"/>
+                  </a:xfrm>
+                  <a:prstGeom prst="rect">
+                    <a:avLst/>
+                  </a:prstGeom>
+                </p:spPr>
+              </p:pic>
+            </p:grpSp>
+            <p:sp>
+              <p:nvSpPr>
+                <p:cNvPr id="86" name="Ellipse 85">
+                  <a:extLst>
+                    <a:ext uri="{FF2B5EF4-FFF2-40B4-BE49-F238E27FC236}">
+                      <a16:creationId xmlns:a16="http://schemas.microsoft.com/office/drawing/2014/main" id="{1F17DC0C-10E3-4D15-A314-0D9AF7B7C751}"/>
+                    </a:ext>
+                  </a:extLst>
+                </p:cNvPr>
+                <p:cNvSpPr/>
+                <p:nvPr/>
+              </p:nvSpPr>
+              <p:spPr>
+                <a:xfrm>
+                  <a:off x="4824411" y="6398911"/>
+                  <a:ext cx="257175" cy="247650"/>
+                </a:xfrm>
+                <a:prstGeom prst="ellipse">
+                  <a:avLst/>
+                </a:prstGeom>
+                <a:ln>
+                  <a:solidFill>
+                    <a:schemeClr val="tx1"/>
+                  </a:solidFill>
+                </a:ln>
+              </p:spPr>
+              <p:style>
+                <a:lnRef idx="2">
+                  <a:schemeClr val="accent6"/>
+                </a:lnRef>
+                <a:fillRef idx="1">
+                  <a:schemeClr val="lt1"/>
+                </a:fillRef>
+                <a:effectRef idx="0">
+                  <a:schemeClr val="accent6"/>
+                </a:effectRef>
+                <a:fontRef idx="minor">
+                  <a:schemeClr val="dk1"/>
+                </a:fontRef>
+              </p:style>
+              <p:txBody>
+                <a:bodyPr rtlCol="0" anchor="ctr"/>
+                <a:lstStyle/>
+                <a:p>
+                  <a:pPr algn="ctr"/>
+                  <a:endParaRPr lang="de-DE" sz="900"/>
+                </a:p>
+              </p:txBody>
+            </p:sp>
+          </p:grpSp>
+          <p:pic>
+            <p:nvPicPr>
+              <p:cNvPr id="82" name="Grafik 81">
+                <a:extLst>
+                  <a:ext uri="{FF2B5EF4-FFF2-40B4-BE49-F238E27FC236}">
+                    <a16:creationId xmlns:a16="http://schemas.microsoft.com/office/drawing/2014/main" id="{A86C8A60-EE38-42B7-8A92-1BC3918449FE}"/>
+                  </a:ext>
+                </a:extLst>
+              </p:cNvPr>
+              <p:cNvPicPr>
+                <a:picLocks noChangeAspect="1"/>
+              </p:cNvPicPr>
+              <p:nvPr/>
+            </p:nvPicPr>
+            <p:blipFill>
+              <a:blip r:embed="rId5">
+                <a:extLst>
+                  <a:ext uri="{28A0092B-C50C-407E-A947-70E740481C1C}">
+                    <a14:useLocalDpi xmlns:a14="http://schemas.microsoft.com/office/drawing/2010/main" val="0"/>
+                  </a:ext>
+                </a:extLst>
+              </a:blip>
+              <a:stretch>
+                <a:fillRect/>
+              </a:stretch>
+            </p:blipFill>
+            <p:spPr>
+              <a:xfrm>
+                <a:off x="5869337" y="285153"/>
+                <a:ext cx="192327" cy="190760"/>
+              </a:xfrm>
+              <a:prstGeom prst="rect">
+                <a:avLst/>
+              </a:prstGeom>
+            </p:spPr>
+          </p:pic>
+          <p:pic>
+            <p:nvPicPr>
+              <p:cNvPr id="83" name="Grafik 82">
+                <a:extLst>
+                  <a:ext uri="{FF2B5EF4-FFF2-40B4-BE49-F238E27FC236}">
+                    <a16:creationId xmlns:a16="http://schemas.microsoft.com/office/drawing/2014/main" id="{760277BE-F357-481F-87F5-AA816EF7DFAC}"/>
+                  </a:ext>
+                </a:extLst>
+              </p:cNvPr>
+              <p:cNvPicPr>
+                <a:picLocks noChangeAspect="1"/>
+              </p:cNvPicPr>
+              <p:nvPr/>
+            </p:nvPicPr>
+            <p:blipFill>
+              <a:blip r:embed="rId6">
+                <a:extLst>
+                  <a:ext uri="{28A0092B-C50C-407E-A947-70E740481C1C}">
+                    <a14:useLocalDpi xmlns:a14="http://schemas.microsoft.com/office/drawing/2010/main" val="0"/>
+                  </a:ext>
+                </a:extLst>
+              </a:blip>
+              <a:stretch>
+                <a:fillRect/>
+              </a:stretch>
+            </p:blipFill>
+            <p:spPr>
+              <a:xfrm>
+                <a:off x="6082061" y="290410"/>
+                <a:ext cx="187362" cy="185835"/>
+              </a:xfrm>
+              <a:prstGeom prst="rect">
+                <a:avLst/>
+              </a:prstGeom>
+            </p:spPr>
+          </p:pic>
+          <p:sp>
+            <p:nvSpPr>
+              <p:cNvPr id="84" name="Textfeld 83">
+                <a:extLst>
+                  <a:ext uri="{FF2B5EF4-FFF2-40B4-BE49-F238E27FC236}">
+                    <a16:creationId xmlns:a16="http://schemas.microsoft.com/office/drawing/2014/main" id="{724768DA-AEAB-4FD5-93E0-EB5C6C9A7B7A}"/>
+                  </a:ext>
+                </a:extLst>
+              </p:cNvPr>
+              <p:cNvSpPr txBox="1"/>
+              <p:nvPr/>
+            </p:nvSpPr>
+            <p:spPr>
+              <a:xfrm>
+                <a:off x="6131818" y="254354"/>
+                <a:ext cx="613072" cy="289091"/>
+              </a:xfrm>
+              <a:prstGeom prst="rect">
+                <a:avLst/>
+              </a:prstGeom>
+              <a:noFill/>
+            </p:spPr>
+            <p:txBody>
+              <a:bodyPr wrap="square" rtlCol="0">
+                <a:spAutoFit/>
+              </a:bodyPr>
+              <a:lstStyle/>
+              <a:p>
+                <a:r>
+                  <a:rPr lang="de-DE" sz="700" dirty="0"/>
+                  <a:t>16:00</a:t>
+                </a:r>
+                <a:endParaRPr lang="de-DE" sz="1000" dirty="0"/>
+              </a:p>
+            </p:txBody>
+          </p:sp>
+        </p:grpSp>
+        <p:grpSp>
+          <p:nvGrpSpPr>
+            <p:cNvPr id="76" name="Gruppieren 75">
+              <a:extLst>
+                <a:ext uri="{FF2B5EF4-FFF2-40B4-BE49-F238E27FC236}">
+                  <a16:creationId xmlns:a16="http://schemas.microsoft.com/office/drawing/2014/main" id="{B403F028-CE02-47B7-A678-AA0DE4B2AD5B}"/>
+                </a:ext>
+              </a:extLst>
+            </p:cNvPr>
+            <p:cNvGrpSpPr/>
+            <p:nvPr/>
+          </p:nvGrpSpPr>
+          <p:grpSpPr>
+            <a:xfrm>
+              <a:off x="5656183" y="310106"/>
+              <a:ext cx="147144" cy="136633"/>
+              <a:chOff x="-515006" y="977461"/>
+              <a:chExt cx="1045778" cy="893379"/>
+            </a:xfrm>
+          </p:grpSpPr>
+          <p:sp>
+            <p:nvSpPr>
+              <p:cNvPr id="77" name="Rechtwinkliges Dreieck 76">
+                <a:extLst>
+                  <a:ext uri="{FF2B5EF4-FFF2-40B4-BE49-F238E27FC236}">
+                    <a16:creationId xmlns:a16="http://schemas.microsoft.com/office/drawing/2014/main" id="{0B2270ED-5C71-48E0-A80E-2FEC0ECB4A1F}"/>
+                  </a:ext>
+                </a:extLst>
+              </p:cNvPr>
+              <p:cNvSpPr/>
+              <p:nvPr/>
+            </p:nvSpPr>
+            <p:spPr>
+              <a:xfrm flipH="1">
+                <a:off x="-515006" y="977461"/>
+                <a:ext cx="1045778" cy="893379"/>
+              </a:xfrm>
+              <a:prstGeom prst="rtTriangle">
+                <a:avLst/>
+              </a:prstGeom>
+              <a:ln/>
+            </p:spPr>
+            <p:style>
+              <a:lnRef idx="2">
+                <a:schemeClr val="dk1"/>
+              </a:lnRef>
+              <a:fillRef idx="1">
+                <a:schemeClr val="lt1"/>
+              </a:fillRef>
+              <a:effectRef idx="0">
+                <a:schemeClr val="dk1"/>
+              </a:effectRef>
+              <a:fontRef idx="minor">
+                <a:schemeClr val="dk1"/>
+              </a:fontRef>
+            </p:style>
+            <p:txBody>
+              <a:bodyPr rtlCol="0" anchor="ctr"/>
+              <a:lstStyle/>
+              <a:p>
+                <a:pPr algn="ctr"/>
+                <a:endParaRPr lang="de-DE" sz="900"/>
+              </a:p>
+            </p:txBody>
+          </p:sp>
+          <p:cxnSp>
+            <p:nvCxnSpPr>
+              <p:cNvPr id="78" name="Gerader Verbinder 77">
+                <a:extLst>
+                  <a:ext uri="{FF2B5EF4-FFF2-40B4-BE49-F238E27FC236}">
+                    <a16:creationId xmlns:a16="http://schemas.microsoft.com/office/drawing/2014/main" id="{A39D0E7D-0947-4930-A0F4-9BEEFFDEF69B}"/>
+                  </a:ext>
+                </a:extLst>
+              </p:cNvPr>
+              <p:cNvCxnSpPr>
+                <a:cxnSpLocks/>
+              </p:cNvCxnSpPr>
+              <p:nvPr/>
+            </p:nvCxnSpPr>
+            <p:spPr>
+              <a:xfrm>
+                <a:off x="294290" y="1161393"/>
+                <a:ext cx="0" cy="698938"/>
+              </a:xfrm>
+              <a:prstGeom prst="line">
+                <a:avLst/>
+              </a:prstGeom>
+              <a:ln w="9525"/>
+            </p:spPr>
+            <p:style>
+              <a:lnRef idx="1">
+                <a:schemeClr val="dk1"/>
+              </a:lnRef>
+              <a:fillRef idx="0">
+                <a:schemeClr val="dk1"/>
+              </a:fillRef>
+              <a:effectRef idx="0">
+                <a:schemeClr val="dk1"/>
+              </a:effectRef>
+              <a:fontRef idx="minor">
+                <a:schemeClr val="tx1"/>
+              </a:fontRef>
+            </p:style>
+          </p:cxnSp>
+          <p:cxnSp>
+            <p:nvCxnSpPr>
+              <p:cNvPr id="79" name="Gerader Verbinder 78">
+                <a:extLst>
+                  <a:ext uri="{FF2B5EF4-FFF2-40B4-BE49-F238E27FC236}">
+                    <a16:creationId xmlns:a16="http://schemas.microsoft.com/office/drawing/2014/main" id="{78B67426-5F62-45EF-9DF0-ABAFD3F97308}"/>
+                  </a:ext>
+                </a:extLst>
+              </p:cNvPr>
+              <p:cNvCxnSpPr>
+                <a:cxnSpLocks/>
+              </p:cNvCxnSpPr>
+              <p:nvPr/>
+            </p:nvCxnSpPr>
+            <p:spPr>
+              <a:xfrm>
+                <a:off x="23648" y="1424151"/>
+                <a:ext cx="0" cy="446689"/>
+              </a:xfrm>
+              <a:prstGeom prst="line">
+                <a:avLst/>
+              </a:prstGeom>
+              <a:ln w="9525"/>
+            </p:spPr>
+            <p:style>
+              <a:lnRef idx="1">
+                <a:schemeClr val="dk1"/>
+              </a:lnRef>
+              <a:fillRef idx="0">
+                <a:schemeClr val="dk1"/>
+              </a:fillRef>
+              <a:effectRef idx="0">
+                <a:schemeClr val="dk1"/>
+              </a:effectRef>
+              <a:fontRef idx="minor">
+                <a:schemeClr val="tx1"/>
+              </a:fontRef>
+            </p:style>
+          </p:cxnSp>
+          <p:cxnSp>
+            <p:nvCxnSpPr>
+              <p:cNvPr id="80" name="Gerader Verbinder 79">
+                <a:extLst>
+                  <a:ext uri="{FF2B5EF4-FFF2-40B4-BE49-F238E27FC236}">
+                    <a16:creationId xmlns:a16="http://schemas.microsoft.com/office/drawing/2014/main" id="{C2BE9634-AD8F-48F1-B3D3-985E5A8A1198}"/>
+                  </a:ext>
+                </a:extLst>
+              </p:cNvPr>
+              <p:cNvCxnSpPr>
+                <a:cxnSpLocks/>
+              </p:cNvCxnSpPr>
+              <p:nvPr/>
+            </p:nvCxnSpPr>
+            <p:spPr>
+              <a:xfrm>
+                <a:off x="-223342" y="1602828"/>
+                <a:ext cx="0" cy="257503"/>
+              </a:xfrm>
+              <a:prstGeom prst="line">
+                <a:avLst/>
+              </a:prstGeom>
+              <a:ln w="9525"/>
+            </p:spPr>
+            <p:style>
+              <a:lnRef idx="1">
+                <a:schemeClr val="dk1"/>
+              </a:lnRef>
+              <a:fillRef idx="0">
+                <a:schemeClr val="dk1"/>
+              </a:fillRef>
+              <a:effectRef idx="0">
+                <a:schemeClr val="dk1"/>
+              </a:effectRef>
+              <a:fontRef idx="minor">
+                <a:schemeClr val="tx1"/>
+              </a:fontRef>
+            </p:style>
+          </p:cxnSp>
+        </p:grpSp>
+      </p:grpSp>
     </p:spTree>
     <p:extLst>
       <p:ext uri="{BB962C8B-B14F-4D97-AF65-F5344CB8AC3E}">
-        <p14:creationId xmlns:p14="http://schemas.microsoft.com/office/powerpoint/2010/main" val="2698930361"/>
+        <p14:creationId xmlns:p14="http://schemas.microsoft.com/office/powerpoint/2010/main" val="928431955"/>
       </p:ext>
     </p:extLst>
   </p:cSld>
@@ -17274,7 +18954,7 @@
     </p:spTree>
     <p:extLst>
       <p:ext uri="{BB962C8B-B14F-4D97-AF65-F5344CB8AC3E}">
-        <p14:creationId xmlns:p14="http://schemas.microsoft.com/office/powerpoint/2010/main" val="928431955"/>
+        <p14:creationId xmlns:p14="http://schemas.microsoft.com/office/powerpoint/2010/main" val="605539988"/>
       </p:ext>
     </p:extLst>
   </p:cSld>
@@ -17303,10 +18983,10 @@
       </p:grpSpPr>
       <p:grpSp>
         <p:nvGrpSpPr>
-          <p:cNvPr id="64" name="Gruppieren 63">
+          <p:cNvPr id="2" name="Gruppieren 1">
             <a:extLst>
               <a:ext uri="{FF2B5EF4-FFF2-40B4-BE49-F238E27FC236}">
-                <a16:creationId xmlns:a16="http://schemas.microsoft.com/office/drawing/2014/main" id="{9ACEA60C-C413-4650-A176-686A3614B586}"/>
+                <a16:creationId xmlns:a16="http://schemas.microsoft.com/office/drawing/2014/main" id="{8CE65273-A175-43B6-9124-045B2211D960}"/>
               </a:ext>
             </a:extLst>
           </p:cNvPr>
@@ -17314,2351 +18994,142 @@
           <p:nvPr/>
         </p:nvGrpSpPr>
         <p:grpSpPr>
-          <a:xfrm rot="16200000">
-            <a:off x="-10581" y="-730155"/>
-            <a:ext cx="4989443" cy="5042452"/>
-            <a:chOff x="1185553" y="-214312"/>
-            <a:chExt cx="7534893" cy="7286624"/>
+          <a:xfrm>
+            <a:off x="251792" y="-1020421"/>
+            <a:ext cx="9396959" cy="8823376"/>
+            <a:chOff x="5074992" y="85916"/>
+            <a:chExt cx="3537345" cy="3537345"/>
           </a:xfrm>
         </p:grpSpPr>
-        <p:grpSp>
-          <p:nvGrpSpPr>
-            <p:cNvPr id="38" name="Gruppieren 37">
+        <p:pic>
+          <p:nvPicPr>
+            <p:cNvPr id="3" name="Grafik 2" descr="Computer">
               <a:extLst>
                 <a:ext uri="{FF2B5EF4-FFF2-40B4-BE49-F238E27FC236}">
-                  <a16:creationId xmlns:a16="http://schemas.microsoft.com/office/drawing/2014/main" id="{7A933B2E-5647-4749-8516-46AE945BFDC8}"/>
+                  <a16:creationId xmlns:a16="http://schemas.microsoft.com/office/drawing/2014/main" id="{53D04705-8BC4-4C67-B551-9B478F2CCFE6}"/>
                 </a:ext>
               </a:extLst>
             </p:cNvPr>
-            <p:cNvGrpSpPr/>
+            <p:cNvPicPr>
+              <a:picLocks noChangeAspect="1"/>
+            </p:cNvPicPr>
             <p:nvPr/>
-          </p:nvGrpSpPr>
-          <p:grpSpPr>
+          </p:nvPicPr>
+          <p:blipFill>
+            <a:blip r:embed="rId2">
+              <a:extLst>
+                <a:ext uri="{28A0092B-C50C-407E-A947-70E740481C1C}">
+                  <a14:useLocalDpi xmlns:a14="http://schemas.microsoft.com/office/drawing/2010/main" val="0"/>
+                </a:ext>
+                <a:ext uri="{96DAC541-7B7A-43D3-8B79-37D633B846F1}">
+                  <asvg:svgBlip xmlns:asvg="http://schemas.microsoft.com/office/drawing/2016/SVG/main" r:embed="rId3"/>
+                </a:ext>
+              </a:extLst>
+            </a:blip>
+            <a:stretch>
+              <a:fillRect/>
+            </a:stretch>
+          </p:blipFill>
+          <p:spPr>
             <a:xfrm>
-              <a:off x="1185553" y="-214312"/>
-              <a:ext cx="7534893" cy="7286624"/>
-              <a:chOff x="1185553" y="-214312"/>
-              <a:chExt cx="7534893" cy="7286624"/>
+              <a:off x="5074992" y="85916"/>
+              <a:ext cx="3537345" cy="3537345"/>
             </a:xfrm>
-          </p:grpSpPr>
-          <p:grpSp>
-            <p:nvGrpSpPr>
-              <p:cNvPr id="34" name="Gruppieren 33">
-                <a:extLst>
-                  <a:ext uri="{FF2B5EF4-FFF2-40B4-BE49-F238E27FC236}">
-                    <a16:creationId xmlns:a16="http://schemas.microsoft.com/office/drawing/2014/main" id="{03D99885-C322-447F-910D-292623E059A4}"/>
-                  </a:ext>
-                </a:extLst>
-              </p:cNvPr>
-              <p:cNvGrpSpPr/>
-              <p:nvPr/>
-            </p:nvGrpSpPr>
-            <p:grpSpPr>
-              <a:xfrm>
-                <a:off x="1185553" y="-214312"/>
-                <a:ext cx="7534893" cy="7286624"/>
-                <a:chOff x="1185553" y="-214312"/>
-                <a:chExt cx="7534893" cy="7286624"/>
-              </a:xfrm>
-            </p:grpSpPr>
-            <p:grpSp>
-              <p:nvGrpSpPr>
-                <p:cNvPr id="32" name="Gruppieren 31">
-                  <a:extLst>
-                    <a:ext uri="{FF2B5EF4-FFF2-40B4-BE49-F238E27FC236}">
-                      <a16:creationId xmlns:a16="http://schemas.microsoft.com/office/drawing/2014/main" id="{07323AA7-21BB-4700-9FFE-735D29694572}"/>
-                    </a:ext>
-                  </a:extLst>
-                </p:cNvPr>
-                <p:cNvGrpSpPr/>
-                <p:nvPr/>
-              </p:nvGrpSpPr>
-              <p:grpSpPr>
-                <a:xfrm>
-                  <a:off x="1185553" y="-214312"/>
-                  <a:ext cx="7534893" cy="7286624"/>
-                  <a:chOff x="1185553" y="-214312"/>
-                  <a:chExt cx="7534893" cy="7286624"/>
-                </a:xfrm>
-              </p:grpSpPr>
-              <p:grpSp>
-                <p:nvGrpSpPr>
-                  <p:cNvPr id="31" name="Gruppieren 30">
-                    <a:extLst>
-                      <a:ext uri="{FF2B5EF4-FFF2-40B4-BE49-F238E27FC236}">
-                        <a16:creationId xmlns:a16="http://schemas.microsoft.com/office/drawing/2014/main" id="{C87AB168-F936-41BF-850B-9CE07FCC6DB7}"/>
-                      </a:ext>
-                    </a:extLst>
-                  </p:cNvPr>
-                  <p:cNvGrpSpPr/>
-                  <p:nvPr/>
-                </p:nvGrpSpPr>
-                <p:grpSpPr>
-                  <a:xfrm>
-                    <a:off x="1185553" y="-214312"/>
-                    <a:ext cx="7534893" cy="7286624"/>
-                    <a:chOff x="1185553" y="-214312"/>
-                    <a:chExt cx="7534893" cy="7286624"/>
-                  </a:xfrm>
-                </p:grpSpPr>
-                <p:pic>
-                  <p:nvPicPr>
-                    <p:cNvPr id="24" name="Grafik 23" descr="Smartphone">
-                      <a:extLst>
-                        <a:ext uri="{FF2B5EF4-FFF2-40B4-BE49-F238E27FC236}">
-                          <a16:creationId xmlns:a16="http://schemas.microsoft.com/office/drawing/2014/main" id="{77BDD322-B2CC-4564-A71A-3A7D2B3DF334}"/>
-                        </a:ext>
-                      </a:extLst>
-                    </p:cNvPr>
-                    <p:cNvPicPr>
-                      <a:picLocks noChangeAspect="1"/>
-                    </p:cNvPicPr>
-                    <p:nvPr/>
-                  </p:nvPicPr>
-                  <p:blipFill>
-                    <a:blip r:embed="rId2">
-                      <a:extLst>
-                        <a:ext uri="{28A0092B-C50C-407E-A947-70E740481C1C}">
-                          <a14:useLocalDpi xmlns:a14="http://schemas.microsoft.com/office/drawing/2010/main" val="0"/>
-                        </a:ext>
-                        <a:ext uri="{96DAC541-7B7A-43D3-8B79-37D633B846F1}">
-                          <asvg:svgBlip xmlns:asvg="http://schemas.microsoft.com/office/drawing/2016/SVG/main" r:embed="rId3"/>
-                        </a:ext>
-                      </a:extLst>
-                    </a:blip>
-                    <a:stretch>
-                      <a:fillRect/>
-                    </a:stretch>
-                  </p:blipFill>
-                  <p:spPr>
-                    <a:xfrm>
-                      <a:off x="1185553" y="-214312"/>
-                      <a:ext cx="7534893" cy="7286624"/>
-                    </a:xfrm>
-                    <a:prstGeom prst="rect">
-                      <a:avLst/>
-                    </a:prstGeom>
-                  </p:spPr>
-                </p:pic>
-                <p:sp>
-                  <p:nvSpPr>
-                    <p:cNvPr id="30" name="Rechteck 29">
-                      <a:extLst>
-                        <a:ext uri="{FF2B5EF4-FFF2-40B4-BE49-F238E27FC236}">
-                          <a16:creationId xmlns:a16="http://schemas.microsoft.com/office/drawing/2014/main" id="{EF06374D-4F5A-44DC-A91D-086A4DBFA025}"/>
-                        </a:ext>
-                      </a:extLst>
-                    </p:cNvPr>
-                    <p:cNvSpPr/>
-                    <p:nvPr/>
-                  </p:nvSpPr>
-                  <p:spPr>
-                    <a:xfrm>
-                      <a:off x="3238499" y="266700"/>
-                      <a:ext cx="3429000" cy="6057900"/>
-                    </a:xfrm>
-                    <a:prstGeom prst="rect">
-                      <a:avLst/>
-                    </a:prstGeom>
-                    <a:ln>
-                      <a:solidFill>
-                        <a:schemeClr val="tx1"/>
-                      </a:solidFill>
-                    </a:ln>
-                  </p:spPr>
-                  <p:style>
-                    <a:lnRef idx="2">
-                      <a:schemeClr val="accent6"/>
-                    </a:lnRef>
-                    <a:fillRef idx="1">
-                      <a:schemeClr val="lt1"/>
-                    </a:fillRef>
-                    <a:effectRef idx="0">
-                      <a:schemeClr val="accent6"/>
-                    </a:effectRef>
-                    <a:fontRef idx="minor">
-                      <a:schemeClr val="dk1"/>
-                    </a:fontRef>
-                  </p:style>
-                  <p:txBody>
-                    <a:bodyPr rtlCol="0" anchor="ctr"/>
-                    <a:lstStyle/>
-                    <a:p>
-                      <a:pPr algn="ctr"/>
-                      <a:endParaRPr lang="de-DE" sz="900"/>
-                    </a:p>
-                  </p:txBody>
-                </p:sp>
-              </p:grpSp>
-              <p:pic>
-                <p:nvPicPr>
-                  <p:cNvPr id="23" name="Inhaltsplatzhalter 3" title="ScaleIT_Logo">
-                    <a:extLst>
-                      <a:ext uri="{FF2B5EF4-FFF2-40B4-BE49-F238E27FC236}">
-                        <a16:creationId xmlns:a16="http://schemas.microsoft.com/office/drawing/2014/main" id="{406FA979-9870-4312-B5DF-9BC0D500F01D}"/>
-                      </a:ext>
-                    </a:extLst>
-                  </p:cNvPr>
-                  <p:cNvPicPr>
-                    <a:picLocks/>
-                  </p:cNvPicPr>
-                  <p:nvPr/>
-                </p:nvPicPr>
-                <p:blipFill>
-                  <a:blip r:embed="rId4">
-                    <a:extLst>
-                      <a:ext uri="{28A0092B-C50C-407E-A947-70E740481C1C}">
-                        <a14:useLocalDpi xmlns:a14="http://schemas.microsoft.com/office/drawing/2010/main" val="0"/>
-                      </a:ext>
-                    </a:extLst>
-                  </a:blip>
-                  <a:stretch>
-                    <a:fillRect/>
-                  </a:stretch>
-                </p:blipFill>
-                <p:spPr>
-                  <a:xfrm>
-                    <a:off x="5581649" y="6446536"/>
-                    <a:ext cx="1162655" cy="251920"/>
-                  </a:xfrm>
-                  <a:prstGeom prst="rect">
-                    <a:avLst/>
-                  </a:prstGeom>
-                </p:spPr>
-              </p:pic>
-            </p:grpSp>
-            <p:sp>
-              <p:nvSpPr>
-                <p:cNvPr id="33" name="Ellipse 32">
-                  <a:extLst>
-                    <a:ext uri="{FF2B5EF4-FFF2-40B4-BE49-F238E27FC236}">
-                      <a16:creationId xmlns:a16="http://schemas.microsoft.com/office/drawing/2014/main" id="{72862D50-2C0F-4AE8-B591-6B6B5E6B9DF5}"/>
-                    </a:ext>
-                  </a:extLst>
-                </p:cNvPr>
-                <p:cNvSpPr/>
-                <p:nvPr/>
-              </p:nvSpPr>
-              <p:spPr>
-                <a:xfrm>
-                  <a:off x="4824411" y="6398911"/>
-                  <a:ext cx="257175" cy="247650"/>
-                </a:xfrm>
-                <a:prstGeom prst="ellipse">
-                  <a:avLst/>
-                </a:prstGeom>
-                <a:ln>
-                  <a:solidFill>
-                    <a:schemeClr val="tx1"/>
-                  </a:solidFill>
-                </a:ln>
-              </p:spPr>
-              <p:style>
-                <a:lnRef idx="2">
-                  <a:schemeClr val="accent6"/>
-                </a:lnRef>
-                <a:fillRef idx="1">
-                  <a:schemeClr val="lt1"/>
-                </a:fillRef>
-                <a:effectRef idx="0">
-                  <a:schemeClr val="accent6"/>
-                </a:effectRef>
-                <a:fontRef idx="minor">
-                  <a:schemeClr val="dk1"/>
-                </a:fontRef>
-              </p:style>
-              <p:txBody>
-                <a:bodyPr rtlCol="0" anchor="ctr"/>
-                <a:lstStyle/>
-                <a:p>
-                  <a:pPr algn="ctr"/>
-                  <a:endParaRPr lang="de-DE" sz="900"/>
-                </a:p>
-              </p:txBody>
-            </p:sp>
-          </p:grpSp>
-          <p:pic>
-            <p:nvPicPr>
-              <p:cNvPr id="35" name="Grafik 34">
-                <a:extLst>
-                  <a:ext uri="{FF2B5EF4-FFF2-40B4-BE49-F238E27FC236}">
-                    <a16:creationId xmlns:a16="http://schemas.microsoft.com/office/drawing/2014/main" id="{4A82BE55-DB9F-4952-96EC-2D33C2252C8A}"/>
-                  </a:ext>
-                </a:extLst>
-              </p:cNvPr>
-              <p:cNvPicPr>
-                <a:picLocks noChangeAspect="1"/>
-              </p:cNvPicPr>
-              <p:nvPr/>
-            </p:nvPicPr>
-            <p:blipFill>
-              <a:blip r:embed="rId5">
-                <a:extLst>
-                  <a:ext uri="{28A0092B-C50C-407E-A947-70E740481C1C}">
-                    <a14:useLocalDpi xmlns:a14="http://schemas.microsoft.com/office/drawing/2010/main" val="0"/>
-                  </a:ext>
-                </a:extLst>
-              </a:blip>
-              <a:stretch>
-                <a:fillRect/>
-              </a:stretch>
-            </p:blipFill>
-            <p:spPr>
-              <a:xfrm>
-                <a:off x="5869337" y="285153"/>
-                <a:ext cx="192327" cy="190760"/>
-              </a:xfrm>
-              <a:prstGeom prst="rect">
-                <a:avLst/>
-              </a:prstGeom>
-            </p:spPr>
-          </p:pic>
-          <p:pic>
-            <p:nvPicPr>
-              <p:cNvPr id="36" name="Grafik 35">
-                <a:extLst>
-                  <a:ext uri="{FF2B5EF4-FFF2-40B4-BE49-F238E27FC236}">
-                    <a16:creationId xmlns:a16="http://schemas.microsoft.com/office/drawing/2014/main" id="{D92A1C01-4D3A-46C9-AC96-C179DF15E559}"/>
-                  </a:ext>
-                </a:extLst>
-              </p:cNvPr>
-              <p:cNvPicPr>
-                <a:picLocks noChangeAspect="1"/>
-              </p:cNvPicPr>
-              <p:nvPr/>
-            </p:nvPicPr>
-            <p:blipFill>
-              <a:blip r:embed="rId6">
-                <a:extLst>
-                  <a:ext uri="{28A0092B-C50C-407E-A947-70E740481C1C}">
-                    <a14:useLocalDpi xmlns:a14="http://schemas.microsoft.com/office/drawing/2010/main" val="0"/>
-                  </a:ext>
-                </a:extLst>
-              </a:blip>
-              <a:stretch>
-                <a:fillRect/>
-              </a:stretch>
-            </p:blipFill>
-            <p:spPr>
-              <a:xfrm>
-                <a:off x="6082061" y="290410"/>
-                <a:ext cx="187362" cy="185835"/>
-              </a:xfrm>
-              <a:prstGeom prst="rect">
-                <a:avLst/>
-              </a:prstGeom>
-            </p:spPr>
-          </p:pic>
-          <p:sp>
-            <p:nvSpPr>
-              <p:cNvPr id="37" name="Textfeld 36">
-                <a:extLst>
-                  <a:ext uri="{FF2B5EF4-FFF2-40B4-BE49-F238E27FC236}">
-                    <a16:creationId xmlns:a16="http://schemas.microsoft.com/office/drawing/2014/main" id="{3D4A4925-EEF8-4574-99FB-3BED27175852}"/>
-                  </a:ext>
-                </a:extLst>
-              </p:cNvPr>
-              <p:cNvSpPr txBox="1"/>
-              <p:nvPr/>
-            </p:nvSpPr>
-            <p:spPr>
-              <a:xfrm>
-                <a:off x="6131818" y="254354"/>
-                <a:ext cx="613072" cy="289091"/>
-              </a:xfrm>
-              <a:prstGeom prst="rect">
-                <a:avLst/>
-              </a:prstGeom>
-              <a:noFill/>
-            </p:spPr>
-            <p:txBody>
-              <a:bodyPr wrap="square" rtlCol="0">
-                <a:spAutoFit/>
-              </a:bodyPr>
-              <a:lstStyle/>
-              <a:p>
-                <a:r>
-                  <a:rPr lang="de-DE" sz="700" dirty="0"/>
-                  <a:t>16:00</a:t>
-                </a:r>
-                <a:endParaRPr lang="de-DE" sz="1000" dirty="0"/>
-              </a:p>
-            </p:txBody>
-          </p:sp>
-        </p:grpSp>
-        <p:grpSp>
-          <p:nvGrpSpPr>
-            <p:cNvPr id="54" name="Gruppieren 53">
+            <a:prstGeom prst="rect">
+              <a:avLst/>
+            </a:prstGeom>
+          </p:spPr>
+        </p:pic>
+        <p:pic>
+          <p:nvPicPr>
+            <p:cNvPr id="4" name="Inhaltsplatzhalter 3" title="ScaleIT_Logo">
               <a:extLst>
                 <a:ext uri="{FF2B5EF4-FFF2-40B4-BE49-F238E27FC236}">
-                  <a16:creationId xmlns:a16="http://schemas.microsoft.com/office/drawing/2014/main" id="{BF00D8EA-AEAA-4164-9083-A75A67AFE79E}"/>
+                  <a16:creationId xmlns:a16="http://schemas.microsoft.com/office/drawing/2014/main" id="{710E51E1-F408-487B-99C9-22041EEE61A9}"/>
                 </a:ext>
               </a:extLst>
             </p:cNvPr>
-            <p:cNvGrpSpPr/>
+            <p:cNvPicPr>
+              <a:picLocks/>
+            </p:cNvPicPr>
             <p:nvPr/>
-          </p:nvGrpSpPr>
-          <p:grpSpPr>
+          </p:nvPicPr>
+          <p:blipFill>
+            <a:blip r:embed="rId4">
+              <a:extLst>
+                <a:ext uri="{28A0092B-C50C-407E-A947-70E740481C1C}">
+                  <a14:useLocalDpi xmlns:a14="http://schemas.microsoft.com/office/drawing/2010/main" val="0"/>
+                </a:ext>
+              </a:extLst>
+            </a:blip>
+            <a:stretch>
+              <a:fillRect/>
+            </a:stretch>
+          </p:blipFill>
+          <p:spPr>
             <a:xfrm>
-              <a:off x="5656183" y="310106"/>
-              <a:ext cx="147144" cy="136633"/>
-              <a:chOff x="-515006" y="977461"/>
-              <a:chExt cx="1045778" cy="893379"/>
+              <a:off x="7662014" y="1719544"/>
+              <a:ext cx="730643" cy="189582"/>
             </a:xfrm>
-          </p:grpSpPr>
-          <p:sp>
-            <p:nvSpPr>
-              <p:cNvPr id="39" name="Rechtwinkliges Dreieck 38">
-                <a:extLst>
-                  <a:ext uri="{FF2B5EF4-FFF2-40B4-BE49-F238E27FC236}">
-                    <a16:creationId xmlns:a16="http://schemas.microsoft.com/office/drawing/2014/main" id="{9601912B-D732-4401-93E8-1EBDA8673B38}"/>
-                  </a:ext>
-                </a:extLst>
-              </p:cNvPr>
-              <p:cNvSpPr/>
-              <p:nvPr/>
-            </p:nvSpPr>
-            <p:spPr>
-              <a:xfrm flipH="1">
-                <a:off x="-515006" y="977461"/>
-                <a:ext cx="1045778" cy="893379"/>
-              </a:xfrm>
-              <a:prstGeom prst="rtTriangle">
-                <a:avLst/>
-              </a:prstGeom>
-              <a:ln/>
-            </p:spPr>
-            <p:style>
-              <a:lnRef idx="2">
-                <a:schemeClr val="dk1"/>
-              </a:lnRef>
-              <a:fillRef idx="1">
-                <a:schemeClr val="lt1"/>
-              </a:fillRef>
-              <a:effectRef idx="0">
-                <a:schemeClr val="dk1"/>
-              </a:effectRef>
-              <a:fontRef idx="minor">
-                <a:schemeClr val="dk1"/>
-              </a:fontRef>
-            </p:style>
-            <p:txBody>
-              <a:bodyPr rtlCol="0" anchor="ctr"/>
-              <a:lstStyle/>
-              <a:p>
-                <a:pPr algn="ctr"/>
-                <a:endParaRPr lang="de-DE" sz="900"/>
-              </a:p>
-            </p:txBody>
-          </p:sp>
-          <p:cxnSp>
-            <p:nvCxnSpPr>
-              <p:cNvPr id="41" name="Gerader Verbinder 40">
-                <a:extLst>
-                  <a:ext uri="{FF2B5EF4-FFF2-40B4-BE49-F238E27FC236}">
-                    <a16:creationId xmlns:a16="http://schemas.microsoft.com/office/drawing/2014/main" id="{88103F12-E948-4A11-8D80-8167265B3550}"/>
-                  </a:ext>
-                </a:extLst>
-              </p:cNvPr>
-              <p:cNvCxnSpPr>
-                <a:cxnSpLocks/>
-              </p:cNvCxnSpPr>
-              <p:nvPr/>
-            </p:nvCxnSpPr>
-            <p:spPr>
-              <a:xfrm>
-                <a:off x="294290" y="1161393"/>
-                <a:ext cx="0" cy="698938"/>
-              </a:xfrm>
-              <a:prstGeom prst="line">
-                <a:avLst/>
-              </a:prstGeom>
-              <a:ln w="9525"/>
-            </p:spPr>
-            <p:style>
-              <a:lnRef idx="1">
-                <a:schemeClr val="dk1"/>
-              </a:lnRef>
-              <a:fillRef idx="0">
-                <a:schemeClr val="dk1"/>
-              </a:fillRef>
-              <a:effectRef idx="0">
-                <a:schemeClr val="dk1"/>
-              </a:effectRef>
-              <a:fontRef idx="minor">
-                <a:schemeClr val="tx1"/>
-              </a:fontRef>
-            </p:style>
-          </p:cxnSp>
-          <p:cxnSp>
-            <p:nvCxnSpPr>
-              <p:cNvPr id="42" name="Gerader Verbinder 41">
-                <a:extLst>
-                  <a:ext uri="{FF2B5EF4-FFF2-40B4-BE49-F238E27FC236}">
-                    <a16:creationId xmlns:a16="http://schemas.microsoft.com/office/drawing/2014/main" id="{3DF1FE10-1FAE-4B5E-B84B-F35DE51D5AFA}"/>
-                  </a:ext>
-                </a:extLst>
-              </p:cNvPr>
-              <p:cNvCxnSpPr>
-                <a:cxnSpLocks/>
-              </p:cNvCxnSpPr>
-              <p:nvPr/>
-            </p:nvCxnSpPr>
-            <p:spPr>
-              <a:xfrm>
-                <a:off x="23648" y="1424151"/>
-                <a:ext cx="0" cy="446689"/>
-              </a:xfrm>
-              <a:prstGeom prst="line">
-                <a:avLst/>
-              </a:prstGeom>
-              <a:ln w="9525"/>
-            </p:spPr>
-            <p:style>
-              <a:lnRef idx="1">
-                <a:schemeClr val="dk1"/>
-              </a:lnRef>
-              <a:fillRef idx="0">
-                <a:schemeClr val="dk1"/>
-              </a:fillRef>
-              <a:effectRef idx="0">
-                <a:schemeClr val="dk1"/>
-              </a:effectRef>
-              <a:fontRef idx="minor">
-                <a:schemeClr val="tx1"/>
-              </a:fontRef>
-            </p:style>
-          </p:cxnSp>
-          <p:cxnSp>
-            <p:nvCxnSpPr>
-              <p:cNvPr id="44" name="Gerader Verbinder 43">
-                <a:extLst>
-                  <a:ext uri="{FF2B5EF4-FFF2-40B4-BE49-F238E27FC236}">
-                    <a16:creationId xmlns:a16="http://schemas.microsoft.com/office/drawing/2014/main" id="{C6FCC65A-210C-4F74-9536-7D1AC8005E18}"/>
-                  </a:ext>
-                </a:extLst>
-              </p:cNvPr>
-              <p:cNvCxnSpPr>
-                <a:cxnSpLocks/>
-              </p:cNvCxnSpPr>
-              <p:nvPr/>
-            </p:nvCxnSpPr>
-            <p:spPr>
-              <a:xfrm>
-                <a:off x="-223342" y="1602828"/>
-                <a:ext cx="0" cy="257503"/>
-              </a:xfrm>
-              <a:prstGeom prst="line">
-                <a:avLst/>
-              </a:prstGeom>
-              <a:ln w="9525"/>
-            </p:spPr>
-            <p:style>
-              <a:lnRef idx="1">
-                <a:schemeClr val="dk1"/>
-              </a:lnRef>
-              <a:fillRef idx="0">
-                <a:schemeClr val="dk1"/>
-              </a:fillRef>
-              <a:effectRef idx="0">
-                <a:schemeClr val="dk1"/>
-              </a:effectRef>
-              <a:fontRef idx="minor">
-                <a:schemeClr val="tx1"/>
-              </a:fontRef>
-            </p:style>
-          </p:cxnSp>
-        </p:grpSp>
+            <a:prstGeom prst="rect">
+              <a:avLst/>
+            </a:prstGeom>
+          </p:spPr>
+        </p:pic>
       </p:grpSp>
-      <p:cxnSp>
-        <p:nvCxnSpPr>
-          <p:cNvPr id="5" name="Gerader Verbinder 4">
+      <p:sp>
+        <p:nvSpPr>
+          <p:cNvPr id="5" name="Rechteck 4">
             <a:extLst>
               <a:ext uri="{FF2B5EF4-FFF2-40B4-BE49-F238E27FC236}">
-                <a16:creationId xmlns:a16="http://schemas.microsoft.com/office/drawing/2014/main" id="{DD2FE4E9-A902-429D-9AD7-B1A890DED43E}"/>
+                <a16:creationId xmlns:a16="http://schemas.microsoft.com/office/drawing/2014/main" id="{40CD0326-3EFA-4E43-B2B2-C53F8A73D151}"/>
               </a:ext>
             </a:extLst>
           </p:cNvPr>
-          <p:cNvCxnSpPr/>
+          <p:cNvSpPr/>
           <p:nvPr/>
-        </p:nvCxnSpPr>
+        </p:nvSpPr>
         <p:spPr>
           <a:xfrm>
-            <a:off x="4953000" y="0"/>
-            <a:ext cx="0" cy="6858000"/>
+            <a:off x="695740" y="1040296"/>
+            <a:ext cx="5353877" cy="3591339"/>
           </a:xfrm>
-          <a:prstGeom prst="line">
-            <a:avLst/>
-          </a:prstGeom>
-        </p:spPr>
-        <p:style>
-          <a:lnRef idx="1">
-            <a:schemeClr val="dk1"/>
-          </a:lnRef>
-          <a:fillRef idx="0">
-            <a:schemeClr val="dk1"/>
-          </a:fillRef>
-          <a:effectRef idx="0">
-            <a:schemeClr val="dk1"/>
-          </a:effectRef>
-          <a:fontRef idx="minor">
-            <a:schemeClr val="tx1"/>
-          </a:fontRef>
-        </p:style>
-      </p:cxnSp>
-      <p:cxnSp>
-        <p:nvCxnSpPr>
-          <p:cNvPr id="7" name="Gerader Verbinder 6">
-            <a:extLst>
-              <a:ext uri="{FF2B5EF4-FFF2-40B4-BE49-F238E27FC236}">
-                <a16:creationId xmlns:a16="http://schemas.microsoft.com/office/drawing/2014/main" id="{36719A06-93DE-41A9-A3EF-042C360BFAA8}"/>
-              </a:ext>
-            </a:extLst>
-          </p:cNvPr>
-          <p:cNvCxnSpPr/>
-          <p:nvPr/>
-        </p:nvCxnSpPr>
-        <p:spPr>
-          <a:xfrm>
-            <a:off x="0" y="3429000"/>
-            <a:ext cx="9906000" cy="0"/>
-          </a:xfrm>
-          <a:prstGeom prst="line">
+          <a:prstGeom prst="rect">
             <a:avLst/>
           </a:prstGeom>
           <a:ln>
             <a:solidFill>
               <a:schemeClr val="tx1"/>
             </a:solidFill>
-            <a:prstDash val="sysDash"/>
           </a:ln>
         </p:spPr>
         <p:style>
-          <a:lnRef idx="1">
-            <a:schemeClr val="accent1"/>
+          <a:lnRef idx="2">
+            <a:schemeClr val="accent6"/>
           </a:lnRef>
-          <a:fillRef idx="0">
-            <a:schemeClr val="accent1"/>
+          <a:fillRef idx="1">
+            <a:schemeClr val="lt1"/>
           </a:fillRef>
           <a:effectRef idx="0">
-            <a:schemeClr val="accent1"/>
+            <a:schemeClr val="accent6"/>
           </a:effectRef>
           <a:fontRef idx="minor">
-            <a:schemeClr val="tx1"/>
+            <a:schemeClr val="dk1"/>
           </a:fontRef>
         </p:style>
-      </p:cxnSp>
-      <p:grpSp>
-        <p:nvGrpSpPr>
-          <p:cNvPr id="25" name="Gruppieren 24">
-            <a:extLst>
-              <a:ext uri="{FF2B5EF4-FFF2-40B4-BE49-F238E27FC236}">
-                <a16:creationId xmlns:a16="http://schemas.microsoft.com/office/drawing/2014/main" id="{A4AB144E-7C1A-4EA4-B582-0F2479D10555}"/>
-              </a:ext>
-            </a:extLst>
-          </p:cNvPr>
-          <p:cNvGrpSpPr/>
-          <p:nvPr/>
-        </p:nvGrpSpPr>
-        <p:grpSpPr>
-          <a:xfrm rot="16200000">
-            <a:off x="4939064" y="-711601"/>
-            <a:ext cx="4989443" cy="5042452"/>
-            <a:chOff x="1185553" y="-214312"/>
-            <a:chExt cx="7534893" cy="7286624"/>
-          </a:xfrm>
-        </p:grpSpPr>
-        <p:grpSp>
-          <p:nvGrpSpPr>
-            <p:cNvPr id="26" name="Gruppieren 25">
-              <a:extLst>
-                <a:ext uri="{FF2B5EF4-FFF2-40B4-BE49-F238E27FC236}">
-                  <a16:creationId xmlns:a16="http://schemas.microsoft.com/office/drawing/2014/main" id="{DF96541C-4516-4DAC-805D-E14EFE561B7A}"/>
-                </a:ext>
-              </a:extLst>
-            </p:cNvPr>
-            <p:cNvGrpSpPr/>
-            <p:nvPr/>
-          </p:nvGrpSpPr>
-          <p:grpSpPr>
-            <a:xfrm>
-              <a:off x="1185553" y="-214312"/>
-              <a:ext cx="7534893" cy="7286624"/>
-              <a:chOff x="1185553" y="-214312"/>
-              <a:chExt cx="7534893" cy="7286624"/>
-            </a:xfrm>
-          </p:grpSpPr>
-          <p:grpSp>
-            <p:nvGrpSpPr>
-              <p:cNvPr id="45" name="Gruppieren 44">
-                <a:extLst>
-                  <a:ext uri="{FF2B5EF4-FFF2-40B4-BE49-F238E27FC236}">
-                    <a16:creationId xmlns:a16="http://schemas.microsoft.com/office/drawing/2014/main" id="{AF0C799E-BF54-4134-A2DB-AC4886251CC9}"/>
-                  </a:ext>
-                </a:extLst>
-              </p:cNvPr>
-              <p:cNvGrpSpPr/>
-              <p:nvPr/>
-            </p:nvGrpSpPr>
-            <p:grpSpPr>
-              <a:xfrm>
-                <a:off x="1185553" y="-214312"/>
-                <a:ext cx="7534893" cy="7286624"/>
-                <a:chOff x="1185553" y="-214312"/>
-                <a:chExt cx="7534893" cy="7286624"/>
-              </a:xfrm>
-            </p:grpSpPr>
-            <p:grpSp>
-              <p:nvGrpSpPr>
-                <p:cNvPr id="49" name="Gruppieren 48">
-                  <a:extLst>
-                    <a:ext uri="{FF2B5EF4-FFF2-40B4-BE49-F238E27FC236}">
-                      <a16:creationId xmlns:a16="http://schemas.microsoft.com/office/drawing/2014/main" id="{EC8386A8-DE71-4AF4-B3E9-64D816192DAB}"/>
-                    </a:ext>
-                  </a:extLst>
-                </p:cNvPr>
-                <p:cNvGrpSpPr/>
-                <p:nvPr/>
-              </p:nvGrpSpPr>
-              <p:grpSpPr>
-                <a:xfrm>
-                  <a:off x="1185553" y="-214312"/>
-                  <a:ext cx="7534893" cy="7286624"/>
-                  <a:chOff x="1185553" y="-214312"/>
-                  <a:chExt cx="7534893" cy="7286624"/>
-                </a:xfrm>
-              </p:grpSpPr>
-              <p:grpSp>
-                <p:nvGrpSpPr>
-                  <p:cNvPr id="51" name="Gruppieren 50">
-                    <a:extLst>
-                      <a:ext uri="{FF2B5EF4-FFF2-40B4-BE49-F238E27FC236}">
-                        <a16:creationId xmlns:a16="http://schemas.microsoft.com/office/drawing/2014/main" id="{0C802737-0829-4082-B270-54815E92D138}"/>
-                      </a:ext>
-                    </a:extLst>
-                  </p:cNvPr>
-                  <p:cNvGrpSpPr/>
-                  <p:nvPr/>
-                </p:nvGrpSpPr>
-                <p:grpSpPr>
-                  <a:xfrm>
-                    <a:off x="1185553" y="-214312"/>
-                    <a:ext cx="7534893" cy="7286624"/>
-                    <a:chOff x="1185553" y="-214312"/>
-                    <a:chExt cx="7534893" cy="7286624"/>
-                  </a:xfrm>
-                </p:grpSpPr>
-                <p:pic>
-                  <p:nvPicPr>
-                    <p:cNvPr id="53" name="Grafik 52" descr="Smartphone">
-                      <a:extLst>
-                        <a:ext uri="{FF2B5EF4-FFF2-40B4-BE49-F238E27FC236}">
-                          <a16:creationId xmlns:a16="http://schemas.microsoft.com/office/drawing/2014/main" id="{491DFA59-9EFD-41FD-8F80-9F070E33E40E}"/>
-                        </a:ext>
-                      </a:extLst>
-                    </p:cNvPr>
-                    <p:cNvPicPr>
-                      <a:picLocks noChangeAspect="1"/>
-                    </p:cNvPicPr>
-                    <p:nvPr/>
-                  </p:nvPicPr>
-                  <p:blipFill>
-                    <a:blip r:embed="rId2">
-                      <a:extLst>
-                        <a:ext uri="{28A0092B-C50C-407E-A947-70E740481C1C}">
-                          <a14:useLocalDpi xmlns:a14="http://schemas.microsoft.com/office/drawing/2010/main" val="0"/>
-                        </a:ext>
-                        <a:ext uri="{96DAC541-7B7A-43D3-8B79-37D633B846F1}">
-                          <asvg:svgBlip xmlns:asvg="http://schemas.microsoft.com/office/drawing/2016/SVG/main" r:embed="rId3"/>
-                        </a:ext>
-                      </a:extLst>
-                    </a:blip>
-                    <a:stretch>
-                      <a:fillRect/>
-                    </a:stretch>
-                  </p:blipFill>
-                  <p:spPr>
-                    <a:xfrm>
-                      <a:off x="1185553" y="-214312"/>
-                      <a:ext cx="7534893" cy="7286624"/>
-                    </a:xfrm>
-                    <a:prstGeom prst="rect">
-                      <a:avLst/>
-                    </a:prstGeom>
-                  </p:spPr>
-                </p:pic>
-                <p:sp>
-                  <p:nvSpPr>
-                    <p:cNvPr id="55" name="Rechteck 54">
-                      <a:extLst>
-                        <a:ext uri="{FF2B5EF4-FFF2-40B4-BE49-F238E27FC236}">
-                          <a16:creationId xmlns:a16="http://schemas.microsoft.com/office/drawing/2014/main" id="{00B935C2-7DF3-4C1F-8D62-FE6D5E53509B}"/>
-                        </a:ext>
-                      </a:extLst>
-                    </p:cNvPr>
-                    <p:cNvSpPr/>
-                    <p:nvPr/>
-                  </p:nvSpPr>
-                  <p:spPr>
-                    <a:xfrm>
-                      <a:off x="3238499" y="266700"/>
-                      <a:ext cx="3429000" cy="6057900"/>
-                    </a:xfrm>
-                    <a:prstGeom prst="rect">
-                      <a:avLst/>
-                    </a:prstGeom>
-                    <a:ln>
-                      <a:solidFill>
-                        <a:schemeClr val="tx1"/>
-                      </a:solidFill>
-                    </a:ln>
-                  </p:spPr>
-                  <p:style>
-                    <a:lnRef idx="2">
-                      <a:schemeClr val="accent6"/>
-                    </a:lnRef>
-                    <a:fillRef idx="1">
-                      <a:schemeClr val="lt1"/>
-                    </a:fillRef>
-                    <a:effectRef idx="0">
-                      <a:schemeClr val="accent6"/>
-                    </a:effectRef>
-                    <a:fontRef idx="minor">
-                      <a:schemeClr val="dk1"/>
-                    </a:fontRef>
-                  </p:style>
-                  <p:txBody>
-                    <a:bodyPr rtlCol="0" anchor="ctr"/>
-                    <a:lstStyle/>
-                    <a:p>
-                      <a:pPr algn="ctr"/>
-                      <a:endParaRPr lang="de-DE" sz="900"/>
-                    </a:p>
-                  </p:txBody>
-                </p:sp>
-              </p:grpSp>
-              <p:pic>
-                <p:nvPicPr>
-                  <p:cNvPr id="52" name="Inhaltsplatzhalter 3" title="ScaleIT_Logo">
-                    <a:extLst>
-                      <a:ext uri="{FF2B5EF4-FFF2-40B4-BE49-F238E27FC236}">
-                        <a16:creationId xmlns:a16="http://schemas.microsoft.com/office/drawing/2014/main" id="{5AD1024E-DD1B-4E39-B179-F3977FCD447B}"/>
-                      </a:ext>
-                    </a:extLst>
-                  </p:cNvPr>
-                  <p:cNvPicPr>
-                    <a:picLocks/>
-                  </p:cNvPicPr>
-                  <p:nvPr/>
-                </p:nvPicPr>
-                <p:blipFill>
-                  <a:blip r:embed="rId4">
-                    <a:extLst>
-                      <a:ext uri="{28A0092B-C50C-407E-A947-70E740481C1C}">
-                        <a14:useLocalDpi xmlns:a14="http://schemas.microsoft.com/office/drawing/2010/main" val="0"/>
-                      </a:ext>
-                    </a:extLst>
-                  </a:blip>
-                  <a:stretch>
-                    <a:fillRect/>
-                  </a:stretch>
-                </p:blipFill>
-                <p:spPr>
-                  <a:xfrm>
-                    <a:off x="5581649" y="6446536"/>
-                    <a:ext cx="1162655" cy="251920"/>
-                  </a:xfrm>
-                  <a:prstGeom prst="rect">
-                    <a:avLst/>
-                  </a:prstGeom>
-                </p:spPr>
-              </p:pic>
-            </p:grpSp>
-            <p:sp>
-              <p:nvSpPr>
-                <p:cNvPr id="50" name="Ellipse 49">
-                  <a:extLst>
-                    <a:ext uri="{FF2B5EF4-FFF2-40B4-BE49-F238E27FC236}">
-                      <a16:creationId xmlns:a16="http://schemas.microsoft.com/office/drawing/2014/main" id="{A1F6D8C4-3A21-401B-8511-A89F3B2A0C93}"/>
-                    </a:ext>
-                  </a:extLst>
-                </p:cNvPr>
-                <p:cNvSpPr/>
-                <p:nvPr/>
-              </p:nvSpPr>
-              <p:spPr>
-                <a:xfrm>
-                  <a:off x="4824411" y="6398911"/>
-                  <a:ext cx="257175" cy="247650"/>
-                </a:xfrm>
-                <a:prstGeom prst="ellipse">
-                  <a:avLst/>
-                </a:prstGeom>
-                <a:ln>
-                  <a:solidFill>
-                    <a:schemeClr val="tx1"/>
-                  </a:solidFill>
-                </a:ln>
-              </p:spPr>
-              <p:style>
-                <a:lnRef idx="2">
-                  <a:schemeClr val="accent6"/>
-                </a:lnRef>
-                <a:fillRef idx="1">
-                  <a:schemeClr val="lt1"/>
-                </a:fillRef>
-                <a:effectRef idx="0">
-                  <a:schemeClr val="accent6"/>
-                </a:effectRef>
-                <a:fontRef idx="minor">
-                  <a:schemeClr val="dk1"/>
-                </a:fontRef>
-              </p:style>
-              <p:txBody>
-                <a:bodyPr rtlCol="0" anchor="ctr"/>
-                <a:lstStyle/>
-                <a:p>
-                  <a:pPr algn="ctr"/>
-                  <a:endParaRPr lang="de-DE" sz="900"/>
-                </a:p>
-              </p:txBody>
-            </p:sp>
-          </p:grpSp>
-          <p:pic>
-            <p:nvPicPr>
-              <p:cNvPr id="46" name="Grafik 45">
-                <a:extLst>
-                  <a:ext uri="{FF2B5EF4-FFF2-40B4-BE49-F238E27FC236}">
-                    <a16:creationId xmlns:a16="http://schemas.microsoft.com/office/drawing/2014/main" id="{22C99CAF-129F-4AF8-A4B3-3BB2EAB6816F}"/>
-                  </a:ext>
-                </a:extLst>
-              </p:cNvPr>
-              <p:cNvPicPr>
-                <a:picLocks noChangeAspect="1"/>
-              </p:cNvPicPr>
-              <p:nvPr/>
-            </p:nvPicPr>
-            <p:blipFill>
-              <a:blip r:embed="rId5">
-                <a:extLst>
-                  <a:ext uri="{28A0092B-C50C-407E-A947-70E740481C1C}">
-                    <a14:useLocalDpi xmlns:a14="http://schemas.microsoft.com/office/drawing/2010/main" val="0"/>
-                  </a:ext>
-                </a:extLst>
-              </a:blip>
-              <a:stretch>
-                <a:fillRect/>
-              </a:stretch>
-            </p:blipFill>
-            <p:spPr>
-              <a:xfrm>
-                <a:off x="5869337" y="285153"/>
-                <a:ext cx="192327" cy="190760"/>
-              </a:xfrm>
-              <a:prstGeom prst="rect">
-                <a:avLst/>
-              </a:prstGeom>
-            </p:spPr>
-          </p:pic>
-          <p:pic>
-            <p:nvPicPr>
-              <p:cNvPr id="47" name="Grafik 46">
-                <a:extLst>
-                  <a:ext uri="{FF2B5EF4-FFF2-40B4-BE49-F238E27FC236}">
-                    <a16:creationId xmlns:a16="http://schemas.microsoft.com/office/drawing/2014/main" id="{AF0823C2-B35B-4F3C-B196-5F9CC7F4C54E}"/>
-                  </a:ext>
-                </a:extLst>
-              </p:cNvPr>
-              <p:cNvPicPr>
-                <a:picLocks noChangeAspect="1"/>
-              </p:cNvPicPr>
-              <p:nvPr/>
-            </p:nvPicPr>
-            <p:blipFill>
-              <a:blip r:embed="rId6">
-                <a:extLst>
-                  <a:ext uri="{28A0092B-C50C-407E-A947-70E740481C1C}">
-                    <a14:useLocalDpi xmlns:a14="http://schemas.microsoft.com/office/drawing/2010/main" val="0"/>
-                  </a:ext>
-                </a:extLst>
-              </a:blip>
-              <a:stretch>
-                <a:fillRect/>
-              </a:stretch>
-            </p:blipFill>
-            <p:spPr>
-              <a:xfrm>
-                <a:off x="6082061" y="290410"/>
-                <a:ext cx="187362" cy="185835"/>
-              </a:xfrm>
-              <a:prstGeom prst="rect">
-                <a:avLst/>
-              </a:prstGeom>
-            </p:spPr>
-          </p:pic>
-          <p:sp>
-            <p:nvSpPr>
-              <p:cNvPr id="48" name="Textfeld 47">
-                <a:extLst>
-                  <a:ext uri="{FF2B5EF4-FFF2-40B4-BE49-F238E27FC236}">
-                    <a16:creationId xmlns:a16="http://schemas.microsoft.com/office/drawing/2014/main" id="{0880047B-A71A-49D8-90CB-8058589BF11D}"/>
-                  </a:ext>
-                </a:extLst>
-              </p:cNvPr>
-              <p:cNvSpPr txBox="1"/>
-              <p:nvPr/>
-            </p:nvSpPr>
-            <p:spPr>
-              <a:xfrm>
-                <a:off x="6131818" y="254354"/>
-                <a:ext cx="613072" cy="289091"/>
-              </a:xfrm>
-              <a:prstGeom prst="rect">
-                <a:avLst/>
-              </a:prstGeom>
-              <a:noFill/>
-            </p:spPr>
-            <p:txBody>
-              <a:bodyPr wrap="square" rtlCol="0">
-                <a:spAutoFit/>
-              </a:bodyPr>
-              <a:lstStyle/>
-              <a:p>
-                <a:r>
-                  <a:rPr lang="de-DE" sz="700" dirty="0"/>
-                  <a:t>16:00</a:t>
-                </a:r>
-                <a:endParaRPr lang="de-DE" sz="1000" dirty="0"/>
-              </a:p>
-            </p:txBody>
-          </p:sp>
-        </p:grpSp>
-        <p:grpSp>
-          <p:nvGrpSpPr>
-            <p:cNvPr id="27" name="Gruppieren 26">
-              <a:extLst>
-                <a:ext uri="{FF2B5EF4-FFF2-40B4-BE49-F238E27FC236}">
-                  <a16:creationId xmlns:a16="http://schemas.microsoft.com/office/drawing/2014/main" id="{C339BE07-1FA8-49D2-809B-A2F8B2D71933}"/>
-                </a:ext>
-              </a:extLst>
-            </p:cNvPr>
-            <p:cNvGrpSpPr/>
-            <p:nvPr/>
-          </p:nvGrpSpPr>
-          <p:grpSpPr>
-            <a:xfrm>
-              <a:off x="5656183" y="310106"/>
-              <a:ext cx="147144" cy="136633"/>
-              <a:chOff x="-515006" y="977461"/>
-              <a:chExt cx="1045778" cy="893379"/>
-            </a:xfrm>
-          </p:grpSpPr>
-          <p:sp>
-            <p:nvSpPr>
-              <p:cNvPr id="28" name="Rechtwinkliges Dreieck 27">
-                <a:extLst>
-                  <a:ext uri="{FF2B5EF4-FFF2-40B4-BE49-F238E27FC236}">
-                    <a16:creationId xmlns:a16="http://schemas.microsoft.com/office/drawing/2014/main" id="{40892C98-70D9-48F9-9A6F-D3AB57A3B2A9}"/>
-                  </a:ext>
-                </a:extLst>
-              </p:cNvPr>
-              <p:cNvSpPr/>
-              <p:nvPr/>
-            </p:nvSpPr>
-            <p:spPr>
-              <a:xfrm flipH="1">
-                <a:off x="-515006" y="977461"/>
-                <a:ext cx="1045778" cy="893379"/>
-              </a:xfrm>
-              <a:prstGeom prst="rtTriangle">
-                <a:avLst/>
-              </a:prstGeom>
-              <a:ln/>
-            </p:spPr>
-            <p:style>
-              <a:lnRef idx="2">
-                <a:schemeClr val="dk1"/>
-              </a:lnRef>
-              <a:fillRef idx="1">
-                <a:schemeClr val="lt1"/>
-              </a:fillRef>
-              <a:effectRef idx="0">
-                <a:schemeClr val="dk1"/>
-              </a:effectRef>
-              <a:fontRef idx="minor">
-                <a:schemeClr val="dk1"/>
-              </a:fontRef>
-            </p:style>
-            <p:txBody>
-              <a:bodyPr rtlCol="0" anchor="ctr"/>
-              <a:lstStyle/>
-              <a:p>
-                <a:pPr algn="ctr"/>
-                <a:endParaRPr lang="de-DE" sz="900"/>
-              </a:p>
-            </p:txBody>
-          </p:sp>
-          <p:cxnSp>
-            <p:nvCxnSpPr>
-              <p:cNvPr id="29" name="Gerader Verbinder 28">
-                <a:extLst>
-                  <a:ext uri="{FF2B5EF4-FFF2-40B4-BE49-F238E27FC236}">
-                    <a16:creationId xmlns:a16="http://schemas.microsoft.com/office/drawing/2014/main" id="{85608CAD-69C2-465E-88BA-1DC9082CA020}"/>
-                  </a:ext>
-                </a:extLst>
-              </p:cNvPr>
-              <p:cNvCxnSpPr>
-                <a:cxnSpLocks/>
-              </p:cNvCxnSpPr>
-              <p:nvPr/>
-            </p:nvCxnSpPr>
-            <p:spPr>
-              <a:xfrm>
-                <a:off x="294290" y="1161393"/>
-                <a:ext cx="0" cy="698938"/>
-              </a:xfrm>
-              <a:prstGeom prst="line">
-                <a:avLst/>
-              </a:prstGeom>
-              <a:ln w="9525"/>
-            </p:spPr>
-            <p:style>
-              <a:lnRef idx="1">
-                <a:schemeClr val="dk1"/>
-              </a:lnRef>
-              <a:fillRef idx="0">
-                <a:schemeClr val="dk1"/>
-              </a:fillRef>
-              <a:effectRef idx="0">
-                <a:schemeClr val="dk1"/>
-              </a:effectRef>
-              <a:fontRef idx="minor">
-                <a:schemeClr val="tx1"/>
-              </a:fontRef>
-            </p:style>
-          </p:cxnSp>
-          <p:cxnSp>
-            <p:nvCxnSpPr>
-              <p:cNvPr id="40" name="Gerader Verbinder 39">
-                <a:extLst>
-                  <a:ext uri="{FF2B5EF4-FFF2-40B4-BE49-F238E27FC236}">
-                    <a16:creationId xmlns:a16="http://schemas.microsoft.com/office/drawing/2014/main" id="{EDB464B2-C9EF-4154-B7C8-433E1A87D663}"/>
-                  </a:ext>
-                </a:extLst>
-              </p:cNvPr>
-              <p:cNvCxnSpPr>
-                <a:cxnSpLocks/>
-              </p:cNvCxnSpPr>
-              <p:nvPr/>
-            </p:nvCxnSpPr>
-            <p:spPr>
-              <a:xfrm>
-                <a:off x="23648" y="1424151"/>
-                <a:ext cx="0" cy="446689"/>
-              </a:xfrm>
-              <a:prstGeom prst="line">
-                <a:avLst/>
-              </a:prstGeom>
-              <a:ln w="9525"/>
-            </p:spPr>
-            <p:style>
-              <a:lnRef idx="1">
-                <a:schemeClr val="dk1"/>
-              </a:lnRef>
-              <a:fillRef idx="0">
-                <a:schemeClr val="dk1"/>
-              </a:fillRef>
-              <a:effectRef idx="0">
-                <a:schemeClr val="dk1"/>
-              </a:effectRef>
-              <a:fontRef idx="minor">
-                <a:schemeClr val="tx1"/>
-              </a:fontRef>
-            </p:style>
-          </p:cxnSp>
-          <p:cxnSp>
-            <p:nvCxnSpPr>
-              <p:cNvPr id="43" name="Gerader Verbinder 42">
-                <a:extLst>
-                  <a:ext uri="{FF2B5EF4-FFF2-40B4-BE49-F238E27FC236}">
-                    <a16:creationId xmlns:a16="http://schemas.microsoft.com/office/drawing/2014/main" id="{66D36372-9077-40DC-B4B6-0241046F350C}"/>
-                  </a:ext>
-                </a:extLst>
-              </p:cNvPr>
-              <p:cNvCxnSpPr>
-                <a:cxnSpLocks/>
-              </p:cNvCxnSpPr>
-              <p:nvPr/>
-            </p:nvCxnSpPr>
-            <p:spPr>
-              <a:xfrm>
-                <a:off x="-223342" y="1602828"/>
-                <a:ext cx="0" cy="257503"/>
-              </a:xfrm>
-              <a:prstGeom prst="line">
-                <a:avLst/>
-              </a:prstGeom>
-              <a:ln w="9525"/>
-            </p:spPr>
-            <p:style>
-              <a:lnRef idx="1">
-                <a:schemeClr val="dk1"/>
-              </a:lnRef>
-              <a:fillRef idx="0">
-                <a:schemeClr val="dk1"/>
-              </a:fillRef>
-              <a:effectRef idx="0">
-                <a:schemeClr val="dk1"/>
-              </a:effectRef>
-              <a:fontRef idx="minor">
-                <a:schemeClr val="tx1"/>
-              </a:fontRef>
-            </p:style>
-          </p:cxnSp>
-        </p:grpSp>
-      </p:grpSp>
-      <p:grpSp>
-        <p:nvGrpSpPr>
-          <p:cNvPr id="56" name="Gruppieren 55">
-            <a:extLst>
-              <a:ext uri="{FF2B5EF4-FFF2-40B4-BE49-F238E27FC236}">
-                <a16:creationId xmlns:a16="http://schemas.microsoft.com/office/drawing/2014/main" id="{A0B48E3F-95AD-43ED-AF16-D8778E171E88}"/>
-              </a:ext>
-            </a:extLst>
-          </p:cNvPr>
-          <p:cNvGrpSpPr/>
-          <p:nvPr/>
-        </p:nvGrpSpPr>
-        <p:grpSpPr>
-          <a:xfrm rot="16200000">
-            <a:off x="4939065" y="2536308"/>
-            <a:ext cx="4989443" cy="5042452"/>
-            <a:chOff x="1185553" y="-214312"/>
-            <a:chExt cx="7534893" cy="7286624"/>
-          </a:xfrm>
-        </p:grpSpPr>
-        <p:grpSp>
-          <p:nvGrpSpPr>
-            <p:cNvPr id="57" name="Gruppieren 56">
-              <a:extLst>
-                <a:ext uri="{FF2B5EF4-FFF2-40B4-BE49-F238E27FC236}">
-                  <a16:creationId xmlns:a16="http://schemas.microsoft.com/office/drawing/2014/main" id="{12415F00-7BC4-4B64-9D81-C50C17F3C044}"/>
-                </a:ext>
-              </a:extLst>
-            </p:cNvPr>
-            <p:cNvGrpSpPr/>
-            <p:nvPr/>
-          </p:nvGrpSpPr>
-          <p:grpSpPr>
-            <a:xfrm>
-              <a:off x="1185553" y="-214312"/>
-              <a:ext cx="7534893" cy="7286624"/>
-              <a:chOff x="1185553" y="-214312"/>
-              <a:chExt cx="7534893" cy="7286624"/>
-            </a:xfrm>
-          </p:grpSpPr>
-          <p:grpSp>
-            <p:nvGrpSpPr>
-              <p:cNvPr id="63" name="Gruppieren 62">
-                <a:extLst>
-                  <a:ext uri="{FF2B5EF4-FFF2-40B4-BE49-F238E27FC236}">
-                    <a16:creationId xmlns:a16="http://schemas.microsoft.com/office/drawing/2014/main" id="{92100282-5383-4D4C-B8AA-E2689624C307}"/>
-                  </a:ext>
-                </a:extLst>
-              </p:cNvPr>
-              <p:cNvGrpSpPr/>
-              <p:nvPr/>
-            </p:nvGrpSpPr>
-            <p:grpSpPr>
-              <a:xfrm>
-                <a:off x="1185553" y="-214312"/>
-                <a:ext cx="7534893" cy="7286624"/>
-                <a:chOff x="1185553" y="-214312"/>
-                <a:chExt cx="7534893" cy="7286624"/>
-              </a:xfrm>
-            </p:grpSpPr>
-            <p:grpSp>
-              <p:nvGrpSpPr>
-                <p:cNvPr id="68" name="Gruppieren 67">
-                  <a:extLst>
-                    <a:ext uri="{FF2B5EF4-FFF2-40B4-BE49-F238E27FC236}">
-                      <a16:creationId xmlns:a16="http://schemas.microsoft.com/office/drawing/2014/main" id="{90C650C6-ED51-4042-90FE-648A1B6026E7}"/>
-                    </a:ext>
-                  </a:extLst>
-                </p:cNvPr>
-                <p:cNvGrpSpPr/>
-                <p:nvPr/>
-              </p:nvGrpSpPr>
-              <p:grpSpPr>
-                <a:xfrm>
-                  <a:off x="1185553" y="-214312"/>
-                  <a:ext cx="7534893" cy="7286624"/>
-                  <a:chOff x="1185553" y="-214312"/>
-                  <a:chExt cx="7534893" cy="7286624"/>
-                </a:xfrm>
-              </p:grpSpPr>
-              <p:grpSp>
-                <p:nvGrpSpPr>
-                  <p:cNvPr id="70" name="Gruppieren 69">
-                    <a:extLst>
-                      <a:ext uri="{FF2B5EF4-FFF2-40B4-BE49-F238E27FC236}">
-                        <a16:creationId xmlns:a16="http://schemas.microsoft.com/office/drawing/2014/main" id="{84E2AC8E-33BC-4C38-82C6-D58444F0E749}"/>
-                      </a:ext>
-                    </a:extLst>
-                  </p:cNvPr>
-                  <p:cNvGrpSpPr/>
-                  <p:nvPr/>
-                </p:nvGrpSpPr>
-                <p:grpSpPr>
-                  <a:xfrm>
-                    <a:off x="1185553" y="-214312"/>
-                    <a:ext cx="7534893" cy="7286624"/>
-                    <a:chOff x="1185553" y="-214312"/>
-                    <a:chExt cx="7534893" cy="7286624"/>
-                  </a:xfrm>
-                </p:grpSpPr>
-                <p:pic>
-                  <p:nvPicPr>
-                    <p:cNvPr id="72" name="Grafik 71" descr="Smartphone">
-                      <a:extLst>
-                        <a:ext uri="{FF2B5EF4-FFF2-40B4-BE49-F238E27FC236}">
-                          <a16:creationId xmlns:a16="http://schemas.microsoft.com/office/drawing/2014/main" id="{18EE7581-FAA5-4FD9-92C5-8D93A0B8BFAF}"/>
-                        </a:ext>
-                      </a:extLst>
-                    </p:cNvPr>
-                    <p:cNvPicPr>
-                      <a:picLocks noChangeAspect="1"/>
-                    </p:cNvPicPr>
-                    <p:nvPr/>
-                  </p:nvPicPr>
-                  <p:blipFill>
-                    <a:blip r:embed="rId2">
-                      <a:extLst>
-                        <a:ext uri="{28A0092B-C50C-407E-A947-70E740481C1C}">
-                          <a14:useLocalDpi xmlns:a14="http://schemas.microsoft.com/office/drawing/2010/main" val="0"/>
-                        </a:ext>
-                        <a:ext uri="{96DAC541-7B7A-43D3-8B79-37D633B846F1}">
-                          <asvg:svgBlip xmlns:asvg="http://schemas.microsoft.com/office/drawing/2016/SVG/main" r:embed="rId3"/>
-                        </a:ext>
-                      </a:extLst>
-                    </a:blip>
-                    <a:stretch>
-                      <a:fillRect/>
-                    </a:stretch>
-                  </p:blipFill>
-                  <p:spPr>
-                    <a:xfrm>
-                      <a:off x="1185553" y="-214312"/>
-                      <a:ext cx="7534893" cy="7286624"/>
-                    </a:xfrm>
-                    <a:prstGeom prst="rect">
-                      <a:avLst/>
-                    </a:prstGeom>
-                  </p:spPr>
-                </p:pic>
-                <p:sp>
-                  <p:nvSpPr>
-                    <p:cNvPr id="73" name="Rechteck 72">
-                      <a:extLst>
-                        <a:ext uri="{FF2B5EF4-FFF2-40B4-BE49-F238E27FC236}">
-                          <a16:creationId xmlns:a16="http://schemas.microsoft.com/office/drawing/2014/main" id="{F557CD74-8C9C-416E-AEB9-80CF80E8481D}"/>
-                        </a:ext>
-                      </a:extLst>
-                    </p:cNvPr>
-                    <p:cNvSpPr/>
-                    <p:nvPr/>
-                  </p:nvSpPr>
-                  <p:spPr>
-                    <a:xfrm>
-                      <a:off x="3238499" y="266700"/>
-                      <a:ext cx="3429000" cy="6057900"/>
-                    </a:xfrm>
-                    <a:prstGeom prst="rect">
-                      <a:avLst/>
-                    </a:prstGeom>
-                    <a:ln>
-                      <a:solidFill>
-                        <a:schemeClr val="tx1"/>
-                      </a:solidFill>
-                    </a:ln>
-                  </p:spPr>
-                  <p:style>
-                    <a:lnRef idx="2">
-                      <a:schemeClr val="accent6"/>
-                    </a:lnRef>
-                    <a:fillRef idx="1">
-                      <a:schemeClr val="lt1"/>
-                    </a:fillRef>
-                    <a:effectRef idx="0">
-                      <a:schemeClr val="accent6"/>
-                    </a:effectRef>
-                    <a:fontRef idx="minor">
-                      <a:schemeClr val="dk1"/>
-                    </a:fontRef>
-                  </p:style>
-                  <p:txBody>
-                    <a:bodyPr rtlCol="0" anchor="ctr"/>
-                    <a:lstStyle/>
-                    <a:p>
-                      <a:pPr algn="ctr"/>
-                      <a:endParaRPr lang="de-DE" sz="900"/>
-                    </a:p>
-                  </p:txBody>
-                </p:sp>
-              </p:grpSp>
-              <p:pic>
-                <p:nvPicPr>
-                  <p:cNvPr id="71" name="Inhaltsplatzhalter 3" title="ScaleIT_Logo">
-                    <a:extLst>
-                      <a:ext uri="{FF2B5EF4-FFF2-40B4-BE49-F238E27FC236}">
-                        <a16:creationId xmlns:a16="http://schemas.microsoft.com/office/drawing/2014/main" id="{B4B98DD8-9236-4C46-BC63-BB051919CB99}"/>
-                      </a:ext>
-                    </a:extLst>
-                  </p:cNvPr>
-                  <p:cNvPicPr>
-                    <a:picLocks/>
-                  </p:cNvPicPr>
-                  <p:nvPr/>
-                </p:nvPicPr>
-                <p:blipFill>
-                  <a:blip r:embed="rId4">
-                    <a:extLst>
-                      <a:ext uri="{28A0092B-C50C-407E-A947-70E740481C1C}">
-                        <a14:useLocalDpi xmlns:a14="http://schemas.microsoft.com/office/drawing/2010/main" val="0"/>
-                      </a:ext>
-                    </a:extLst>
-                  </a:blip>
-                  <a:stretch>
-                    <a:fillRect/>
-                  </a:stretch>
-                </p:blipFill>
-                <p:spPr>
-                  <a:xfrm>
-                    <a:off x="5581649" y="6446536"/>
-                    <a:ext cx="1162655" cy="251920"/>
-                  </a:xfrm>
-                  <a:prstGeom prst="rect">
-                    <a:avLst/>
-                  </a:prstGeom>
-                </p:spPr>
-              </p:pic>
-            </p:grpSp>
-            <p:sp>
-              <p:nvSpPr>
-                <p:cNvPr id="69" name="Ellipse 68">
-                  <a:extLst>
-                    <a:ext uri="{FF2B5EF4-FFF2-40B4-BE49-F238E27FC236}">
-                      <a16:creationId xmlns:a16="http://schemas.microsoft.com/office/drawing/2014/main" id="{E9E70E33-E438-435F-9CDB-78CC8E074A28}"/>
-                    </a:ext>
-                  </a:extLst>
-                </p:cNvPr>
-                <p:cNvSpPr/>
-                <p:nvPr/>
-              </p:nvSpPr>
-              <p:spPr>
-                <a:xfrm>
-                  <a:off x="4824411" y="6398911"/>
-                  <a:ext cx="257175" cy="247650"/>
-                </a:xfrm>
-                <a:prstGeom prst="ellipse">
-                  <a:avLst/>
-                </a:prstGeom>
-                <a:ln>
-                  <a:solidFill>
-                    <a:schemeClr val="tx1"/>
-                  </a:solidFill>
-                </a:ln>
-              </p:spPr>
-              <p:style>
-                <a:lnRef idx="2">
-                  <a:schemeClr val="accent6"/>
-                </a:lnRef>
-                <a:fillRef idx="1">
-                  <a:schemeClr val="lt1"/>
-                </a:fillRef>
-                <a:effectRef idx="0">
-                  <a:schemeClr val="accent6"/>
-                </a:effectRef>
-                <a:fontRef idx="minor">
-                  <a:schemeClr val="dk1"/>
-                </a:fontRef>
-              </p:style>
-              <p:txBody>
-                <a:bodyPr rtlCol="0" anchor="ctr"/>
-                <a:lstStyle/>
-                <a:p>
-                  <a:pPr algn="ctr"/>
-                  <a:endParaRPr lang="de-DE" sz="900"/>
-                </a:p>
-              </p:txBody>
-            </p:sp>
-          </p:grpSp>
-          <p:pic>
-            <p:nvPicPr>
-              <p:cNvPr id="65" name="Grafik 64">
-                <a:extLst>
-                  <a:ext uri="{FF2B5EF4-FFF2-40B4-BE49-F238E27FC236}">
-                    <a16:creationId xmlns:a16="http://schemas.microsoft.com/office/drawing/2014/main" id="{671B1D6F-EF4B-4AAC-B45B-7832AA3358B0}"/>
-                  </a:ext>
-                </a:extLst>
-              </p:cNvPr>
-              <p:cNvPicPr>
-                <a:picLocks noChangeAspect="1"/>
-              </p:cNvPicPr>
-              <p:nvPr/>
-            </p:nvPicPr>
-            <p:blipFill>
-              <a:blip r:embed="rId5">
-                <a:extLst>
-                  <a:ext uri="{28A0092B-C50C-407E-A947-70E740481C1C}">
-                    <a14:useLocalDpi xmlns:a14="http://schemas.microsoft.com/office/drawing/2010/main" val="0"/>
-                  </a:ext>
-                </a:extLst>
-              </a:blip>
-              <a:stretch>
-                <a:fillRect/>
-              </a:stretch>
-            </p:blipFill>
-            <p:spPr>
-              <a:xfrm>
-                <a:off x="5869337" y="285153"/>
-                <a:ext cx="192327" cy="190760"/>
-              </a:xfrm>
-              <a:prstGeom prst="rect">
-                <a:avLst/>
-              </a:prstGeom>
-            </p:spPr>
-          </p:pic>
-          <p:pic>
-            <p:nvPicPr>
-              <p:cNvPr id="66" name="Grafik 65">
-                <a:extLst>
-                  <a:ext uri="{FF2B5EF4-FFF2-40B4-BE49-F238E27FC236}">
-                    <a16:creationId xmlns:a16="http://schemas.microsoft.com/office/drawing/2014/main" id="{09266838-35E3-43D3-88C2-309B341DD233}"/>
-                  </a:ext>
-                </a:extLst>
-              </p:cNvPr>
-              <p:cNvPicPr>
-                <a:picLocks noChangeAspect="1"/>
-              </p:cNvPicPr>
-              <p:nvPr/>
-            </p:nvPicPr>
-            <p:blipFill>
-              <a:blip r:embed="rId6">
-                <a:extLst>
-                  <a:ext uri="{28A0092B-C50C-407E-A947-70E740481C1C}">
-                    <a14:useLocalDpi xmlns:a14="http://schemas.microsoft.com/office/drawing/2010/main" val="0"/>
-                  </a:ext>
-                </a:extLst>
-              </a:blip>
-              <a:stretch>
-                <a:fillRect/>
-              </a:stretch>
-            </p:blipFill>
-            <p:spPr>
-              <a:xfrm>
-                <a:off x="6082061" y="290410"/>
-                <a:ext cx="187362" cy="185835"/>
-              </a:xfrm>
-              <a:prstGeom prst="rect">
-                <a:avLst/>
-              </a:prstGeom>
-            </p:spPr>
-          </p:pic>
-          <p:sp>
-            <p:nvSpPr>
-              <p:cNvPr id="67" name="Textfeld 66">
-                <a:extLst>
-                  <a:ext uri="{FF2B5EF4-FFF2-40B4-BE49-F238E27FC236}">
-                    <a16:creationId xmlns:a16="http://schemas.microsoft.com/office/drawing/2014/main" id="{30F7406C-C3A1-41EA-8069-91717D27D6C4}"/>
-                  </a:ext>
-                </a:extLst>
-              </p:cNvPr>
-              <p:cNvSpPr txBox="1"/>
-              <p:nvPr/>
-            </p:nvSpPr>
-            <p:spPr>
-              <a:xfrm>
-                <a:off x="6131818" y="254354"/>
-                <a:ext cx="613072" cy="289091"/>
-              </a:xfrm>
-              <a:prstGeom prst="rect">
-                <a:avLst/>
-              </a:prstGeom>
-              <a:noFill/>
-            </p:spPr>
-            <p:txBody>
-              <a:bodyPr wrap="square" rtlCol="0">
-                <a:spAutoFit/>
-              </a:bodyPr>
-              <a:lstStyle/>
-              <a:p>
-                <a:r>
-                  <a:rPr lang="de-DE" sz="700" dirty="0"/>
-                  <a:t>16:00</a:t>
-                </a:r>
-                <a:endParaRPr lang="de-DE" sz="1000" dirty="0"/>
-              </a:p>
-            </p:txBody>
-          </p:sp>
-        </p:grpSp>
-        <p:grpSp>
-          <p:nvGrpSpPr>
-            <p:cNvPr id="58" name="Gruppieren 57">
-              <a:extLst>
-                <a:ext uri="{FF2B5EF4-FFF2-40B4-BE49-F238E27FC236}">
-                  <a16:creationId xmlns:a16="http://schemas.microsoft.com/office/drawing/2014/main" id="{ACDFED1E-7594-4F35-890B-93870C29FFA8}"/>
-                </a:ext>
-              </a:extLst>
-            </p:cNvPr>
-            <p:cNvGrpSpPr/>
-            <p:nvPr/>
-          </p:nvGrpSpPr>
-          <p:grpSpPr>
-            <a:xfrm>
-              <a:off x="5656183" y="310106"/>
-              <a:ext cx="147144" cy="136633"/>
-              <a:chOff x="-515006" y="977461"/>
-              <a:chExt cx="1045778" cy="893379"/>
-            </a:xfrm>
-          </p:grpSpPr>
-          <p:sp>
-            <p:nvSpPr>
-              <p:cNvPr id="59" name="Rechtwinkliges Dreieck 58">
-                <a:extLst>
-                  <a:ext uri="{FF2B5EF4-FFF2-40B4-BE49-F238E27FC236}">
-                    <a16:creationId xmlns:a16="http://schemas.microsoft.com/office/drawing/2014/main" id="{94C3B261-4971-47DD-BD38-CCDF3F3D5C6A}"/>
-                  </a:ext>
-                </a:extLst>
-              </p:cNvPr>
-              <p:cNvSpPr/>
-              <p:nvPr/>
-            </p:nvSpPr>
-            <p:spPr>
-              <a:xfrm flipH="1">
-                <a:off x="-515006" y="977461"/>
-                <a:ext cx="1045778" cy="893379"/>
-              </a:xfrm>
-              <a:prstGeom prst="rtTriangle">
-                <a:avLst/>
-              </a:prstGeom>
-              <a:ln/>
-            </p:spPr>
-            <p:style>
-              <a:lnRef idx="2">
-                <a:schemeClr val="dk1"/>
-              </a:lnRef>
-              <a:fillRef idx="1">
-                <a:schemeClr val="lt1"/>
-              </a:fillRef>
-              <a:effectRef idx="0">
-                <a:schemeClr val="dk1"/>
-              </a:effectRef>
-              <a:fontRef idx="minor">
-                <a:schemeClr val="dk1"/>
-              </a:fontRef>
-            </p:style>
-            <p:txBody>
-              <a:bodyPr rtlCol="0" anchor="ctr"/>
-              <a:lstStyle/>
-              <a:p>
-                <a:pPr algn="ctr"/>
-                <a:endParaRPr lang="de-DE" sz="900"/>
-              </a:p>
-            </p:txBody>
-          </p:sp>
-          <p:cxnSp>
-            <p:nvCxnSpPr>
-              <p:cNvPr id="60" name="Gerader Verbinder 59">
-                <a:extLst>
-                  <a:ext uri="{FF2B5EF4-FFF2-40B4-BE49-F238E27FC236}">
-                    <a16:creationId xmlns:a16="http://schemas.microsoft.com/office/drawing/2014/main" id="{E279ED4E-4D59-4D0B-A67C-650EED253BC1}"/>
-                  </a:ext>
-                </a:extLst>
-              </p:cNvPr>
-              <p:cNvCxnSpPr>
-                <a:cxnSpLocks/>
-              </p:cNvCxnSpPr>
-              <p:nvPr/>
-            </p:nvCxnSpPr>
-            <p:spPr>
-              <a:xfrm>
-                <a:off x="294290" y="1161393"/>
-                <a:ext cx="0" cy="698938"/>
-              </a:xfrm>
-              <a:prstGeom prst="line">
-                <a:avLst/>
-              </a:prstGeom>
-              <a:ln w="9525"/>
-            </p:spPr>
-            <p:style>
-              <a:lnRef idx="1">
-                <a:schemeClr val="dk1"/>
-              </a:lnRef>
-              <a:fillRef idx="0">
-                <a:schemeClr val="dk1"/>
-              </a:fillRef>
-              <a:effectRef idx="0">
-                <a:schemeClr val="dk1"/>
-              </a:effectRef>
-              <a:fontRef idx="minor">
-                <a:schemeClr val="tx1"/>
-              </a:fontRef>
-            </p:style>
-          </p:cxnSp>
-          <p:cxnSp>
-            <p:nvCxnSpPr>
-              <p:cNvPr id="61" name="Gerader Verbinder 60">
-                <a:extLst>
-                  <a:ext uri="{FF2B5EF4-FFF2-40B4-BE49-F238E27FC236}">
-                    <a16:creationId xmlns:a16="http://schemas.microsoft.com/office/drawing/2014/main" id="{978FBFBF-D409-41A5-873D-708306629FA8}"/>
-                  </a:ext>
-                </a:extLst>
-              </p:cNvPr>
-              <p:cNvCxnSpPr>
-                <a:cxnSpLocks/>
-              </p:cNvCxnSpPr>
-              <p:nvPr/>
-            </p:nvCxnSpPr>
-            <p:spPr>
-              <a:xfrm>
-                <a:off x="23648" y="1424151"/>
-                <a:ext cx="0" cy="446689"/>
-              </a:xfrm>
-              <a:prstGeom prst="line">
-                <a:avLst/>
-              </a:prstGeom>
-              <a:ln w="9525"/>
-            </p:spPr>
-            <p:style>
-              <a:lnRef idx="1">
-                <a:schemeClr val="dk1"/>
-              </a:lnRef>
-              <a:fillRef idx="0">
-                <a:schemeClr val="dk1"/>
-              </a:fillRef>
-              <a:effectRef idx="0">
-                <a:schemeClr val="dk1"/>
-              </a:effectRef>
-              <a:fontRef idx="minor">
-                <a:schemeClr val="tx1"/>
-              </a:fontRef>
-            </p:style>
-          </p:cxnSp>
-          <p:cxnSp>
-            <p:nvCxnSpPr>
-              <p:cNvPr id="62" name="Gerader Verbinder 61">
-                <a:extLst>
-                  <a:ext uri="{FF2B5EF4-FFF2-40B4-BE49-F238E27FC236}">
-                    <a16:creationId xmlns:a16="http://schemas.microsoft.com/office/drawing/2014/main" id="{E2B9A883-896C-4572-9325-E847CFF9AD3F}"/>
-                  </a:ext>
-                </a:extLst>
-              </p:cNvPr>
-              <p:cNvCxnSpPr>
-                <a:cxnSpLocks/>
-              </p:cNvCxnSpPr>
-              <p:nvPr/>
-            </p:nvCxnSpPr>
-            <p:spPr>
-              <a:xfrm>
-                <a:off x="-223342" y="1602828"/>
-                <a:ext cx="0" cy="257503"/>
-              </a:xfrm>
-              <a:prstGeom prst="line">
-                <a:avLst/>
-              </a:prstGeom>
-              <a:ln w="9525"/>
-            </p:spPr>
-            <p:style>
-              <a:lnRef idx="1">
-                <a:schemeClr val="dk1"/>
-              </a:lnRef>
-              <a:fillRef idx="0">
-                <a:schemeClr val="dk1"/>
-              </a:fillRef>
-              <a:effectRef idx="0">
-                <a:schemeClr val="dk1"/>
-              </a:effectRef>
-              <a:fontRef idx="minor">
-                <a:schemeClr val="tx1"/>
-              </a:fontRef>
-            </p:style>
-          </p:cxnSp>
-        </p:grpSp>
-      </p:grpSp>
-      <p:grpSp>
-        <p:nvGrpSpPr>
-          <p:cNvPr id="74" name="Gruppieren 73">
-            <a:extLst>
-              <a:ext uri="{FF2B5EF4-FFF2-40B4-BE49-F238E27FC236}">
-                <a16:creationId xmlns:a16="http://schemas.microsoft.com/office/drawing/2014/main" id="{645CD295-6201-4343-8B6E-B70AE797782A}"/>
-              </a:ext>
-            </a:extLst>
-          </p:cNvPr>
-          <p:cNvGrpSpPr/>
-          <p:nvPr/>
-        </p:nvGrpSpPr>
-        <p:grpSpPr>
-          <a:xfrm rot="16200000">
-            <a:off x="-13287" y="2517754"/>
-            <a:ext cx="4989443" cy="5042452"/>
-            <a:chOff x="1185553" y="-214312"/>
-            <a:chExt cx="7534893" cy="7286624"/>
-          </a:xfrm>
-        </p:grpSpPr>
-        <p:grpSp>
-          <p:nvGrpSpPr>
-            <p:cNvPr id="75" name="Gruppieren 74">
-              <a:extLst>
-                <a:ext uri="{FF2B5EF4-FFF2-40B4-BE49-F238E27FC236}">
-                  <a16:creationId xmlns:a16="http://schemas.microsoft.com/office/drawing/2014/main" id="{DB20AD0E-D59F-4F1F-83A5-7C6C22A0A4C9}"/>
-                </a:ext>
-              </a:extLst>
-            </p:cNvPr>
-            <p:cNvGrpSpPr/>
-            <p:nvPr/>
-          </p:nvGrpSpPr>
-          <p:grpSpPr>
-            <a:xfrm>
-              <a:off x="1185553" y="-214312"/>
-              <a:ext cx="7534893" cy="7286624"/>
-              <a:chOff x="1185553" y="-214312"/>
-              <a:chExt cx="7534893" cy="7286624"/>
-            </a:xfrm>
-          </p:grpSpPr>
-          <p:grpSp>
-            <p:nvGrpSpPr>
-              <p:cNvPr id="81" name="Gruppieren 80">
-                <a:extLst>
-                  <a:ext uri="{FF2B5EF4-FFF2-40B4-BE49-F238E27FC236}">
-                    <a16:creationId xmlns:a16="http://schemas.microsoft.com/office/drawing/2014/main" id="{3233DAE4-10CE-48A9-8AA9-8E816F6512C9}"/>
-                  </a:ext>
-                </a:extLst>
-              </p:cNvPr>
-              <p:cNvGrpSpPr/>
-              <p:nvPr/>
-            </p:nvGrpSpPr>
-            <p:grpSpPr>
-              <a:xfrm>
-                <a:off x="1185553" y="-214312"/>
-                <a:ext cx="7534893" cy="7286624"/>
-                <a:chOff x="1185553" y="-214312"/>
-                <a:chExt cx="7534893" cy="7286624"/>
-              </a:xfrm>
-            </p:grpSpPr>
-            <p:grpSp>
-              <p:nvGrpSpPr>
-                <p:cNvPr id="85" name="Gruppieren 84">
-                  <a:extLst>
-                    <a:ext uri="{FF2B5EF4-FFF2-40B4-BE49-F238E27FC236}">
-                      <a16:creationId xmlns:a16="http://schemas.microsoft.com/office/drawing/2014/main" id="{1CA80CC6-DA8F-468A-AE52-8222D1EDAF1F}"/>
-                    </a:ext>
-                  </a:extLst>
-                </p:cNvPr>
-                <p:cNvGrpSpPr/>
-                <p:nvPr/>
-              </p:nvGrpSpPr>
-              <p:grpSpPr>
-                <a:xfrm>
-                  <a:off x="1185553" y="-214312"/>
-                  <a:ext cx="7534893" cy="7286624"/>
-                  <a:chOff x="1185553" y="-214312"/>
-                  <a:chExt cx="7534893" cy="7286624"/>
-                </a:xfrm>
-              </p:grpSpPr>
-              <p:grpSp>
-                <p:nvGrpSpPr>
-                  <p:cNvPr id="87" name="Gruppieren 86">
-                    <a:extLst>
-                      <a:ext uri="{FF2B5EF4-FFF2-40B4-BE49-F238E27FC236}">
-                        <a16:creationId xmlns:a16="http://schemas.microsoft.com/office/drawing/2014/main" id="{E631414A-D32C-43D4-8CB5-69D79FE0928F}"/>
-                      </a:ext>
-                    </a:extLst>
-                  </p:cNvPr>
-                  <p:cNvGrpSpPr/>
-                  <p:nvPr/>
-                </p:nvGrpSpPr>
-                <p:grpSpPr>
-                  <a:xfrm>
-                    <a:off x="1185553" y="-214312"/>
-                    <a:ext cx="7534893" cy="7286624"/>
-                    <a:chOff x="1185553" y="-214312"/>
-                    <a:chExt cx="7534893" cy="7286624"/>
-                  </a:xfrm>
-                </p:grpSpPr>
-                <p:pic>
-                  <p:nvPicPr>
-                    <p:cNvPr id="89" name="Grafik 88" descr="Smartphone">
-                      <a:extLst>
-                        <a:ext uri="{FF2B5EF4-FFF2-40B4-BE49-F238E27FC236}">
-                          <a16:creationId xmlns:a16="http://schemas.microsoft.com/office/drawing/2014/main" id="{6E41D45E-5689-48A7-BFE8-4AA1D2CE973E}"/>
-                        </a:ext>
-                      </a:extLst>
-                    </p:cNvPr>
-                    <p:cNvPicPr>
-                      <a:picLocks noChangeAspect="1"/>
-                    </p:cNvPicPr>
-                    <p:nvPr/>
-                  </p:nvPicPr>
-                  <p:blipFill>
-                    <a:blip r:embed="rId2">
-                      <a:extLst>
-                        <a:ext uri="{28A0092B-C50C-407E-A947-70E740481C1C}">
-                          <a14:useLocalDpi xmlns:a14="http://schemas.microsoft.com/office/drawing/2010/main" val="0"/>
-                        </a:ext>
-                        <a:ext uri="{96DAC541-7B7A-43D3-8B79-37D633B846F1}">
-                          <asvg:svgBlip xmlns:asvg="http://schemas.microsoft.com/office/drawing/2016/SVG/main" r:embed="rId3"/>
-                        </a:ext>
-                      </a:extLst>
-                    </a:blip>
-                    <a:stretch>
-                      <a:fillRect/>
-                    </a:stretch>
-                  </p:blipFill>
-                  <p:spPr>
-                    <a:xfrm>
-                      <a:off x="1185553" y="-214312"/>
-                      <a:ext cx="7534893" cy="7286624"/>
-                    </a:xfrm>
-                    <a:prstGeom prst="rect">
-                      <a:avLst/>
-                    </a:prstGeom>
-                  </p:spPr>
-                </p:pic>
-                <p:sp>
-                  <p:nvSpPr>
-                    <p:cNvPr id="90" name="Rechteck 89">
-                      <a:extLst>
-                        <a:ext uri="{FF2B5EF4-FFF2-40B4-BE49-F238E27FC236}">
-                          <a16:creationId xmlns:a16="http://schemas.microsoft.com/office/drawing/2014/main" id="{CF4AB6E4-4AB1-4106-AE6D-EE731D2A3717}"/>
-                        </a:ext>
-                      </a:extLst>
-                    </p:cNvPr>
-                    <p:cNvSpPr/>
-                    <p:nvPr/>
-                  </p:nvSpPr>
-                  <p:spPr>
-                    <a:xfrm>
-                      <a:off x="3238499" y="266700"/>
-                      <a:ext cx="3429000" cy="6057900"/>
-                    </a:xfrm>
-                    <a:prstGeom prst="rect">
-                      <a:avLst/>
-                    </a:prstGeom>
-                    <a:ln>
-                      <a:solidFill>
-                        <a:schemeClr val="tx1"/>
-                      </a:solidFill>
-                    </a:ln>
-                  </p:spPr>
-                  <p:style>
-                    <a:lnRef idx="2">
-                      <a:schemeClr val="accent6"/>
-                    </a:lnRef>
-                    <a:fillRef idx="1">
-                      <a:schemeClr val="lt1"/>
-                    </a:fillRef>
-                    <a:effectRef idx="0">
-                      <a:schemeClr val="accent6"/>
-                    </a:effectRef>
-                    <a:fontRef idx="minor">
-                      <a:schemeClr val="dk1"/>
-                    </a:fontRef>
-                  </p:style>
-                  <p:txBody>
-                    <a:bodyPr rtlCol="0" anchor="ctr"/>
-                    <a:lstStyle/>
-                    <a:p>
-                      <a:pPr algn="ctr"/>
-                      <a:endParaRPr lang="de-DE" sz="900"/>
-                    </a:p>
-                  </p:txBody>
-                </p:sp>
-              </p:grpSp>
-              <p:pic>
-                <p:nvPicPr>
-                  <p:cNvPr id="88" name="Inhaltsplatzhalter 3" title="ScaleIT_Logo">
-                    <a:extLst>
-                      <a:ext uri="{FF2B5EF4-FFF2-40B4-BE49-F238E27FC236}">
-                        <a16:creationId xmlns:a16="http://schemas.microsoft.com/office/drawing/2014/main" id="{F8B7992E-BEB4-477D-95EF-BBBD279F811E}"/>
-                      </a:ext>
-                    </a:extLst>
-                  </p:cNvPr>
-                  <p:cNvPicPr>
-                    <a:picLocks/>
-                  </p:cNvPicPr>
-                  <p:nvPr/>
-                </p:nvPicPr>
-                <p:blipFill>
-                  <a:blip r:embed="rId4">
-                    <a:extLst>
-                      <a:ext uri="{28A0092B-C50C-407E-A947-70E740481C1C}">
-                        <a14:useLocalDpi xmlns:a14="http://schemas.microsoft.com/office/drawing/2010/main" val="0"/>
-                      </a:ext>
-                    </a:extLst>
-                  </a:blip>
-                  <a:stretch>
-                    <a:fillRect/>
-                  </a:stretch>
-                </p:blipFill>
-                <p:spPr>
-                  <a:xfrm>
-                    <a:off x="5581649" y="6446536"/>
-                    <a:ext cx="1162655" cy="251920"/>
-                  </a:xfrm>
-                  <a:prstGeom prst="rect">
-                    <a:avLst/>
-                  </a:prstGeom>
-                </p:spPr>
-              </p:pic>
-            </p:grpSp>
-            <p:sp>
-              <p:nvSpPr>
-                <p:cNvPr id="86" name="Ellipse 85">
-                  <a:extLst>
-                    <a:ext uri="{FF2B5EF4-FFF2-40B4-BE49-F238E27FC236}">
-                      <a16:creationId xmlns:a16="http://schemas.microsoft.com/office/drawing/2014/main" id="{1F17DC0C-10E3-4D15-A314-0D9AF7B7C751}"/>
-                    </a:ext>
-                  </a:extLst>
-                </p:cNvPr>
-                <p:cNvSpPr/>
-                <p:nvPr/>
-              </p:nvSpPr>
-              <p:spPr>
-                <a:xfrm>
-                  <a:off x="4824411" y="6398911"/>
-                  <a:ext cx="257175" cy="247650"/>
-                </a:xfrm>
-                <a:prstGeom prst="ellipse">
-                  <a:avLst/>
-                </a:prstGeom>
-                <a:ln>
-                  <a:solidFill>
-                    <a:schemeClr val="tx1"/>
-                  </a:solidFill>
-                </a:ln>
-              </p:spPr>
-              <p:style>
-                <a:lnRef idx="2">
-                  <a:schemeClr val="accent6"/>
-                </a:lnRef>
-                <a:fillRef idx="1">
-                  <a:schemeClr val="lt1"/>
-                </a:fillRef>
-                <a:effectRef idx="0">
-                  <a:schemeClr val="accent6"/>
-                </a:effectRef>
-                <a:fontRef idx="minor">
-                  <a:schemeClr val="dk1"/>
-                </a:fontRef>
-              </p:style>
-              <p:txBody>
-                <a:bodyPr rtlCol="0" anchor="ctr"/>
-                <a:lstStyle/>
-                <a:p>
-                  <a:pPr algn="ctr"/>
-                  <a:endParaRPr lang="de-DE" sz="900"/>
-                </a:p>
-              </p:txBody>
-            </p:sp>
-          </p:grpSp>
-          <p:pic>
-            <p:nvPicPr>
-              <p:cNvPr id="82" name="Grafik 81">
-                <a:extLst>
-                  <a:ext uri="{FF2B5EF4-FFF2-40B4-BE49-F238E27FC236}">
-                    <a16:creationId xmlns:a16="http://schemas.microsoft.com/office/drawing/2014/main" id="{A86C8A60-EE38-42B7-8A92-1BC3918449FE}"/>
-                  </a:ext>
-                </a:extLst>
-              </p:cNvPr>
-              <p:cNvPicPr>
-                <a:picLocks noChangeAspect="1"/>
-              </p:cNvPicPr>
-              <p:nvPr/>
-            </p:nvPicPr>
-            <p:blipFill>
-              <a:blip r:embed="rId5">
-                <a:extLst>
-                  <a:ext uri="{28A0092B-C50C-407E-A947-70E740481C1C}">
-                    <a14:useLocalDpi xmlns:a14="http://schemas.microsoft.com/office/drawing/2010/main" val="0"/>
-                  </a:ext>
-                </a:extLst>
-              </a:blip>
-              <a:stretch>
-                <a:fillRect/>
-              </a:stretch>
-            </p:blipFill>
-            <p:spPr>
-              <a:xfrm>
-                <a:off x="5869337" y="285153"/>
-                <a:ext cx="192327" cy="190760"/>
-              </a:xfrm>
-              <a:prstGeom prst="rect">
-                <a:avLst/>
-              </a:prstGeom>
-            </p:spPr>
-          </p:pic>
-          <p:pic>
-            <p:nvPicPr>
-              <p:cNvPr id="83" name="Grafik 82">
-                <a:extLst>
-                  <a:ext uri="{FF2B5EF4-FFF2-40B4-BE49-F238E27FC236}">
-                    <a16:creationId xmlns:a16="http://schemas.microsoft.com/office/drawing/2014/main" id="{760277BE-F357-481F-87F5-AA816EF7DFAC}"/>
-                  </a:ext>
-                </a:extLst>
-              </p:cNvPr>
-              <p:cNvPicPr>
-                <a:picLocks noChangeAspect="1"/>
-              </p:cNvPicPr>
-              <p:nvPr/>
-            </p:nvPicPr>
-            <p:blipFill>
-              <a:blip r:embed="rId6">
-                <a:extLst>
-                  <a:ext uri="{28A0092B-C50C-407E-A947-70E740481C1C}">
-                    <a14:useLocalDpi xmlns:a14="http://schemas.microsoft.com/office/drawing/2010/main" val="0"/>
-                  </a:ext>
-                </a:extLst>
-              </a:blip>
-              <a:stretch>
-                <a:fillRect/>
-              </a:stretch>
-            </p:blipFill>
-            <p:spPr>
-              <a:xfrm>
-                <a:off x="6082061" y="290410"/>
-                <a:ext cx="187362" cy="185835"/>
-              </a:xfrm>
-              <a:prstGeom prst="rect">
-                <a:avLst/>
-              </a:prstGeom>
-            </p:spPr>
-          </p:pic>
-          <p:sp>
-            <p:nvSpPr>
-              <p:cNvPr id="84" name="Textfeld 83">
-                <a:extLst>
-                  <a:ext uri="{FF2B5EF4-FFF2-40B4-BE49-F238E27FC236}">
-                    <a16:creationId xmlns:a16="http://schemas.microsoft.com/office/drawing/2014/main" id="{724768DA-AEAB-4FD5-93E0-EB5C6C9A7B7A}"/>
-                  </a:ext>
-                </a:extLst>
-              </p:cNvPr>
-              <p:cNvSpPr txBox="1"/>
-              <p:nvPr/>
-            </p:nvSpPr>
-            <p:spPr>
-              <a:xfrm>
-                <a:off x="6131818" y="254354"/>
-                <a:ext cx="613072" cy="289091"/>
-              </a:xfrm>
-              <a:prstGeom prst="rect">
-                <a:avLst/>
-              </a:prstGeom>
-              <a:noFill/>
-            </p:spPr>
-            <p:txBody>
-              <a:bodyPr wrap="square" rtlCol="0">
-                <a:spAutoFit/>
-              </a:bodyPr>
-              <a:lstStyle/>
-              <a:p>
-                <a:r>
-                  <a:rPr lang="de-DE" sz="700" dirty="0"/>
-                  <a:t>16:00</a:t>
-                </a:r>
-                <a:endParaRPr lang="de-DE" sz="1000" dirty="0"/>
-              </a:p>
-            </p:txBody>
-          </p:sp>
-        </p:grpSp>
-        <p:grpSp>
-          <p:nvGrpSpPr>
-            <p:cNvPr id="76" name="Gruppieren 75">
-              <a:extLst>
-                <a:ext uri="{FF2B5EF4-FFF2-40B4-BE49-F238E27FC236}">
-                  <a16:creationId xmlns:a16="http://schemas.microsoft.com/office/drawing/2014/main" id="{B403F028-CE02-47B7-A678-AA0DE4B2AD5B}"/>
-                </a:ext>
-              </a:extLst>
-            </p:cNvPr>
-            <p:cNvGrpSpPr/>
-            <p:nvPr/>
-          </p:nvGrpSpPr>
-          <p:grpSpPr>
-            <a:xfrm>
-              <a:off x="5656183" y="310106"/>
-              <a:ext cx="147144" cy="136633"/>
-              <a:chOff x="-515006" y="977461"/>
-              <a:chExt cx="1045778" cy="893379"/>
-            </a:xfrm>
-          </p:grpSpPr>
-          <p:sp>
-            <p:nvSpPr>
-              <p:cNvPr id="77" name="Rechtwinkliges Dreieck 76">
-                <a:extLst>
-                  <a:ext uri="{FF2B5EF4-FFF2-40B4-BE49-F238E27FC236}">
-                    <a16:creationId xmlns:a16="http://schemas.microsoft.com/office/drawing/2014/main" id="{0B2270ED-5C71-48E0-A80E-2FEC0ECB4A1F}"/>
-                  </a:ext>
-                </a:extLst>
-              </p:cNvPr>
-              <p:cNvSpPr/>
-              <p:nvPr/>
-            </p:nvSpPr>
-            <p:spPr>
-              <a:xfrm flipH="1">
-                <a:off x="-515006" y="977461"/>
-                <a:ext cx="1045778" cy="893379"/>
-              </a:xfrm>
-              <a:prstGeom prst="rtTriangle">
-                <a:avLst/>
-              </a:prstGeom>
-              <a:ln/>
-            </p:spPr>
-            <p:style>
-              <a:lnRef idx="2">
-                <a:schemeClr val="dk1"/>
-              </a:lnRef>
-              <a:fillRef idx="1">
-                <a:schemeClr val="lt1"/>
-              </a:fillRef>
-              <a:effectRef idx="0">
-                <a:schemeClr val="dk1"/>
-              </a:effectRef>
-              <a:fontRef idx="minor">
-                <a:schemeClr val="dk1"/>
-              </a:fontRef>
-            </p:style>
-            <p:txBody>
-              <a:bodyPr rtlCol="0" anchor="ctr"/>
-              <a:lstStyle/>
-              <a:p>
-                <a:pPr algn="ctr"/>
-                <a:endParaRPr lang="de-DE" sz="900"/>
-              </a:p>
-            </p:txBody>
-          </p:sp>
-          <p:cxnSp>
-            <p:nvCxnSpPr>
-              <p:cNvPr id="78" name="Gerader Verbinder 77">
-                <a:extLst>
-                  <a:ext uri="{FF2B5EF4-FFF2-40B4-BE49-F238E27FC236}">
-                    <a16:creationId xmlns:a16="http://schemas.microsoft.com/office/drawing/2014/main" id="{A39D0E7D-0947-4930-A0F4-9BEEFFDEF69B}"/>
-                  </a:ext>
-                </a:extLst>
-              </p:cNvPr>
-              <p:cNvCxnSpPr>
-                <a:cxnSpLocks/>
-              </p:cNvCxnSpPr>
-              <p:nvPr/>
-            </p:nvCxnSpPr>
-            <p:spPr>
-              <a:xfrm>
-                <a:off x="294290" y="1161393"/>
-                <a:ext cx="0" cy="698938"/>
-              </a:xfrm>
-              <a:prstGeom prst="line">
-                <a:avLst/>
-              </a:prstGeom>
-              <a:ln w="9525"/>
-            </p:spPr>
-            <p:style>
-              <a:lnRef idx="1">
-                <a:schemeClr val="dk1"/>
-              </a:lnRef>
-              <a:fillRef idx="0">
-                <a:schemeClr val="dk1"/>
-              </a:fillRef>
-              <a:effectRef idx="0">
-                <a:schemeClr val="dk1"/>
-              </a:effectRef>
-              <a:fontRef idx="minor">
-                <a:schemeClr val="tx1"/>
-              </a:fontRef>
-            </p:style>
-          </p:cxnSp>
-          <p:cxnSp>
-            <p:nvCxnSpPr>
-              <p:cNvPr id="79" name="Gerader Verbinder 78">
-                <a:extLst>
-                  <a:ext uri="{FF2B5EF4-FFF2-40B4-BE49-F238E27FC236}">
-                    <a16:creationId xmlns:a16="http://schemas.microsoft.com/office/drawing/2014/main" id="{78B67426-5F62-45EF-9DF0-ABAFD3F97308}"/>
-                  </a:ext>
-                </a:extLst>
-              </p:cNvPr>
-              <p:cNvCxnSpPr>
-                <a:cxnSpLocks/>
-              </p:cNvCxnSpPr>
-              <p:nvPr/>
-            </p:nvCxnSpPr>
-            <p:spPr>
-              <a:xfrm>
-                <a:off x="23648" y="1424151"/>
-                <a:ext cx="0" cy="446689"/>
-              </a:xfrm>
-              <a:prstGeom prst="line">
-                <a:avLst/>
-              </a:prstGeom>
-              <a:ln w="9525"/>
-            </p:spPr>
-            <p:style>
-              <a:lnRef idx="1">
-                <a:schemeClr val="dk1"/>
-              </a:lnRef>
-              <a:fillRef idx="0">
-                <a:schemeClr val="dk1"/>
-              </a:fillRef>
-              <a:effectRef idx="0">
-                <a:schemeClr val="dk1"/>
-              </a:effectRef>
-              <a:fontRef idx="minor">
-                <a:schemeClr val="tx1"/>
-              </a:fontRef>
-            </p:style>
-          </p:cxnSp>
-          <p:cxnSp>
-            <p:nvCxnSpPr>
-              <p:cNvPr id="80" name="Gerader Verbinder 79">
-                <a:extLst>
-                  <a:ext uri="{FF2B5EF4-FFF2-40B4-BE49-F238E27FC236}">
-                    <a16:creationId xmlns:a16="http://schemas.microsoft.com/office/drawing/2014/main" id="{C2BE9634-AD8F-48F1-B3D3-985E5A8A1198}"/>
-                  </a:ext>
-                </a:extLst>
-              </p:cNvPr>
-              <p:cNvCxnSpPr>
-                <a:cxnSpLocks/>
-              </p:cNvCxnSpPr>
-              <p:nvPr/>
-            </p:nvCxnSpPr>
-            <p:spPr>
-              <a:xfrm>
-                <a:off x="-223342" y="1602828"/>
-                <a:ext cx="0" cy="257503"/>
-              </a:xfrm>
-              <a:prstGeom prst="line">
-                <a:avLst/>
-              </a:prstGeom>
-              <a:ln w="9525"/>
-            </p:spPr>
-            <p:style>
-              <a:lnRef idx="1">
-                <a:schemeClr val="dk1"/>
-              </a:lnRef>
-              <a:fillRef idx="0">
-                <a:schemeClr val="dk1"/>
-              </a:fillRef>
-              <a:effectRef idx="0">
-                <a:schemeClr val="dk1"/>
-              </a:effectRef>
-              <a:fontRef idx="minor">
-                <a:schemeClr val="tx1"/>
-              </a:fontRef>
-            </p:style>
-          </p:cxnSp>
-        </p:grpSp>
-      </p:grpSp>
+        <p:txBody>
+          <a:bodyPr rtlCol="0" anchor="ctr"/>
+          <a:lstStyle/>
+          <a:p>
+            <a:pPr algn="ctr"/>
+            <a:endParaRPr lang="de-DE"/>
+          </a:p>
+        </p:txBody>
+      </p:sp>
     </p:spTree>
     <p:extLst>
       <p:ext uri="{BB962C8B-B14F-4D97-AF65-F5344CB8AC3E}">
-        <p14:creationId xmlns:p14="http://schemas.microsoft.com/office/powerpoint/2010/main" val="605539988"/>
+        <p14:creationId xmlns:p14="http://schemas.microsoft.com/office/powerpoint/2010/main" val="1824381613"/>
       </p:ext>
     </p:extLst>
   </p:cSld>
@@ -19833,7 +19304,7 @@
     </p:spTree>
     <p:extLst>
       <p:ext uri="{BB962C8B-B14F-4D97-AF65-F5344CB8AC3E}">
-        <p14:creationId xmlns:p14="http://schemas.microsoft.com/office/powerpoint/2010/main" val="1824381613"/>
+        <p14:creationId xmlns:p14="http://schemas.microsoft.com/office/powerpoint/2010/main" val="1150310636"/>
       </p:ext>
     </p:extLst>
   </p:cSld>
@@ -19862,10 +19333,10 @@
       </p:grpSpPr>
       <p:grpSp>
         <p:nvGrpSpPr>
-          <p:cNvPr id="2" name="Gruppieren 1">
+          <p:cNvPr id="3" name="Gruppieren 2">
             <a:extLst>
               <a:ext uri="{FF2B5EF4-FFF2-40B4-BE49-F238E27FC236}">
-                <a16:creationId xmlns:a16="http://schemas.microsoft.com/office/drawing/2014/main" id="{8CE65273-A175-43B6-9124-045B2211D960}"/>
+                <a16:creationId xmlns:a16="http://schemas.microsoft.com/office/drawing/2014/main" id="{FC53B0ED-9C6A-4AC2-981D-6AD57E3B6C8D}"/>
               </a:ext>
             </a:extLst>
           </p:cNvPr>
@@ -19874,18 +19345,18 @@
         </p:nvGrpSpPr>
         <p:grpSpPr>
           <a:xfrm>
-            <a:off x="251792" y="-1020421"/>
-            <a:ext cx="9396959" cy="8823376"/>
-            <a:chOff x="5074992" y="85916"/>
-            <a:chExt cx="3537345" cy="3537345"/>
+            <a:off x="-298176" y="-1524000"/>
+            <a:ext cx="10707756" cy="9892747"/>
+            <a:chOff x="846936" y="205366"/>
+            <a:chExt cx="5645485" cy="5645485"/>
           </a:xfrm>
         </p:grpSpPr>
         <p:pic>
           <p:nvPicPr>
-            <p:cNvPr id="3" name="Grafik 2" descr="Computer">
+            <p:cNvPr id="8" name="Grafik 7" descr="Tablet">
               <a:extLst>
                 <a:ext uri="{FF2B5EF4-FFF2-40B4-BE49-F238E27FC236}">
-                  <a16:creationId xmlns:a16="http://schemas.microsoft.com/office/drawing/2014/main" id="{53D04705-8BC4-4C67-B551-9B478F2CCFE6}"/>
+                  <a16:creationId xmlns:a16="http://schemas.microsoft.com/office/drawing/2014/main" id="{2488CA38-3AC8-4185-B7CF-5C53D516A786}"/>
                 </a:ext>
               </a:extLst>
             </p:cNvPr>
@@ -19911,8 +19382,8 @@
           </p:blipFill>
           <p:spPr>
             <a:xfrm>
-              <a:off x="5074992" y="85916"/>
-              <a:ext cx="3537345" cy="3537345"/>
+              <a:off x="846936" y="205366"/>
+              <a:ext cx="5645485" cy="5645485"/>
             </a:xfrm>
             <a:prstGeom prst="rect">
               <a:avLst/>
@@ -19921,10 +19392,10 @@
         </p:pic>
         <p:pic>
           <p:nvPicPr>
-            <p:cNvPr id="4" name="Inhaltsplatzhalter 3" title="ScaleIT_Logo">
+            <p:cNvPr id="9" name="Inhaltsplatzhalter 3" title="ScaleIT_Logo">
               <a:extLst>
                 <a:ext uri="{FF2B5EF4-FFF2-40B4-BE49-F238E27FC236}">
-                  <a16:creationId xmlns:a16="http://schemas.microsoft.com/office/drawing/2014/main" id="{710E51E1-F408-487B-99C9-22041EEE61A9}"/>
+                  <a16:creationId xmlns:a16="http://schemas.microsoft.com/office/drawing/2014/main" id="{55D8DB2A-C0E2-4BD1-AC21-EE1BF356B939}"/>
                 </a:ext>
               </a:extLst>
             </p:cNvPr>
@@ -19947,8 +19418,8 @@
           </p:blipFill>
           <p:spPr>
             <a:xfrm>
-              <a:off x="7662014" y="1719544"/>
-              <a:ext cx="730643" cy="189582"/>
+              <a:off x="5377998" y="4491474"/>
+              <a:ext cx="477550" cy="138017"/>
             </a:xfrm>
             <a:prstGeom prst="rect">
               <a:avLst/>
@@ -19958,10 +19429,10 @@
       </p:grpSp>
       <p:sp>
         <p:nvSpPr>
-          <p:cNvPr id="5" name="Rechteck 4">
+          <p:cNvPr id="10" name="Rechteck 9">
             <a:extLst>
               <a:ext uri="{FF2B5EF4-FFF2-40B4-BE49-F238E27FC236}">
-                <a16:creationId xmlns:a16="http://schemas.microsoft.com/office/drawing/2014/main" id="{40CD0326-3EFA-4E43-B2B2-C53F8A73D151}"/>
+                <a16:creationId xmlns:a16="http://schemas.microsoft.com/office/drawing/2014/main" id="{4680C422-D169-4A66-B99B-8E6887C84B4F}"/>
               </a:ext>
             </a:extLst>
           </p:cNvPr>
@@ -19970,8 +19441,8 @@
         </p:nvSpPr>
         <p:spPr>
           <a:xfrm>
-            <a:off x="695740" y="1040296"/>
-            <a:ext cx="5353877" cy="3591339"/>
+            <a:off x="801756" y="715618"/>
+            <a:ext cx="8479382" cy="5221356"/>
           </a:xfrm>
           <a:prstGeom prst="rect">
             <a:avLst/>
@@ -20005,10 +19476,226 @@
           </a:p>
         </p:txBody>
       </p:sp>
+      <p:sp>
+        <p:nvSpPr>
+          <p:cNvPr id="12" name="Rechteck 11">
+            <a:extLst>
+              <a:ext uri="{FF2B5EF4-FFF2-40B4-BE49-F238E27FC236}">
+                <a16:creationId xmlns:a16="http://schemas.microsoft.com/office/drawing/2014/main" id="{DBD22CEB-E33F-4E4B-9213-AEF84E86B40A}"/>
+              </a:ext>
+            </a:extLst>
+          </p:cNvPr>
+          <p:cNvSpPr/>
+          <p:nvPr/>
+        </p:nvSpPr>
+        <p:spPr>
+          <a:xfrm>
+            <a:off x="3922643" y="5943600"/>
+            <a:ext cx="2199861" cy="218661"/>
+          </a:xfrm>
+          <a:prstGeom prst="rect">
+            <a:avLst/>
+          </a:prstGeom>
+          <a:solidFill>
+            <a:schemeClr val="tx1"/>
+          </a:solidFill>
+          <a:ln>
+            <a:solidFill>
+              <a:schemeClr val="tx1"/>
+            </a:solidFill>
+          </a:ln>
+        </p:spPr>
+        <p:style>
+          <a:lnRef idx="2">
+            <a:schemeClr val="accent1">
+              <a:shade val="50000"/>
+            </a:schemeClr>
+          </a:lnRef>
+          <a:fillRef idx="1">
+            <a:schemeClr val="accent1"/>
+          </a:fillRef>
+          <a:effectRef idx="0">
+            <a:schemeClr val="accent1"/>
+          </a:effectRef>
+          <a:fontRef idx="minor">
+            <a:schemeClr val="lt1"/>
+          </a:fontRef>
+        </p:style>
+        <p:txBody>
+          <a:bodyPr rtlCol="0" anchor="ctr"/>
+          <a:lstStyle/>
+          <a:p>
+            <a:pPr algn="ctr"/>
+            <a:endParaRPr lang="de-DE"/>
+          </a:p>
+        </p:txBody>
+      </p:sp>
+      <p:sp>
+        <p:nvSpPr>
+          <p:cNvPr id="13" name="Ellipse 12">
+            <a:extLst>
+              <a:ext uri="{FF2B5EF4-FFF2-40B4-BE49-F238E27FC236}">
+                <a16:creationId xmlns:a16="http://schemas.microsoft.com/office/drawing/2014/main" id="{23E50D8B-64CE-4B16-A213-5B1B26C52A5F}"/>
+              </a:ext>
+            </a:extLst>
+          </p:cNvPr>
+          <p:cNvSpPr/>
+          <p:nvPr/>
+        </p:nvSpPr>
+        <p:spPr>
+          <a:xfrm>
+            <a:off x="4938742" y="6026425"/>
+            <a:ext cx="205409" cy="205409"/>
+          </a:xfrm>
+          <a:prstGeom prst="ellipse">
+            <a:avLst/>
+          </a:prstGeom>
+          <a:solidFill>
+            <a:schemeClr val="bg1"/>
+          </a:solidFill>
+          <a:ln>
+            <a:solidFill>
+              <a:schemeClr val="tx1"/>
+            </a:solidFill>
+          </a:ln>
+        </p:spPr>
+        <p:style>
+          <a:lnRef idx="2">
+            <a:schemeClr val="accent1">
+              <a:shade val="50000"/>
+            </a:schemeClr>
+          </a:lnRef>
+          <a:fillRef idx="1">
+            <a:schemeClr val="accent1"/>
+          </a:fillRef>
+          <a:effectRef idx="0">
+            <a:schemeClr val="accent1"/>
+          </a:effectRef>
+          <a:fontRef idx="minor">
+            <a:schemeClr val="lt1"/>
+          </a:fontRef>
+        </p:style>
+        <p:txBody>
+          <a:bodyPr rtlCol="0" anchor="ctr"/>
+          <a:lstStyle/>
+          <a:p>
+            <a:pPr algn="ctr"/>
+            <a:endParaRPr lang="de-DE"/>
+          </a:p>
+        </p:txBody>
+      </p:sp>
+      <p:pic>
+        <p:nvPicPr>
+          <p:cNvPr id="14" name="Grafik 13">
+            <a:extLst>
+              <a:ext uri="{FF2B5EF4-FFF2-40B4-BE49-F238E27FC236}">
+                <a16:creationId xmlns:a16="http://schemas.microsoft.com/office/drawing/2014/main" id="{454CF4C6-0464-41E3-90AE-891BF851BFA7}"/>
+              </a:ext>
+            </a:extLst>
+          </p:cNvPr>
+          <p:cNvPicPr>
+            <a:picLocks noChangeAspect="1"/>
+          </p:cNvPicPr>
+          <p:nvPr/>
+        </p:nvPicPr>
+        <p:blipFill>
+          <a:blip r:embed="rId5">
+            <a:extLst>
+              <a:ext uri="{28A0092B-C50C-407E-A947-70E740481C1C}">
+                <a14:useLocalDpi xmlns:a14="http://schemas.microsoft.com/office/drawing/2010/main" val="0"/>
+              </a:ext>
+            </a:extLst>
+          </a:blip>
+          <a:stretch>
+            <a:fillRect/>
+          </a:stretch>
+        </p:blipFill>
+        <p:spPr>
+          <a:xfrm>
+            <a:off x="876939" y="754462"/>
+            <a:ext cx="257628" cy="238019"/>
+          </a:xfrm>
+          <a:prstGeom prst="rect">
+            <a:avLst/>
+          </a:prstGeom>
+        </p:spPr>
+      </p:pic>
+      <p:pic>
+        <p:nvPicPr>
+          <p:cNvPr id="15" name="Grafik 14">
+            <a:extLst>
+              <a:ext uri="{FF2B5EF4-FFF2-40B4-BE49-F238E27FC236}">
+                <a16:creationId xmlns:a16="http://schemas.microsoft.com/office/drawing/2014/main" id="{D0E52042-E5F0-4DC4-B637-EF6E3FF376D2}"/>
+              </a:ext>
+            </a:extLst>
+          </p:cNvPr>
+          <p:cNvPicPr>
+            <a:picLocks noChangeAspect="1"/>
+          </p:cNvPicPr>
+          <p:nvPr/>
+        </p:nvPicPr>
+        <p:blipFill>
+          <a:blip r:embed="rId6">
+            <a:extLst>
+              <a:ext uri="{28A0092B-C50C-407E-A947-70E740481C1C}">
+                <a14:useLocalDpi xmlns:a14="http://schemas.microsoft.com/office/drawing/2010/main" val="0"/>
+              </a:ext>
+            </a:extLst>
+          </a:blip>
+          <a:stretch>
+            <a:fillRect/>
+          </a:stretch>
+        </p:blipFill>
+        <p:spPr>
+          <a:xfrm rot="16200000">
+            <a:off x="1302752" y="701933"/>
+            <a:ext cx="332210" cy="359579"/>
+          </a:xfrm>
+          <a:prstGeom prst="rect">
+            <a:avLst/>
+          </a:prstGeom>
+        </p:spPr>
+      </p:pic>
+      <p:pic>
+        <p:nvPicPr>
+          <p:cNvPr id="16" name="Grafik 15">
+            <a:extLst>
+              <a:ext uri="{FF2B5EF4-FFF2-40B4-BE49-F238E27FC236}">
+                <a16:creationId xmlns:a16="http://schemas.microsoft.com/office/drawing/2014/main" id="{B2E3FD90-BB71-4CD2-BCE6-85F6BFCDB57D}"/>
+              </a:ext>
+            </a:extLst>
+          </p:cNvPr>
+          <p:cNvPicPr>
+            <a:picLocks noChangeAspect="1"/>
+          </p:cNvPicPr>
+          <p:nvPr/>
+        </p:nvPicPr>
+        <p:blipFill>
+          <a:blip r:embed="rId7">
+            <a:extLst>
+              <a:ext uri="{28A0092B-C50C-407E-A947-70E740481C1C}">
+                <a14:useLocalDpi xmlns:a14="http://schemas.microsoft.com/office/drawing/2010/main" val="0"/>
+              </a:ext>
+            </a:extLst>
+          </a:blip>
+          <a:stretch>
+            <a:fillRect/>
+          </a:stretch>
+        </p:blipFill>
+        <p:spPr>
+          <a:xfrm>
+            <a:off x="1827035" y="758212"/>
+            <a:ext cx="253569" cy="234269"/>
+          </a:xfrm>
+          <a:prstGeom prst="rect">
+            <a:avLst/>
+          </a:prstGeom>
+        </p:spPr>
+      </p:pic>
     </p:spTree>
     <p:extLst>
       <p:ext uri="{BB962C8B-B14F-4D97-AF65-F5344CB8AC3E}">
-        <p14:creationId xmlns:p14="http://schemas.microsoft.com/office/powerpoint/2010/main" val="1150310636"/>
+        <p14:creationId xmlns:p14="http://schemas.microsoft.com/office/powerpoint/2010/main" val="3777763640"/>
       </p:ext>
     </p:extLst>
   </p:cSld>
